--- a/Capstone.pptx
+++ b/Capstone.pptx
@@ -9422,13 +9422,13 @@
   <p:clrMapOvr>
     <a:masterClrMapping/>
   </p:clrMapOvr>
-  <mc:AlternateContent xmlns:mc="http://schemas.openxmlformats.org/markup-compatibility/2006">
-    <mc:Choice xmlns:p14="http://schemas.microsoft.com/office/powerpoint/2010/main" Requires="p14">
+  <mc:AlternateContent xmlns:mc="http://schemas.openxmlformats.org/markup-compatibility/2006" xmlns:p14="http://schemas.microsoft.com/office/powerpoint/2010/main">
+    <mc:Choice Requires="p14">
       <p:transition spd="med" p14:dur="700">
         <p:fade/>
       </p:transition>
     </mc:Choice>
-    <mc:Fallback>
+    <mc:Fallback xmlns="">
       <p:transition spd="med">
         <p:fade/>
       </p:transition>
@@ -9750,7 +9750,7 @@
         </p:nvCxnSpPr>
         <p:spPr>
           <a:xfrm>
-            <a:off x="7202294" y="3991372"/>
+            <a:off x="7241608" y="3970041"/>
             <a:ext cx="980350" cy="805781"/>
           </a:xfrm>
           <a:prstGeom prst="straightConnector1">
@@ -9946,7 +9946,7 @@
         <p:spPr>
           <a:xfrm>
             <a:off x="8195283" y="2852936"/>
-            <a:ext cx="3456384" cy="576064"/>
+            <a:ext cx="3456384" cy="923330"/>
           </a:xfrm>
           <a:prstGeom prst="rect">
             <a:avLst/>
@@ -9964,7 +9964,11 @@
           </a:bodyPr>
           <a:lstStyle/>
           <a:p>
-            <a:endParaRPr lang="en-AU" dirty="0"/>
+            <a:pPr algn="ctr"/>
+            <a:r>
+              <a:rPr lang="en-AU" dirty="0"/>
+              <a:t>Top 5 Used Cars in India were: Maruti, Hyundai, Honda, Toyota, Mercedes Benz</a:t>
+            </a:r>
           </a:p>
         </p:txBody>
       </p:sp>
@@ -9982,7 +9986,7 @@
         </p:nvSpPr>
         <p:spPr>
           <a:xfrm>
-            <a:off x="8182644" y="4509121"/>
+            <a:off x="8221958" y="4487790"/>
             <a:ext cx="3456384" cy="576064"/>
           </a:xfrm>
           <a:prstGeom prst="rect">
@@ -10532,6 +10536,36 @@
           </a:graphicData>
         </a:graphic>
       </p:graphicFrame>
+      <p:pic>
+        <p:nvPicPr>
+          <p:cNvPr id="4" name="Picture 3">
+            <a:extLst>
+              <a:ext uri="{FF2B5EF4-FFF2-40B4-BE49-F238E27FC236}">
+                <a16:creationId xmlns:a16="http://schemas.microsoft.com/office/drawing/2014/main" id="{AEB531EE-AB4A-6E57-682C-EFD0C1656544}"/>
+              </a:ext>
+            </a:extLst>
+          </p:cNvPr>
+          <p:cNvPicPr>
+            <a:picLocks noChangeAspect="1"/>
+          </p:cNvPicPr>
+          <p:nvPr/>
+        </p:nvPicPr>
+        <p:blipFill>
+          <a:blip r:embed="rId2"/>
+          <a:stretch>
+            <a:fillRect/>
+          </a:stretch>
+        </p:blipFill>
+        <p:spPr>
+          <a:xfrm>
+            <a:off x="6814492" y="4077072"/>
+            <a:ext cx="4198984" cy="1303133"/>
+          </a:xfrm>
+          <a:prstGeom prst="rect">
+            <a:avLst/>
+          </a:prstGeom>
+        </p:spPr>
+      </p:pic>
     </p:spTree>
     <p:extLst>
       <p:ext uri="{BB962C8B-B14F-4D97-AF65-F5344CB8AC3E}">

--- a/Capstone.pptx
+++ b/Capstone.pptx
@@ -5,22 +5,20 @@
     <p:sldMasterId id="2147483648" r:id="rId1"/>
   </p:sldMasterIdLst>
   <p:notesMasterIdLst>
-    <p:notesMasterId r:id="rId12"/>
+    <p:notesMasterId r:id="rId10"/>
   </p:notesMasterIdLst>
   <p:handoutMasterIdLst>
-    <p:handoutMasterId r:id="rId13"/>
+    <p:handoutMasterId r:id="rId11"/>
   </p:handoutMasterIdLst>
   <p:sldIdLst>
     <p:sldId id="256" r:id="rId2"/>
     <p:sldId id="270" r:id="rId3"/>
-    <p:sldId id="258" r:id="rId4"/>
-    <p:sldId id="261" r:id="rId5"/>
-    <p:sldId id="275" r:id="rId6"/>
-    <p:sldId id="266" r:id="rId7"/>
-    <p:sldId id="272" r:id="rId8"/>
-    <p:sldId id="273" r:id="rId9"/>
-    <p:sldId id="271" r:id="rId10"/>
-    <p:sldId id="262" r:id="rId11"/>
+    <p:sldId id="277" r:id="rId4"/>
+    <p:sldId id="258" r:id="rId5"/>
+    <p:sldId id="261" r:id="rId6"/>
+    <p:sldId id="275" r:id="rId7"/>
+    <p:sldId id="266" r:id="rId8"/>
+    <p:sldId id="276" r:id="rId9"/>
   </p:sldIdLst>
   <p:sldSz cx="12188825" cy="6858000"/>
   <p:notesSz cx="6858000" cy="9144000"/>
@@ -152,4118 +150,6 @@
 </p:presentation>
 </file>
 
-<file path=ppt/charts/chart1.xml><?xml version="1.0" encoding="utf-8"?>
-<c:chartSpace xmlns:c="http://schemas.openxmlformats.org/drawingml/2006/chart" xmlns:a="http://schemas.openxmlformats.org/drawingml/2006/main" xmlns:r="http://schemas.openxmlformats.org/officeDocument/2006/relationships" xmlns:c16r2="http://schemas.microsoft.com/office/drawing/2015/06/chart">
-  <c:date1904 val="0"/>
-  <c:lang val="en-US"/>
-  <c:roundedCorners val="0"/>
-  <mc:AlternateContent xmlns:mc="http://schemas.openxmlformats.org/markup-compatibility/2006">
-    <mc:Choice xmlns:c14="http://schemas.microsoft.com/office/drawing/2007/8/2/chart" Requires="c14">
-      <c14:style val="102"/>
-    </mc:Choice>
-    <mc:Fallback>
-      <c:style val="2"/>
-    </mc:Fallback>
-  </mc:AlternateContent>
-  <c:chart>
-    <c:autoTitleDeleted val="1"/>
-    <c:plotArea>
-      <c:layout/>
-      <c:barChart>
-        <c:barDir val="col"/>
-        <c:grouping val="clustered"/>
-        <c:varyColors val="0"/>
-        <c:ser>
-          <c:idx val="0"/>
-          <c:order val="0"/>
-          <c:tx>
-            <c:strRef>
-              <c:f>Sheet1!$B$1</c:f>
-              <c:strCache>
-                <c:ptCount val="1"/>
-                <c:pt idx="0">
-                  <c:v>Series 1</c:v>
-                </c:pt>
-              </c:strCache>
-            </c:strRef>
-          </c:tx>
-          <c:spPr>
-            <a:gradFill rotWithShape="1">
-              <a:gsLst>
-                <a:gs pos="0">
-                  <a:schemeClr val="accent1">
-                    <a:satMod val="103000"/>
-                    <a:lumMod val="102000"/>
-                    <a:tint val="94000"/>
-                  </a:schemeClr>
-                </a:gs>
-                <a:gs pos="50000">
-                  <a:schemeClr val="accent1">
-                    <a:satMod val="110000"/>
-                    <a:lumMod val="100000"/>
-                    <a:shade val="100000"/>
-                  </a:schemeClr>
-                </a:gs>
-                <a:gs pos="100000">
-                  <a:schemeClr val="accent1">
-                    <a:lumMod val="99000"/>
-                    <a:satMod val="120000"/>
-                    <a:shade val="78000"/>
-                  </a:schemeClr>
-                </a:gs>
-              </a:gsLst>
-              <a:lin ang="5400000" scaled="0"/>
-            </a:gradFill>
-            <a:ln>
-              <a:noFill/>
-            </a:ln>
-            <a:effectLst/>
-          </c:spPr>
-          <c:invertIfNegative val="0"/>
-          <c:cat>
-            <c:strRef>
-              <c:f>Sheet1!$A$2:$A$5</c:f>
-              <c:strCache>
-                <c:ptCount val="4"/>
-                <c:pt idx="0">
-                  <c:v>Category 1</c:v>
-                </c:pt>
-                <c:pt idx="1">
-                  <c:v>Category 2</c:v>
-                </c:pt>
-                <c:pt idx="2">
-                  <c:v>Category 3</c:v>
-                </c:pt>
-                <c:pt idx="3">
-                  <c:v>Category 4</c:v>
-                </c:pt>
-              </c:strCache>
-            </c:strRef>
-          </c:cat>
-          <c:val>
-            <c:numRef>
-              <c:f>Sheet1!$B$2:$B$5</c:f>
-              <c:numCache>
-                <c:formatCode>General</c:formatCode>
-                <c:ptCount val="4"/>
-                <c:pt idx="0">
-                  <c:v>4.3</c:v>
-                </c:pt>
-                <c:pt idx="1">
-                  <c:v>2.5</c:v>
-                </c:pt>
-                <c:pt idx="2">
-                  <c:v>3.5</c:v>
-                </c:pt>
-                <c:pt idx="3">
-                  <c:v>4.5</c:v>
-                </c:pt>
-              </c:numCache>
-            </c:numRef>
-          </c:val>
-          <c:extLst>
-            <c:ext xmlns:c16="http://schemas.microsoft.com/office/drawing/2014/chart" uri="{C3380CC4-5D6E-409C-BE32-E72D297353CC}">
-              <c16:uniqueId val="{00000000-D8B1-4B06-8B0D-C66FC849C0EA}"/>
-            </c:ext>
-          </c:extLst>
-        </c:ser>
-        <c:ser>
-          <c:idx val="1"/>
-          <c:order val="1"/>
-          <c:tx>
-            <c:strRef>
-              <c:f>Sheet1!$C$1</c:f>
-              <c:strCache>
-                <c:ptCount val="1"/>
-                <c:pt idx="0">
-                  <c:v>Series 2</c:v>
-                </c:pt>
-              </c:strCache>
-            </c:strRef>
-          </c:tx>
-          <c:spPr>
-            <a:gradFill rotWithShape="1">
-              <a:gsLst>
-                <a:gs pos="0">
-                  <a:schemeClr val="accent2">
-                    <a:satMod val="103000"/>
-                    <a:lumMod val="102000"/>
-                    <a:tint val="94000"/>
-                  </a:schemeClr>
-                </a:gs>
-                <a:gs pos="50000">
-                  <a:schemeClr val="accent2">
-                    <a:satMod val="110000"/>
-                    <a:lumMod val="100000"/>
-                    <a:shade val="100000"/>
-                  </a:schemeClr>
-                </a:gs>
-                <a:gs pos="100000">
-                  <a:schemeClr val="accent2">
-                    <a:lumMod val="99000"/>
-                    <a:satMod val="120000"/>
-                    <a:shade val="78000"/>
-                  </a:schemeClr>
-                </a:gs>
-              </a:gsLst>
-              <a:lin ang="5400000" scaled="0"/>
-            </a:gradFill>
-            <a:ln>
-              <a:noFill/>
-            </a:ln>
-            <a:effectLst/>
-          </c:spPr>
-          <c:invertIfNegative val="0"/>
-          <c:cat>
-            <c:strRef>
-              <c:f>Sheet1!$A$2:$A$5</c:f>
-              <c:strCache>
-                <c:ptCount val="4"/>
-                <c:pt idx="0">
-                  <c:v>Category 1</c:v>
-                </c:pt>
-                <c:pt idx="1">
-                  <c:v>Category 2</c:v>
-                </c:pt>
-                <c:pt idx="2">
-                  <c:v>Category 3</c:v>
-                </c:pt>
-                <c:pt idx="3">
-                  <c:v>Category 4</c:v>
-                </c:pt>
-              </c:strCache>
-            </c:strRef>
-          </c:cat>
-          <c:val>
-            <c:numRef>
-              <c:f>Sheet1!$C$2:$C$5</c:f>
-              <c:numCache>
-                <c:formatCode>General</c:formatCode>
-                <c:ptCount val="4"/>
-                <c:pt idx="0">
-                  <c:v>2.4</c:v>
-                </c:pt>
-                <c:pt idx="1">
-                  <c:v>4.4000000000000004</c:v>
-                </c:pt>
-                <c:pt idx="2">
-                  <c:v>1.8</c:v>
-                </c:pt>
-                <c:pt idx="3">
-                  <c:v>2.8</c:v>
-                </c:pt>
-              </c:numCache>
-            </c:numRef>
-          </c:val>
-          <c:extLst>
-            <c:ext xmlns:c16="http://schemas.microsoft.com/office/drawing/2014/chart" uri="{C3380CC4-5D6E-409C-BE32-E72D297353CC}">
-              <c16:uniqueId val="{00000001-D8B1-4B06-8B0D-C66FC849C0EA}"/>
-            </c:ext>
-          </c:extLst>
-        </c:ser>
-        <c:dLbls>
-          <c:showLegendKey val="0"/>
-          <c:showVal val="0"/>
-          <c:showCatName val="0"/>
-          <c:showSerName val="0"/>
-          <c:showPercent val="0"/>
-          <c:showBubbleSize val="0"/>
-        </c:dLbls>
-        <c:gapWidth val="219"/>
-        <c:overlap val="-27"/>
-        <c:axId val="611346592"/>
-        <c:axId val="611350120"/>
-      </c:barChart>
-      <c:lineChart>
-        <c:grouping val="standard"/>
-        <c:varyColors val="0"/>
-        <c:ser>
-          <c:idx val="2"/>
-          <c:order val="2"/>
-          <c:tx>
-            <c:strRef>
-              <c:f>Sheet1!$D$1</c:f>
-              <c:strCache>
-                <c:ptCount val="1"/>
-                <c:pt idx="0">
-                  <c:v>Series 3</c:v>
-                </c:pt>
-              </c:strCache>
-            </c:strRef>
-          </c:tx>
-          <c:spPr>
-            <a:ln w="31750" cap="rnd">
-              <a:solidFill>
-                <a:schemeClr val="accent3"/>
-              </a:solidFill>
-              <a:round/>
-            </a:ln>
-            <a:effectLst/>
-          </c:spPr>
-          <c:marker>
-            <c:symbol val="none"/>
-          </c:marker>
-          <c:cat>
-            <c:strRef>
-              <c:f>Sheet1!$A$2:$A$5</c:f>
-              <c:strCache>
-                <c:ptCount val="4"/>
-                <c:pt idx="0">
-                  <c:v>Category 1</c:v>
-                </c:pt>
-                <c:pt idx="1">
-                  <c:v>Category 2</c:v>
-                </c:pt>
-                <c:pt idx="2">
-                  <c:v>Category 3</c:v>
-                </c:pt>
-                <c:pt idx="3">
-                  <c:v>Category 4</c:v>
-                </c:pt>
-              </c:strCache>
-            </c:strRef>
-          </c:cat>
-          <c:val>
-            <c:numRef>
-              <c:f>Sheet1!$D$2:$D$5</c:f>
-              <c:numCache>
-                <c:formatCode>General</c:formatCode>
-                <c:ptCount val="4"/>
-                <c:pt idx="0">
-                  <c:v>2</c:v>
-                </c:pt>
-                <c:pt idx="1">
-                  <c:v>2</c:v>
-                </c:pt>
-                <c:pt idx="2">
-                  <c:v>3</c:v>
-                </c:pt>
-                <c:pt idx="3">
-                  <c:v>5</c:v>
-                </c:pt>
-              </c:numCache>
-            </c:numRef>
-          </c:val>
-          <c:smooth val="0"/>
-          <c:extLst>
-            <c:ext xmlns:c16="http://schemas.microsoft.com/office/drawing/2014/chart" uri="{C3380CC4-5D6E-409C-BE32-E72D297353CC}">
-              <c16:uniqueId val="{00000002-D8B1-4B06-8B0D-C66FC849C0EA}"/>
-            </c:ext>
-          </c:extLst>
-        </c:ser>
-        <c:dLbls>
-          <c:showLegendKey val="0"/>
-          <c:showVal val="0"/>
-          <c:showCatName val="0"/>
-          <c:showSerName val="0"/>
-          <c:showPercent val="0"/>
-          <c:showBubbleSize val="0"/>
-        </c:dLbls>
-        <c:marker val="1"/>
-        <c:smooth val="0"/>
-        <c:axId val="611346592"/>
-        <c:axId val="611350120"/>
-      </c:lineChart>
-      <c:catAx>
-        <c:axId val="611346592"/>
-        <c:scaling>
-          <c:orientation val="minMax"/>
-        </c:scaling>
-        <c:delete val="0"/>
-        <c:axPos val="b"/>
-        <c:numFmt formatCode="General" sourceLinked="1"/>
-        <c:majorTickMark val="none"/>
-        <c:minorTickMark val="none"/>
-        <c:tickLblPos val="nextTo"/>
-        <c:spPr>
-          <a:noFill/>
-          <a:ln w="9525" cap="flat" cmpd="sng" algn="ctr">
-            <a:solidFill>
-              <a:schemeClr val="tx2">
-                <a:lumMod val="15000"/>
-                <a:lumOff val="85000"/>
-              </a:schemeClr>
-            </a:solidFill>
-            <a:round/>
-          </a:ln>
-          <a:effectLst/>
-        </c:spPr>
-        <c:txPr>
-          <a:bodyPr rot="-60000000" spcFirstLastPara="1" vertOverflow="ellipsis" vert="horz" wrap="square" anchor="ctr" anchorCtr="1"/>
-          <a:lstStyle/>
-          <a:p>
-            <a:pPr>
-              <a:defRPr sz="1197" b="0" i="0" u="none" strike="noStrike" kern="1200" baseline="0">
-                <a:solidFill>
-                  <a:schemeClr val="tx2"/>
-                </a:solidFill>
-                <a:latin typeface="+mn-lt"/>
-                <a:ea typeface="+mn-ea"/>
-                <a:cs typeface="+mn-cs"/>
-              </a:defRPr>
-            </a:pPr>
-            <a:endParaRPr lang="en-US"/>
-          </a:p>
-        </c:txPr>
-        <c:crossAx val="611350120"/>
-        <c:crosses val="autoZero"/>
-        <c:auto val="1"/>
-        <c:lblAlgn val="ctr"/>
-        <c:lblOffset val="100"/>
-        <c:noMultiLvlLbl val="0"/>
-      </c:catAx>
-      <c:valAx>
-        <c:axId val="611350120"/>
-        <c:scaling>
-          <c:orientation val="minMax"/>
-        </c:scaling>
-        <c:delete val="0"/>
-        <c:axPos val="l"/>
-        <c:majorGridlines>
-          <c:spPr>
-            <a:ln w="9525" cap="flat" cmpd="sng" algn="ctr">
-              <a:solidFill>
-                <a:schemeClr val="tx2">
-                  <a:lumMod val="15000"/>
-                  <a:lumOff val="85000"/>
-                </a:schemeClr>
-              </a:solidFill>
-              <a:round/>
-            </a:ln>
-            <a:effectLst/>
-          </c:spPr>
-        </c:majorGridlines>
-        <c:numFmt formatCode="General" sourceLinked="1"/>
-        <c:majorTickMark val="none"/>
-        <c:minorTickMark val="none"/>
-        <c:tickLblPos val="nextTo"/>
-        <c:spPr>
-          <a:noFill/>
-          <a:ln>
-            <a:noFill/>
-          </a:ln>
-          <a:effectLst/>
-        </c:spPr>
-        <c:txPr>
-          <a:bodyPr rot="-60000000" spcFirstLastPara="1" vertOverflow="ellipsis" vert="horz" wrap="square" anchor="ctr" anchorCtr="1"/>
-          <a:lstStyle/>
-          <a:p>
-            <a:pPr>
-              <a:defRPr sz="1197" b="0" i="0" u="none" strike="noStrike" kern="1200" baseline="0">
-                <a:solidFill>
-                  <a:schemeClr val="tx2"/>
-                </a:solidFill>
-                <a:latin typeface="+mn-lt"/>
-                <a:ea typeface="+mn-ea"/>
-                <a:cs typeface="+mn-cs"/>
-              </a:defRPr>
-            </a:pPr>
-            <a:endParaRPr lang="en-US"/>
-          </a:p>
-        </c:txPr>
-        <c:crossAx val="611346592"/>
-        <c:crosses val="autoZero"/>
-        <c:crossBetween val="between"/>
-      </c:valAx>
-      <c:spPr>
-        <a:noFill/>
-        <a:ln>
-          <a:noFill/>
-        </a:ln>
-        <a:effectLst/>
-      </c:spPr>
-    </c:plotArea>
-    <c:legend>
-      <c:legendPos val="b"/>
-      <c:overlay val="0"/>
-      <c:spPr>
-        <a:noFill/>
-        <a:ln>
-          <a:noFill/>
-        </a:ln>
-        <a:effectLst/>
-      </c:spPr>
-      <c:txPr>
-        <a:bodyPr rot="0" spcFirstLastPara="1" vertOverflow="ellipsis" vert="horz" wrap="square" anchor="ctr" anchorCtr="1"/>
-        <a:lstStyle/>
-        <a:p>
-          <a:pPr>
-            <a:defRPr sz="1197" b="0" i="0" u="none" strike="noStrike" kern="1200" baseline="0">
-              <a:solidFill>
-                <a:schemeClr val="tx2"/>
-              </a:solidFill>
-              <a:latin typeface="+mn-lt"/>
-              <a:ea typeface="+mn-ea"/>
-              <a:cs typeface="+mn-cs"/>
-            </a:defRPr>
-          </a:pPr>
-          <a:endParaRPr lang="en-US"/>
-        </a:p>
-      </c:txPr>
-    </c:legend>
-    <c:plotVisOnly val="1"/>
-    <c:dispBlanksAs val="gap"/>
-    <c:showDLblsOverMax val="0"/>
-  </c:chart>
-  <c:spPr>
-    <a:noFill/>
-    <a:ln>
-      <a:noFill/>
-    </a:ln>
-    <a:effectLst/>
-  </c:spPr>
-  <c:txPr>
-    <a:bodyPr/>
-    <a:lstStyle/>
-    <a:p>
-      <a:pPr>
-        <a:defRPr/>
-      </a:pPr>
-      <a:endParaRPr lang="en-US"/>
-    </a:p>
-  </c:txPr>
-  <c:externalData r:id="rId3">
-    <c:autoUpdate val="0"/>
-  </c:externalData>
-</c:chartSpace>
-</file>
-
-<file path=ppt/charts/colors1.xml><?xml version="1.0" encoding="utf-8"?>
-<cs:colorStyle xmlns:cs="http://schemas.microsoft.com/office/drawing/2012/chartStyle" xmlns:a="http://schemas.openxmlformats.org/drawingml/2006/main" meth="cycle" id="10">
-  <a:schemeClr val="accent1"/>
-  <a:schemeClr val="accent2"/>
-  <a:schemeClr val="accent3"/>
-  <a:schemeClr val="accent4"/>
-  <a:schemeClr val="accent5"/>
-  <a:schemeClr val="accent6"/>
-  <cs:variation/>
-  <cs:variation>
-    <a:lumMod val="60000"/>
-  </cs:variation>
-  <cs:variation>
-    <a:lumMod val="80000"/>
-    <a:lumOff val="20000"/>
-  </cs:variation>
-  <cs:variation>
-    <a:lumMod val="80000"/>
-  </cs:variation>
-  <cs:variation>
-    <a:lumMod val="60000"/>
-    <a:lumOff val="40000"/>
-  </cs:variation>
-  <cs:variation>
-    <a:lumMod val="50000"/>
-  </cs:variation>
-  <cs:variation>
-    <a:lumMod val="70000"/>
-    <a:lumOff val="30000"/>
-  </cs:variation>
-  <cs:variation>
-    <a:lumMod val="70000"/>
-  </cs:variation>
-  <cs:variation>
-    <a:lumMod val="50000"/>
-    <a:lumOff val="50000"/>
-  </cs:variation>
-</cs:colorStyle>
-</file>
-
-<file path=ppt/charts/style1.xml><?xml version="1.0" encoding="utf-8"?>
-<cs:chartStyle xmlns:cs="http://schemas.microsoft.com/office/drawing/2012/chartStyle" xmlns:a="http://schemas.openxmlformats.org/drawingml/2006/main" id="326">
-  <cs:axisTitle>
-    <cs:lnRef idx="0"/>
-    <cs:fillRef idx="0"/>
-    <cs:effectRef idx="0"/>
-    <cs:fontRef idx="minor">
-      <a:schemeClr val="tx2"/>
-    </cs:fontRef>
-    <cs:defRPr sz="1197" b="1" kern="1200"/>
-  </cs:axisTitle>
-  <cs:categoryAxis>
-    <cs:lnRef idx="0"/>
-    <cs:fillRef idx="0"/>
-    <cs:effectRef idx="0"/>
-    <cs:fontRef idx="minor">
-      <a:schemeClr val="tx2"/>
-    </cs:fontRef>
-    <cs:spPr>
-      <a:ln w="9525" cap="flat" cmpd="sng" algn="ctr">
-        <a:solidFill>
-          <a:schemeClr val="tx2">
-            <a:lumMod val="15000"/>
-            <a:lumOff val="85000"/>
-          </a:schemeClr>
-        </a:solidFill>
-        <a:round/>
-      </a:ln>
-    </cs:spPr>
-    <cs:defRPr sz="1197" kern="1200"/>
-  </cs:categoryAxis>
-  <cs:chartArea mods="allowNoFillOverride allowNoLineOverride">
-    <cs:lnRef idx="0"/>
-    <cs:fillRef idx="0"/>
-    <cs:effectRef idx="0"/>
-    <cs:fontRef idx="minor">
-      <a:schemeClr val="tx2"/>
-    </cs:fontRef>
-    <cs:spPr>
-      <a:solidFill>
-        <a:schemeClr val="bg1"/>
-      </a:solidFill>
-      <a:ln w="9525" cap="flat" cmpd="sng" algn="ctr">
-        <a:solidFill>
-          <a:schemeClr val="tx2">
-            <a:lumMod val="15000"/>
-            <a:lumOff val="85000"/>
-          </a:schemeClr>
-        </a:solidFill>
-        <a:round/>
-      </a:ln>
-    </cs:spPr>
-    <cs:defRPr sz="1197" kern="1200"/>
-  </cs:chartArea>
-  <cs:dataLabel>
-    <cs:lnRef idx="0"/>
-    <cs:fillRef idx="0"/>
-    <cs:effectRef idx="0"/>
-    <cs:fontRef idx="minor">
-      <a:schemeClr val="tx2"/>
-    </cs:fontRef>
-    <cs:defRPr sz="1197" kern="1200"/>
-  </cs:dataLabel>
-  <cs:dataLabelCallout>
-    <cs:lnRef idx="0"/>
-    <cs:fillRef idx="0"/>
-    <cs:effectRef idx="0"/>
-    <cs:fontRef idx="minor">
-      <a:schemeClr val="dk2">
-        <a:lumMod val="75000"/>
-      </a:schemeClr>
-    </cs:fontRef>
-    <cs:spPr>
-      <a:solidFill>
-        <a:schemeClr val="lt1"/>
-      </a:solidFill>
-      <a:ln>
-        <a:solidFill>
-          <a:schemeClr val="dk1">
-            <a:lumMod val="25000"/>
-            <a:lumOff val="75000"/>
-          </a:schemeClr>
-        </a:solidFill>
-      </a:ln>
-    </cs:spPr>
-    <cs:defRPr sz="1197" kern="1200"/>
-    <cs:bodyPr rot="0" spcFirstLastPara="1" vertOverflow="clip" horzOverflow="clip" vert="horz" wrap="square" lIns="36576" tIns="18288" rIns="36576" bIns="18288" anchor="ctr" anchorCtr="1">
-      <a:spAutoFit/>
-    </cs:bodyPr>
-  </cs:dataLabelCallout>
-  <cs:dataPoint>
-    <cs:lnRef idx="0"/>
-    <cs:fillRef idx="3">
-      <cs:styleClr val="auto"/>
-    </cs:fillRef>
-    <cs:effectRef idx="2"/>
-    <cs:fontRef idx="minor">
-      <a:schemeClr val="tx2"/>
-    </cs:fontRef>
-  </cs:dataPoint>
-  <cs:dataPoint3D>
-    <cs:lnRef idx="0"/>
-    <cs:fillRef idx="3">
-      <cs:styleClr val="auto"/>
-    </cs:fillRef>
-    <cs:effectRef idx="2"/>
-    <cs:fontRef idx="minor">
-      <a:schemeClr val="tx2"/>
-    </cs:fontRef>
-  </cs:dataPoint3D>
-  <cs:dataPointLine>
-    <cs:lnRef idx="0">
-      <cs:styleClr val="auto"/>
-    </cs:lnRef>
-    <cs:fillRef idx="3"/>
-    <cs:effectRef idx="2"/>
-    <cs:fontRef idx="minor">
-      <a:schemeClr val="tx2"/>
-    </cs:fontRef>
-    <cs:spPr>
-      <a:ln w="31750" cap="rnd">
-        <a:solidFill>
-          <a:schemeClr val="phClr"/>
-        </a:solidFill>
-        <a:round/>
-      </a:ln>
-    </cs:spPr>
-  </cs:dataPointLine>
-  <cs:dataPointMarker>
-    <cs:lnRef idx="0"/>
-    <cs:fillRef idx="3">
-      <cs:styleClr val="auto"/>
-    </cs:fillRef>
-    <cs:effectRef idx="2"/>
-    <cs:fontRef idx="minor">
-      <a:schemeClr val="tx2"/>
-    </cs:fontRef>
-    <cs:spPr>
-      <a:ln w="12700">
-        <a:solidFill>
-          <a:schemeClr val="lt2"/>
-        </a:solidFill>
-        <a:round/>
-      </a:ln>
-    </cs:spPr>
-  </cs:dataPointMarker>
-  <cs:dataPointMarkerLayout symbol="circle" size="6"/>
-  <cs:dataPointWireframe>
-    <cs:lnRef idx="0">
-      <cs:styleClr val="auto"/>
-    </cs:lnRef>
-    <cs:fillRef idx="3"/>
-    <cs:effectRef idx="2"/>
-    <cs:fontRef idx="minor">
-      <a:schemeClr val="tx2"/>
-    </cs:fontRef>
-    <cs:spPr>
-      <a:ln w="9525" cap="rnd">
-        <a:solidFill>
-          <a:schemeClr val="phClr"/>
-        </a:solidFill>
-        <a:round/>
-      </a:ln>
-    </cs:spPr>
-  </cs:dataPointWireframe>
-  <cs:dataTable>
-    <cs:lnRef idx="0"/>
-    <cs:fillRef idx="0"/>
-    <cs:effectRef idx="0"/>
-    <cs:fontRef idx="minor">
-      <a:schemeClr val="tx2"/>
-    </cs:fontRef>
-    <cs:spPr>
-      <a:ln w="9525">
-        <a:solidFill>
-          <a:schemeClr val="tx2">
-            <a:lumMod val="15000"/>
-            <a:lumOff val="85000"/>
-          </a:schemeClr>
-        </a:solidFill>
-      </a:ln>
-    </cs:spPr>
-    <cs:defRPr sz="1197" kern="1200"/>
-  </cs:dataTable>
-  <cs:downBar>
-    <cs:lnRef idx="0"/>
-    <cs:fillRef idx="0"/>
-    <cs:effectRef idx="0"/>
-    <cs:fontRef idx="minor">
-      <a:schemeClr val="dk1"/>
-    </cs:fontRef>
-    <cs:spPr>
-      <a:solidFill>
-        <a:schemeClr val="dk1">
-          <a:lumMod val="65000"/>
-          <a:lumOff val="35000"/>
-        </a:schemeClr>
-      </a:solidFill>
-      <a:ln w="9525">
-        <a:solidFill>
-          <a:schemeClr val="tx1">
-            <a:lumMod val="65000"/>
-            <a:lumOff val="35000"/>
-          </a:schemeClr>
-        </a:solidFill>
-      </a:ln>
-    </cs:spPr>
-  </cs:downBar>
-  <cs:dropLine>
-    <cs:lnRef idx="0"/>
-    <cs:fillRef idx="0"/>
-    <cs:effectRef idx="0"/>
-    <cs:fontRef idx="minor">
-      <a:schemeClr val="tx2"/>
-    </cs:fontRef>
-    <cs:spPr>
-      <a:ln w="9525">
-        <a:solidFill>
-          <a:schemeClr val="dk1">
-            <a:lumMod val="75000"/>
-            <a:lumOff val="25000"/>
-          </a:schemeClr>
-        </a:solidFill>
-        <a:prstDash val="dash"/>
-      </a:ln>
-    </cs:spPr>
-  </cs:dropLine>
-  <cs:errorBar>
-    <cs:lnRef idx="0"/>
-    <cs:fillRef idx="0"/>
-    <cs:effectRef idx="0"/>
-    <cs:fontRef idx="minor">
-      <a:schemeClr val="tx2"/>
-    </cs:fontRef>
-    <cs:spPr>
-      <a:ln w="9525">
-        <a:solidFill>
-          <a:schemeClr val="tx2">
-            <a:lumMod val="75000"/>
-          </a:schemeClr>
-        </a:solidFill>
-        <a:round/>
-      </a:ln>
-    </cs:spPr>
-  </cs:errorBar>
-  <cs:floor>
-    <cs:lnRef idx="0"/>
-    <cs:fillRef idx="0"/>
-    <cs:effectRef idx="0"/>
-    <cs:fontRef idx="minor">
-      <a:schemeClr val="tx2"/>
-    </cs:fontRef>
-  </cs:floor>
-  <cs:gridlineMajor>
-    <cs:lnRef idx="0"/>
-    <cs:fillRef idx="0"/>
-    <cs:effectRef idx="0"/>
-    <cs:fontRef idx="minor">
-      <a:schemeClr val="tx2"/>
-    </cs:fontRef>
-    <cs:spPr>
-      <a:ln w="9525" cap="flat" cmpd="sng" algn="ctr">
-        <a:solidFill>
-          <a:schemeClr val="tx2">
-            <a:lumMod val="15000"/>
-            <a:lumOff val="85000"/>
-          </a:schemeClr>
-        </a:solidFill>
-        <a:round/>
-      </a:ln>
-    </cs:spPr>
-  </cs:gridlineMajor>
-  <cs:gridlineMinor>
-    <cs:lnRef idx="0"/>
-    <cs:fillRef idx="0"/>
-    <cs:effectRef idx="0"/>
-    <cs:fontRef idx="minor">
-      <a:schemeClr val="tx2"/>
-    </cs:fontRef>
-    <cs:spPr>
-      <a:ln>
-        <a:solidFill>
-          <a:schemeClr val="tx2">
-            <a:lumMod val="5000"/>
-            <a:lumOff val="95000"/>
-          </a:schemeClr>
-        </a:solidFill>
-      </a:ln>
-    </cs:spPr>
-  </cs:gridlineMinor>
-  <cs:hiLoLine>
-    <cs:lnRef idx="0"/>
-    <cs:fillRef idx="0"/>
-    <cs:effectRef idx="0"/>
-    <cs:fontRef idx="minor">
-      <a:schemeClr val="tx2"/>
-    </cs:fontRef>
-    <cs:spPr>
-      <a:ln w="9525">
-        <a:solidFill>
-          <a:schemeClr val="dk1">
-            <a:lumMod val="75000"/>
-            <a:lumOff val="25000"/>
-          </a:schemeClr>
-        </a:solidFill>
-      </a:ln>
-    </cs:spPr>
-  </cs:hiLoLine>
-  <cs:leaderLine>
-    <cs:lnRef idx="0"/>
-    <cs:fillRef idx="0"/>
-    <cs:effectRef idx="0"/>
-    <cs:fontRef idx="minor">
-      <a:schemeClr val="tx2"/>
-    </cs:fontRef>
-    <cs:spPr>
-      <a:ln w="9525">
-        <a:solidFill>
-          <a:schemeClr val="tx2">
-            <a:lumMod val="35000"/>
-            <a:lumOff val="65000"/>
-          </a:schemeClr>
-        </a:solidFill>
-      </a:ln>
-    </cs:spPr>
-  </cs:leaderLine>
-  <cs:legend>
-    <cs:lnRef idx="0"/>
-    <cs:fillRef idx="0"/>
-    <cs:effectRef idx="0"/>
-    <cs:fontRef idx="minor">
-      <a:schemeClr val="tx2"/>
-    </cs:fontRef>
-    <cs:defRPr sz="1197" kern="1200"/>
-  </cs:legend>
-  <cs:plotArea>
-    <cs:lnRef idx="0"/>
-    <cs:fillRef idx="0"/>
-    <cs:effectRef idx="0"/>
-    <cs:fontRef idx="minor">
-      <a:schemeClr val="tx2"/>
-    </cs:fontRef>
-  </cs:plotArea>
-  <cs:plotArea3D>
-    <cs:lnRef idx="0"/>
-    <cs:fillRef idx="0"/>
-    <cs:effectRef idx="0"/>
-    <cs:fontRef idx="minor">
-      <a:schemeClr val="tx2"/>
-    </cs:fontRef>
-  </cs:plotArea3D>
-  <cs:seriesAxis>
-    <cs:lnRef idx="0"/>
-    <cs:fillRef idx="0"/>
-    <cs:effectRef idx="0"/>
-    <cs:fontRef idx="minor">
-      <a:schemeClr val="tx2"/>
-    </cs:fontRef>
-    <cs:spPr>
-      <a:ln w="9525" cap="flat" cmpd="sng" algn="ctr">
-        <a:solidFill>
-          <a:schemeClr val="tx2">
-            <a:lumMod val="15000"/>
-            <a:lumOff val="85000"/>
-          </a:schemeClr>
-        </a:solidFill>
-        <a:round/>
-      </a:ln>
-    </cs:spPr>
-    <cs:defRPr sz="1197" kern="1200"/>
-  </cs:seriesAxis>
-  <cs:seriesLine>
-    <cs:lnRef idx="0"/>
-    <cs:fillRef idx="0"/>
-    <cs:effectRef idx="0"/>
-    <cs:fontRef idx="minor">
-      <a:schemeClr val="tx2"/>
-    </cs:fontRef>
-    <cs:spPr>
-      <a:ln w="9525">
-        <a:solidFill>
-          <a:schemeClr val="tx2">
-            <a:lumMod val="60000"/>
-            <a:lumOff val="40000"/>
-          </a:schemeClr>
-        </a:solidFill>
-        <a:prstDash val="dash"/>
-      </a:ln>
-    </cs:spPr>
-  </cs:seriesLine>
-  <cs:title>
-    <cs:lnRef idx="0"/>
-    <cs:fillRef idx="0"/>
-    <cs:effectRef idx="0"/>
-    <cs:fontRef idx="minor">
-      <a:schemeClr val="tx2"/>
-    </cs:fontRef>
-    <cs:defRPr sz="2128" b="1" kern="1200"/>
-  </cs:title>
-  <cs:trendline>
-    <cs:lnRef idx="0">
-      <cs:styleClr val="auto"/>
-    </cs:lnRef>
-    <cs:fillRef idx="0"/>
-    <cs:effectRef idx="0"/>
-    <cs:fontRef idx="minor">
-      <a:schemeClr val="tx2"/>
-    </cs:fontRef>
-    <cs:spPr>
-      <a:ln w="19050" cap="rnd">
-        <a:solidFill>
-          <a:schemeClr val="phClr"/>
-        </a:solidFill>
-        <a:prstDash val="sysDash"/>
-      </a:ln>
-    </cs:spPr>
-  </cs:trendline>
-  <cs:trendlineLabel>
-    <cs:lnRef idx="0"/>
-    <cs:fillRef idx="0"/>
-    <cs:effectRef idx="0"/>
-    <cs:fontRef idx="minor">
-      <a:schemeClr val="tx2"/>
-    </cs:fontRef>
-    <cs:defRPr sz="1197" kern="1200"/>
-  </cs:trendlineLabel>
-  <cs:upBar>
-    <cs:lnRef idx="0"/>
-    <cs:fillRef idx="0"/>
-    <cs:effectRef idx="0"/>
-    <cs:fontRef idx="minor">
-      <a:schemeClr val="tx2"/>
-    </cs:fontRef>
-    <cs:spPr>
-      <a:solidFill>
-        <a:schemeClr val="lt1"/>
-      </a:solidFill>
-      <a:ln w="9525">
-        <a:solidFill>
-          <a:schemeClr val="tx1">
-            <a:lumMod val="15000"/>
-            <a:lumOff val="85000"/>
-          </a:schemeClr>
-        </a:solidFill>
-      </a:ln>
-    </cs:spPr>
-  </cs:upBar>
-  <cs:valueAxis>
-    <cs:lnRef idx="0"/>
-    <cs:fillRef idx="0"/>
-    <cs:effectRef idx="0"/>
-    <cs:fontRef idx="minor">
-      <a:schemeClr val="tx2"/>
-    </cs:fontRef>
-    <cs:defRPr sz="1197" kern="1200"/>
-  </cs:valueAxis>
-  <cs:wall>
-    <cs:lnRef idx="0"/>
-    <cs:fillRef idx="0"/>
-    <cs:effectRef idx="0"/>
-    <cs:fontRef idx="minor">
-      <a:schemeClr val="tx2"/>
-    </cs:fontRef>
-  </cs:wall>
-</cs:chartStyle>
-</file>
-
-<file path=ppt/diagrams/colors1.xml><?xml version="1.0" encoding="utf-8"?>
-<dgm:colorsDef xmlns:dgm="http://schemas.openxmlformats.org/drawingml/2006/diagram" xmlns:a="http://schemas.openxmlformats.org/drawingml/2006/main" uniqueId="urn:microsoft.com/office/officeart/2005/8/colors/colorful1">
-  <dgm:title val=""/>
-  <dgm:desc val=""/>
-  <dgm:catLst>
-    <dgm:cat type="colorful" pri="10100"/>
-  </dgm:catLst>
-  <dgm:styleLbl name="node0">
-    <dgm:fillClrLst meth="repeat">
-      <a:schemeClr val="accent1"/>
-    </dgm:fillClrLst>
-    <dgm:linClrLst meth="repeat">
-      <a:schemeClr val="lt1"/>
-    </dgm:linClrLst>
-    <dgm:effectClrLst/>
-    <dgm:txLinClrLst/>
-    <dgm:txFillClrLst/>
-    <dgm:txEffectClrLst/>
-  </dgm:styleLbl>
-  <dgm:styleLbl name="node1">
-    <dgm:fillClrLst meth="repeat">
-      <a:schemeClr val="accent2"/>
-      <a:schemeClr val="accent3"/>
-      <a:schemeClr val="accent4"/>
-      <a:schemeClr val="accent5"/>
-      <a:schemeClr val="accent6"/>
-    </dgm:fillClrLst>
-    <dgm:linClrLst meth="repeat">
-      <a:schemeClr val="lt1"/>
-    </dgm:linClrLst>
-    <dgm:effectClrLst/>
-    <dgm:txLinClrLst/>
-    <dgm:txFillClrLst/>
-    <dgm:txEffectClrLst/>
-  </dgm:styleLbl>
-  <dgm:styleLbl name="alignNode1">
-    <dgm:fillClrLst meth="repeat">
-      <a:schemeClr val="accent2"/>
-      <a:schemeClr val="accent3"/>
-      <a:schemeClr val="accent4"/>
-      <a:schemeClr val="accent5"/>
-      <a:schemeClr val="accent6"/>
-    </dgm:fillClrLst>
-    <dgm:linClrLst meth="repeat">
-      <a:schemeClr val="accent2"/>
-      <a:schemeClr val="accent3"/>
-      <a:schemeClr val="accent4"/>
-      <a:schemeClr val="accent5"/>
-      <a:schemeClr val="accent6"/>
-    </dgm:linClrLst>
-    <dgm:effectClrLst/>
-    <dgm:txLinClrLst/>
-    <dgm:txFillClrLst/>
-    <dgm:txEffectClrLst/>
-  </dgm:styleLbl>
-  <dgm:styleLbl name="lnNode1">
-    <dgm:fillClrLst meth="repeat">
-      <a:schemeClr val="accent2"/>
-      <a:schemeClr val="accent3"/>
-      <a:schemeClr val="accent4"/>
-      <a:schemeClr val="accent5"/>
-      <a:schemeClr val="accent6"/>
-    </dgm:fillClrLst>
-    <dgm:linClrLst meth="repeat">
-      <a:schemeClr val="lt1"/>
-    </dgm:linClrLst>
-    <dgm:effectClrLst/>
-    <dgm:txLinClrLst/>
-    <dgm:txFillClrLst/>
-    <dgm:txEffectClrLst/>
-  </dgm:styleLbl>
-  <dgm:styleLbl name="vennNode1">
-    <dgm:fillClrLst meth="repeat">
-      <a:schemeClr val="accent2">
-        <a:alpha val="50000"/>
-      </a:schemeClr>
-      <a:schemeClr val="accent3">
-        <a:alpha val="50000"/>
-      </a:schemeClr>
-      <a:schemeClr val="accent4">
-        <a:alpha val="50000"/>
-      </a:schemeClr>
-      <a:schemeClr val="accent5">
-        <a:alpha val="50000"/>
-      </a:schemeClr>
-      <a:schemeClr val="accent6">
-        <a:alpha val="50000"/>
-      </a:schemeClr>
-    </dgm:fillClrLst>
-    <dgm:linClrLst meth="repeat">
-      <a:schemeClr val="lt1"/>
-    </dgm:linClrLst>
-    <dgm:effectClrLst/>
-    <dgm:txLinClrLst/>
-    <dgm:txFillClrLst/>
-    <dgm:txEffectClrLst/>
-  </dgm:styleLbl>
-  <dgm:styleLbl name="node2">
-    <dgm:fillClrLst>
-      <a:schemeClr val="accent2"/>
-    </dgm:fillClrLst>
-    <dgm:linClrLst meth="repeat">
-      <a:schemeClr val="lt1"/>
-    </dgm:linClrLst>
-    <dgm:effectClrLst/>
-    <dgm:txLinClrLst/>
-    <dgm:txFillClrLst/>
-    <dgm:txEffectClrLst/>
-  </dgm:styleLbl>
-  <dgm:styleLbl name="node3">
-    <dgm:fillClrLst>
-      <a:schemeClr val="accent3"/>
-    </dgm:fillClrLst>
-    <dgm:linClrLst meth="repeat">
-      <a:schemeClr val="lt1"/>
-    </dgm:linClrLst>
-    <dgm:effectClrLst/>
-    <dgm:txLinClrLst/>
-    <dgm:txFillClrLst/>
-    <dgm:txEffectClrLst/>
-  </dgm:styleLbl>
-  <dgm:styleLbl name="node4">
-    <dgm:fillClrLst>
-      <a:schemeClr val="accent4"/>
-    </dgm:fillClrLst>
-    <dgm:linClrLst meth="repeat">
-      <a:schemeClr val="lt1"/>
-    </dgm:linClrLst>
-    <dgm:effectClrLst/>
-    <dgm:txLinClrLst/>
-    <dgm:txFillClrLst/>
-    <dgm:txEffectClrLst/>
-  </dgm:styleLbl>
-  <dgm:styleLbl name="fgImgPlace1">
-    <dgm:fillClrLst meth="repeat">
-      <a:schemeClr val="accent2">
-        <a:tint val="50000"/>
-      </a:schemeClr>
-      <a:schemeClr val="accent3">
-        <a:tint val="50000"/>
-      </a:schemeClr>
-      <a:schemeClr val="accent4">
-        <a:tint val="50000"/>
-      </a:schemeClr>
-      <a:schemeClr val="accent5">
-        <a:tint val="50000"/>
-      </a:schemeClr>
-      <a:schemeClr val="accent6">
-        <a:tint val="50000"/>
-      </a:schemeClr>
-    </dgm:fillClrLst>
-    <dgm:linClrLst meth="repeat">
-      <a:schemeClr val="lt1"/>
-    </dgm:linClrLst>
-    <dgm:effectClrLst/>
-    <dgm:txLinClrLst/>
-    <dgm:txFillClrLst meth="repeat">
-      <a:schemeClr val="lt1"/>
-    </dgm:txFillClrLst>
-    <dgm:txEffectClrLst/>
-  </dgm:styleLbl>
-  <dgm:styleLbl name="alignImgPlace1">
-    <dgm:fillClrLst>
-      <a:schemeClr val="accent1">
-        <a:tint val="50000"/>
-      </a:schemeClr>
-      <a:schemeClr val="accent2">
-        <a:tint val="20000"/>
-      </a:schemeClr>
-    </dgm:fillClrLst>
-    <dgm:linClrLst meth="repeat">
-      <a:schemeClr val="lt1"/>
-    </dgm:linClrLst>
-    <dgm:effectClrLst/>
-    <dgm:txLinClrLst/>
-    <dgm:txFillClrLst meth="repeat">
-      <a:schemeClr val="lt1"/>
-    </dgm:txFillClrLst>
-    <dgm:txEffectClrLst/>
-  </dgm:styleLbl>
-  <dgm:styleLbl name="bgImgPlace1">
-    <dgm:fillClrLst>
-      <a:schemeClr val="accent1">
-        <a:tint val="50000"/>
-      </a:schemeClr>
-      <a:schemeClr val="accent2">
-        <a:tint val="20000"/>
-      </a:schemeClr>
-    </dgm:fillClrLst>
-    <dgm:linClrLst meth="repeat">
-      <a:schemeClr val="lt1"/>
-    </dgm:linClrLst>
-    <dgm:effectClrLst/>
-    <dgm:txLinClrLst/>
-    <dgm:txFillClrLst meth="repeat">
-      <a:schemeClr val="lt1"/>
-    </dgm:txFillClrLst>
-    <dgm:txEffectClrLst/>
-  </dgm:styleLbl>
-  <dgm:styleLbl name="sibTrans2D1">
-    <dgm:fillClrLst meth="repeat">
-      <a:schemeClr val="accent2"/>
-      <a:schemeClr val="accent3"/>
-      <a:schemeClr val="accent4"/>
-      <a:schemeClr val="accent5"/>
-      <a:schemeClr val="accent6"/>
-    </dgm:fillClrLst>
-    <dgm:linClrLst meth="cycle">
-      <a:schemeClr val="lt1"/>
-    </dgm:linClrLst>
-    <dgm:effectClrLst/>
-    <dgm:txLinClrLst/>
-    <dgm:txFillClrLst/>
-    <dgm:txEffectClrLst/>
-  </dgm:styleLbl>
-  <dgm:styleLbl name="fgSibTrans2D1">
-    <dgm:fillClrLst meth="repeat">
-      <a:schemeClr val="accent2"/>
-      <a:schemeClr val="accent3"/>
-      <a:schemeClr val="accent4"/>
-      <a:schemeClr val="accent5"/>
-      <a:schemeClr val="accent6"/>
-    </dgm:fillClrLst>
-    <dgm:linClrLst meth="cycle">
-      <a:schemeClr val="lt1"/>
-    </dgm:linClrLst>
-    <dgm:effectClrLst/>
-    <dgm:txLinClrLst/>
-    <dgm:txFillClrLst meth="repeat">
-      <a:schemeClr val="lt1"/>
-    </dgm:txFillClrLst>
-    <dgm:txEffectClrLst/>
-  </dgm:styleLbl>
-  <dgm:styleLbl name="bgSibTrans2D1">
-    <dgm:fillClrLst meth="repeat">
-      <a:schemeClr val="accent2"/>
-      <a:schemeClr val="accent3"/>
-      <a:schemeClr val="accent4"/>
-      <a:schemeClr val="accent5"/>
-      <a:schemeClr val="accent6"/>
-    </dgm:fillClrLst>
-    <dgm:linClrLst meth="cycle">
-      <a:schemeClr val="lt1"/>
-    </dgm:linClrLst>
-    <dgm:effectClrLst/>
-    <dgm:txLinClrLst/>
-    <dgm:txFillClrLst meth="repeat">
-      <a:schemeClr val="lt1"/>
-    </dgm:txFillClrLst>
-    <dgm:txEffectClrLst/>
-  </dgm:styleLbl>
-  <dgm:styleLbl name="sibTrans1D1">
-    <dgm:fillClrLst meth="repeat">
-      <a:schemeClr val="accent2"/>
-      <a:schemeClr val="accent3"/>
-      <a:schemeClr val="accent4"/>
-      <a:schemeClr val="accent5"/>
-      <a:schemeClr val="accent6"/>
-    </dgm:fillClrLst>
-    <dgm:linClrLst meth="repeat">
-      <a:schemeClr val="accent2"/>
-      <a:schemeClr val="accent3"/>
-      <a:schemeClr val="accent4"/>
-      <a:schemeClr val="accent5"/>
-      <a:schemeClr val="accent6"/>
-    </dgm:linClrLst>
-    <dgm:effectClrLst/>
-    <dgm:txLinClrLst/>
-    <dgm:txFillClrLst meth="repeat">
-      <a:schemeClr val="tx1"/>
-    </dgm:txFillClrLst>
-    <dgm:txEffectClrLst/>
-  </dgm:styleLbl>
-  <dgm:styleLbl name="callout">
-    <dgm:fillClrLst meth="repeat">
-      <a:schemeClr val="accent2"/>
-    </dgm:fillClrLst>
-    <dgm:linClrLst meth="repeat">
-      <a:schemeClr val="accent2">
-        <a:tint val="50000"/>
-      </a:schemeClr>
-    </dgm:linClrLst>
-    <dgm:effectClrLst/>
-    <dgm:txLinClrLst/>
-    <dgm:txFillClrLst meth="repeat">
-      <a:schemeClr val="tx1"/>
-    </dgm:txFillClrLst>
-    <dgm:txEffectClrLst/>
-  </dgm:styleLbl>
-  <dgm:styleLbl name="asst0">
-    <dgm:fillClrLst meth="repeat">
-      <a:schemeClr val="accent1"/>
-    </dgm:fillClrLst>
-    <dgm:linClrLst meth="repeat">
-      <a:schemeClr val="lt1"/>
-    </dgm:linClrLst>
-    <dgm:effectClrLst/>
-    <dgm:txLinClrLst/>
-    <dgm:txFillClrLst/>
-    <dgm:txEffectClrLst/>
-  </dgm:styleLbl>
-  <dgm:styleLbl name="asst1">
-    <dgm:fillClrLst meth="repeat">
-      <a:schemeClr val="accent2"/>
-    </dgm:fillClrLst>
-    <dgm:linClrLst meth="repeat">
-      <a:schemeClr val="lt1"/>
-    </dgm:linClrLst>
-    <dgm:effectClrLst/>
-    <dgm:txLinClrLst/>
-    <dgm:txFillClrLst/>
-    <dgm:txEffectClrLst/>
-  </dgm:styleLbl>
-  <dgm:styleLbl name="asst2">
-    <dgm:fillClrLst>
-      <a:schemeClr val="accent3"/>
-    </dgm:fillClrLst>
-    <dgm:linClrLst meth="repeat">
-      <a:schemeClr val="lt1"/>
-    </dgm:linClrLst>
-    <dgm:effectClrLst/>
-    <dgm:txLinClrLst/>
-    <dgm:txFillClrLst/>
-    <dgm:txEffectClrLst/>
-  </dgm:styleLbl>
-  <dgm:styleLbl name="asst3">
-    <dgm:fillClrLst>
-      <a:schemeClr val="accent4"/>
-    </dgm:fillClrLst>
-    <dgm:linClrLst meth="repeat">
-      <a:schemeClr val="lt1"/>
-    </dgm:linClrLst>
-    <dgm:effectClrLst/>
-    <dgm:txLinClrLst/>
-    <dgm:txFillClrLst/>
-    <dgm:txEffectClrLst/>
-  </dgm:styleLbl>
-  <dgm:styleLbl name="asst4">
-    <dgm:fillClrLst>
-      <a:schemeClr val="accent5"/>
-    </dgm:fillClrLst>
-    <dgm:linClrLst meth="repeat">
-      <a:schemeClr val="lt1"/>
-    </dgm:linClrLst>
-    <dgm:effectClrLst/>
-    <dgm:txLinClrLst/>
-    <dgm:txFillClrLst/>
-    <dgm:txEffectClrLst/>
-  </dgm:styleLbl>
-  <dgm:styleLbl name="parChTrans2D1">
-    <dgm:fillClrLst meth="repeat">
-      <a:schemeClr val="accent2"/>
-    </dgm:fillClrLst>
-    <dgm:linClrLst meth="repeat">
-      <a:schemeClr val="lt1"/>
-    </dgm:linClrLst>
-    <dgm:effectClrLst/>
-    <dgm:txLinClrLst/>
-    <dgm:txFillClrLst meth="repeat">
-      <a:schemeClr val="lt1"/>
-    </dgm:txFillClrLst>
-    <dgm:txEffectClrLst/>
-  </dgm:styleLbl>
-  <dgm:styleLbl name="parChTrans2D2">
-    <dgm:fillClrLst meth="repeat">
-      <a:schemeClr val="accent3"/>
-    </dgm:fillClrLst>
-    <dgm:linClrLst meth="repeat">
-      <a:schemeClr val="lt1"/>
-    </dgm:linClrLst>
-    <dgm:effectClrLst/>
-    <dgm:txLinClrLst/>
-    <dgm:txFillClrLst/>
-    <dgm:txEffectClrLst/>
-  </dgm:styleLbl>
-  <dgm:styleLbl name="parChTrans2D3">
-    <dgm:fillClrLst meth="repeat">
-      <a:schemeClr val="accent4"/>
-    </dgm:fillClrLst>
-    <dgm:linClrLst meth="repeat">
-      <a:schemeClr val="lt1"/>
-    </dgm:linClrLst>
-    <dgm:effectClrLst/>
-    <dgm:txLinClrLst/>
-    <dgm:txFillClrLst/>
-    <dgm:txEffectClrLst/>
-  </dgm:styleLbl>
-  <dgm:styleLbl name="parChTrans2D4">
-    <dgm:fillClrLst meth="repeat">
-      <a:schemeClr val="accent5"/>
-    </dgm:fillClrLst>
-    <dgm:linClrLst meth="repeat">
-      <a:schemeClr val="lt1"/>
-    </dgm:linClrLst>
-    <dgm:effectClrLst/>
-    <dgm:txLinClrLst/>
-    <dgm:txFillClrLst meth="repeat">
-      <a:schemeClr val="lt1"/>
-    </dgm:txFillClrLst>
-    <dgm:txEffectClrLst/>
-  </dgm:styleLbl>
-  <dgm:styleLbl name="parChTrans1D1">
-    <dgm:fillClrLst meth="repeat">
-      <a:schemeClr val="accent2"/>
-    </dgm:fillClrLst>
-    <dgm:linClrLst meth="repeat">
-      <a:schemeClr val="accent1"/>
-    </dgm:linClrLst>
-    <dgm:effectClrLst/>
-    <dgm:txLinClrLst/>
-    <dgm:txFillClrLst meth="repeat">
-      <a:schemeClr val="tx1"/>
-    </dgm:txFillClrLst>
-    <dgm:txEffectClrLst/>
-  </dgm:styleLbl>
-  <dgm:styleLbl name="parChTrans1D2">
-    <dgm:fillClrLst meth="repeat">
-      <a:schemeClr val="accent3">
-        <a:tint val="90000"/>
-      </a:schemeClr>
-    </dgm:fillClrLst>
-    <dgm:linClrLst meth="repeat">
-      <a:schemeClr val="accent2"/>
-    </dgm:linClrLst>
-    <dgm:effectClrLst/>
-    <dgm:txLinClrLst/>
-    <dgm:txFillClrLst meth="repeat">
-      <a:schemeClr val="tx1"/>
-    </dgm:txFillClrLst>
-    <dgm:txEffectClrLst/>
-  </dgm:styleLbl>
-  <dgm:styleLbl name="parChTrans1D3">
-    <dgm:fillClrLst meth="repeat">
-      <a:schemeClr val="accent4">
-        <a:tint val="70000"/>
-      </a:schemeClr>
-    </dgm:fillClrLst>
-    <dgm:linClrLst meth="repeat">
-      <a:schemeClr val="accent3"/>
-    </dgm:linClrLst>
-    <dgm:effectClrLst/>
-    <dgm:txLinClrLst/>
-    <dgm:txFillClrLst meth="repeat">
-      <a:schemeClr val="tx1"/>
-    </dgm:txFillClrLst>
-    <dgm:txEffectClrLst/>
-  </dgm:styleLbl>
-  <dgm:styleLbl name="parChTrans1D4">
-    <dgm:fillClrLst meth="repeat">
-      <a:schemeClr val="accent5">
-        <a:tint val="50000"/>
-      </a:schemeClr>
-    </dgm:fillClrLst>
-    <dgm:linClrLst meth="repeat">
-      <a:schemeClr val="accent4"/>
-    </dgm:linClrLst>
-    <dgm:effectClrLst/>
-    <dgm:txLinClrLst/>
-    <dgm:txFillClrLst meth="repeat">
-      <a:schemeClr val="tx1"/>
-    </dgm:txFillClrLst>
-    <dgm:txEffectClrLst/>
-  </dgm:styleLbl>
-  <dgm:styleLbl name="fgAcc1">
-    <dgm:fillClrLst meth="repeat">
-      <a:schemeClr val="lt1">
-        <a:alpha val="90000"/>
-      </a:schemeClr>
-    </dgm:fillClrLst>
-    <dgm:linClrLst meth="repeat">
-      <a:schemeClr val="accent2"/>
-      <a:schemeClr val="accent3"/>
-      <a:schemeClr val="accent4"/>
-      <a:schemeClr val="accent5"/>
-      <a:schemeClr val="accent6"/>
-    </dgm:linClrLst>
-    <dgm:effectClrLst/>
-    <dgm:txLinClrLst/>
-    <dgm:txFillClrLst meth="repeat">
-      <a:schemeClr val="dk1"/>
-    </dgm:txFillClrLst>
-    <dgm:txEffectClrLst/>
-  </dgm:styleLbl>
-  <dgm:styleLbl name="conFgAcc1">
-    <dgm:fillClrLst meth="repeat">
-      <a:schemeClr val="lt1">
-        <a:alpha val="90000"/>
-      </a:schemeClr>
-    </dgm:fillClrLst>
-    <dgm:linClrLst meth="repeat">
-      <a:schemeClr val="accent2"/>
-      <a:schemeClr val="accent3"/>
-      <a:schemeClr val="accent4"/>
-      <a:schemeClr val="accent5"/>
-      <a:schemeClr val="accent6"/>
-    </dgm:linClrLst>
-    <dgm:effectClrLst/>
-    <dgm:txLinClrLst/>
-    <dgm:txFillClrLst meth="repeat">
-      <a:schemeClr val="dk1"/>
-    </dgm:txFillClrLst>
-    <dgm:txEffectClrLst/>
-  </dgm:styleLbl>
-  <dgm:styleLbl name="alignAcc1">
-    <dgm:fillClrLst meth="repeat">
-      <a:schemeClr val="lt1">
-        <a:alpha val="90000"/>
-      </a:schemeClr>
-    </dgm:fillClrLst>
-    <dgm:linClrLst meth="repeat">
-      <a:schemeClr val="accent2"/>
-      <a:schemeClr val="accent3"/>
-      <a:schemeClr val="accent4"/>
-      <a:schemeClr val="accent5"/>
-      <a:schemeClr val="accent6"/>
-    </dgm:linClrLst>
-    <dgm:effectClrLst/>
-    <dgm:txLinClrLst/>
-    <dgm:txFillClrLst meth="repeat">
-      <a:schemeClr val="dk1"/>
-    </dgm:txFillClrLst>
-    <dgm:txEffectClrLst/>
-  </dgm:styleLbl>
-  <dgm:styleLbl name="trAlignAcc1">
-    <dgm:fillClrLst meth="repeat">
-      <a:schemeClr val="lt1">
-        <a:alpha val="40000"/>
-      </a:schemeClr>
-    </dgm:fillClrLst>
-    <dgm:linClrLst meth="repeat">
-      <a:schemeClr val="accent1"/>
-    </dgm:linClrLst>
-    <dgm:effectClrLst/>
-    <dgm:txLinClrLst/>
-    <dgm:txFillClrLst meth="repeat">
-      <a:schemeClr val="dk1"/>
-    </dgm:txFillClrLst>
-    <dgm:txEffectClrLst/>
-  </dgm:styleLbl>
-  <dgm:styleLbl name="bgAcc1">
-    <dgm:fillClrLst meth="repeat">
-      <a:schemeClr val="lt1">
-        <a:alpha val="90000"/>
-      </a:schemeClr>
-    </dgm:fillClrLst>
-    <dgm:linClrLst meth="repeat">
-      <a:schemeClr val="accent2"/>
-      <a:schemeClr val="accent3"/>
-      <a:schemeClr val="accent4"/>
-      <a:schemeClr val="accent5"/>
-      <a:schemeClr val="accent6"/>
-    </dgm:linClrLst>
-    <dgm:effectClrLst/>
-    <dgm:txLinClrLst/>
-    <dgm:txFillClrLst meth="repeat">
-      <a:schemeClr val="dk1"/>
-    </dgm:txFillClrLst>
-    <dgm:txEffectClrLst/>
-  </dgm:styleLbl>
-  <dgm:styleLbl name="solidFgAcc1">
-    <dgm:fillClrLst meth="repeat">
-      <a:schemeClr val="lt1"/>
-    </dgm:fillClrLst>
-    <dgm:linClrLst meth="repeat">
-      <a:schemeClr val="accent2"/>
-      <a:schemeClr val="accent3"/>
-      <a:schemeClr val="accent4"/>
-      <a:schemeClr val="accent5"/>
-      <a:schemeClr val="accent6"/>
-    </dgm:linClrLst>
-    <dgm:effectClrLst/>
-    <dgm:txLinClrLst/>
-    <dgm:txFillClrLst meth="repeat">
-      <a:schemeClr val="dk1"/>
-    </dgm:txFillClrLst>
-    <dgm:txEffectClrLst/>
-  </dgm:styleLbl>
-  <dgm:styleLbl name="solidAlignAcc1">
-    <dgm:fillClrLst meth="repeat">
-      <a:schemeClr val="lt1"/>
-    </dgm:fillClrLst>
-    <dgm:linClrLst meth="repeat">
-      <a:schemeClr val="accent2"/>
-      <a:schemeClr val="accent3"/>
-      <a:schemeClr val="accent4"/>
-      <a:schemeClr val="accent5"/>
-      <a:schemeClr val="accent6"/>
-    </dgm:linClrLst>
-    <dgm:effectClrLst/>
-    <dgm:txLinClrLst/>
-    <dgm:txFillClrLst meth="repeat">
-      <a:schemeClr val="dk1"/>
-    </dgm:txFillClrLst>
-    <dgm:txEffectClrLst/>
-  </dgm:styleLbl>
-  <dgm:styleLbl name="solidBgAcc1">
-    <dgm:fillClrLst meth="repeat">
-      <a:schemeClr val="lt1"/>
-    </dgm:fillClrLst>
-    <dgm:linClrLst meth="repeat">
-      <a:schemeClr val="accent2"/>
-      <a:schemeClr val="accent3"/>
-      <a:schemeClr val="accent4"/>
-      <a:schemeClr val="accent5"/>
-      <a:schemeClr val="accent6"/>
-    </dgm:linClrLst>
-    <dgm:effectClrLst/>
-    <dgm:txLinClrLst/>
-    <dgm:txFillClrLst meth="repeat">
-      <a:schemeClr val="dk1"/>
-    </dgm:txFillClrLst>
-    <dgm:txEffectClrLst/>
-  </dgm:styleLbl>
-  <dgm:styleLbl name="fgAccFollowNode1">
-    <dgm:fillClrLst meth="repeat">
-      <a:schemeClr val="accent2">
-        <a:tint val="40000"/>
-        <a:alpha val="90000"/>
-      </a:schemeClr>
-      <a:schemeClr val="accent3">
-        <a:tint val="40000"/>
-        <a:alpha val="90000"/>
-      </a:schemeClr>
-      <a:schemeClr val="accent4">
-        <a:tint val="40000"/>
-        <a:alpha val="90000"/>
-      </a:schemeClr>
-      <a:schemeClr val="accent5">
-        <a:tint val="40000"/>
-        <a:alpha val="90000"/>
-      </a:schemeClr>
-      <a:schemeClr val="accent6">
-        <a:tint val="40000"/>
-        <a:alpha val="90000"/>
-      </a:schemeClr>
-    </dgm:fillClrLst>
-    <dgm:linClrLst meth="repeat">
-      <a:schemeClr val="accent2">
-        <a:tint val="40000"/>
-        <a:alpha val="90000"/>
-      </a:schemeClr>
-      <a:schemeClr val="accent3">
-        <a:tint val="40000"/>
-        <a:alpha val="90000"/>
-      </a:schemeClr>
-      <a:schemeClr val="accent4">
-        <a:tint val="40000"/>
-        <a:alpha val="90000"/>
-      </a:schemeClr>
-      <a:schemeClr val="accent5">
-        <a:tint val="40000"/>
-        <a:alpha val="90000"/>
-      </a:schemeClr>
-      <a:schemeClr val="accent6">
-        <a:tint val="40000"/>
-        <a:alpha val="90000"/>
-      </a:schemeClr>
-    </dgm:linClrLst>
-    <dgm:effectClrLst/>
-    <dgm:txLinClrLst/>
-    <dgm:txFillClrLst meth="repeat">
-      <a:schemeClr val="dk1"/>
-    </dgm:txFillClrLst>
-    <dgm:txEffectClrLst/>
-  </dgm:styleLbl>
-  <dgm:styleLbl name="alignAccFollowNode1">
-    <dgm:fillClrLst meth="repeat">
-      <a:schemeClr val="accent2">
-        <a:tint val="40000"/>
-        <a:alpha val="90000"/>
-      </a:schemeClr>
-      <a:schemeClr val="accent3">
-        <a:tint val="40000"/>
-        <a:alpha val="90000"/>
-      </a:schemeClr>
-      <a:schemeClr val="accent4">
-        <a:tint val="40000"/>
-        <a:alpha val="90000"/>
-      </a:schemeClr>
-      <a:schemeClr val="accent5">
-        <a:tint val="40000"/>
-        <a:alpha val="90000"/>
-      </a:schemeClr>
-      <a:schemeClr val="accent6">
-        <a:tint val="40000"/>
-        <a:alpha val="90000"/>
-      </a:schemeClr>
-    </dgm:fillClrLst>
-    <dgm:linClrLst meth="repeat">
-      <a:schemeClr val="accent2">
-        <a:tint val="40000"/>
-        <a:alpha val="90000"/>
-      </a:schemeClr>
-      <a:schemeClr val="accent3">
-        <a:tint val="40000"/>
-        <a:alpha val="90000"/>
-      </a:schemeClr>
-      <a:schemeClr val="accent4">
-        <a:tint val="40000"/>
-        <a:alpha val="90000"/>
-      </a:schemeClr>
-      <a:schemeClr val="accent5">
-        <a:tint val="40000"/>
-        <a:alpha val="90000"/>
-      </a:schemeClr>
-      <a:schemeClr val="accent6">
-        <a:tint val="40000"/>
-        <a:alpha val="90000"/>
-      </a:schemeClr>
-    </dgm:linClrLst>
-    <dgm:effectClrLst/>
-    <dgm:txLinClrLst/>
-    <dgm:txFillClrLst meth="repeat">
-      <a:schemeClr val="dk1"/>
-    </dgm:txFillClrLst>
-    <dgm:txEffectClrLst/>
-  </dgm:styleLbl>
-  <dgm:styleLbl name="bgAccFollowNode1">
-    <dgm:fillClrLst meth="repeat">
-      <a:schemeClr val="accent2">
-        <a:tint val="40000"/>
-        <a:alpha val="90000"/>
-      </a:schemeClr>
-      <a:schemeClr val="accent3">
-        <a:tint val="40000"/>
-        <a:alpha val="90000"/>
-      </a:schemeClr>
-      <a:schemeClr val="accent4">
-        <a:tint val="40000"/>
-        <a:alpha val="90000"/>
-      </a:schemeClr>
-      <a:schemeClr val="accent5">
-        <a:tint val="40000"/>
-        <a:alpha val="90000"/>
-      </a:schemeClr>
-      <a:schemeClr val="accent6">
-        <a:tint val="40000"/>
-        <a:alpha val="90000"/>
-      </a:schemeClr>
-    </dgm:fillClrLst>
-    <dgm:linClrLst meth="repeat">
-      <a:schemeClr val="accent2">
-        <a:tint val="40000"/>
-        <a:alpha val="90000"/>
-      </a:schemeClr>
-      <a:schemeClr val="accent3">
-        <a:tint val="40000"/>
-        <a:alpha val="90000"/>
-      </a:schemeClr>
-      <a:schemeClr val="accent4">
-        <a:tint val="40000"/>
-        <a:alpha val="90000"/>
-      </a:schemeClr>
-      <a:schemeClr val="accent5">
-        <a:tint val="40000"/>
-        <a:alpha val="90000"/>
-      </a:schemeClr>
-      <a:schemeClr val="accent6">
-        <a:tint val="40000"/>
-        <a:alpha val="90000"/>
-      </a:schemeClr>
-    </dgm:linClrLst>
-    <dgm:effectClrLst/>
-    <dgm:txLinClrLst/>
-    <dgm:txFillClrLst meth="repeat">
-      <a:schemeClr val="dk1"/>
-    </dgm:txFillClrLst>
-    <dgm:txEffectClrLst/>
-  </dgm:styleLbl>
-  <dgm:styleLbl name="fgAcc0">
-    <dgm:fillClrLst meth="repeat">
-      <a:schemeClr val="lt1">
-        <a:alpha val="90000"/>
-      </a:schemeClr>
-    </dgm:fillClrLst>
-    <dgm:linClrLst>
-      <a:schemeClr val="accent1"/>
-    </dgm:linClrLst>
-    <dgm:effectClrLst/>
-    <dgm:txLinClrLst/>
-    <dgm:txFillClrLst meth="repeat">
-      <a:schemeClr val="dk1"/>
-    </dgm:txFillClrLst>
-    <dgm:txEffectClrLst/>
-  </dgm:styleLbl>
-  <dgm:styleLbl name="fgAcc2">
-    <dgm:fillClrLst meth="repeat">
-      <a:schemeClr val="lt1">
-        <a:alpha val="90000"/>
-      </a:schemeClr>
-    </dgm:fillClrLst>
-    <dgm:linClrLst>
-      <a:schemeClr val="accent2"/>
-    </dgm:linClrLst>
-    <dgm:effectClrLst/>
-    <dgm:txLinClrLst/>
-    <dgm:txFillClrLst meth="repeat">
-      <a:schemeClr val="dk1"/>
-    </dgm:txFillClrLst>
-    <dgm:txEffectClrLst/>
-  </dgm:styleLbl>
-  <dgm:styleLbl name="fgAcc3">
-    <dgm:fillClrLst meth="repeat">
-      <a:schemeClr val="lt1">
-        <a:alpha val="90000"/>
-      </a:schemeClr>
-    </dgm:fillClrLst>
-    <dgm:linClrLst>
-      <a:schemeClr val="accent3"/>
-    </dgm:linClrLst>
-    <dgm:effectClrLst/>
-    <dgm:txLinClrLst/>
-    <dgm:txFillClrLst meth="repeat">
-      <a:schemeClr val="dk1"/>
-    </dgm:txFillClrLst>
-    <dgm:txEffectClrLst/>
-  </dgm:styleLbl>
-  <dgm:styleLbl name="fgAcc4">
-    <dgm:fillClrLst meth="repeat">
-      <a:schemeClr val="lt1">
-        <a:alpha val="90000"/>
-      </a:schemeClr>
-    </dgm:fillClrLst>
-    <dgm:linClrLst>
-      <a:schemeClr val="accent4"/>
-    </dgm:linClrLst>
-    <dgm:effectClrLst/>
-    <dgm:txLinClrLst/>
-    <dgm:txFillClrLst meth="repeat">
-      <a:schemeClr val="dk1"/>
-    </dgm:txFillClrLst>
-    <dgm:txEffectClrLst/>
-  </dgm:styleLbl>
-  <dgm:styleLbl name="bgShp">
-    <dgm:fillClrLst meth="repeat">
-      <a:schemeClr val="accent2">
-        <a:tint val="40000"/>
-      </a:schemeClr>
-    </dgm:fillClrLst>
-    <dgm:linClrLst meth="repeat">
-      <a:schemeClr val="dk1"/>
-    </dgm:linClrLst>
-    <dgm:effectClrLst/>
-    <dgm:txLinClrLst/>
-    <dgm:txFillClrLst meth="repeat">
-      <a:schemeClr val="dk1"/>
-    </dgm:txFillClrLst>
-    <dgm:txEffectClrLst/>
-  </dgm:styleLbl>
-  <dgm:styleLbl name="dkBgShp">
-    <dgm:fillClrLst meth="repeat">
-      <a:schemeClr val="accent2">
-        <a:shade val="90000"/>
-      </a:schemeClr>
-    </dgm:fillClrLst>
-    <dgm:linClrLst meth="repeat">
-      <a:schemeClr val="dk1"/>
-    </dgm:linClrLst>
-    <dgm:effectClrLst/>
-    <dgm:txLinClrLst/>
-    <dgm:txFillClrLst meth="repeat">
-      <a:schemeClr val="lt1"/>
-    </dgm:txFillClrLst>
-    <dgm:txEffectClrLst/>
-  </dgm:styleLbl>
-  <dgm:styleLbl name="trBgShp">
-    <dgm:fillClrLst meth="repeat">
-      <a:schemeClr val="accent1">
-        <a:tint val="50000"/>
-        <a:alpha val="40000"/>
-      </a:schemeClr>
-    </dgm:fillClrLst>
-    <dgm:linClrLst meth="repeat">
-      <a:schemeClr val="accent2"/>
-    </dgm:linClrLst>
-    <dgm:effectClrLst/>
-    <dgm:txLinClrLst/>
-    <dgm:txFillClrLst meth="repeat">
-      <a:schemeClr val="lt1"/>
-    </dgm:txFillClrLst>
-    <dgm:txEffectClrLst/>
-  </dgm:styleLbl>
-  <dgm:styleLbl name="fgShp">
-    <dgm:fillClrLst meth="repeat">
-      <a:schemeClr val="accent2">
-        <a:tint val="40000"/>
-      </a:schemeClr>
-    </dgm:fillClrLst>
-    <dgm:linClrLst meth="repeat">
-      <a:schemeClr val="lt1"/>
-    </dgm:linClrLst>
-    <dgm:effectClrLst/>
-    <dgm:txLinClrLst/>
-    <dgm:txFillClrLst meth="repeat">
-      <a:schemeClr val="dk1"/>
-    </dgm:txFillClrLst>
-    <dgm:txEffectClrLst/>
-  </dgm:styleLbl>
-  <dgm:styleLbl name="revTx">
-    <dgm:fillClrLst meth="repeat">
-      <a:schemeClr val="lt1">
-        <a:alpha val="0"/>
-      </a:schemeClr>
-    </dgm:fillClrLst>
-    <dgm:linClrLst meth="repeat">
-      <a:schemeClr val="dk1">
-        <a:alpha val="0"/>
-      </a:schemeClr>
-    </dgm:linClrLst>
-    <dgm:effectClrLst/>
-    <dgm:txLinClrLst/>
-    <dgm:txFillClrLst meth="repeat">
-      <a:schemeClr val="tx1"/>
-    </dgm:txFillClrLst>
-    <dgm:txEffectClrLst/>
-  </dgm:styleLbl>
-</dgm:colorsDef>
-</file>
-
-<file path=ppt/diagrams/data1.xml><?xml version="1.0" encoding="utf-8"?>
-<dgm:dataModel xmlns:dgm="http://schemas.openxmlformats.org/drawingml/2006/diagram" xmlns:a="http://schemas.openxmlformats.org/drawingml/2006/main">
-  <dgm:ptLst>
-    <dgm:pt modelId="{90119837-5B71-4D44-BB01-DB0B084933C8}" type="doc">
-      <dgm:prSet loTypeId="urn:microsoft.com/office/officeart/2005/8/layout/vList2" loCatId="list" qsTypeId="urn:microsoft.com/office/officeart/2005/8/quickstyle/simple4" qsCatId="simple" csTypeId="urn:microsoft.com/office/officeart/2005/8/colors/colorful1" csCatId="colorful" phldr="1"/>
-      <dgm:spPr/>
-      <dgm:t>
-        <a:bodyPr/>
-        <a:lstStyle/>
-        <a:p>
-          <a:endParaRPr lang="en-US"/>
-        </a:p>
-      </dgm:t>
-    </dgm:pt>
-    <dgm:pt modelId="{C111C18A-FD96-4E63-821A-54D70D8DC65F}">
-      <dgm:prSet phldrT="[Text]"/>
-      <dgm:spPr/>
-      <dgm:t>
-        <a:bodyPr/>
-        <a:lstStyle/>
-        <a:p>
-          <a:r>
-            <a:rPr lang="en-US" dirty="0"/>
-            <a:t>Group A</a:t>
-          </a:r>
-        </a:p>
-      </dgm:t>
-      <dgm:extLst>
-        <a:ext uri="{E40237B7-FDA0-4F09-8148-C483321AD2D9}">
-          <dgm14:cNvPr xmlns:dgm14="http://schemas.microsoft.com/office/drawing/2010/diagram" id="0" name="" title="Group A heading"/>
-        </a:ext>
-      </dgm:extLst>
-    </dgm:pt>
-    <dgm:pt modelId="{83BE74EF-FAB4-45A2-BBED-7CD5259AB210}" type="parTrans" cxnId="{FFD8B471-C98F-4DB5-8DE3-2AB7E896ADD5}">
-      <dgm:prSet/>
-      <dgm:spPr/>
-      <dgm:t>
-        <a:bodyPr/>
-        <a:lstStyle/>
-        <a:p>
-          <a:endParaRPr lang="en-US"/>
-        </a:p>
-      </dgm:t>
-    </dgm:pt>
-    <dgm:pt modelId="{B4F34DE2-2DAE-4F88-8C78-BD8892EBF4FF}" type="sibTrans" cxnId="{FFD8B471-C98F-4DB5-8DE3-2AB7E896ADD5}">
-      <dgm:prSet/>
-      <dgm:spPr/>
-      <dgm:t>
-        <a:bodyPr/>
-        <a:lstStyle/>
-        <a:p>
-          <a:endParaRPr lang="en-US"/>
-        </a:p>
-      </dgm:t>
-    </dgm:pt>
-    <dgm:pt modelId="{33EAD35F-38F2-4CB7-9A6D-B04FFD8A51FD}">
-      <dgm:prSet phldrT="[Text]"/>
-      <dgm:spPr/>
-      <dgm:t>
-        <a:bodyPr/>
-        <a:lstStyle/>
-        <a:p>
-          <a:r>
-            <a:rPr lang="en-US" dirty="0"/>
-            <a:t>Task 2</a:t>
-          </a:r>
-        </a:p>
-      </dgm:t>
-    </dgm:pt>
-    <dgm:pt modelId="{81FE7DB1-4BFC-4407-80A9-E5514E94C61D}" type="parTrans" cxnId="{FAC3D40F-8E66-452D-9CA4-C2871F2D10EF}">
-      <dgm:prSet/>
-      <dgm:spPr/>
-      <dgm:t>
-        <a:bodyPr/>
-        <a:lstStyle/>
-        <a:p>
-          <a:endParaRPr lang="en-US"/>
-        </a:p>
-      </dgm:t>
-    </dgm:pt>
-    <dgm:pt modelId="{4B66B839-1910-459B-92B2-14846EBA7A70}" type="sibTrans" cxnId="{FAC3D40F-8E66-452D-9CA4-C2871F2D10EF}">
-      <dgm:prSet/>
-      <dgm:spPr/>
-      <dgm:t>
-        <a:bodyPr/>
-        <a:lstStyle/>
-        <a:p>
-          <a:endParaRPr lang="en-US"/>
-        </a:p>
-      </dgm:t>
-    </dgm:pt>
-    <dgm:pt modelId="{3C67E77D-62FA-499D-B5E6-E79A091C5267}">
-      <dgm:prSet phldrT="[Text]"/>
-      <dgm:spPr/>
-      <dgm:t>
-        <a:bodyPr/>
-        <a:lstStyle/>
-        <a:p>
-          <a:r>
-            <a:rPr lang="en-US" dirty="0"/>
-            <a:t>Group B</a:t>
-          </a:r>
-        </a:p>
-      </dgm:t>
-      <dgm:extLst>
-        <a:ext uri="{E40237B7-FDA0-4F09-8148-C483321AD2D9}">
-          <dgm14:cNvPr xmlns:dgm14="http://schemas.microsoft.com/office/drawing/2010/diagram" id="0" name="" title="Group B heading"/>
-        </a:ext>
-      </dgm:extLst>
-    </dgm:pt>
-    <dgm:pt modelId="{5337D229-E330-4525-B0FA-14EC5A80604A}" type="parTrans" cxnId="{32AA6160-4426-4C4D-93AE-E2F474E37AD9}">
-      <dgm:prSet/>
-      <dgm:spPr/>
-      <dgm:t>
-        <a:bodyPr/>
-        <a:lstStyle/>
-        <a:p>
-          <a:endParaRPr lang="en-US"/>
-        </a:p>
-      </dgm:t>
-    </dgm:pt>
-    <dgm:pt modelId="{C056AC5D-B04E-4376-A1CB-3EAB7BE5AF5B}" type="sibTrans" cxnId="{32AA6160-4426-4C4D-93AE-E2F474E37AD9}">
-      <dgm:prSet/>
-      <dgm:spPr/>
-      <dgm:t>
-        <a:bodyPr/>
-        <a:lstStyle/>
-        <a:p>
-          <a:endParaRPr lang="en-US"/>
-        </a:p>
-      </dgm:t>
-    </dgm:pt>
-    <dgm:pt modelId="{D6510970-8F9C-4B45-A0F3-6ACB9AA76D40}">
-      <dgm:prSet phldrT="[Text]"/>
-      <dgm:spPr/>
-      <dgm:t>
-        <a:bodyPr/>
-        <a:lstStyle/>
-        <a:p>
-          <a:r>
-            <a:rPr lang="en-US" dirty="0"/>
-            <a:t>Task 1</a:t>
-          </a:r>
-        </a:p>
-      </dgm:t>
-      <dgm:extLst>
-        <a:ext uri="{E40237B7-FDA0-4F09-8148-C483321AD2D9}">
-          <dgm14:cNvPr xmlns:dgm14="http://schemas.microsoft.com/office/drawing/2010/diagram" id="0" name="" title="Group B tasks"/>
-        </a:ext>
-      </dgm:extLst>
-    </dgm:pt>
-    <dgm:pt modelId="{7A9FC291-2B6A-4475-8B09-917F9F09E3AB}" type="parTrans" cxnId="{C6E7222A-5F84-456A-9806-D51868FAF8A9}">
-      <dgm:prSet/>
-      <dgm:spPr/>
-      <dgm:t>
-        <a:bodyPr/>
-        <a:lstStyle/>
-        <a:p>
-          <a:endParaRPr lang="en-US"/>
-        </a:p>
-      </dgm:t>
-    </dgm:pt>
-    <dgm:pt modelId="{4B87F32C-3630-48F2-9114-4262C0BEEA9E}" type="sibTrans" cxnId="{C6E7222A-5F84-456A-9806-D51868FAF8A9}">
-      <dgm:prSet/>
-      <dgm:spPr/>
-      <dgm:t>
-        <a:bodyPr/>
-        <a:lstStyle/>
-        <a:p>
-          <a:endParaRPr lang="en-US"/>
-        </a:p>
-      </dgm:t>
-    </dgm:pt>
-    <dgm:pt modelId="{709ED9DC-E391-4C6C-B788-93F1C2EFB6FD}">
-      <dgm:prSet phldrT="[Text]"/>
-      <dgm:spPr/>
-      <dgm:t>
-        <a:bodyPr/>
-        <a:lstStyle/>
-        <a:p>
-          <a:r>
-            <a:rPr lang="en-US" dirty="0"/>
-            <a:t>Task 2</a:t>
-          </a:r>
-        </a:p>
-      </dgm:t>
-    </dgm:pt>
-    <dgm:pt modelId="{B5FA6CF0-E0A0-46A0-93C9-B722B31A8A9C}" type="parTrans" cxnId="{78E3C3B3-FD19-41A6-A9CC-BB3375A6FF81}">
-      <dgm:prSet/>
-      <dgm:spPr/>
-      <dgm:t>
-        <a:bodyPr/>
-        <a:lstStyle/>
-        <a:p>
-          <a:endParaRPr lang="en-US"/>
-        </a:p>
-      </dgm:t>
-    </dgm:pt>
-    <dgm:pt modelId="{F3C03C29-D7FF-4D61-8D75-8B75B2F589EC}" type="sibTrans" cxnId="{78E3C3B3-FD19-41A6-A9CC-BB3375A6FF81}">
-      <dgm:prSet/>
-      <dgm:spPr/>
-      <dgm:t>
-        <a:bodyPr/>
-        <a:lstStyle/>
-        <a:p>
-          <a:endParaRPr lang="en-US"/>
-        </a:p>
-      </dgm:t>
-    </dgm:pt>
-    <dgm:pt modelId="{CC6B7442-0B72-4EF2-9F13-1325B51AFF9F}">
-      <dgm:prSet phldrT="[Text]"/>
-      <dgm:spPr/>
-      <dgm:t>
-        <a:bodyPr/>
-        <a:lstStyle/>
-        <a:p>
-          <a:r>
-            <a:rPr lang="en-US" dirty="0"/>
-            <a:t>Group C</a:t>
-          </a:r>
-        </a:p>
-      </dgm:t>
-      <dgm:extLst>
-        <a:ext uri="{E40237B7-FDA0-4F09-8148-C483321AD2D9}">
-          <dgm14:cNvPr xmlns:dgm14="http://schemas.microsoft.com/office/drawing/2010/diagram" id="0" name="" title="Group C heading"/>
-        </a:ext>
-      </dgm:extLst>
-    </dgm:pt>
-    <dgm:pt modelId="{E3D139E0-5DC2-4F8E-9F8F-B3F0EBCD4689}" type="parTrans" cxnId="{102D6D4D-90C9-40F4-A001-35DCC329B127}">
-      <dgm:prSet/>
-      <dgm:spPr/>
-      <dgm:t>
-        <a:bodyPr/>
-        <a:lstStyle/>
-        <a:p>
-          <a:endParaRPr lang="en-US"/>
-        </a:p>
-      </dgm:t>
-    </dgm:pt>
-    <dgm:pt modelId="{FF80E1BA-0D6F-4EE8-9640-892A5897DBCD}" type="sibTrans" cxnId="{102D6D4D-90C9-40F4-A001-35DCC329B127}">
-      <dgm:prSet/>
-      <dgm:spPr/>
-      <dgm:t>
-        <a:bodyPr/>
-        <a:lstStyle/>
-        <a:p>
-          <a:endParaRPr lang="en-US"/>
-        </a:p>
-      </dgm:t>
-    </dgm:pt>
-    <dgm:pt modelId="{FE0A3CAE-D039-42F2-AF12-1E6F6793A633}">
-      <dgm:prSet phldrT="[Text]"/>
-      <dgm:spPr/>
-      <dgm:t>
-        <a:bodyPr/>
-        <a:lstStyle/>
-        <a:p>
-          <a:r>
-            <a:rPr lang="en-US" dirty="0"/>
-            <a:t>Task 1</a:t>
-          </a:r>
-        </a:p>
-      </dgm:t>
-      <dgm:extLst>
-        <a:ext uri="{E40237B7-FDA0-4F09-8148-C483321AD2D9}">
-          <dgm14:cNvPr xmlns:dgm14="http://schemas.microsoft.com/office/drawing/2010/diagram" id="0" name="" title="Group C tasks"/>
-        </a:ext>
-      </dgm:extLst>
-    </dgm:pt>
-    <dgm:pt modelId="{7E2ED2D1-AFF4-4DED-BB53-30A310825CE2}" type="parTrans" cxnId="{A6FB3C49-AB75-4315-BB6B-886AA454F16F}">
-      <dgm:prSet/>
-      <dgm:spPr/>
-      <dgm:t>
-        <a:bodyPr/>
-        <a:lstStyle/>
-        <a:p>
-          <a:endParaRPr lang="en-US"/>
-        </a:p>
-      </dgm:t>
-    </dgm:pt>
-    <dgm:pt modelId="{417BDEF2-191B-4000-BDE8-D3D22A51FCF3}" type="sibTrans" cxnId="{A6FB3C49-AB75-4315-BB6B-886AA454F16F}">
-      <dgm:prSet/>
-      <dgm:spPr/>
-      <dgm:t>
-        <a:bodyPr/>
-        <a:lstStyle/>
-        <a:p>
-          <a:endParaRPr lang="en-US"/>
-        </a:p>
-      </dgm:t>
-    </dgm:pt>
-    <dgm:pt modelId="{71D67D5D-013C-4885-A61E-A3F99D7C7108}">
-      <dgm:prSet phldrT="[Text]"/>
-      <dgm:spPr/>
-      <dgm:t>
-        <a:bodyPr/>
-        <a:lstStyle/>
-        <a:p>
-          <a:r>
-            <a:rPr lang="en-US" dirty="0"/>
-            <a:t>Task 1</a:t>
-          </a:r>
-        </a:p>
-      </dgm:t>
-      <dgm:extLst>
-        <a:ext uri="{E40237B7-FDA0-4F09-8148-C483321AD2D9}">
-          <dgm14:cNvPr xmlns:dgm14="http://schemas.microsoft.com/office/drawing/2010/diagram" id="0" name="" title="Group A tasks"/>
-        </a:ext>
-      </dgm:extLst>
-    </dgm:pt>
-    <dgm:pt modelId="{13FD8B77-EC9C-4F7D-85F3-A7191A755A86}" type="parTrans" cxnId="{7CDF5A89-87DF-4CC1-8943-7A0E14869583}">
-      <dgm:prSet/>
-      <dgm:spPr/>
-      <dgm:t>
-        <a:bodyPr/>
-        <a:lstStyle/>
-        <a:p>
-          <a:endParaRPr lang="en-US"/>
-        </a:p>
-      </dgm:t>
-    </dgm:pt>
-    <dgm:pt modelId="{BC16BF20-A847-48B0-889B-BA6389A79929}" type="sibTrans" cxnId="{7CDF5A89-87DF-4CC1-8943-7A0E14869583}">
-      <dgm:prSet/>
-      <dgm:spPr/>
-      <dgm:t>
-        <a:bodyPr/>
-        <a:lstStyle/>
-        <a:p>
-          <a:endParaRPr lang="en-US"/>
-        </a:p>
-      </dgm:t>
-    </dgm:pt>
-    <dgm:pt modelId="{1DE38F54-13B9-49B9-8D1C-BE40A0B41642}">
-      <dgm:prSet phldrT="[Text]"/>
-      <dgm:spPr/>
-      <dgm:t>
-        <a:bodyPr/>
-        <a:lstStyle/>
-        <a:p>
-          <a:r>
-            <a:rPr lang="en-US" dirty="0"/>
-            <a:t>Task 2</a:t>
-          </a:r>
-        </a:p>
-      </dgm:t>
-    </dgm:pt>
-    <dgm:pt modelId="{241FC70F-0CFE-4A9B-A53B-CB579CB35D65}" type="parTrans" cxnId="{E2BA7653-A0BC-4906-B811-36202FCAECA9}">
-      <dgm:prSet/>
-      <dgm:spPr/>
-      <dgm:t>
-        <a:bodyPr/>
-        <a:lstStyle/>
-        <a:p>
-          <a:endParaRPr lang="en-US"/>
-        </a:p>
-      </dgm:t>
-    </dgm:pt>
-    <dgm:pt modelId="{5D6C750F-882D-4057-8E46-BA0F88DBA2EC}" type="sibTrans" cxnId="{E2BA7653-A0BC-4906-B811-36202FCAECA9}">
-      <dgm:prSet/>
-      <dgm:spPr/>
-      <dgm:t>
-        <a:bodyPr/>
-        <a:lstStyle/>
-        <a:p>
-          <a:endParaRPr lang="en-US"/>
-        </a:p>
-      </dgm:t>
-    </dgm:pt>
-    <dgm:pt modelId="{ED5DCCC5-BCA8-4491-AA37-BAF153ECA184}" type="pres">
-      <dgm:prSet presAssocID="{90119837-5B71-4D44-BB01-DB0B084933C8}" presName="linear" presStyleCnt="0">
-        <dgm:presLayoutVars>
-          <dgm:animLvl val="lvl"/>
-          <dgm:resizeHandles val="exact"/>
-        </dgm:presLayoutVars>
-      </dgm:prSet>
-      <dgm:spPr/>
-    </dgm:pt>
-    <dgm:pt modelId="{47A942F6-847D-4AE7-9CA0-5319E5F60B4F}" type="pres">
-      <dgm:prSet presAssocID="{C111C18A-FD96-4E63-821A-54D70D8DC65F}" presName="parentText" presStyleLbl="node1" presStyleIdx="0" presStyleCnt="3">
-        <dgm:presLayoutVars>
-          <dgm:chMax val="0"/>
-          <dgm:bulletEnabled val="1"/>
-        </dgm:presLayoutVars>
-      </dgm:prSet>
-      <dgm:spPr/>
-    </dgm:pt>
-    <dgm:pt modelId="{6EA3914A-CB7F-4A5E-9543-C3A39D9197C9}" type="pres">
-      <dgm:prSet presAssocID="{C111C18A-FD96-4E63-821A-54D70D8DC65F}" presName="childText" presStyleLbl="revTx" presStyleIdx="0" presStyleCnt="3">
-        <dgm:presLayoutVars>
-          <dgm:bulletEnabled val="1"/>
-        </dgm:presLayoutVars>
-      </dgm:prSet>
-      <dgm:spPr/>
-    </dgm:pt>
-    <dgm:pt modelId="{81203336-F3DE-4B3A-BCF4-0F68C23AC2BB}" type="pres">
-      <dgm:prSet presAssocID="{3C67E77D-62FA-499D-B5E6-E79A091C5267}" presName="parentText" presStyleLbl="node1" presStyleIdx="1" presStyleCnt="3">
-        <dgm:presLayoutVars>
-          <dgm:chMax val="0"/>
-          <dgm:bulletEnabled val="1"/>
-        </dgm:presLayoutVars>
-      </dgm:prSet>
-      <dgm:spPr/>
-    </dgm:pt>
-    <dgm:pt modelId="{782956A5-ADC8-4959-B856-589B9D9B9635}" type="pres">
-      <dgm:prSet presAssocID="{3C67E77D-62FA-499D-B5E6-E79A091C5267}" presName="childText" presStyleLbl="revTx" presStyleIdx="1" presStyleCnt="3">
-        <dgm:presLayoutVars>
-          <dgm:bulletEnabled val="1"/>
-        </dgm:presLayoutVars>
-      </dgm:prSet>
-      <dgm:spPr/>
-    </dgm:pt>
-    <dgm:pt modelId="{D64CB5D5-837D-47FC-9E42-A26D800BC695}" type="pres">
-      <dgm:prSet presAssocID="{CC6B7442-0B72-4EF2-9F13-1325B51AFF9F}" presName="parentText" presStyleLbl="node1" presStyleIdx="2" presStyleCnt="3">
-        <dgm:presLayoutVars>
-          <dgm:chMax val="0"/>
-          <dgm:bulletEnabled val="1"/>
-        </dgm:presLayoutVars>
-      </dgm:prSet>
-      <dgm:spPr/>
-    </dgm:pt>
-    <dgm:pt modelId="{08B7B17B-8600-44B0-B235-389E5D71D804}" type="pres">
-      <dgm:prSet presAssocID="{CC6B7442-0B72-4EF2-9F13-1325B51AFF9F}" presName="childText" presStyleLbl="revTx" presStyleIdx="2" presStyleCnt="3">
-        <dgm:presLayoutVars>
-          <dgm:bulletEnabled val="1"/>
-        </dgm:presLayoutVars>
-      </dgm:prSet>
-      <dgm:spPr/>
-    </dgm:pt>
-  </dgm:ptLst>
-  <dgm:cxnLst>
-    <dgm:cxn modelId="{FAC3D40F-8E66-452D-9CA4-C2871F2D10EF}" srcId="{C111C18A-FD96-4E63-821A-54D70D8DC65F}" destId="{33EAD35F-38F2-4CB7-9A6D-B04FFD8A51FD}" srcOrd="1" destOrd="0" parTransId="{81FE7DB1-4BFC-4407-80A9-E5514E94C61D}" sibTransId="{4B66B839-1910-459B-92B2-14846EBA7A70}"/>
-    <dgm:cxn modelId="{C37B6112-2040-4348-B215-46F4F5D2EE62}" type="presOf" srcId="{3C67E77D-62FA-499D-B5E6-E79A091C5267}" destId="{81203336-F3DE-4B3A-BCF4-0F68C23AC2BB}" srcOrd="0" destOrd="0" presId="urn:microsoft.com/office/officeart/2005/8/layout/vList2"/>
-    <dgm:cxn modelId="{85A4AB16-4D0E-4AA6-89C3-87C107E042CB}" type="presOf" srcId="{1DE38F54-13B9-49B9-8D1C-BE40A0B41642}" destId="{08B7B17B-8600-44B0-B235-389E5D71D804}" srcOrd="0" destOrd="1" presId="urn:microsoft.com/office/officeart/2005/8/layout/vList2"/>
-    <dgm:cxn modelId="{C6E7222A-5F84-456A-9806-D51868FAF8A9}" srcId="{3C67E77D-62FA-499D-B5E6-E79A091C5267}" destId="{D6510970-8F9C-4B45-A0F3-6ACB9AA76D40}" srcOrd="0" destOrd="0" parTransId="{7A9FC291-2B6A-4475-8B09-917F9F09E3AB}" sibTransId="{4B87F32C-3630-48F2-9114-4262C0BEEA9E}"/>
-    <dgm:cxn modelId="{32AA6160-4426-4C4D-93AE-E2F474E37AD9}" srcId="{90119837-5B71-4D44-BB01-DB0B084933C8}" destId="{3C67E77D-62FA-499D-B5E6-E79A091C5267}" srcOrd="1" destOrd="0" parTransId="{5337D229-E330-4525-B0FA-14EC5A80604A}" sibTransId="{C056AC5D-B04E-4376-A1CB-3EAB7BE5AF5B}"/>
-    <dgm:cxn modelId="{EE896344-E4D4-4152-8316-FFF14EFE4CC2}" type="presOf" srcId="{CC6B7442-0B72-4EF2-9F13-1325B51AFF9F}" destId="{D64CB5D5-837D-47FC-9E42-A26D800BC695}" srcOrd="0" destOrd="0" presId="urn:microsoft.com/office/officeart/2005/8/layout/vList2"/>
-    <dgm:cxn modelId="{A6FB3C49-AB75-4315-BB6B-886AA454F16F}" srcId="{CC6B7442-0B72-4EF2-9F13-1325B51AFF9F}" destId="{FE0A3CAE-D039-42F2-AF12-1E6F6793A633}" srcOrd="0" destOrd="0" parTransId="{7E2ED2D1-AFF4-4DED-BB53-30A310825CE2}" sibTransId="{417BDEF2-191B-4000-BDE8-D3D22A51FCF3}"/>
-    <dgm:cxn modelId="{3383924B-E3C1-4E0D-93DC-3D353B87B99D}" type="presOf" srcId="{D6510970-8F9C-4B45-A0F3-6ACB9AA76D40}" destId="{782956A5-ADC8-4959-B856-589B9D9B9635}" srcOrd="0" destOrd="0" presId="urn:microsoft.com/office/officeart/2005/8/layout/vList2"/>
-    <dgm:cxn modelId="{102D6D4D-90C9-40F4-A001-35DCC329B127}" srcId="{90119837-5B71-4D44-BB01-DB0B084933C8}" destId="{CC6B7442-0B72-4EF2-9F13-1325B51AFF9F}" srcOrd="2" destOrd="0" parTransId="{E3D139E0-5DC2-4F8E-9F8F-B3F0EBCD4689}" sibTransId="{FF80E1BA-0D6F-4EE8-9640-892A5897DBCD}"/>
-    <dgm:cxn modelId="{FFD8B471-C98F-4DB5-8DE3-2AB7E896ADD5}" srcId="{90119837-5B71-4D44-BB01-DB0B084933C8}" destId="{C111C18A-FD96-4E63-821A-54D70D8DC65F}" srcOrd="0" destOrd="0" parTransId="{83BE74EF-FAB4-45A2-BBED-7CD5259AB210}" sibTransId="{B4F34DE2-2DAE-4F88-8C78-BD8892EBF4FF}"/>
-    <dgm:cxn modelId="{E2BA7653-A0BC-4906-B811-36202FCAECA9}" srcId="{CC6B7442-0B72-4EF2-9F13-1325B51AFF9F}" destId="{1DE38F54-13B9-49B9-8D1C-BE40A0B41642}" srcOrd="1" destOrd="0" parTransId="{241FC70F-0CFE-4A9B-A53B-CB579CB35D65}" sibTransId="{5D6C750F-882D-4057-8E46-BA0F88DBA2EC}"/>
-    <dgm:cxn modelId="{D770275A-B0DF-44CF-A384-EACC135C5342}" type="presOf" srcId="{FE0A3CAE-D039-42F2-AF12-1E6F6793A633}" destId="{08B7B17B-8600-44B0-B235-389E5D71D804}" srcOrd="0" destOrd="0" presId="urn:microsoft.com/office/officeart/2005/8/layout/vList2"/>
-    <dgm:cxn modelId="{BD7C427A-5FC8-4F89-8F55-4370E70C9A5A}" type="presOf" srcId="{709ED9DC-E391-4C6C-B788-93F1C2EFB6FD}" destId="{782956A5-ADC8-4959-B856-589B9D9B9635}" srcOrd="0" destOrd="1" presId="urn:microsoft.com/office/officeart/2005/8/layout/vList2"/>
-    <dgm:cxn modelId="{7CDF5A89-87DF-4CC1-8943-7A0E14869583}" srcId="{C111C18A-FD96-4E63-821A-54D70D8DC65F}" destId="{71D67D5D-013C-4885-A61E-A3F99D7C7108}" srcOrd="0" destOrd="0" parTransId="{13FD8B77-EC9C-4F7D-85F3-A7191A755A86}" sibTransId="{BC16BF20-A847-48B0-889B-BA6389A79929}"/>
-    <dgm:cxn modelId="{1198B798-FD3F-417E-8919-BBF7F44A1F6A}" type="presOf" srcId="{90119837-5B71-4D44-BB01-DB0B084933C8}" destId="{ED5DCCC5-BCA8-4491-AA37-BAF153ECA184}" srcOrd="0" destOrd="0" presId="urn:microsoft.com/office/officeart/2005/8/layout/vList2"/>
-    <dgm:cxn modelId="{BBFCABA5-2E0E-4CC8-BF18-B78716329FDB}" type="presOf" srcId="{33EAD35F-38F2-4CB7-9A6D-B04FFD8A51FD}" destId="{6EA3914A-CB7F-4A5E-9543-C3A39D9197C9}" srcOrd="0" destOrd="1" presId="urn:microsoft.com/office/officeart/2005/8/layout/vList2"/>
-    <dgm:cxn modelId="{78E3C3B3-FD19-41A6-A9CC-BB3375A6FF81}" srcId="{3C67E77D-62FA-499D-B5E6-E79A091C5267}" destId="{709ED9DC-E391-4C6C-B788-93F1C2EFB6FD}" srcOrd="1" destOrd="0" parTransId="{B5FA6CF0-E0A0-46A0-93C9-B722B31A8A9C}" sibTransId="{F3C03C29-D7FF-4D61-8D75-8B75B2F589EC}"/>
-    <dgm:cxn modelId="{68DAE8B9-15FE-4552-91F9-C4AFCEB9594B}" type="presOf" srcId="{71D67D5D-013C-4885-A61E-A3F99D7C7108}" destId="{6EA3914A-CB7F-4A5E-9543-C3A39D9197C9}" srcOrd="0" destOrd="0" presId="urn:microsoft.com/office/officeart/2005/8/layout/vList2"/>
-    <dgm:cxn modelId="{5AA98BCA-1539-4DF4-ABB3-8AB98C08E64C}" type="presOf" srcId="{C111C18A-FD96-4E63-821A-54D70D8DC65F}" destId="{47A942F6-847D-4AE7-9CA0-5319E5F60B4F}" srcOrd="0" destOrd="0" presId="urn:microsoft.com/office/officeart/2005/8/layout/vList2"/>
-    <dgm:cxn modelId="{23BC3725-9E25-4B83-8F30-3577C7EDEACD}" type="presParOf" srcId="{ED5DCCC5-BCA8-4491-AA37-BAF153ECA184}" destId="{47A942F6-847D-4AE7-9CA0-5319E5F60B4F}" srcOrd="0" destOrd="0" presId="urn:microsoft.com/office/officeart/2005/8/layout/vList2"/>
-    <dgm:cxn modelId="{35B0010D-5A50-4E3A-AB5E-4FDE822FA34F}" type="presParOf" srcId="{ED5DCCC5-BCA8-4491-AA37-BAF153ECA184}" destId="{6EA3914A-CB7F-4A5E-9543-C3A39D9197C9}" srcOrd="1" destOrd="0" presId="urn:microsoft.com/office/officeart/2005/8/layout/vList2"/>
-    <dgm:cxn modelId="{011AEFB0-29A6-47C9-8097-E09A7ABEC44A}" type="presParOf" srcId="{ED5DCCC5-BCA8-4491-AA37-BAF153ECA184}" destId="{81203336-F3DE-4B3A-BCF4-0F68C23AC2BB}" srcOrd="2" destOrd="0" presId="urn:microsoft.com/office/officeart/2005/8/layout/vList2"/>
-    <dgm:cxn modelId="{29E6835C-59D1-4D0E-B1D8-60041EEEBE9D}" type="presParOf" srcId="{ED5DCCC5-BCA8-4491-AA37-BAF153ECA184}" destId="{782956A5-ADC8-4959-B856-589B9D9B9635}" srcOrd="3" destOrd="0" presId="urn:microsoft.com/office/officeart/2005/8/layout/vList2"/>
-    <dgm:cxn modelId="{4BA81705-493D-436D-8F5C-8A0A23209AB6}" type="presParOf" srcId="{ED5DCCC5-BCA8-4491-AA37-BAF153ECA184}" destId="{D64CB5D5-837D-47FC-9E42-A26D800BC695}" srcOrd="4" destOrd="0" presId="urn:microsoft.com/office/officeart/2005/8/layout/vList2"/>
-    <dgm:cxn modelId="{B77E010D-C406-4330-9F1F-348370565A84}" type="presParOf" srcId="{ED5DCCC5-BCA8-4491-AA37-BAF153ECA184}" destId="{08B7B17B-8600-44B0-B235-389E5D71D804}" srcOrd="5" destOrd="0" presId="urn:microsoft.com/office/officeart/2005/8/layout/vList2"/>
-  </dgm:cxnLst>
-  <dgm:bg/>
-  <dgm:whole/>
-  <dgm:extLst>
-    <a:ext uri="http://schemas.microsoft.com/office/drawing/2008/diagram">
-      <dsp:dataModelExt xmlns:dsp="http://schemas.microsoft.com/office/drawing/2008/diagram" relId="rId6" minVer="http://schemas.openxmlformats.org/drawingml/2006/diagram"/>
-    </a:ext>
-  </dgm:extLst>
-</dgm:dataModel>
-</file>
-
-<file path=ppt/diagrams/drawing1.xml><?xml version="1.0" encoding="utf-8"?>
-<dsp:drawing xmlns:dgm="http://schemas.openxmlformats.org/drawingml/2006/diagram" xmlns:dsp="http://schemas.microsoft.com/office/drawing/2008/diagram" xmlns:a="http://schemas.openxmlformats.org/drawingml/2006/main">
-  <dsp:spTree>
-    <dsp:nvGrpSpPr>
-      <dsp:cNvPr id="0" name=""/>
-      <dsp:cNvGrpSpPr/>
-    </dsp:nvGrpSpPr>
-    <dsp:grpSpPr/>
-    <dsp:sp modelId="{47A942F6-847D-4AE7-9CA0-5319E5F60B4F}">
-      <dsp:nvSpPr>
-        <dsp:cNvPr id="0" name=""/>
-        <dsp:cNvSpPr/>
-      </dsp:nvSpPr>
-      <dsp:spPr>
-        <a:xfrm>
-          <a:off x="0" y="34252"/>
-          <a:ext cx="5029199" cy="647595"/>
-        </a:xfrm>
-        <a:prstGeom prst="roundRect">
-          <a:avLst/>
-        </a:prstGeom>
-        <a:gradFill rotWithShape="0">
-          <a:gsLst>
-            <a:gs pos="0">
-              <a:schemeClr val="accent2">
-                <a:hueOff val="0"/>
-                <a:satOff val="0"/>
-                <a:lumOff val="0"/>
-                <a:alphaOff val="0"/>
-                <a:satMod val="103000"/>
-                <a:lumMod val="102000"/>
-                <a:tint val="94000"/>
-              </a:schemeClr>
-            </a:gs>
-            <a:gs pos="50000">
-              <a:schemeClr val="accent2">
-                <a:hueOff val="0"/>
-                <a:satOff val="0"/>
-                <a:lumOff val="0"/>
-                <a:alphaOff val="0"/>
-                <a:satMod val="110000"/>
-                <a:lumMod val="100000"/>
-                <a:shade val="100000"/>
-              </a:schemeClr>
-            </a:gs>
-            <a:gs pos="100000">
-              <a:schemeClr val="accent2">
-                <a:hueOff val="0"/>
-                <a:satOff val="0"/>
-                <a:lumOff val="0"/>
-                <a:alphaOff val="0"/>
-                <a:lumMod val="99000"/>
-                <a:satMod val="120000"/>
-                <a:shade val="78000"/>
-              </a:schemeClr>
-            </a:gs>
-          </a:gsLst>
-          <a:lin ang="5400000" scaled="0"/>
-        </a:gradFill>
-        <a:ln>
-          <a:noFill/>
-        </a:ln>
-        <a:effectLst/>
-      </dsp:spPr>
-      <dsp:style>
-        <a:lnRef idx="0">
-          <a:scrgbClr r="0" g="0" b="0"/>
-        </a:lnRef>
-        <a:fillRef idx="3">
-          <a:scrgbClr r="0" g="0" b="0"/>
-        </a:fillRef>
-        <a:effectRef idx="2">
-          <a:scrgbClr r="0" g="0" b="0"/>
-        </a:effectRef>
-        <a:fontRef idx="minor">
-          <a:schemeClr val="lt1"/>
-        </a:fontRef>
-      </dsp:style>
-      <dsp:txBody>
-        <a:bodyPr spcFirstLastPara="0" vert="horz" wrap="square" lIns="102870" tIns="102870" rIns="102870" bIns="102870" numCol="1" spcCol="1270" anchor="ctr" anchorCtr="0">
-          <a:noAutofit/>
-        </a:bodyPr>
-        <a:lstStyle/>
-        <a:p>
-          <a:pPr marL="0" lvl="0" indent="0" algn="l" defTabSz="1200150">
-            <a:lnSpc>
-              <a:spcPct val="90000"/>
-            </a:lnSpc>
-            <a:spcBef>
-              <a:spcPct val="0"/>
-            </a:spcBef>
-            <a:spcAft>
-              <a:spcPct val="35000"/>
-            </a:spcAft>
-            <a:buNone/>
-          </a:pPr>
-          <a:r>
-            <a:rPr lang="en-US" sz="2700" kern="1200" dirty="0"/>
-            <a:t>Group A</a:t>
-          </a:r>
-        </a:p>
-      </dsp:txBody>
-      <dsp:txXfrm>
-        <a:off x="31613" y="65865"/>
-        <a:ext cx="4965973" cy="584369"/>
-      </dsp:txXfrm>
-    </dsp:sp>
-    <dsp:sp modelId="{6EA3914A-CB7F-4A5E-9543-C3A39D9197C9}">
-      <dsp:nvSpPr>
-        <dsp:cNvPr id="0" name=""/>
-        <dsp:cNvSpPr/>
-      </dsp:nvSpPr>
-      <dsp:spPr>
-        <a:xfrm>
-          <a:off x="0" y="681847"/>
-          <a:ext cx="5029199" cy="726570"/>
-        </a:xfrm>
-        <a:prstGeom prst="rect">
-          <a:avLst/>
-        </a:prstGeom>
-        <a:noFill/>
-        <a:ln>
-          <a:noFill/>
-        </a:ln>
-        <a:effectLst/>
-      </dsp:spPr>
-      <dsp:style>
-        <a:lnRef idx="0">
-          <a:scrgbClr r="0" g="0" b="0"/>
-        </a:lnRef>
-        <a:fillRef idx="0">
-          <a:scrgbClr r="0" g="0" b="0"/>
-        </a:fillRef>
-        <a:effectRef idx="0">
-          <a:scrgbClr r="0" g="0" b="0"/>
-        </a:effectRef>
-        <a:fontRef idx="minor"/>
-      </dsp:style>
-      <dsp:txBody>
-        <a:bodyPr spcFirstLastPara="0" vert="horz" wrap="square" lIns="159677" tIns="34290" rIns="192024" bIns="34290" numCol="1" spcCol="1270" anchor="t" anchorCtr="0">
-          <a:noAutofit/>
-        </a:bodyPr>
-        <a:lstStyle/>
-        <a:p>
-          <a:pPr marL="228600" lvl="1" indent="-228600" algn="l" defTabSz="933450">
-            <a:lnSpc>
-              <a:spcPct val="90000"/>
-            </a:lnSpc>
-            <a:spcBef>
-              <a:spcPct val="0"/>
-            </a:spcBef>
-            <a:spcAft>
-              <a:spcPct val="20000"/>
-            </a:spcAft>
-            <a:buChar char="•"/>
-          </a:pPr>
-          <a:r>
-            <a:rPr lang="en-US" sz="2100" kern="1200" dirty="0"/>
-            <a:t>Task 1</a:t>
-          </a:r>
-        </a:p>
-        <a:p>
-          <a:pPr marL="228600" lvl="1" indent="-228600" algn="l" defTabSz="933450">
-            <a:lnSpc>
-              <a:spcPct val="90000"/>
-            </a:lnSpc>
-            <a:spcBef>
-              <a:spcPct val="0"/>
-            </a:spcBef>
-            <a:spcAft>
-              <a:spcPct val="20000"/>
-            </a:spcAft>
-            <a:buChar char="•"/>
-          </a:pPr>
-          <a:r>
-            <a:rPr lang="en-US" sz="2100" kern="1200" dirty="0"/>
-            <a:t>Task 2</a:t>
-          </a:r>
-        </a:p>
-      </dsp:txBody>
-      <dsp:txXfrm>
-        <a:off x="0" y="681847"/>
-        <a:ext cx="5029199" cy="726570"/>
-      </dsp:txXfrm>
-    </dsp:sp>
-    <dsp:sp modelId="{81203336-F3DE-4B3A-BCF4-0F68C23AC2BB}">
-      <dsp:nvSpPr>
-        <dsp:cNvPr id="0" name=""/>
-        <dsp:cNvSpPr/>
-      </dsp:nvSpPr>
-      <dsp:spPr>
-        <a:xfrm>
-          <a:off x="0" y="1408417"/>
-          <a:ext cx="5029199" cy="647595"/>
-        </a:xfrm>
-        <a:prstGeom prst="roundRect">
-          <a:avLst/>
-        </a:prstGeom>
-        <a:gradFill rotWithShape="0">
-          <a:gsLst>
-            <a:gs pos="0">
-              <a:schemeClr val="accent3">
-                <a:hueOff val="0"/>
-                <a:satOff val="0"/>
-                <a:lumOff val="0"/>
-                <a:alphaOff val="0"/>
-                <a:satMod val="103000"/>
-                <a:lumMod val="102000"/>
-                <a:tint val="94000"/>
-              </a:schemeClr>
-            </a:gs>
-            <a:gs pos="50000">
-              <a:schemeClr val="accent3">
-                <a:hueOff val="0"/>
-                <a:satOff val="0"/>
-                <a:lumOff val="0"/>
-                <a:alphaOff val="0"/>
-                <a:satMod val="110000"/>
-                <a:lumMod val="100000"/>
-                <a:shade val="100000"/>
-              </a:schemeClr>
-            </a:gs>
-            <a:gs pos="100000">
-              <a:schemeClr val="accent3">
-                <a:hueOff val="0"/>
-                <a:satOff val="0"/>
-                <a:lumOff val="0"/>
-                <a:alphaOff val="0"/>
-                <a:lumMod val="99000"/>
-                <a:satMod val="120000"/>
-                <a:shade val="78000"/>
-              </a:schemeClr>
-            </a:gs>
-          </a:gsLst>
-          <a:lin ang="5400000" scaled="0"/>
-        </a:gradFill>
-        <a:ln>
-          <a:noFill/>
-        </a:ln>
-        <a:effectLst/>
-      </dsp:spPr>
-      <dsp:style>
-        <a:lnRef idx="0">
-          <a:scrgbClr r="0" g="0" b="0"/>
-        </a:lnRef>
-        <a:fillRef idx="3">
-          <a:scrgbClr r="0" g="0" b="0"/>
-        </a:fillRef>
-        <a:effectRef idx="2">
-          <a:scrgbClr r="0" g="0" b="0"/>
-        </a:effectRef>
-        <a:fontRef idx="minor">
-          <a:schemeClr val="lt1"/>
-        </a:fontRef>
-      </dsp:style>
-      <dsp:txBody>
-        <a:bodyPr spcFirstLastPara="0" vert="horz" wrap="square" lIns="102870" tIns="102870" rIns="102870" bIns="102870" numCol="1" spcCol="1270" anchor="ctr" anchorCtr="0">
-          <a:noAutofit/>
-        </a:bodyPr>
-        <a:lstStyle/>
-        <a:p>
-          <a:pPr marL="0" lvl="0" indent="0" algn="l" defTabSz="1200150">
-            <a:lnSpc>
-              <a:spcPct val="90000"/>
-            </a:lnSpc>
-            <a:spcBef>
-              <a:spcPct val="0"/>
-            </a:spcBef>
-            <a:spcAft>
-              <a:spcPct val="35000"/>
-            </a:spcAft>
-            <a:buNone/>
-          </a:pPr>
-          <a:r>
-            <a:rPr lang="en-US" sz="2700" kern="1200" dirty="0"/>
-            <a:t>Group B</a:t>
-          </a:r>
-        </a:p>
-      </dsp:txBody>
-      <dsp:txXfrm>
-        <a:off x="31613" y="1440030"/>
-        <a:ext cx="4965973" cy="584369"/>
-      </dsp:txXfrm>
-    </dsp:sp>
-    <dsp:sp modelId="{782956A5-ADC8-4959-B856-589B9D9B9635}">
-      <dsp:nvSpPr>
-        <dsp:cNvPr id="0" name=""/>
-        <dsp:cNvSpPr/>
-      </dsp:nvSpPr>
-      <dsp:spPr>
-        <a:xfrm>
-          <a:off x="0" y="2056012"/>
-          <a:ext cx="5029199" cy="726570"/>
-        </a:xfrm>
-        <a:prstGeom prst="rect">
-          <a:avLst/>
-        </a:prstGeom>
-        <a:noFill/>
-        <a:ln>
-          <a:noFill/>
-        </a:ln>
-        <a:effectLst/>
-      </dsp:spPr>
-      <dsp:style>
-        <a:lnRef idx="0">
-          <a:scrgbClr r="0" g="0" b="0"/>
-        </a:lnRef>
-        <a:fillRef idx="0">
-          <a:scrgbClr r="0" g="0" b="0"/>
-        </a:fillRef>
-        <a:effectRef idx="0">
-          <a:scrgbClr r="0" g="0" b="0"/>
-        </a:effectRef>
-        <a:fontRef idx="minor"/>
-      </dsp:style>
-      <dsp:txBody>
-        <a:bodyPr spcFirstLastPara="0" vert="horz" wrap="square" lIns="159677" tIns="34290" rIns="192024" bIns="34290" numCol="1" spcCol="1270" anchor="t" anchorCtr="0">
-          <a:noAutofit/>
-        </a:bodyPr>
-        <a:lstStyle/>
-        <a:p>
-          <a:pPr marL="228600" lvl="1" indent="-228600" algn="l" defTabSz="933450">
-            <a:lnSpc>
-              <a:spcPct val="90000"/>
-            </a:lnSpc>
-            <a:spcBef>
-              <a:spcPct val="0"/>
-            </a:spcBef>
-            <a:spcAft>
-              <a:spcPct val="20000"/>
-            </a:spcAft>
-            <a:buChar char="•"/>
-          </a:pPr>
-          <a:r>
-            <a:rPr lang="en-US" sz="2100" kern="1200" dirty="0"/>
-            <a:t>Task 1</a:t>
-          </a:r>
-        </a:p>
-        <a:p>
-          <a:pPr marL="228600" lvl="1" indent="-228600" algn="l" defTabSz="933450">
-            <a:lnSpc>
-              <a:spcPct val="90000"/>
-            </a:lnSpc>
-            <a:spcBef>
-              <a:spcPct val="0"/>
-            </a:spcBef>
-            <a:spcAft>
-              <a:spcPct val="20000"/>
-            </a:spcAft>
-            <a:buChar char="•"/>
-          </a:pPr>
-          <a:r>
-            <a:rPr lang="en-US" sz="2100" kern="1200" dirty="0"/>
-            <a:t>Task 2</a:t>
-          </a:r>
-        </a:p>
-      </dsp:txBody>
-      <dsp:txXfrm>
-        <a:off x="0" y="2056012"/>
-        <a:ext cx="5029199" cy="726570"/>
-      </dsp:txXfrm>
-    </dsp:sp>
-    <dsp:sp modelId="{D64CB5D5-837D-47FC-9E42-A26D800BC695}">
-      <dsp:nvSpPr>
-        <dsp:cNvPr id="0" name=""/>
-        <dsp:cNvSpPr/>
-      </dsp:nvSpPr>
-      <dsp:spPr>
-        <a:xfrm>
-          <a:off x="0" y="2782582"/>
-          <a:ext cx="5029199" cy="647595"/>
-        </a:xfrm>
-        <a:prstGeom prst="roundRect">
-          <a:avLst/>
-        </a:prstGeom>
-        <a:gradFill rotWithShape="0">
-          <a:gsLst>
-            <a:gs pos="0">
-              <a:schemeClr val="accent4">
-                <a:hueOff val="0"/>
-                <a:satOff val="0"/>
-                <a:lumOff val="0"/>
-                <a:alphaOff val="0"/>
-                <a:satMod val="103000"/>
-                <a:lumMod val="102000"/>
-                <a:tint val="94000"/>
-              </a:schemeClr>
-            </a:gs>
-            <a:gs pos="50000">
-              <a:schemeClr val="accent4">
-                <a:hueOff val="0"/>
-                <a:satOff val="0"/>
-                <a:lumOff val="0"/>
-                <a:alphaOff val="0"/>
-                <a:satMod val="110000"/>
-                <a:lumMod val="100000"/>
-                <a:shade val="100000"/>
-              </a:schemeClr>
-            </a:gs>
-            <a:gs pos="100000">
-              <a:schemeClr val="accent4">
-                <a:hueOff val="0"/>
-                <a:satOff val="0"/>
-                <a:lumOff val="0"/>
-                <a:alphaOff val="0"/>
-                <a:lumMod val="99000"/>
-                <a:satMod val="120000"/>
-                <a:shade val="78000"/>
-              </a:schemeClr>
-            </a:gs>
-          </a:gsLst>
-          <a:lin ang="5400000" scaled="0"/>
-        </a:gradFill>
-        <a:ln>
-          <a:noFill/>
-        </a:ln>
-        <a:effectLst/>
-      </dsp:spPr>
-      <dsp:style>
-        <a:lnRef idx="0">
-          <a:scrgbClr r="0" g="0" b="0"/>
-        </a:lnRef>
-        <a:fillRef idx="3">
-          <a:scrgbClr r="0" g="0" b="0"/>
-        </a:fillRef>
-        <a:effectRef idx="2">
-          <a:scrgbClr r="0" g="0" b="0"/>
-        </a:effectRef>
-        <a:fontRef idx="minor">
-          <a:schemeClr val="lt1"/>
-        </a:fontRef>
-      </dsp:style>
-      <dsp:txBody>
-        <a:bodyPr spcFirstLastPara="0" vert="horz" wrap="square" lIns="102870" tIns="102870" rIns="102870" bIns="102870" numCol="1" spcCol="1270" anchor="ctr" anchorCtr="0">
-          <a:noAutofit/>
-        </a:bodyPr>
-        <a:lstStyle/>
-        <a:p>
-          <a:pPr marL="0" lvl="0" indent="0" algn="l" defTabSz="1200150">
-            <a:lnSpc>
-              <a:spcPct val="90000"/>
-            </a:lnSpc>
-            <a:spcBef>
-              <a:spcPct val="0"/>
-            </a:spcBef>
-            <a:spcAft>
-              <a:spcPct val="35000"/>
-            </a:spcAft>
-            <a:buNone/>
-          </a:pPr>
-          <a:r>
-            <a:rPr lang="en-US" sz="2700" kern="1200" dirty="0"/>
-            <a:t>Group C</a:t>
-          </a:r>
-        </a:p>
-      </dsp:txBody>
-      <dsp:txXfrm>
-        <a:off x="31613" y="2814195"/>
-        <a:ext cx="4965973" cy="584369"/>
-      </dsp:txXfrm>
-    </dsp:sp>
-    <dsp:sp modelId="{08B7B17B-8600-44B0-B235-389E5D71D804}">
-      <dsp:nvSpPr>
-        <dsp:cNvPr id="0" name=""/>
-        <dsp:cNvSpPr/>
-      </dsp:nvSpPr>
-      <dsp:spPr>
-        <a:xfrm>
-          <a:off x="0" y="3430177"/>
-          <a:ext cx="5029199" cy="726570"/>
-        </a:xfrm>
-        <a:prstGeom prst="rect">
-          <a:avLst/>
-        </a:prstGeom>
-        <a:noFill/>
-        <a:ln>
-          <a:noFill/>
-        </a:ln>
-        <a:effectLst/>
-      </dsp:spPr>
-      <dsp:style>
-        <a:lnRef idx="0">
-          <a:scrgbClr r="0" g="0" b="0"/>
-        </a:lnRef>
-        <a:fillRef idx="0">
-          <a:scrgbClr r="0" g="0" b="0"/>
-        </a:fillRef>
-        <a:effectRef idx="0">
-          <a:scrgbClr r="0" g="0" b="0"/>
-        </a:effectRef>
-        <a:fontRef idx="minor"/>
-      </dsp:style>
-      <dsp:txBody>
-        <a:bodyPr spcFirstLastPara="0" vert="horz" wrap="square" lIns="159677" tIns="34290" rIns="192024" bIns="34290" numCol="1" spcCol="1270" anchor="t" anchorCtr="0">
-          <a:noAutofit/>
-        </a:bodyPr>
-        <a:lstStyle/>
-        <a:p>
-          <a:pPr marL="228600" lvl="1" indent="-228600" algn="l" defTabSz="933450">
-            <a:lnSpc>
-              <a:spcPct val="90000"/>
-            </a:lnSpc>
-            <a:spcBef>
-              <a:spcPct val="0"/>
-            </a:spcBef>
-            <a:spcAft>
-              <a:spcPct val="20000"/>
-            </a:spcAft>
-            <a:buChar char="•"/>
-          </a:pPr>
-          <a:r>
-            <a:rPr lang="en-US" sz="2100" kern="1200" dirty="0"/>
-            <a:t>Task 1</a:t>
-          </a:r>
-        </a:p>
-        <a:p>
-          <a:pPr marL="228600" lvl="1" indent="-228600" algn="l" defTabSz="933450">
-            <a:lnSpc>
-              <a:spcPct val="90000"/>
-            </a:lnSpc>
-            <a:spcBef>
-              <a:spcPct val="0"/>
-            </a:spcBef>
-            <a:spcAft>
-              <a:spcPct val="20000"/>
-            </a:spcAft>
-            <a:buChar char="•"/>
-          </a:pPr>
-          <a:r>
-            <a:rPr lang="en-US" sz="2100" kern="1200" dirty="0"/>
-            <a:t>Task 2</a:t>
-          </a:r>
-        </a:p>
-      </dsp:txBody>
-      <dsp:txXfrm>
-        <a:off x="0" y="3430177"/>
-        <a:ext cx="5029199" cy="726570"/>
-      </dsp:txXfrm>
-    </dsp:sp>
-  </dsp:spTree>
-</dsp:drawing>
-</file>
-
-<file path=ppt/diagrams/layout1.xml><?xml version="1.0" encoding="utf-8"?>
-<dgm:layoutDef xmlns:dgm="http://schemas.openxmlformats.org/drawingml/2006/diagram" xmlns:a="http://schemas.openxmlformats.org/drawingml/2006/main" uniqueId="urn:microsoft.com/office/officeart/2005/8/layout/vList2">
-  <dgm:title val=""/>
-  <dgm:desc val=""/>
-  <dgm:catLst>
-    <dgm:cat type="list" pri="3000"/>
-    <dgm:cat type="convert" pri="1000"/>
-  </dgm:catLst>
-  <dgm:sampData>
-    <dgm:dataModel>
-      <dgm:ptLst>
-        <dgm:pt modelId="0" type="doc"/>
-        <dgm:pt modelId="1">
-          <dgm:prSet phldr="1"/>
-        </dgm:pt>
-        <dgm:pt modelId="11">
-          <dgm:prSet phldr="1"/>
-        </dgm:pt>
-        <dgm:pt modelId="2">
-          <dgm:prSet phldr="1"/>
-        </dgm:pt>
-        <dgm:pt modelId="21">
-          <dgm:prSet phldr="1"/>
-        </dgm:pt>
-      </dgm:ptLst>
-      <dgm:cxnLst>
-        <dgm:cxn modelId="4" srcId="0" destId="1" srcOrd="0" destOrd="0"/>
-        <dgm:cxn modelId="5" srcId="0" destId="2" srcOrd="1" destOrd="0"/>
-        <dgm:cxn modelId="12" srcId="1" destId="11" srcOrd="0" destOrd="0"/>
-        <dgm:cxn modelId="23" srcId="2" destId="21" srcOrd="0" destOrd="0"/>
-      </dgm:cxnLst>
-      <dgm:bg/>
-      <dgm:whole/>
-    </dgm:dataModel>
-  </dgm:sampData>
-  <dgm:styleData>
-    <dgm:dataModel>
-      <dgm:ptLst>
-        <dgm:pt modelId="0" type="doc"/>
-        <dgm:pt modelId="1"/>
-        <dgm:pt modelId="2"/>
-      </dgm:ptLst>
-      <dgm:cxnLst>
-        <dgm:cxn modelId="3" srcId="0" destId="1" srcOrd="0" destOrd="0"/>
-        <dgm:cxn modelId="4" srcId="0" destId="2" srcOrd="1" destOrd="0"/>
-      </dgm:cxnLst>
-      <dgm:bg/>
-      <dgm:whole/>
-    </dgm:dataModel>
-  </dgm:styleData>
-  <dgm:clrData>
-    <dgm:dataModel>
-      <dgm:ptLst>
-        <dgm:pt modelId="0" type="doc"/>
-        <dgm:pt modelId="1"/>
-        <dgm:pt modelId="2"/>
-        <dgm:pt modelId="3"/>
-        <dgm:pt modelId="4"/>
-      </dgm:ptLst>
-      <dgm:cxnLst>
-        <dgm:cxn modelId="5" srcId="0" destId="1" srcOrd="0" destOrd="0"/>
-        <dgm:cxn modelId="6" srcId="0" destId="2" srcOrd="1" destOrd="0"/>
-        <dgm:cxn modelId="7" srcId="0" destId="3" srcOrd="2" destOrd="0"/>
-        <dgm:cxn modelId="8" srcId="0" destId="4" srcOrd="3" destOrd="0"/>
-      </dgm:cxnLst>
-      <dgm:bg/>
-      <dgm:whole/>
-    </dgm:dataModel>
-  </dgm:clrData>
-  <dgm:layoutNode name="linear">
-    <dgm:varLst>
-      <dgm:animLvl val="lvl"/>
-      <dgm:resizeHandles val="exact"/>
-    </dgm:varLst>
-    <dgm:alg type="lin">
-      <dgm:param type="linDir" val="fromT"/>
-      <dgm:param type="vertAlign" val="mid"/>
-    </dgm:alg>
-    <dgm:shape xmlns:r="http://schemas.openxmlformats.org/officeDocument/2006/relationships" r:blip="">
-      <dgm:adjLst/>
-    </dgm:shape>
-    <dgm:presOf/>
-    <dgm:constrLst>
-      <dgm:constr type="w" for="ch" forName="parentText" refType="w"/>
-      <dgm:constr type="h" for="ch" forName="parentText" refType="primFontSz" refFor="ch" refForName="parentText" fact="0.52"/>
-      <dgm:constr type="w" for="ch" forName="childText" refType="w"/>
-      <dgm:constr type="h" for="ch" forName="childText" refType="primFontSz" refFor="ch" refForName="parentText" fact="0.46"/>
-      <dgm:constr type="h" for="ch" forName="parentText" op="equ"/>
-      <dgm:constr type="primFontSz" for="ch" forName="parentText" op="equ" val="65"/>
-      <dgm:constr type="primFontSz" for="ch" forName="childText" refType="primFontSz" refFor="ch" refForName="parentText" op="equ"/>
-      <dgm:constr type="h" for="ch" forName="spacer" refType="primFontSz" refFor="ch" refForName="parentText" fact="0.08"/>
-    </dgm:constrLst>
-    <dgm:ruleLst>
-      <dgm:rule type="primFontSz" for="ch" forName="parentText" val="5" fact="NaN" max="NaN"/>
-    </dgm:ruleLst>
-    <dgm:forEach name="Name0" axis="ch" ptType="node">
-      <dgm:layoutNode name="parentText" styleLbl="node1">
-        <dgm:varLst>
-          <dgm:chMax val="0"/>
-          <dgm:bulletEnabled val="1"/>
-        </dgm:varLst>
-        <dgm:alg type="tx">
-          <dgm:param type="parTxLTRAlign" val="l"/>
-          <dgm:param type="parTxRTLAlign" val="r"/>
-        </dgm:alg>
-        <dgm:shape xmlns:r="http://schemas.openxmlformats.org/officeDocument/2006/relationships" type="roundRect" r:blip="">
-          <dgm:adjLst/>
-        </dgm:shape>
-        <dgm:presOf axis="self"/>
-        <dgm:constrLst>
-          <dgm:constr type="tMarg" refType="primFontSz" fact="0.3"/>
-          <dgm:constr type="bMarg" refType="primFontSz" fact="0.3"/>
-          <dgm:constr type="lMarg" refType="primFontSz" fact="0.3"/>
-          <dgm:constr type="rMarg" refType="primFontSz" fact="0.3"/>
-        </dgm:constrLst>
-        <dgm:ruleLst>
-          <dgm:rule type="h" val="INF" fact="NaN" max="NaN"/>
-        </dgm:ruleLst>
-      </dgm:layoutNode>
-      <dgm:choose name="Name1">
-        <dgm:if name="Name2" axis="ch" ptType="node" func="cnt" op="gte" val="1">
-          <dgm:layoutNode name="childText" styleLbl="revTx">
-            <dgm:varLst>
-              <dgm:bulletEnabled val="1"/>
-            </dgm:varLst>
-            <dgm:alg type="tx">
-              <dgm:param type="stBulletLvl" val="1"/>
-              <dgm:param type="lnSpAfChP" val="20"/>
-            </dgm:alg>
-            <dgm:shape xmlns:r="http://schemas.openxmlformats.org/officeDocument/2006/relationships" type="rect" r:blip="">
-              <dgm:adjLst/>
-            </dgm:shape>
-            <dgm:presOf axis="des" ptType="node"/>
-            <dgm:constrLst>
-              <dgm:constr type="tMarg" refType="primFontSz" fact="0.1"/>
-              <dgm:constr type="bMarg" refType="primFontSz" fact="0.1"/>
-              <dgm:constr type="lMarg" refType="w" fact="0.09"/>
-            </dgm:constrLst>
-            <dgm:ruleLst>
-              <dgm:rule type="h" val="INF" fact="NaN" max="NaN"/>
-            </dgm:ruleLst>
-          </dgm:layoutNode>
-        </dgm:if>
-        <dgm:else name="Name3">
-          <dgm:choose name="Name4">
-            <dgm:if name="Name5" axis="par ch" ptType="doc node" func="cnt" op="gte" val="2">
-              <dgm:forEach name="Name6" axis="followSib" ptType="sibTrans" cnt="1">
-                <dgm:layoutNode name="spacer">
-                  <dgm:alg type="sp"/>
-                  <dgm:shape xmlns:r="http://schemas.openxmlformats.org/officeDocument/2006/relationships" r:blip="">
-                    <dgm:adjLst/>
-                  </dgm:shape>
-                  <dgm:presOf/>
-                  <dgm:constrLst/>
-                  <dgm:ruleLst/>
-                </dgm:layoutNode>
-              </dgm:forEach>
-            </dgm:if>
-            <dgm:else name="Name7"/>
-          </dgm:choose>
-        </dgm:else>
-      </dgm:choose>
-    </dgm:forEach>
-  </dgm:layoutNode>
-</dgm:layoutDef>
-</file>
-
-<file path=ppt/diagrams/quickStyle1.xml><?xml version="1.0" encoding="utf-8"?>
-<dgm:styleDef xmlns:dgm="http://schemas.openxmlformats.org/drawingml/2006/diagram" xmlns:a="http://schemas.openxmlformats.org/drawingml/2006/main" uniqueId="urn:microsoft.com/office/officeart/2005/8/quickstyle/simple4">
-  <dgm:title val=""/>
-  <dgm:desc val=""/>
-  <dgm:catLst>
-    <dgm:cat type="simple" pri="10400"/>
-  </dgm:catLst>
-  <dgm:scene3d>
-    <a:camera prst="orthographicFront"/>
-    <a:lightRig rig="threePt" dir="t"/>
-  </dgm:scene3d>
-  <dgm:styleLbl name="node0">
-    <dgm:scene3d>
-      <a:camera prst="orthographicFront"/>
-      <a:lightRig rig="threePt" dir="t"/>
-    </dgm:scene3d>
-    <dgm:sp3d/>
-    <dgm:txPr/>
-    <dgm:style>
-      <a:lnRef idx="0">
-        <a:scrgbClr r="0" g="0" b="0"/>
-      </a:lnRef>
-      <a:fillRef idx="3">
-        <a:scrgbClr r="0" g="0" b="0"/>
-      </a:fillRef>
-      <a:effectRef idx="2">
-        <a:scrgbClr r="0" g="0" b="0"/>
-      </a:effectRef>
-      <a:fontRef idx="minor">
-        <a:schemeClr val="lt1"/>
-      </a:fontRef>
-    </dgm:style>
-  </dgm:styleLbl>
-  <dgm:styleLbl name="lnNode1">
-    <dgm:scene3d>
-      <a:camera prst="orthographicFront"/>
-      <a:lightRig rig="threePt" dir="t"/>
-    </dgm:scene3d>
-    <dgm:sp3d/>
-    <dgm:txPr/>
-    <dgm:style>
-      <a:lnRef idx="1">
-        <a:scrgbClr r="0" g="0" b="0"/>
-      </a:lnRef>
-      <a:fillRef idx="3">
-        <a:scrgbClr r="0" g="0" b="0"/>
-      </a:fillRef>
-      <a:effectRef idx="2">
-        <a:scrgbClr r="0" g="0" b="0"/>
-      </a:effectRef>
-      <a:fontRef idx="minor">
-        <a:schemeClr val="lt1"/>
-      </a:fontRef>
-    </dgm:style>
-  </dgm:styleLbl>
-  <dgm:styleLbl name="vennNode1">
-    <dgm:scene3d>
-      <a:camera prst="orthographicFront"/>
-      <a:lightRig rig="threePt" dir="t"/>
-    </dgm:scene3d>
-    <dgm:sp3d/>
-    <dgm:txPr/>
-    <dgm:style>
-      <a:lnRef idx="0">
-        <a:scrgbClr r="0" g="0" b="0"/>
-      </a:lnRef>
-      <a:fillRef idx="3">
-        <a:scrgbClr r="0" g="0" b="0"/>
-      </a:fillRef>
-      <a:effectRef idx="0">
-        <a:scrgbClr r="0" g="0" b="0"/>
-      </a:effectRef>
-      <a:fontRef idx="minor">
-        <a:schemeClr val="tx1"/>
-      </a:fontRef>
-    </dgm:style>
-  </dgm:styleLbl>
-  <dgm:styleLbl name="alignNode1">
-    <dgm:scene3d>
-      <a:camera prst="orthographicFront"/>
-      <a:lightRig rig="threePt" dir="t"/>
-    </dgm:scene3d>
-    <dgm:sp3d/>
-    <dgm:txPr/>
-    <dgm:style>
-      <a:lnRef idx="1">
-        <a:scrgbClr r="0" g="0" b="0"/>
-      </a:lnRef>
-      <a:fillRef idx="3">
-        <a:scrgbClr r="0" g="0" b="0"/>
-      </a:fillRef>
-      <a:effectRef idx="2">
-        <a:scrgbClr r="0" g="0" b="0"/>
-      </a:effectRef>
-      <a:fontRef idx="minor">
-        <a:schemeClr val="lt1"/>
-      </a:fontRef>
-    </dgm:style>
-  </dgm:styleLbl>
-  <dgm:styleLbl name="node1">
-    <dgm:scene3d>
-      <a:camera prst="orthographicFront"/>
-      <a:lightRig rig="threePt" dir="t"/>
-    </dgm:scene3d>
-    <dgm:sp3d/>
-    <dgm:txPr/>
-    <dgm:style>
-      <a:lnRef idx="0">
-        <a:scrgbClr r="0" g="0" b="0"/>
-      </a:lnRef>
-      <a:fillRef idx="3">
-        <a:scrgbClr r="0" g="0" b="0"/>
-      </a:fillRef>
-      <a:effectRef idx="2">
-        <a:scrgbClr r="0" g="0" b="0"/>
-      </a:effectRef>
-      <a:fontRef idx="minor">
-        <a:schemeClr val="lt1"/>
-      </a:fontRef>
-    </dgm:style>
-  </dgm:styleLbl>
-  <dgm:styleLbl name="node2">
-    <dgm:scene3d>
-      <a:camera prst="orthographicFront"/>
-      <a:lightRig rig="threePt" dir="t"/>
-    </dgm:scene3d>
-    <dgm:sp3d/>
-    <dgm:txPr/>
-    <dgm:style>
-      <a:lnRef idx="0">
-        <a:scrgbClr r="0" g="0" b="0"/>
-      </a:lnRef>
-      <a:fillRef idx="3">
-        <a:scrgbClr r="0" g="0" b="0"/>
-      </a:fillRef>
-      <a:effectRef idx="2">
-        <a:scrgbClr r="0" g="0" b="0"/>
-      </a:effectRef>
-      <a:fontRef idx="minor">
-        <a:schemeClr val="lt1"/>
-      </a:fontRef>
-    </dgm:style>
-  </dgm:styleLbl>
-  <dgm:styleLbl name="node3">
-    <dgm:scene3d>
-      <a:camera prst="orthographicFront"/>
-      <a:lightRig rig="threePt" dir="t"/>
-    </dgm:scene3d>
-    <dgm:sp3d/>
-    <dgm:txPr/>
-    <dgm:style>
-      <a:lnRef idx="0">
-        <a:scrgbClr r="0" g="0" b="0"/>
-      </a:lnRef>
-      <a:fillRef idx="3">
-        <a:scrgbClr r="0" g="0" b="0"/>
-      </a:fillRef>
-      <a:effectRef idx="2">
-        <a:scrgbClr r="0" g="0" b="0"/>
-      </a:effectRef>
-      <a:fontRef idx="minor">
-        <a:schemeClr val="lt1"/>
-      </a:fontRef>
-    </dgm:style>
-  </dgm:styleLbl>
-  <dgm:styleLbl name="node4">
-    <dgm:scene3d>
-      <a:camera prst="orthographicFront"/>
-      <a:lightRig rig="threePt" dir="t"/>
-    </dgm:scene3d>
-    <dgm:sp3d/>
-    <dgm:txPr/>
-    <dgm:style>
-      <a:lnRef idx="0">
-        <a:scrgbClr r="0" g="0" b="0"/>
-      </a:lnRef>
-      <a:fillRef idx="3">
-        <a:scrgbClr r="0" g="0" b="0"/>
-      </a:fillRef>
-      <a:effectRef idx="2">
-        <a:scrgbClr r="0" g="0" b="0"/>
-      </a:effectRef>
-      <a:fontRef idx="minor">
-        <a:schemeClr val="lt1"/>
-      </a:fontRef>
-    </dgm:style>
-  </dgm:styleLbl>
-  <dgm:styleLbl name="fgImgPlace1">
-    <dgm:scene3d>
-      <a:camera prst="orthographicFront"/>
-      <a:lightRig rig="threePt" dir="t"/>
-    </dgm:scene3d>
-    <dgm:sp3d/>
-    <dgm:txPr/>
-    <dgm:style>
-      <a:lnRef idx="0">
-        <a:scrgbClr r="0" g="0" b="0"/>
-      </a:lnRef>
-      <a:fillRef idx="1">
-        <a:scrgbClr r="0" g="0" b="0"/>
-      </a:fillRef>
-      <a:effectRef idx="2">
-        <a:scrgbClr r="0" g="0" b="0"/>
-      </a:effectRef>
-      <a:fontRef idx="minor"/>
-    </dgm:style>
-  </dgm:styleLbl>
-  <dgm:styleLbl name="alignImgPlace1">
-    <dgm:scene3d>
-      <a:camera prst="orthographicFront"/>
-      <a:lightRig rig="threePt" dir="t"/>
-    </dgm:scene3d>
-    <dgm:sp3d/>
-    <dgm:txPr/>
-    <dgm:style>
-      <a:lnRef idx="0">
-        <a:scrgbClr r="0" g="0" b="0"/>
-      </a:lnRef>
-      <a:fillRef idx="1">
-        <a:scrgbClr r="0" g="0" b="0"/>
-      </a:fillRef>
-      <a:effectRef idx="2">
-        <a:scrgbClr r="0" g="0" b="0"/>
-      </a:effectRef>
-      <a:fontRef idx="minor"/>
-    </dgm:style>
-  </dgm:styleLbl>
-  <dgm:styleLbl name="bgImgPlace1">
-    <dgm:scene3d>
-      <a:camera prst="orthographicFront"/>
-      <a:lightRig rig="threePt" dir="t"/>
-    </dgm:scene3d>
-    <dgm:sp3d/>
-    <dgm:txPr/>
-    <dgm:style>
-      <a:lnRef idx="0">
-        <a:scrgbClr r="0" g="0" b="0"/>
-      </a:lnRef>
-      <a:fillRef idx="1">
-        <a:scrgbClr r="0" g="0" b="0"/>
-      </a:fillRef>
-      <a:effectRef idx="2">
-        <a:scrgbClr r="0" g="0" b="0"/>
-      </a:effectRef>
-      <a:fontRef idx="minor"/>
-    </dgm:style>
-  </dgm:styleLbl>
-  <dgm:styleLbl name="sibTrans2D1">
-    <dgm:scene3d>
-      <a:camera prst="orthographicFront"/>
-      <a:lightRig rig="threePt" dir="t"/>
-    </dgm:scene3d>
-    <dgm:sp3d/>
-    <dgm:txPr/>
-    <dgm:style>
-      <a:lnRef idx="0">
-        <a:scrgbClr r="0" g="0" b="0"/>
-      </a:lnRef>
-      <a:fillRef idx="3">
-        <a:scrgbClr r="0" g="0" b="0"/>
-      </a:fillRef>
-      <a:effectRef idx="2">
-        <a:scrgbClr r="0" g="0" b="0"/>
-      </a:effectRef>
-      <a:fontRef idx="minor">
-        <a:schemeClr val="lt1"/>
-      </a:fontRef>
-    </dgm:style>
-  </dgm:styleLbl>
-  <dgm:styleLbl name="fgSibTrans2D1">
-    <dgm:scene3d>
-      <a:camera prst="orthographicFront"/>
-      <a:lightRig rig="threePt" dir="t"/>
-    </dgm:scene3d>
-    <dgm:sp3d/>
-    <dgm:txPr/>
-    <dgm:style>
-      <a:lnRef idx="0">
-        <a:scrgbClr r="0" g="0" b="0"/>
-      </a:lnRef>
-      <a:fillRef idx="3">
-        <a:scrgbClr r="0" g="0" b="0"/>
-      </a:fillRef>
-      <a:effectRef idx="2">
-        <a:scrgbClr r="0" g="0" b="0"/>
-      </a:effectRef>
-      <a:fontRef idx="minor">
-        <a:schemeClr val="lt1"/>
-      </a:fontRef>
-    </dgm:style>
-  </dgm:styleLbl>
-  <dgm:styleLbl name="bgSibTrans2D1">
-    <dgm:scene3d>
-      <a:camera prst="orthographicFront"/>
-      <a:lightRig rig="threePt" dir="t"/>
-    </dgm:scene3d>
-    <dgm:sp3d/>
-    <dgm:txPr/>
-    <dgm:style>
-      <a:lnRef idx="0">
-        <a:scrgbClr r="0" g="0" b="0"/>
-      </a:lnRef>
-      <a:fillRef idx="3">
-        <a:scrgbClr r="0" g="0" b="0"/>
-      </a:fillRef>
-      <a:effectRef idx="2">
-        <a:scrgbClr r="0" g="0" b="0"/>
-      </a:effectRef>
-      <a:fontRef idx="minor">
-        <a:schemeClr val="lt1"/>
-      </a:fontRef>
-    </dgm:style>
-  </dgm:styleLbl>
-  <dgm:styleLbl name="sibTrans1D1">
-    <dgm:scene3d>
-      <a:camera prst="orthographicFront"/>
-      <a:lightRig rig="threePt" dir="t"/>
-    </dgm:scene3d>
-    <dgm:sp3d/>
-    <dgm:txPr/>
-    <dgm:style>
-      <a:lnRef idx="1">
-        <a:scrgbClr r="0" g="0" b="0"/>
-      </a:lnRef>
-      <a:fillRef idx="0">
-        <a:scrgbClr r="0" g="0" b="0"/>
-      </a:fillRef>
-      <a:effectRef idx="0">
-        <a:scrgbClr r="0" g="0" b="0"/>
-      </a:effectRef>
-      <a:fontRef idx="minor"/>
-    </dgm:style>
-  </dgm:styleLbl>
-  <dgm:styleLbl name="callout">
-    <dgm:scene3d>
-      <a:camera prst="orthographicFront"/>
-      <a:lightRig rig="threePt" dir="t"/>
-    </dgm:scene3d>
-    <dgm:sp3d/>
-    <dgm:txPr/>
-    <dgm:style>
-      <a:lnRef idx="2">
-        <a:scrgbClr r="0" g="0" b="0"/>
-      </a:lnRef>
-      <a:fillRef idx="1">
-        <a:scrgbClr r="0" g="0" b="0"/>
-      </a:fillRef>
-      <a:effectRef idx="1">
-        <a:scrgbClr r="0" g="0" b="0"/>
-      </a:effectRef>
-      <a:fontRef idx="minor"/>
-    </dgm:style>
-  </dgm:styleLbl>
-  <dgm:styleLbl name="asst0">
-    <dgm:scene3d>
-      <a:camera prst="orthographicFront"/>
-      <a:lightRig rig="threePt" dir="t"/>
-    </dgm:scene3d>
-    <dgm:sp3d/>
-    <dgm:txPr/>
-    <dgm:style>
-      <a:lnRef idx="0">
-        <a:scrgbClr r="0" g="0" b="0"/>
-      </a:lnRef>
-      <a:fillRef idx="3">
-        <a:scrgbClr r="0" g="0" b="0"/>
-      </a:fillRef>
-      <a:effectRef idx="2">
-        <a:scrgbClr r="0" g="0" b="0"/>
-      </a:effectRef>
-      <a:fontRef idx="minor">
-        <a:schemeClr val="lt1"/>
-      </a:fontRef>
-    </dgm:style>
-  </dgm:styleLbl>
-  <dgm:styleLbl name="asst1">
-    <dgm:scene3d>
-      <a:camera prst="orthographicFront"/>
-      <a:lightRig rig="threePt" dir="t"/>
-    </dgm:scene3d>
-    <dgm:sp3d/>
-    <dgm:txPr/>
-    <dgm:style>
-      <a:lnRef idx="0">
-        <a:scrgbClr r="0" g="0" b="0"/>
-      </a:lnRef>
-      <a:fillRef idx="3">
-        <a:scrgbClr r="0" g="0" b="0"/>
-      </a:fillRef>
-      <a:effectRef idx="2">
-        <a:scrgbClr r="0" g="0" b="0"/>
-      </a:effectRef>
-      <a:fontRef idx="minor">
-        <a:schemeClr val="lt1"/>
-      </a:fontRef>
-    </dgm:style>
-  </dgm:styleLbl>
-  <dgm:styleLbl name="asst2">
-    <dgm:scene3d>
-      <a:camera prst="orthographicFront"/>
-      <a:lightRig rig="threePt" dir="t"/>
-    </dgm:scene3d>
-    <dgm:sp3d/>
-    <dgm:txPr/>
-    <dgm:style>
-      <a:lnRef idx="0">
-        <a:scrgbClr r="0" g="0" b="0"/>
-      </a:lnRef>
-      <a:fillRef idx="3">
-        <a:scrgbClr r="0" g="0" b="0"/>
-      </a:fillRef>
-      <a:effectRef idx="2">
-        <a:scrgbClr r="0" g="0" b="0"/>
-      </a:effectRef>
-      <a:fontRef idx="minor">
-        <a:schemeClr val="lt1"/>
-      </a:fontRef>
-    </dgm:style>
-  </dgm:styleLbl>
-  <dgm:styleLbl name="asst3">
-    <dgm:scene3d>
-      <a:camera prst="orthographicFront"/>
-      <a:lightRig rig="threePt" dir="t"/>
-    </dgm:scene3d>
-    <dgm:sp3d/>
-    <dgm:txPr/>
-    <dgm:style>
-      <a:lnRef idx="0">
-        <a:scrgbClr r="0" g="0" b="0"/>
-      </a:lnRef>
-      <a:fillRef idx="3">
-        <a:scrgbClr r="0" g="0" b="0"/>
-      </a:fillRef>
-      <a:effectRef idx="2">
-        <a:scrgbClr r="0" g="0" b="0"/>
-      </a:effectRef>
-      <a:fontRef idx="minor">
-        <a:schemeClr val="lt1"/>
-      </a:fontRef>
-    </dgm:style>
-  </dgm:styleLbl>
-  <dgm:styleLbl name="asst4">
-    <dgm:scene3d>
-      <a:camera prst="orthographicFront"/>
-      <a:lightRig rig="threePt" dir="t"/>
-    </dgm:scene3d>
-    <dgm:sp3d/>
-    <dgm:txPr/>
-    <dgm:style>
-      <a:lnRef idx="0">
-        <a:scrgbClr r="0" g="0" b="0"/>
-      </a:lnRef>
-      <a:fillRef idx="3">
-        <a:scrgbClr r="0" g="0" b="0"/>
-      </a:fillRef>
-      <a:effectRef idx="2">
-        <a:scrgbClr r="0" g="0" b="0"/>
-      </a:effectRef>
-      <a:fontRef idx="minor">
-        <a:schemeClr val="lt1"/>
-      </a:fontRef>
-    </dgm:style>
-  </dgm:styleLbl>
-  <dgm:styleLbl name="parChTrans2D1">
-    <dgm:scene3d>
-      <a:camera prst="orthographicFront"/>
-      <a:lightRig rig="threePt" dir="t"/>
-    </dgm:scene3d>
-    <dgm:sp3d/>
-    <dgm:txPr/>
-    <dgm:style>
-      <a:lnRef idx="0">
-        <a:scrgbClr r="0" g="0" b="0"/>
-      </a:lnRef>
-      <a:fillRef idx="3">
-        <a:scrgbClr r="0" g="0" b="0"/>
-      </a:fillRef>
-      <a:effectRef idx="2">
-        <a:scrgbClr r="0" g="0" b="0"/>
-      </a:effectRef>
-      <a:fontRef idx="minor">
-        <a:schemeClr val="lt1"/>
-      </a:fontRef>
-    </dgm:style>
-  </dgm:styleLbl>
-  <dgm:styleLbl name="parChTrans2D2">
-    <dgm:scene3d>
-      <a:camera prst="orthographicFront"/>
-      <a:lightRig rig="threePt" dir="t"/>
-    </dgm:scene3d>
-    <dgm:sp3d/>
-    <dgm:txPr/>
-    <dgm:style>
-      <a:lnRef idx="0">
-        <a:scrgbClr r="0" g="0" b="0"/>
-      </a:lnRef>
-      <a:fillRef idx="3">
-        <a:scrgbClr r="0" g="0" b="0"/>
-      </a:fillRef>
-      <a:effectRef idx="2">
-        <a:scrgbClr r="0" g="0" b="0"/>
-      </a:effectRef>
-      <a:fontRef idx="minor">
-        <a:schemeClr val="lt1"/>
-      </a:fontRef>
-    </dgm:style>
-  </dgm:styleLbl>
-  <dgm:styleLbl name="parChTrans2D3">
-    <dgm:scene3d>
-      <a:camera prst="orthographicFront"/>
-      <a:lightRig rig="threePt" dir="t"/>
-    </dgm:scene3d>
-    <dgm:sp3d/>
-    <dgm:txPr/>
-    <dgm:style>
-      <a:lnRef idx="1">
-        <a:scrgbClr r="0" g="0" b="0"/>
-      </a:lnRef>
-      <a:fillRef idx="3">
-        <a:scrgbClr r="0" g="0" b="0"/>
-      </a:fillRef>
-      <a:effectRef idx="2">
-        <a:scrgbClr r="0" g="0" b="0"/>
-      </a:effectRef>
-      <a:fontRef idx="minor">
-        <a:schemeClr val="lt1"/>
-      </a:fontRef>
-    </dgm:style>
-  </dgm:styleLbl>
-  <dgm:styleLbl name="parChTrans2D4">
-    <dgm:scene3d>
-      <a:camera prst="orthographicFront"/>
-      <a:lightRig rig="threePt" dir="t"/>
-    </dgm:scene3d>
-    <dgm:sp3d/>
-    <dgm:txPr/>
-    <dgm:style>
-      <a:lnRef idx="1">
-        <a:scrgbClr r="0" g="0" b="0"/>
-      </a:lnRef>
-      <a:fillRef idx="3">
-        <a:scrgbClr r="0" g="0" b="0"/>
-      </a:fillRef>
-      <a:effectRef idx="2">
-        <a:scrgbClr r="0" g="0" b="0"/>
-      </a:effectRef>
-      <a:fontRef idx="minor">
-        <a:schemeClr val="lt1"/>
-      </a:fontRef>
-    </dgm:style>
-  </dgm:styleLbl>
-  <dgm:styleLbl name="parChTrans1D1">
-    <dgm:scene3d>
-      <a:camera prst="orthographicFront"/>
-      <a:lightRig rig="threePt" dir="t"/>
-    </dgm:scene3d>
-    <dgm:sp3d/>
-    <dgm:txPr/>
-    <dgm:style>
-      <a:lnRef idx="1">
-        <a:scrgbClr r="0" g="0" b="0"/>
-      </a:lnRef>
-      <a:fillRef idx="0">
-        <a:scrgbClr r="0" g="0" b="0"/>
-      </a:fillRef>
-      <a:effectRef idx="0">
-        <a:scrgbClr r="0" g="0" b="0"/>
-      </a:effectRef>
-      <a:fontRef idx="minor"/>
-    </dgm:style>
-  </dgm:styleLbl>
-  <dgm:styleLbl name="parChTrans1D2">
-    <dgm:scene3d>
-      <a:camera prst="orthographicFront"/>
-      <a:lightRig rig="threePt" dir="t"/>
-    </dgm:scene3d>
-    <dgm:sp3d/>
-    <dgm:txPr/>
-    <dgm:style>
-      <a:lnRef idx="1">
-        <a:scrgbClr r="0" g="0" b="0"/>
-      </a:lnRef>
-      <a:fillRef idx="0">
-        <a:scrgbClr r="0" g="0" b="0"/>
-      </a:fillRef>
-      <a:effectRef idx="0">
-        <a:scrgbClr r="0" g="0" b="0"/>
-      </a:effectRef>
-      <a:fontRef idx="minor"/>
-    </dgm:style>
-  </dgm:styleLbl>
-  <dgm:styleLbl name="parChTrans1D3">
-    <dgm:scene3d>
-      <a:camera prst="orthographicFront"/>
-      <a:lightRig rig="threePt" dir="t"/>
-    </dgm:scene3d>
-    <dgm:sp3d/>
-    <dgm:txPr/>
-    <dgm:style>
-      <a:lnRef idx="1">
-        <a:scrgbClr r="0" g="0" b="0"/>
-      </a:lnRef>
-      <a:fillRef idx="0">
-        <a:scrgbClr r="0" g="0" b="0"/>
-      </a:fillRef>
-      <a:effectRef idx="0">
-        <a:scrgbClr r="0" g="0" b="0"/>
-      </a:effectRef>
-      <a:fontRef idx="minor"/>
-    </dgm:style>
-  </dgm:styleLbl>
-  <dgm:styleLbl name="parChTrans1D4">
-    <dgm:scene3d>
-      <a:camera prst="orthographicFront"/>
-      <a:lightRig rig="threePt" dir="t"/>
-    </dgm:scene3d>
-    <dgm:sp3d/>
-    <dgm:txPr/>
-    <dgm:style>
-      <a:lnRef idx="1">
-        <a:scrgbClr r="0" g="0" b="0"/>
-      </a:lnRef>
-      <a:fillRef idx="0">
-        <a:scrgbClr r="0" g="0" b="0"/>
-      </a:fillRef>
-      <a:effectRef idx="0">
-        <a:scrgbClr r="0" g="0" b="0"/>
-      </a:effectRef>
-      <a:fontRef idx="minor"/>
-    </dgm:style>
-  </dgm:styleLbl>
-  <dgm:styleLbl name="fgAcc1">
-    <dgm:scene3d>
-      <a:camera prst="orthographicFront"/>
-      <a:lightRig rig="threePt" dir="t"/>
-    </dgm:scene3d>
-    <dgm:sp3d/>
-    <dgm:txPr/>
-    <dgm:style>
-      <a:lnRef idx="1">
-        <a:scrgbClr r="0" g="0" b="0"/>
-      </a:lnRef>
-      <a:fillRef idx="1">
-        <a:scrgbClr r="0" g="0" b="0"/>
-      </a:fillRef>
-      <a:effectRef idx="0">
-        <a:scrgbClr r="0" g="0" b="0"/>
-      </a:effectRef>
-      <a:fontRef idx="minor"/>
-    </dgm:style>
-  </dgm:styleLbl>
-  <dgm:styleLbl name="conFgAcc1">
-    <dgm:scene3d>
-      <a:camera prst="orthographicFront"/>
-      <a:lightRig rig="threePt" dir="t"/>
-    </dgm:scene3d>
-    <dgm:sp3d/>
-    <dgm:txPr/>
-    <dgm:style>
-      <a:lnRef idx="1">
-        <a:scrgbClr r="0" g="0" b="0"/>
-      </a:lnRef>
-      <a:fillRef idx="1">
-        <a:scrgbClr r="0" g="0" b="0"/>
-      </a:fillRef>
-      <a:effectRef idx="0">
-        <a:scrgbClr r="0" g="0" b="0"/>
-      </a:effectRef>
-      <a:fontRef idx="minor"/>
-    </dgm:style>
-  </dgm:styleLbl>
-  <dgm:styleLbl name="alignAcc1">
-    <dgm:scene3d>
-      <a:camera prst="orthographicFront"/>
-      <a:lightRig rig="threePt" dir="t"/>
-    </dgm:scene3d>
-    <dgm:sp3d/>
-    <dgm:txPr/>
-    <dgm:style>
-      <a:lnRef idx="1">
-        <a:scrgbClr r="0" g="0" b="0"/>
-      </a:lnRef>
-      <a:fillRef idx="1">
-        <a:scrgbClr r="0" g="0" b="0"/>
-      </a:fillRef>
-      <a:effectRef idx="0">
-        <a:scrgbClr r="0" g="0" b="0"/>
-      </a:effectRef>
-      <a:fontRef idx="minor"/>
-    </dgm:style>
-  </dgm:styleLbl>
-  <dgm:styleLbl name="trAlignAcc1">
-    <dgm:scene3d>
-      <a:camera prst="orthographicFront"/>
-      <a:lightRig rig="threePt" dir="t"/>
-    </dgm:scene3d>
-    <dgm:sp3d/>
-    <dgm:txPr/>
-    <dgm:style>
-      <a:lnRef idx="1">
-        <a:scrgbClr r="0" g="0" b="0"/>
-      </a:lnRef>
-      <a:fillRef idx="1">
-        <a:scrgbClr r="0" g="0" b="0"/>
-      </a:fillRef>
-      <a:effectRef idx="0">
-        <a:scrgbClr r="0" g="0" b="0"/>
-      </a:effectRef>
-      <a:fontRef idx="minor"/>
-    </dgm:style>
-  </dgm:styleLbl>
-  <dgm:styleLbl name="bgAcc1">
-    <dgm:scene3d>
-      <a:camera prst="orthographicFront"/>
-      <a:lightRig rig="threePt" dir="t"/>
-    </dgm:scene3d>
-    <dgm:sp3d/>
-    <dgm:txPr/>
-    <dgm:style>
-      <a:lnRef idx="1">
-        <a:scrgbClr r="0" g="0" b="0"/>
-      </a:lnRef>
-      <a:fillRef idx="1">
-        <a:scrgbClr r="0" g="0" b="0"/>
-      </a:fillRef>
-      <a:effectRef idx="0">
-        <a:scrgbClr r="0" g="0" b="0"/>
-      </a:effectRef>
-      <a:fontRef idx="minor"/>
-    </dgm:style>
-  </dgm:styleLbl>
-  <dgm:styleLbl name="solidFgAcc1">
-    <dgm:scene3d>
-      <a:camera prst="orthographicFront"/>
-      <a:lightRig rig="threePt" dir="t"/>
-    </dgm:scene3d>
-    <dgm:sp3d/>
-    <dgm:txPr/>
-    <dgm:style>
-      <a:lnRef idx="1">
-        <a:scrgbClr r="0" g="0" b="0"/>
-      </a:lnRef>
-      <a:fillRef idx="1">
-        <a:scrgbClr r="0" g="0" b="0"/>
-      </a:fillRef>
-      <a:effectRef idx="0">
-        <a:scrgbClr r="0" g="0" b="0"/>
-      </a:effectRef>
-      <a:fontRef idx="minor"/>
-    </dgm:style>
-  </dgm:styleLbl>
-  <dgm:styleLbl name="solidAlignAcc1">
-    <dgm:scene3d>
-      <a:camera prst="orthographicFront"/>
-      <a:lightRig rig="threePt" dir="t"/>
-    </dgm:scene3d>
-    <dgm:sp3d/>
-    <dgm:txPr/>
-    <dgm:style>
-      <a:lnRef idx="1">
-        <a:scrgbClr r="0" g="0" b="0"/>
-      </a:lnRef>
-      <a:fillRef idx="1">
-        <a:scrgbClr r="0" g="0" b="0"/>
-      </a:fillRef>
-      <a:effectRef idx="0">
-        <a:scrgbClr r="0" g="0" b="0"/>
-      </a:effectRef>
-      <a:fontRef idx="minor"/>
-    </dgm:style>
-  </dgm:styleLbl>
-  <dgm:styleLbl name="solidBgAcc1">
-    <dgm:scene3d>
-      <a:camera prst="orthographicFront"/>
-      <a:lightRig rig="threePt" dir="t"/>
-    </dgm:scene3d>
-    <dgm:sp3d/>
-    <dgm:txPr/>
-    <dgm:style>
-      <a:lnRef idx="1">
-        <a:scrgbClr r="0" g="0" b="0"/>
-      </a:lnRef>
-      <a:fillRef idx="1">
-        <a:scrgbClr r="0" g="0" b="0"/>
-      </a:fillRef>
-      <a:effectRef idx="0">
-        <a:scrgbClr r="0" g="0" b="0"/>
-      </a:effectRef>
-      <a:fontRef idx="minor"/>
-    </dgm:style>
-  </dgm:styleLbl>
-  <dgm:styleLbl name="fgAccFollowNode1">
-    <dgm:scene3d>
-      <a:camera prst="orthographicFront"/>
-      <a:lightRig rig="threePt" dir="t"/>
-    </dgm:scene3d>
-    <dgm:sp3d/>
-    <dgm:txPr/>
-    <dgm:style>
-      <a:lnRef idx="1">
-        <a:scrgbClr r="0" g="0" b="0"/>
-      </a:lnRef>
-      <a:fillRef idx="1">
-        <a:scrgbClr r="0" g="0" b="0"/>
-      </a:fillRef>
-      <a:effectRef idx="0">
-        <a:scrgbClr r="0" g="0" b="0"/>
-      </a:effectRef>
-      <a:fontRef idx="minor"/>
-    </dgm:style>
-  </dgm:styleLbl>
-  <dgm:styleLbl name="alignAccFollowNode1">
-    <dgm:scene3d>
-      <a:camera prst="orthographicFront"/>
-      <a:lightRig rig="threePt" dir="t"/>
-    </dgm:scene3d>
-    <dgm:sp3d/>
-    <dgm:txPr/>
-    <dgm:style>
-      <a:lnRef idx="1">
-        <a:scrgbClr r="0" g="0" b="0"/>
-      </a:lnRef>
-      <a:fillRef idx="1">
-        <a:scrgbClr r="0" g="0" b="0"/>
-      </a:fillRef>
-      <a:effectRef idx="0">
-        <a:scrgbClr r="0" g="0" b="0"/>
-      </a:effectRef>
-      <a:fontRef idx="minor"/>
-    </dgm:style>
-  </dgm:styleLbl>
-  <dgm:styleLbl name="bgAccFollowNode1">
-    <dgm:scene3d>
-      <a:camera prst="orthographicFront"/>
-      <a:lightRig rig="threePt" dir="t"/>
-    </dgm:scene3d>
-    <dgm:sp3d/>
-    <dgm:txPr/>
-    <dgm:style>
-      <a:lnRef idx="1">
-        <a:scrgbClr r="0" g="0" b="0"/>
-      </a:lnRef>
-      <a:fillRef idx="1">
-        <a:scrgbClr r="0" g="0" b="0"/>
-      </a:fillRef>
-      <a:effectRef idx="0">
-        <a:scrgbClr r="0" g="0" b="0"/>
-      </a:effectRef>
-      <a:fontRef idx="minor"/>
-    </dgm:style>
-  </dgm:styleLbl>
-  <dgm:styleLbl name="fgAcc0">
-    <dgm:scene3d>
-      <a:camera prst="orthographicFront"/>
-      <a:lightRig rig="threePt" dir="t"/>
-    </dgm:scene3d>
-    <dgm:sp3d/>
-    <dgm:txPr/>
-    <dgm:style>
-      <a:lnRef idx="1">
-        <a:scrgbClr r="0" g="0" b="0"/>
-      </a:lnRef>
-      <a:fillRef idx="1">
-        <a:scrgbClr r="0" g="0" b="0"/>
-      </a:fillRef>
-      <a:effectRef idx="0">
-        <a:scrgbClr r="0" g="0" b="0"/>
-      </a:effectRef>
-      <a:fontRef idx="minor"/>
-    </dgm:style>
-  </dgm:styleLbl>
-  <dgm:styleLbl name="fgAcc2">
-    <dgm:scene3d>
-      <a:camera prst="orthographicFront"/>
-      <a:lightRig rig="threePt" dir="t"/>
-    </dgm:scene3d>
-    <dgm:sp3d/>
-    <dgm:txPr/>
-    <dgm:style>
-      <a:lnRef idx="1">
-        <a:scrgbClr r="0" g="0" b="0"/>
-      </a:lnRef>
-      <a:fillRef idx="1">
-        <a:scrgbClr r="0" g="0" b="0"/>
-      </a:fillRef>
-      <a:effectRef idx="0">
-        <a:scrgbClr r="0" g="0" b="0"/>
-      </a:effectRef>
-      <a:fontRef idx="minor"/>
-    </dgm:style>
-  </dgm:styleLbl>
-  <dgm:styleLbl name="fgAcc3">
-    <dgm:scene3d>
-      <a:camera prst="orthographicFront"/>
-      <a:lightRig rig="threePt" dir="t"/>
-    </dgm:scene3d>
-    <dgm:sp3d/>
-    <dgm:txPr/>
-    <dgm:style>
-      <a:lnRef idx="1">
-        <a:scrgbClr r="0" g="0" b="0"/>
-      </a:lnRef>
-      <a:fillRef idx="1">
-        <a:scrgbClr r="0" g="0" b="0"/>
-      </a:fillRef>
-      <a:effectRef idx="0">
-        <a:scrgbClr r="0" g="0" b="0"/>
-      </a:effectRef>
-      <a:fontRef idx="minor"/>
-    </dgm:style>
-  </dgm:styleLbl>
-  <dgm:styleLbl name="fgAcc4">
-    <dgm:scene3d>
-      <a:camera prst="orthographicFront"/>
-      <a:lightRig rig="threePt" dir="t"/>
-    </dgm:scene3d>
-    <dgm:sp3d/>
-    <dgm:txPr/>
-    <dgm:style>
-      <a:lnRef idx="1">
-        <a:scrgbClr r="0" g="0" b="0"/>
-      </a:lnRef>
-      <a:fillRef idx="1">
-        <a:scrgbClr r="0" g="0" b="0"/>
-      </a:fillRef>
-      <a:effectRef idx="0">
-        <a:scrgbClr r="0" g="0" b="0"/>
-      </a:effectRef>
-      <a:fontRef idx="minor"/>
-    </dgm:style>
-  </dgm:styleLbl>
-  <dgm:styleLbl name="bgShp">
-    <dgm:scene3d>
-      <a:camera prst="orthographicFront"/>
-      <a:lightRig rig="threePt" dir="t"/>
-    </dgm:scene3d>
-    <dgm:sp3d/>
-    <dgm:txPr/>
-    <dgm:style>
-      <a:lnRef idx="0">
-        <a:scrgbClr r="0" g="0" b="0"/>
-      </a:lnRef>
-      <a:fillRef idx="1">
-        <a:scrgbClr r="0" g="0" b="0"/>
-      </a:fillRef>
-      <a:effectRef idx="2">
-        <a:scrgbClr r="0" g="0" b="0"/>
-      </a:effectRef>
-      <a:fontRef idx="minor"/>
-    </dgm:style>
-  </dgm:styleLbl>
-  <dgm:styleLbl name="dkBgShp">
-    <dgm:scene3d>
-      <a:camera prst="orthographicFront"/>
-      <a:lightRig rig="threePt" dir="t"/>
-    </dgm:scene3d>
-    <dgm:sp3d/>
-    <dgm:txPr/>
-    <dgm:style>
-      <a:lnRef idx="0">
-        <a:scrgbClr r="0" g="0" b="0"/>
-      </a:lnRef>
-      <a:fillRef idx="1">
-        <a:scrgbClr r="0" g="0" b="0"/>
-      </a:fillRef>
-      <a:effectRef idx="2">
-        <a:scrgbClr r="0" g="0" b="0"/>
-      </a:effectRef>
-      <a:fontRef idx="minor"/>
-    </dgm:style>
-  </dgm:styleLbl>
-  <dgm:styleLbl name="trBgShp">
-    <dgm:scene3d>
-      <a:camera prst="orthographicFront"/>
-      <a:lightRig rig="threePt" dir="t"/>
-    </dgm:scene3d>
-    <dgm:sp3d/>
-    <dgm:txPr/>
-    <dgm:style>
-      <a:lnRef idx="0">
-        <a:scrgbClr r="0" g="0" b="0"/>
-      </a:lnRef>
-      <a:fillRef idx="1">
-        <a:scrgbClr r="0" g="0" b="0"/>
-      </a:fillRef>
-      <a:effectRef idx="0">
-        <a:scrgbClr r="0" g="0" b="0"/>
-      </a:effectRef>
-      <a:fontRef idx="minor"/>
-    </dgm:style>
-  </dgm:styleLbl>
-  <dgm:styleLbl name="fgShp">
-    <dgm:scene3d>
-      <a:camera prst="orthographicFront"/>
-      <a:lightRig rig="threePt" dir="t"/>
-    </dgm:scene3d>
-    <dgm:sp3d/>
-    <dgm:txPr/>
-    <dgm:style>
-      <a:lnRef idx="0">
-        <a:scrgbClr r="0" g="0" b="0"/>
-      </a:lnRef>
-      <a:fillRef idx="3">
-        <a:scrgbClr r="0" g="0" b="0"/>
-      </a:fillRef>
-      <a:effectRef idx="2">
-        <a:scrgbClr r="0" g="0" b="0"/>
-      </a:effectRef>
-      <a:fontRef idx="minor"/>
-    </dgm:style>
-  </dgm:styleLbl>
-  <dgm:styleLbl name="revTx">
-    <dgm:scene3d>
-      <a:camera prst="orthographicFront"/>
-      <a:lightRig rig="threePt" dir="t"/>
-    </dgm:scene3d>
-    <dgm:sp3d/>
-    <dgm:txPr/>
-    <dgm:style>
-      <a:lnRef idx="0">
-        <a:scrgbClr r="0" g="0" b="0"/>
-      </a:lnRef>
-      <a:fillRef idx="0">
-        <a:scrgbClr r="0" g="0" b="0"/>
-      </a:fillRef>
-      <a:effectRef idx="0">
-        <a:scrgbClr r="0" g="0" b="0"/>
-      </a:effectRef>
-      <a:fontRef idx="minor"/>
-    </dgm:style>
-  </dgm:styleLbl>
-</dgm:styleDef>
-</file>
-
 <file path=ppt/handoutMasters/handoutMaster1.xml><?xml version="1.0" encoding="utf-8"?>
 <p:handoutMaster xmlns:a="http://schemas.openxmlformats.org/drawingml/2006/main" xmlns:r="http://schemas.openxmlformats.org/officeDocument/2006/relationships" xmlns:p="http://schemas.openxmlformats.org/presentationml/2006/main">
   <p:cSld>
@@ -4346,7 +232,7 @@
           <a:p>
             <a:fld id="{AC8CEC3D-96F7-401F-9673-3EE7F75C9C5B}" type="datetimeFigureOut">
               <a:rPr lang="en-US"/>
-              <a:t>6/9/2022</a:t>
+              <a:t>6/11/2022</a:t>
             </a:fld>
             <a:endParaRPr/>
           </a:p>
@@ -4511,7 +397,7 @@
           <a:p>
             <a:fld id="{F032BCF4-D26D-4DAF-9F57-FE1E61FE7935}" type="datetimeFigureOut">
               <a:rPr lang="en-US"/>
-              <a:t>6/9/2022</a:t>
+              <a:t>6/11/2022</a:t>
             </a:fld>
             <a:endParaRPr/>
           </a:p>
@@ -4800,12 +686,7 @@
             <p:ph type="sldImg"/>
           </p:nvPr>
         </p:nvSpPr>
-        <p:spPr>
-          <a:xfrm>
-            <a:off x="382588" y="685800"/>
-            <a:ext cx="6092825" cy="3429000"/>
-          </a:xfrm>
-        </p:spPr>
+        <p:spPr/>
       </p:sp>
       <p:sp>
         <p:nvSpPr>
@@ -4822,7 +703,7 @@
           <a:bodyPr/>
           <a:lstStyle/>
           <a:p>
-            <a:endParaRPr/>
+            <a:endParaRPr lang="en-AU" dirty="0"/>
           </a:p>
         </p:txBody>
       </p:sp>
@@ -4833,7 +714,7 @@
             <a:spLocks noGrp="1"/>
           </p:cNvSpPr>
           <p:nvPr>
-            <p:ph type="sldNum" sz="quarter" idx="10"/>
+            <p:ph type="sldNum" sz="quarter" idx="5"/>
           </p:nvPr>
         </p:nvSpPr>
         <p:spPr/>
@@ -4841,18 +722,215 @@
           <a:bodyPr/>
           <a:lstStyle/>
           <a:p>
-            <a:fld id="{A0D00EA6-0821-4AC5-933C-321AA6545349}" type="slidenum">
-              <a:rPr/>
-              <a:t>10</a:t>
+            <a:fld id="{5FB91549-43BF-425A-AF25-75262019208C}" type="slidenum">
+              <a:rPr lang="en-AU" smtClean="0"/>
+              <a:t>3</a:t>
             </a:fld>
-            <a:endParaRPr/>
+            <a:endParaRPr lang="en-AU"/>
           </a:p>
         </p:txBody>
       </p:sp>
     </p:spTree>
     <p:extLst>
       <p:ext uri="{BB962C8B-B14F-4D97-AF65-F5344CB8AC3E}">
-        <p14:creationId xmlns:p14="http://schemas.microsoft.com/office/powerpoint/2010/main" val="4010772331"/>
+        <p14:creationId xmlns:p14="http://schemas.microsoft.com/office/powerpoint/2010/main" val="55231013"/>
+      </p:ext>
+    </p:extLst>
+  </p:cSld>
+  <p:clrMapOvr>
+    <a:masterClrMapping/>
+  </p:clrMapOvr>
+</p:notes>
+</file>
+
+<file path=ppt/notesSlides/notesSlide2.xml><?xml version="1.0" encoding="utf-8"?>
+<p:notes xmlns:a="http://schemas.openxmlformats.org/drawingml/2006/main" xmlns:r="http://schemas.openxmlformats.org/officeDocument/2006/relationships" xmlns:p="http://schemas.openxmlformats.org/presentationml/2006/main">
+  <p:cSld>
+    <p:spTree>
+      <p:nvGrpSpPr>
+        <p:cNvPr id="1" name=""/>
+        <p:cNvGrpSpPr/>
+        <p:nvPr/>
+      </p:nvGrpSpPr>
+      <p:grpSpPr>
+        <a:xfrm>
+          <a:off x="0" y="0"/>
+          <a:ext cx="0" cy="0"/>
+          <a:chOff x="0" y="0"/>
+          <a:chExt cx="0" cy="0"/>
+        </a:xfrm>
+      </p:grpSpPr>
+      <p:sp>
+        <p:nvSpPr>
+          <p:cNvPr id="2" name="Slide Image Placeholder 1"/>
+          <p:cNvSpPr>
+            <a:spLocks noGrp="1" noRot="1" noChangeAspect="1"/>
+          </p:cNvSpPr>
+          <p:nvPr>
+            <p:ph type="sldImg"/>
+          </p:nvPr>
+        </p:nvSpPr>
+        <p:spPr/>
+      </p:sp>
+      <p:sp>
+        <p:nvSpPr>
+          <p:cNvPr id="3" name="Notes Placeholder 2"/>
+          <p:cNvSpPr>
+            <a:spLocks noGrp="1"/>
+          </p:cNvSpPr>
+          <p:nvPr>
+            <p:ph type="body" idx="1"/>
+          </p:nvPr>
+        </p:nvSpPr>
+        <p:spPr/>
+        <p:txBody>
+          <a:bodyPr/>
+          <a:lstStyle/>
+          <a:p>
+            <a:r>
+              <a:rPr lang="en-AU" dirty="0"/>
+              <a:t>#Import the necessary libraries.</a:t>
+            </a:r>
+          </a:p>
+          <a:p>
+            <a:r>
+              <a:rPr lang="en-AU" dirty="0"/>
+              <a:t>import warnings</a:t>
+            </a:r>
+          </a:p>
+          <a:p>
+            <a:r>
+              <a:rPr lang="en-AU" dirty="0" err="1"/>
+              <a:t>warnings.filterwarnings</a:t>
+            </a:r>
+            <a:r>
+              <a:rPr lang="en-AU" dirty="0"/>
+              <a:t>("ignore")</a:t>
+            </a:r>
+          </a:p>
+          <a:p>
+            <a:r>
+              <a:rPr lang="en-AU" dirty="0"/>
+              <a:t>%matplotlib inline</a:t>
+            </a:r>
+          </a:p>
+          <a:p>
+            <a:r>
+              <a:rPr lang="en-AU" dirty="0"/>
+              <a:t>import </a:t>
+            </a:r>
+            <a:r>
+              <a:rPr lang="en-AU" dirty="0" err="1"/>
+              <a:t>numpy</a:t>
+            </a:r>
+            <a:r>
+              <a:rPr lang="en-AU" dirty="0"/>
+              <a:t> as np</a:t>
+            </a:r>
+          </a:p>
+          <a:p>
+            <a:r>
+              <a:rPr lang="en-AU" dirty="0"/>
+              <a:t>import pandas as p</a:t>
+            </a:r>
+          </a:p>
+          <a:p>
+            <a:r>
+              <a:rPr lang="en-AU" dirty="0"/>
+              <a:t>from matplotlib import </a:t>
+            </a:r>
+            <a:r>
+              <a:rPr lang="en-AU" dirty="0" err="1"/>
+              <a:t>pyplot</a:t>
+            </a:r>
+            <a:r>
+              <a:rPr lang="en-AU" dirty="0"/>
+              <a:t> as </a:t>
+            </a:r>
+            <a:r>
+              <a:rPr lang="en-AU" dirty="0" err="1"/>
+              <a:t>plt</a:t>
+            </a:r>
+            <a:endParaRPr lang="en-AU" dirty="0"/>
+          </a:p>
+          <a:p>
+            <a:r>
+              <a:rPr lang="en-AU" dirty="0"/>
+              <a:t>import seaborn as </a:t>
+            </a:r>
+            <a:r>
+              <a:rPr lang="en-AU" dirty="0" err="1"/>
+              <a:t>sns</a:t>
+            </a:r>
+            <a:endParaRPr lang="en-AU" dirty="0"/>
+          </a:p>
+          <a:p>
+            <a:r>
+              <a:rPr lang="en-AU" dirty="0"/>
+              <a:t>#from </a:t>
+            </a:r>
+            <a:r>
+              <a:rPr lang="en-AU" dirty="0" err="1"/>
+              <a:t>sklearn.model_selection</a:t>
+            </a:r>
+            <a:r>
+              <a:rPr lang="en-AU" dirty="0"/>
+              <a:t> import </a:t>
+            </a:r>
+            <a:r>
+              <a:rPr lang="en-AU" dirty="0" err="1"/>
+              <a:t>train_test_split</a:t>
+            </a:r>
+            <a:endParaRPr lang="en-AU" dirty="0"/>
+          </a:p>
+          <a:p>
+            <a:r>
+              <a:rPr lang="en-AU" dirty="0"/>
+              <a:t>#from </a:t>
+            </a:r>
+            <a:r>
+              <a:rPr lang="en-AU" dirty="0" err="1"/>
+              <a:t>sklearn.linear_model</a:t>
+            </a:r>
+            <a:r>
+              <a:rPr lang="en-AU" dirty="0"/>
+              <a:t> import </a:t>
+            </a:r>
+            <a:r>
+              <a:rPr lang="en-AU" dirty="0" err="1"/>
+              <a:t>LinearRegression</a:t>
+            </a:r>
+            <a:endParaRPr lang="en-AU" dirty="0"/>
+          </a:p>
+        </p:txBody>
+      </p:sp>
+      <p:sp>
+        <p:nvSpPr>
+          <p:cNvPr id="4" name="Slide Number Placeholder 3"/>
+          <p:cNvSpPr>
+            <a:spLocks noGrp="1"/>
+          </p:cNvSpPr>
+          <p:nvPr>
+            <p:ph type="sldNum" sz="quarter" idx="5"/>
+          </p:nvPr>
+        </p:nvSpPr>
+        <p:spPr/>
+        <p:txBody>
+          <a:bodyPr/>
+          <a:lstStyle/>
+          <a:p>
+            <a:fld id="{5FB91549-43BF-425A-AF25-75262019208C}" type="slidenum">
+              <a:rPr lang="en-AU" smtClean="0"/>
+              <a:t>7</a:t>
+            </a:fld>
+            <a:endParaRPr lang="en-AU"/>
+          </a:p>
+        </p:txBody>
+      </p:sp>
+    </p:spTree>
+    <p:extLst>
+      <p:ext uri="{BB962C8B-B14F-4D97-AF65-F5344CB8AC3E}">
+        <p14:creationId xmlns:p14="http://schemas.microsoft.com/office/powerpoint/2010/main" val="3482174176"/>
       </p:ext>
     </p:extLst>
   </p:cSld>
@@ -5087,7 +1165,7 @@
             <a:fld id="{81C93FC7-9D1A-468B-98DB-D1E8D74418D9}" type="datetimeFigureOut">
               <a:rPr lang="en-US"/>
               <a:pPr/>
-              <a:t>6/9/2022</a:t>
+              <a:t>6/11/2022</a:t>
             </a:fld>
             <a:endParaRPr/>
           </a:p>
@@ -5289,7 +1367,7 @@
           <a:p>
             <a:fld id="{81C93FC7-9D1A-468B-98DB-D1E8D74418D9}" type="datetimeFigureOut">
               <a:rPr lang="en-US"/>
-              <a:t>6/9/2022</a:t>
+              <a:t>6/11/2022</a:t>
             </a:fld>
             <a:endParaRPr/>
           </a:p>
@@ -5501,7 +1579,7 @@
           <a:p>
             <a:fld id="{81C93FC7-9D1A-468B-98DB-D1E8D74418D9}" type="datetimeFigureOut">
               <a:rPr lang="en-US"/>
-              <a:t>6/9/2022</a:t>
+              <a:t>6/11/2022</a:t>
             </a:fld>
             <a:endParaRPr/>
           </a:p>
@@ -5703,7 +1781,7 @@
           <a:p>
             <a:fld id="{81C93FC7-9D1A-468B-98DB-D1E8D74418D9}" type="datetimeFigureOut">
               <a:rPr lang="en-US"/>
-              <a:t>6/9/2022</a:t>
+              <a:t>6/11/2022</a:t>
             </a:fld>
             <a:endParaRPr/>
           </a:p>
@@ -5970,7 +2048,7 @@
             <a:fld id="{81C93FC7-9D1A-468B-98DB-D1E8D74418D9}" type="datetimeFigureOut">
               <a:rPr lang="en-US"/>
               <a:pPr/>
-              <a:t>6/9/2022</a:t>
+              <a:t>6/11/2022</a:t>
             </a:fld>
             <a:endParaRPr/>
           </a:p>
@@ -6275,7 +2353,7 @@
           <a:p>
             <a:fld id="{81C93FC7-9D1A-468B-98DB-D1E8D74418D9}" type="datetimeFigureOut">
               <a:rPr lang="en-US"/>
-              <a:t>6/9/2022</a:t>
+              <a:t>6/11/2022</a:t>
             </a:fld>
             <a:endParaRPr/>
           </a:p>
@@ -6723,7 +2801,7 @@
           <a:p>
             <a:fld id="{81C93FC7-9D1A-468B-98DB-D1E8D74418D9}" type="datetimeFigureOut">
               <a:rPr lang="en-US"/>
-              <a:t>6/9/2022</a:t>
+              <a:t>6/11/2022</a:t>
             </a:fld>
             <a:endParaRPr/>
           </a:p>
@@ -6857,7 +2935,7 @@
           <a:p>
             <a:fld id="{81C93FC7-9D1A-468B-98DB-D1E8D74418D9}" type="datetimeFigureOut">
               <a:rPr lang="en-US"/>
-              <a:t>6/9/2022</a:t>
+              <a:t>6/11/2022</a:t>
             </a:fld>
             <a:endParaRPr/>
           </a:p>
@@ -6968,7 +3046,7 @@
           <a:p>
             <a:fld id="{81C93FC7-9D1A-468B-98DB-D1E8D74418D9}" type="datetimeFigureOut">
               <a:rPr lang="en-US"/>
-              <a:t>6/9/2022</a:t>
+              <a:t>6/11/2022</a:t>
             </a:fld>
             <a:endParaRPr/>
           </a:p>
@@ -7270,7 +3348,7 @@
           <a:p>
             <a:fld id="{81C93FC7-9D1A-468B-98DB-D1E8D74418D9}" type="datetimeFigureOut">
               <a:rPr lang="en-US"/>
-              <a:t>6/9/2022</a:t>
+              <a:t>6/11/2022</a:t>
             </a:fld>
             <a:endParaRPr/>
           </a:p>
@@ -7560,7 +3638,7 @@
           <a:p>
             <a:fld id="{81C93FC7-9D1A-468B-98DB-D1E8D74418D9}" type="datetimeFigureOut">
               <a:rPr lang="en-US"/>
-              <a:t>6/9/2022</a:t>
+              <a:t>6/11/2022</a:t>
             </a:fld>
             <a:endParaRPr/>
           </a:p>
@@ -7791,7 +3869,7 @@
             <a:fld id="{81C93FC7-9D1A-468B-98DB-D1E8D74418D9}" type="datetimeFigureOut">
               <a:rPr lang="en-US" smtClean="0"/>
               <a:pPr/>
-              <a:t>6/9/2022</a:t>
+              <a:t>6/11/2022</a:t>
             </a:fld>
             <a:endParaRPr lang="en-US" dirty="0"/>
           </a:p>
@@ -8320,7 +4398,7 @@
         </p:nvSpPr>
         <p:spPr>
           <a:xfrm>
-            <a:off x="981844" y="2854206"/>
+            <a:off x="802804" y="1527175"/>
             <a:ext cx="2376264" cy="461665"/>
           </a:xfrm>
           <a:prstGeom prst="rect">
@@ -8457,128 +4535,6 @@
 </p:sld>
 </file>
 
-<file path=ppt/slides/slide10.xml><?xml version="1.0" encoding="utf-8"?>
-<p:sld xmlns:a="http://schemas.openxmlformats.org/drawingml/2006/main" xmlns:r="http://schemas.openxmlformats.org/officeDocument/2006/relationships" xmlns:p="http://schemas.openxmlformats.org/presentationml/2006/main">
-  <p:cSld>
-    <p:spTree>
-      <p:nvGrpSpPr>
-        <p:cNvPr id="1" name=""/>
-        <p:cNvGrpSpPr/>
-        <p:nvPr/>
-      </p:nvGrpSpPr>
-      <p:grpSpPr>
-        <a:xfrm>
-          <a:off x="0" y="0"/>
-          <a:ext cx="0" cy="0"/>
-          <a:chOff x="0" y="0"/>
-          <a:chExt cx="0" cy="0"/>
-        </a:xfrm>
-      </p:grpSpPr>
-      <p:sp>
-        <p:nvSpPr>
-          <p:cNvPr id="7" name="Title 6"/>
-          <p:cNvSpPr>
-            <a:spLocks noGrp="1"/>
-          </p:cNvSpPr>
-          <p:nvPr>
-            <p:ph type="title"/>
-          </p:nvPr>
-        </p:nvSpPr>
-        <p:spPr>
-          <a:xfrm>
-            <a:off x="608014" y="685800"/>
-            <a:ext cx="3962400" cy="1159024"/>
-          </a:xfrm>
-        </p:spPr>
-        <p:txBody>
-          <a:bodyPr/>
-          <a:lstStyle/>
-          <a:p>
-            <a:r>
-              <a:rPr lang="en-US" dirty="0"/>
-              <a:t>Add a Slide Title - 5</a:t>
-            </a:r>
-          </a:p>
-        </p:txBody>
-      </p:sp>
-      <p:sp>
-        <p:nvSpPr>
-          <p:cNvPr id="9" name="Text Placeholder 8"/>
-          <p:cNvSpPr>
-            <a:spLocks noGrp="1"/>
-          </p:cNvSpPr>
-          <p:nvPr>
-            <p:ph type="body" sz="half" idx="2"/>
-          </p:nvPr>
-        </p:nvSpPr>
-        <p:spPr/>
-        <p:txBody>
-          <a:bodyPr/>
-          <a:lstStyle/>
-          <a:p>
-            <a:endParaRPr lang="en-US" dirty="0"/>
-          </a:p>
-        </p:txBody>
-      </p:sp>
-      <p:pic>
-        <p:nvPicPr>
-          <p:cNvPr id="13" name="Picture Placeholder 12">
-            <a:extLst>
-              <a:ext uri="{FF2B5EF4-FFF2-40B4-BE49-F238E27FC236}">
-                <a16:creationId xmlns:a16="http://schemas.microsoft.com/office/drawing/2014/main" id="{856C74A5-E770-6D2E-CDD3-2E71B56B8AD2}"/>
-              </a:ext>
-            </a:extLst>
-          </p:cNvPr>
-          <p:cNvPicPr>
-            <a:picLocks noGrp="1" noChangeAspect="1"/>
-          </p:cNvPicPr>
-          <p:nvPr>
-            <p:ph type="pic" idx="1"/>
-          </p:nvPr>
-        </p:nvPicPr>
-        <p:blipFill>
-          <a:blip r:embed="rId3">
-            <a:extLst>
-              <a:ext uri="{28A0092B-C50C-407E-A947-70E740481C1C}">
-                <a14:useLocalDpi xmlns:a14="http://schemas.microsoft.com/office/drawing/2010/main" val="0"/>
-              </a:ext>
-              <a:ext uri="{837473B0-CC2E-450A-ABE3-18F120FF3D39}">
-                <a1611:picAttrSrcUrl xmlns:a1611="http://schemas.microsoft.com/office/drawing/2016/11/main" r:id="rId4"/>
-              </a:ext>
-            </a:extLst>
-          </a:blip>
-          <a:srcRect l="15625" r="15625"/>
-          <a:stretch>
-            <a:fillRect/>
-          </a:stretch>
-        </p:blipFill>
-        <p:spPr/>
-      </p:pic>
-    </p:spTree>
-    <p:extLst>
-      <p:ext uri="{BB962C8B-B14F-4D97-AF65-F5344CB8AC3E}">
-        <p14:creationId xmlns:p14="http://schemas.microsoft.com/office/powerpoint/2010/main" val="3914592429"/>
-      </p:ext>
-    </p:extLst>
-  </p:cSld>
-  <p:clrMapOvr>
-    <a:masterClrMapping/>
-  </p:clrMapOvr>
-  <mc:AlternateContent xmlns:mc="http://schemas.openxmlformats.org/markup-compatibility/2006" xmlns:p14="http://schemas.microsoft.com/office/powerpoint/2010/main">
-    <mc:Choice Requires="p14">
-      <p:transition spd="med" p14:dur="700">
-        <p:fade/>
-      </p:transition>
-    </mc:Choice>
-    <mc:Fallback xmlns="">
-      <p:transition spd="med">
-        <p:fade/>
-      </p:transition>
-    </mc:Fallback>
-  </mc:AlternateContent>
-</p:sld>
-</file>
-
 <file path=ppt/slides/slide2.xml><?xml version="1.0" encoding="utf-8"?>
 <p:sld xmlns:a="http://schemas.openxmlformats.org/drawingml/2006/main" xmlns:r="http://schemas.openxmlformats.org/officeDocument/2006/relationships" xmlns:p="http://schemas.openxmlformats.org/presentationml/2006/main">
   <p:cSld>
@@ -8641,7 +4597,7 @@
         </p:spPr>
         <p:txBody>
           <a:bodyPr>
-            <a:normAutofit fontScale="92500"/>
+            <a:normAutofit/>
           </a:bodyPr>
           <a:lstStyle/>
           <a:p>
@@ -8659,25 +4615,19 @@
             </a:pPr>
             <a:r>
               <a:rPr lang="en-US" dirty="0"/>
-              <a:t>The insights gathered they will be used to address the following questions: </a:t>
+              <a:t>The insights gathered will be used to address the following questions: </a:t>
             </a:r>
           </a:p>
           <a:p>
             <a:r>
               <a:rPr lang="en-US" dirty="0"/>
-              <a:t>Does fuel type affect car price?</a:t>
+              <a:t>fuel type affect car price?  dependent variable</a:t>
             </a:r>
           </a:p>
           <a:p>
             <a:r>
               <a:rPr lang="en-US" dirty="0"/>
-              <a:t>Define the variables have the highest correlation to the price based on region</a:t>
-            </a:r>
-          </a:p>
-          <a:p>
-            <a:r>
-              <a:rPr lang="en-US" dirty="0"/>
-              <a:t>Discover the variables that share the strongest correlations to price?</a:t>
+              <a:t>Define the variables which share high correlation to the sale price based on region. </a:t>
             </a:r>
           </a:p>
           <a:p>
@@ -8687,12 +4637,9 @@
             </a:r>
           </a:p>
           <a:p>
-            <a:pPr marL="0" indent="0">
-              <a:buNone/>
-            </a:pPr>
             <a:r>
               <a:rPr lang="en-US" dirty="0"/>
-              <a:t>Additionally, factual credible information will be used to educate the staff </a:t>
+              <a:t>Any additional insights will be used to train and educate the staff </a:t>
             </a:r>
           </a:p>
         </p:txBody>
@@ -8741,6 +4688,208 @@
       </p:grpSpPr>
       <p:sp>
         <p:nvSpPr>
+          <p:cNvPr id="2" name="Title 1">
+            <a:extLst>
+              <a:ext uri="{FF2B5EF4-FFF2-40B4-BE49-F238E27FC236}">
+                <a16:creationId xmlns:a16="http://schemas.microsoft.com/office/drawing/2014/main" id="{8101E1D3-D86B-7FDC-804D-71681B35C9F1}"/>
+              </a:ext>
+            </a:extLst>
+          </p:cNvPr>
+          <p:cNvSpPr>
+            <a:spLocks noGrp="1"/>
+          </p:cNvSpPr>
+          <p:nvPr>
+            <p:ph type="title"/>
+          </p:nvPr>
+        </p:nvSpPr>
+        <p:spPr>
+          <a:xfrm>
+            <a:off x="531861" y="260648"/>
+            <a:ext cx="10971372" cy="1066800"/>
+          </a:xfrm>
+        </p:spPr>
+        <p:txBody>
+          <a:bodyPr/>
+          <a:lstStyle/>
+          <a:p>
+            <a:r>
+              <a:rPr lang="en-US" dirty="0"/>
+              <a:t>Business Problem</a:t>
+            </a:r>
+            <a:endParaRPr lang="en-AU" dirty="0"/>
+          </a:p>
+        </p:txBody>
+      </p:sp>
+      <p:sp>
+        <p:nvSpPr>
+          <p:cNvPr id="3" name="Content Placeholder 2">
+            <a:extLst>
+              <a:ext uri="{FF2B5EF4-FFF2-40B4-BE49-F238E27FC236}">
+                <a16:creationId xmlns:a16="http://schemas.microsoft.com/office/drawing/2014/main" id="{8FD888A8-FD0A-45AE-B181-13AB20C74FF2}"/>
+              </a:ext>
+            </a:extLst>
+          </p:cNvPr>
+          <p:cNvSpPr>
+            <a:spLocks noGrp="1"/>
+          </p:cNvSpPr>
+          <p:nvPr>
+            <p:ph idx="1"/>
+          </p:nvPr>
+        </p:nvSpPr>
+        <p:spPr>
+          <a:xfrm>
+            <a:off x="537478" y="1628800"/>
+            <a:ext cx="11113867" cy="4695055"/>
+          </a:xfrm>
+        </p:spPr>
+        <p:txBody>
+          <a:bodyPr>
+            <a:normAutofit fontScale="77500" lnSpcReduction="20000"/>
+          </a:bodyPr>
+          <a:lstStyle/>
+          <a:p>
+            <a:pPr marL="0" indent="0" algn="l">
+              <a:buNone/>
+            </a:pPr>
+            <a:r>
+              <a:rPr lang="en-US" b="0" i="0" dirty="0">
+                <a:solidFill>
+                  <a:srgbClr val="000000"/>
+                </a:solidFill>
+                <a:effectLst/>
+                <a:latin typeface="Helvetica Neue"/>
+              </a:rPr>
+              <a:t>Used Car Lot TM is a car sales company running for 2 years as a local business in India. The General Manager has requested some information about second hand car sales in the various North, South, East and West regions. With fuel prices increasing and transport a dominant necessity, some important business questions were asked.</a:t>
+            </a:r>
+          </a:p>
+          <a:p>
+            <a:pPr algn="l">
+              <a:buFont typeface="+mj-lt"/>
+              <a:buAutoNum type="arabicPeriod"/>
+            </a:pPr>
+            <a:r>
+              <a:rPr lang="en-US" b="0" i="0" dirty="0">
+                <a:solidFill>
+                  <a:srgbClr val="000000"/>
+                </a:solidFill>
+                <a:effectLst/>
+                <a:latin typeface="Helvetica Neue"/>
+              </a:rPr>
+              <a:t>What regions in India sold the highest number of used cars?</a:t>
+            </a:r>
+          </a:p>
+          <a:p>
+            <a:pPr algn="l">
+              <a:buFont typeface="+mj-lt"/>
+              <a:buAutoNum type="arabicPeriod"/>
+            </a:pPr>
+            <a:r>
+              <a:rPr lang="en-US" b="0" i="0" dirty="0">
+                <a:solidFill>
+                  <a:srgbClr val="000000"/>
+                </a:solidFill>
+                <a:effectLst/>
+                <a:latin typeface="Helvetica Neue"/>
+              </a:rPr>
+              <a:t>Does fuel type affect the car sale price?</a:t>
+            </a:r>
+          </a:p>
+          <a:p>
+            <a:pPr algn="l">
+              <a:buFont typeface="+mj-lt"/>
+              <a:buAutoNum type="arabicPeriod"/>
+            </a:pPr>
+            <a:r>
+              <a:rPr lang="en-US" b="0" i="0" dirty="0">
+                <a:solidFill>
+                  <a:srgbClr val="000000"/>
+                </a:solidFill>
+                <a:effectLst/>
+                <a:latin typeface="Helvetica Neue"/>
+              </a:rPr>
+              <a:t>Do electric cars make an impact on a sales? (Elaborate from a business perspective).</a:t>
+            </a:r>
+          </a:p>
+          <a:p>
+            <a:pPr algn="l">
+              <a:buFont typeface="+mj-lt"/>
+              <a:buAutoNum type="arabicPeriod"/>
+            </a:pPr>
+            <a:r>
+              <a:rPr lang="en-US" b="0" i="0" dirty="0">
+                <a:solidFill>
+                  <a:srgbClr val="000000"/>
+                </a:solidFill>
+                <a:effectLst/>
+                <a:latin typeface="Helvetica Neue"/>
+              </a:rPr>
+              <a:t>What are some other factors that share a connection to sales prices?</a:t>
+            </a:r>
+          </a:p>
+          <a:p>
+            <a:pPr marL="0" indent="0" algn="l">
+              <a:buNone/>
+            </a:pPr>
+            <a:r>
+              <a:rPr lang="en-US" b="0" i="0" dirty="0">
+                <a:solidFill>
+                  <a:srgbClr val="000000"/>
+                </a:solidFill>
+                <a:effectLst/>
+                <a:latin typeface="Helvetica Neue"/>
+              </a:rPr>
+              <a:t>From this analysis we intend on building a multiple linear regression (OLS) to model the relationships amongst the sale price. The Used Car Lot intends on using the insights extracted to ensure their business prosperity and overall sales objectives are met proportionally. The information obtained will also be used to educate their sales team and help the business thrive.</a:t>
+            </a:r>
+          </a:p>
+          <a:p>
+            <a:endParaRPr lang="en-AU" dirty="0"/>
+          </a:p>
+        </p:txBody>
+      </p:sp>
+    </p:spTree>
+    <p:extLst>
+      <p:ext uri="{BB962C8B-B14F-4D97-AF65-F5344CB8AC3E}">
+        <p14:creationId xmlns:p14="http://schemas.microsoft.com/office/powerpoint/2010/main" val="327387492"/>
+      </p:ext>
+    </p:extLst>
+  </p:cSld>
+  <p:clrMapOvr>
+    <a:masterClrMapping/>
+  </p:clrMapOvr>
+  <mc:AlternateContent xmlns:mc="http://schemas.openxmlformats.org/markup-compatibility/2006" xmlns:p14="http://schemas.microsoft.com/office/powerpoint/2010/main">
+    <mc:Choice Requires="p14">
+      <p:transition spd="med" p14:dur="700">
+        <p:fade/>
+      </p:transition>
+    </mc:Choice>
+    <mc:Fallback xmlns="">
+      <p:transition spd="med">
+        <p:fade/>
+      </p:transition>
+    </mc:Fallback>
+  </mc:AlternateContent>
+</p:sld>
+</file>
+
+<file path=ppt/slides/slide4.xml><?xml version="1.0" encoding="utf-8"?>
+<p:sld xmlns:a="http://schemas.openxmlformats.org/drawingml/2006/main" xmlns:r="http://schemas.openxmlformats.org/officeDocument/2006/relationships" xmlns:p="http://schemas.openxmlformats.org/presentationml/2006/main">
+  <p:cSld>
+    <p:spTree>
+      <p:nvGrpSpPr>
+        <p:cNvPr id="1" name=""/>
+        <p:cNvGrpSpPr/>
+        <p:nvPr/>
+      </p:nvGrpSpPr>
+      <p:grpSpPr>
+        <a:xfrm>
+          <a:off x="0" y="0"/>
+          <a:ext cx="0" cy="0"/>
+          <a:chOff x="0" y="0"/>
+          <a:chExt cx="0" cy="0"/>
+        </a:xfrm>
+      </p:grpSpPr>
+      <p:sp>
+        <p:nvSpPr>
           <p:cNvPr id="2" name="Title 1"/>
           <p:cNvSpPr>
             <a:spLocks noGrp="1"/>
@@ -8761,7 +4910,7 @@
           <a:p>
             <a:r>
               <a:rPr lang="en-US" dirty="0"/>
-              <a:t>Agenda Discussion Points </a:t>
+              <a:t>Discussion Points </a:t>
             </a:r>
           </a:p>
         </p:txBody>
@@ -8784,7 +4933,7 @@
         </p:spPr>
         <p:txBody>
           <a:bodyPr>
-            <a:normAutofit lnSpcReduction="10000"/>
+            <a:normAutofit fontScale="92500"/>
           </a:bodyPr>
           <a:lstStyle/>
           <a:p>
@@ -8823,7 +4972,7 @@
                   <a:schemeClr val="accent1"/>
                 </a:solidFill>
               </a:rPr>
-              <a:t>Model used to investigate</a:t>
+              <a:t>Model used to investigate CRISP –DM </a:t>
             </a:r>
           </a:p>
           <a:p>
@@ -8952,265 +5101,6 @@
 </p:sld>
 </file>
 
-<file path=ppt/slides/slide4.xml><?xml version="1.0" encoding="utf-8"?>
-<p:sld xmlns:a="http://schemas.openxmlformats.org/drawingml/2006/main" xmlns:r="http://schemas.openxmlformats.org/officeDocument/2006/relationships" xmlns:p="http://schemas.openxmlformats.org/presentationml/2006/main">
-  <p:cSld>
-    <p:spTree>
-      <p:nvGrpSpPr>
-        <p:cNvPr id="1" name=""/>
-        <p:cNvGrpSpPr/>
-        <p:nvPr/>
-      </p:nvGrpSpPr>
-      <p:grpSpPr>
-        <a:xfrm>
-          <a:off x="0" y="0"/>
-          <a:ext cx="0" cy="0"/>
-          <a:chOff x="0" y="0"/>
-          <a:chExt cx="0" cy="0"/>
-        </a:xfrm>
-      </p:grpSpPr>
-      <p:sp>
-        <p:nvSpPr>
-          <p:cNvPr id="13" name="Text Placeholder 12"/>
-          <p:cNvSpPr>
-            <a:spLocks noGrp="1"/>
-          </p:cNvSpPr>
-          <p:nvPr>
-            <p:ph type="body" idx="1"/>
-          </p:nvPr>
-        </p:nvSpPr>
-        <p:spPr>
-          <a:xfrm>
-            <a:off x="549796" y="685800"/>
-            <a:ext cx="5773068" cy="990600"/>
-          </a:xfrm>
-        </p:spPr>
-        <p:txBody>
-          <a:bodyPr>
-            <a:normAutofit/>
-          </a:bodyPr>
-          <a:lstStyle/>
-          <a:p>
-            <a:r>
-              <a:rPr lang="en-US" dirty="0">
-                <a:solidFill>
-                  <a:schemeClr val="accent1"/>
-                </a:solidFill>
-              </a:rPr>
-              <a:t>Data </a:t>
-            </a:r>
-          </a:p>
-        </p:txBody>
-      </p:sp>
-      <p:sp>
-        <p:nvSpPr>
-          <p:cNvPr id="15" name="Content Placeholder 14"/>
-          <p:cNvSpPr>
-            <a:spLocks noGrp="1"/>
-          </p:cNvSpPr>
-          <p:nvPr>
-            <p:ph sz="half" idx="2"/>
-          </p:nvPr>
-        </p:nvSpPr>
-        <p:spPr>
-          <a:xfrm>
-            <a:off x="405780" y="1676400"/>
-            <a:ext cx="5917084" cy="4560912"/>
-          </a:xfrm>
-        </p:spPr>
-        <p:txBody>
-          <a:bodyPr>
-            <a:normAutofit fontScale="92500" lnSpcReduction="20000"/>
-          </a:bodyPr>
-          <a:lstStyle/>
-          <a:p>
-            <a:r>
-              <a:rPr lang="en-US" dirty="0"/>
-              <a:t>Data set is over 7000 lines </a:t>
-            </a:r>
-          </a:p>
-          <a:p>
-            <a:r>
-              <a:rPr lang="en-US" dirty="0"/>
-              <a:t>Source of used cars in India </a:t>
-            </a:r>
-          </a:p>
-          <a:p>
-            <a:r>
-              <a:rPr lang="en-US" dirty="0"/>
-              <a:t>Comprised of values such as </a:t>
-            </a:r>
-            <a:r>
-              <a:rPr lang="en-US" dirty="0" err="1"/>
-              <a:t>mileage,Year</a:t>
-            </a:r>
-            <a:r>
-              <a:rPr lang="en-US" dirty="0"/>
-              <a:t> built, power, seats, engine type, kilometers driven and the price</a:t>
-            </a:r>
-          </a:p>
-          <a:p>
-            <a:r>
-              <a:rPr lang="en-US" dirty="0"/>
-              <a:t>Sourced from data.gov, a reliable data source online </a:t>
-            </a:r>
-          </a:p>
-          <a:p>
-            <a:r>
-              <a:rPr lang="en-US" dirty="0"/>
-              <a:t>Dataset require categorical refinement and many functions to be created in order to wrangle and manipulate for exploratory analysis </a:t>
-            </a:r>
-          </a:p>
-        </p:txBody>
-      </p:sp>
-      <p:sp>
-        <p:nvSpPr>
-          <p:cNvPr id="14" name="Text Placeholder 13"/>
-          <p:cNvSpPr>
-            <a:spLocks noGrp="1"/>
-          </p:cNvSpPr>
-          <p:nvPr>
-            <p:ph type="body" sz="quarter" idx="3"/>
-          </p:nvPr>
-        </p:nvSpPr>
-        <p:spPr/>
-        <p:txBody>
-          <a:bodyPr>
-            <a:normAutofit/>
-          </a:bodyPr>
-          <a:lstStyle/>
-          <a:p>
-            <a:r>
-              <a:rPr lang="en-US" dirty="0">
-                <a:solidFill>
-                  <a:schemeClr val="accent1"/>
-                </a:solidFill>
-              </a:rPr>
-              <a:t>Models &amp; Visualizations</a:t>
-            </a:r>
-            <a:endParaRPr lang="en-US" b="1" dirty="0"/>
-          </a:p>
-        </p:txBody>
-      </p:sp>
-      <p:sp>
-        <p:nvSpPr>
-          <p:cNvPr id="16" name="Content Placeholder 15"/>
-          <p:cNvSpPr>
-            <a:spLocks noGrp="1"/>
-          </p:cNvSpPr>
-          <p:nvPr>
-            <p:ph sz="quarter" idx="4"/>
-          </p:nvPr>
-        </p:nvSpPr>
-        <p:spPr>
-          <a:xfrm>
-            <a:off x="6550024" y="1676400"/>
-            <a:ext cx="5377035" cy="4848944"/>
-          </a:xfrm>
-        </p:spPr>
-        <p:txBody>
-          <a:bodyPr>
-            <a:normAutofit fontScale="92500" lnSpcReduction="20000"/>
-          </a:bodyPr>
-          <a:lstStyle/>
-          <a:p>
-            <a:r>
-              <a:rPr lang="en-US" dirty="0"/>
-              <a:t>OLS – Ordinary Least Square in </a:t>
-            </a:r>
-            <a:r>
-              <a:rPr lang="en-US" dirty="0" err="1"/>
-              <a:t>statsmodels</a:t>
-            </a:r>
-            <a:endParaRPr lang="en-US" dirty="0"/>
-          </a:p>
-          <a:p>
-            <a:r>
-              <a:rPr lang="en-US" dirty="0"/>
-              <a:t>Box plots </a:t>
-            </a:r>
-          </a:p>
-          <a:p>
-            <a:r>
-              <a:rPr lang="en-US" dirty="0"/>
-              <a:t>Histograms </a:t>
-            </a:r>
-          </a:p>
-          <a:p>
-            <a:r>
-              <a:rPr lang="en-US" dirty="0"/>
-              <a:t>Heat Maps</a:t>
-            </a:r>
-          </a:p>
-          <a:p>
-            <a:r>
-              <a:rPr lang="en-US" dirty="0"/>
-              <a:t>Bell Graphs </a:t>
-            </a:r>
-          </a:p>
-          <a:p>
-            <a:r>
-              <a:rPr lang="en-US" dirty="0"/>
-              <a:t>QQ Plot </a:t>
-            </a:r>
-          </a:p>
-          <a:p>
-            <a:r>
-              <a:rPr lang="en-US" dirty="0"/>
-              <a:t>Created fata frames to tabulate the data </a:t>
-            </a:r>
-          </a:p>
-          <a:p>
-            <a:r>
-              <a:rPr lang="en-US" dirty="0"/>
-              <a:t>Created test data </a:t>
-            </a:r>
-          </a:p>
-          <a:p>
-            <a:r>
-              <a:rPr lang="en-US" dirty="0"/>
-              <a:t>Trained the model to predict </a:t>
-            </a:r>
-          </a:p>
-          <a:p>
-            <a:r>
-              <a:rPr lang="en-US" dirty="0"/>
-              <a:t>MSE – Mean Squared Error using </a:t>
-            </a:r>
-          </a:p>
-          <a:p>
-            <a:pPr marL="0" indent="0">
-              <a:buNone/>
-            </a:pPr>
-            <a:endParaRPr lang="en-US" dirty="0"/>
-          </a:p>
-        </p:txBody>
-      </p:sp>
-    </p:spTree>
-    <p:extLst>
-      <p:ext uri="{BB962C8B-B14F-4D97-AF65-F5344CB8AC3E}">
-        <p14:creationId xmlns:p14="http://schemas.microsoft.com/office/powerpoint/2010/main" val="2979636628"/>
-      </p:ext>
-    </p:extLst>
-  </p:cSld>
-  <p:clrMapOvr>
-    <a:masterClrMapping/>
-  </p:clrMapOvr>
-  <mc:AlternateContent xmlns:mc="http://schemas.openxmlformats.org/markup-compatibility/2006" xmlns:p14="http://schemas.microsoft.com/office/powerpoint/2010/main">
-    <mc:Choice Requires="p14">
-      <p:transition spd="med" p14:dur="700">
-        <p:fade/>
-      </p:transition>
-    </mc:Choice>
-    <mc:Fallback xmlns="">
-      <p:transition spd="med">
-        <p:fade/>
-      </p:transition>
-    </mc:Fallback>
-  </mc:AlternateContent>
-</p:sld>
-</file>
-
 <file path=ppt/slides/slide5.xml><?xml version="1.0" encoding="utf-8"?>
 <p:sld xmlns:a="http://schemas.openxmlformats.org/drawingml/2006/main" xmlns:r="http://schemas.openxmlformats.org/officeDocument/2006/relationships" xmlns:p="http://schemas.openxmlformats.org/presentationml/2006/main">
   <p:cSld>
@@ -9240,8 +5130,8 @@
         </p:nvSpPr>
         <p:spPr>
           <a:xfrm>
-            <a:off x="405780" y="685800"/>
-            <a:ext cx="5917084" cy="990600"/>
+            <a:off x="580837" y="364032"/>
+            <a:ext cx="5773068" cy="990600"/>
           </a:xfrm>
         </p:spPr>
         <p:txBody>
@@ -9256,15 +5146,8 @@
                   <a:schemeClr val="accent1"/>
                 </a:solidFill>
               </a:rPr>
-              <a:t>Business Problem </a:t>
-            </a:r>
-          </a:p>
-          <a:p>
-            <a:endParaRPr lang="en-US" dirty="0">
-              <a:solidFill>
-                <a:schemeClr val="accent1"/>
-              </a:solidFill>
-            </a:endParaRPr>
+              <a:t>Data </a:t>
+            </a:r>
           </a:p>
         </p:txBody>
       </p:sp>
@@ -9280,43 +5163,43 @@
         </p:nvSpPr>
         <p:spPr>
           <a:xfrm>
-            <a:off x="405780" y="1556792"/>
-            <a:ext cx="5917084" cy="4968552"/>
+            <a:off x="405780" y="1676400"/>
+            <a:ext cx="5917084" cy="4560912"/>
           </a:xfrm>
         </p:spPr>
         <p:txBody>
           <a:bodyPr>
-            <a:normAutofit/>
+            <a:normAutofit fontScale="92500" lnSpcReduction="20000"/>
           </a:bodyPr>
           <a:lstStyle/>
           <a:p>
             <a:r>
               <a:rPr lang="en-US" dirty="0"/>
-              <a:t>Does fuel type affect car price?</a:t>
+              <a:t>Dataset  size is over 7000  </a:t>
             </a:r>
           </a:p>
           <a:p>
             <a:r>
               <a:rPr lang="en-US" dirty="0"/>
-              <a:t>Define variables that possess a high  correlation to price via region?</a:t>
+              <a:t>Source of used cars in India. Regions span across Mumbai, Pune, Chennai, Hyderabad, Jaipur, Delhi, Bangalore, Delhi and more.</a:t>
             </a:r>
           </a:p>
           <a:p>
             <a:r>
               <a:rPr lang="en-US" dirty="0"/>
-              <a:t>Discover variables that share the strongest correlations to price overall?</a:t>
+              <a:t>The dataset is comprised of values such as mileage, year built, power, seats, engine type, kilometers driven and the price.</a:t>
             </a:r>
           </a:p>
           <a:p>
             <a:r>
               <a:rPr lang="en-US" dirty="0"/>
-              <a:t>Are there any Electric cars in the dataset, and do they make an impact on overall result?</a:t>
+              <a:t>Sourced from data.gov, a reliable data source online. </a:t>
             </a:r>
           </a:p>
           <a:p>
             <a:r>
               <a:rPr lang="en-US" dirty="0"/>
-              <a:t>A used car lot would know what are the top vehicles sold by region and any suggesting factors that attribute to the sales.  </a:t>
+              <a:t>Dataset required much categorical refinement in order to wrangle and manipulate for exploratory analysis, in conjunction with basic data analysis functions using matplot lib, numPy, pandas, statsmodels, and scikitlearn.</a:t>
             </a:r>
           </a:p>
         </p:txBody>
@@ -9333,8 +5216,8 @@
         </p:nvSpPr>
         <p:spPr>
           <a:xfrm>
-            <a:off x="6322864" y="685800"/>
-            <a:ext cx="5257949" cy="990600"/>
+            <a:off x="6723941" y="364032"/>
+            <a:ext cx="5029200" cy="990600"/>
           </a:xfrm>
         </p:spPr>
         <p:txBody>
@@ -9349,10 +5232,8 @@
                   <a:schemeClr val="accent1"/>
                 </a:solidFill>
               </a:rPr>
-              <a:t>Results </a:t>
-            </a:r>
-          </a:p>
-          <a:p>
+              <a:t>Models &amp; Visualizations</a:t>
+            </a:r>
             <a:endParaRPr lang="en-US" b="1" dirty="0"/>
           </a:p>
         </p:txBody>
@@ -9369,39 +5250,73 @@
         </p:nvSpPr>
         <p:spPr>
           <a:xfrm>
-            <a:off x="6322864" y="1412776"/>
-            <a:ext cx="5604195" cy="5112568"/>
+            <a:off x="6550024" y="1676400"/>
+            <a:ext cx="5377035" cy="4848944"/>
           </a:xfrm>
         </p:spPr>
         <p:txBody>
           <a:bodyPr>
-            <a:normAutofit/>
+            <a:normAutofit fontScale="92500" lnSpcReduction="20000"/>
           </a:bodyPr>
           <a:lstStyle/>
           <a:p>
             <a:r>
               <a:rPr lang="en-US" dirty="0"/>
-              <a:t>Yes – Electric Fuel Price &amp; Diesel scored the highest based on the data set directly affecting the </a:t>
-            </a:r>
-            <a:r>
-              <a:rPr lang="en-US" dirty="0" err="1"/>
-              <a:t>cvost</a:t>
-            </a:r>
+              <a:t>OLS – Ordinary Least Square in statsmodels</a:t>
+            </a:r>
+          </a:p>
+          <a:p>
             <a:r>
               <a:rPr lang="en-US" dirty="0"/>
-              <a:t> pf the car. Petrol, LPG, and CNG were significantly less. </a:t>
+              <a:t>Box plots </a:t>
             </a:r>
           </a:p>
           <a:p>
             <a:r>
               <a:rPr lang="en-US" dirty="0"/>
-              <a:t>Region, Year, Kilometers driven, Mileage, engine, Seats and price were the chosen variables to price correlation. </a:t>
+              <a:t>Histograms </a:t>
             </a:r>
           </a:p>
           <a:p>
             <a:r>
               <a:rPr lang="en-US" dirty="0"/>
-              <a:t>Electric car impact was noted to directly align with price  with slight multicollinearity to fuel consumption biases.</a:t>
+              <a:t>Heat Maps</a:t>
+            </a:r>
+          </a:p>
+          <a:p>
+            <a:r>
+              <a:rPr lang="en-US" dirty="0"/>
+              <a:t>Bell Graphs </a:t>
+            </a:r>
+          </a:p>
+          <a:p>
+            <a:r>
+              <a:rPr lang="en-US" dirty="0"/>
+              <a:t>QQ Plot </a:t>
+            </a:r>
+          </a:p>
+          <a:p>
+            <a:r>
+              <a:rPr lang="en-US" dirty="0"/>
+              <a:t>Created fata frames to tabulate the data </a:t>
+            </a:r>
+          </a:p>
+          <a:p>
+            <a:r>
+              <a:rPr lang="en-US" dirty="0"/>
+              <a:t>Created test data </a:t>
+            </a:r>
+          </a:p>
+          <a:p>
+            <a:r>
+              <a:rPr lang="en-US" dirty="0"/>
+              <a:t>Trained the model to predict </a:t>
+            </a:r>
+          </a:p>
+          <a:p>
+            <a:r>
+              <a:rPr lang="en-US" dirty="0"/>
+              <a:t>MSE – Mean Squared Error using </a:t>
             </a:r>
           </a:p>
           <a:p>
@@ -9415,7 +5330,7 @@
     </p:spTree>
     <p:extLst>
       <p:ext uri="{BB962C8B-B14F-4D97-AF65-F5344CB8AC3E}">
-        <p14:creationId xmlns:p14="http://schemas.microsoft.com/office/powerpoint/2010/main" val="2741717345"/>
+        <p14:creationId xmlns:p14="http://schemas.microsoft.com/office/powerpoint/2010/main" val="2979636628"/>
       </p:ext>
     </p:extLst>
   </p:cSld>
@@ -9456,6 +5371,230 @@
       </p:grpSpPr>
       <p:sp>
         <p:nvSpPr>
+          <p:cNvPr id="13" name="Text Placeholder 12"/>
+          <p:cNvSpPr>
+            <a:spLocks noGrp="1"/>
+          </p:cNvSpPr>
+          <p:nvPr>
+            <p:ph type="body" idx="1"/>
+          </p:nvPr>
+        </p:nvSpPr>
+        <p:spPr>
+          <a:xfrm>
+            <a:off x="405780" y="355068"/>
+            <a:ext cx="5917084" cy="990600"/>
+          </a:xfrm>
+        </p:spPr>
+        <p:txBody>
+          <a:bodyPr>
+            <a:normAutofit/>
+          </a:bodyPr>
+          <a:lstStyle/>
+          <a:p>
+            <a:r>
+              <a:rPr lang="en-US" dirty="0">
+                <a:solidFill>
+                  <a:schemeClr val="accent1"/>
+                </a:solidFill>
+              </a:rPr>
+              <a:t>Business Questions </a:t>
+            </a:r>
+          </a:p>
+          <a:p>
+            <a:endParaRPr lang="en-US" dirty="0">
+              <a:solidFill>
+                <a:schemeClr val="accent1"/>
+              </a:solidFill>
+            </a:endParaRPr>
+          </a:p>
+        </p:txBody>
+      </p:sp>
+      <p:sp>
+        <p:nvSpPr>
+          <p:cNvPr id="15" name="Content Placeholder 14"/>
+          <p:cNvSpPr>
+            <a:spLocks noGrp="1"/>
+          </p:cNvSpPr>
+          <p:nvPr>
+            <p:ph sz="half" idx="2"/>
+          </p:nvPr>
+        </p:nvSpPr>
+        <p:spPr>
+          <a:xfrm>
+            <a:off x="180023" y="1302260"/>
+            <a:ext cx="5917084" cy="4968552"/>
+          </a:xfrm>
+        </p:spPr>
+        <p:txBody>
+          <a:bodyPr>
+            <a:normAutofit/>
+          </a:bodyPr>
+          <a:lstStyle/>
+          <a:p>
+            <a:r>
+              <a:rPr lang="en-US" dirty="0"/>
+              <a:t>Does fuel type affect car price?</a:t>
+            </a:r>
+          </a:p>
+          <a:p>
+            <a:r>
+              <a:rPr lang="en-US" dirty="0"/>
+              <a:t>Define variables that possess a high  correlation to price via region?</a:t>
+            </a:r>
+          </a:p>
+          <a:p>
+            <a:r>
+              <a:rPr lang="en-US" dirty="0"/>
+              <a:t>Discover variables that share the strongest correlations to price overall?</a:t>
+            </a:r>
+          </a:p>
+          <a:p>
+            <a:r>
+              <a:rPr lang="en-US" dirty="0"/>
+              <a:t>Are there any Electric cars in the dataset, and do they make an impact on overall result?</a:t>
+            </a:r>
+          </a:p>
+          <a:p>
+            <a:r>
+              <a:rPr lang="en-US" dirty="0"/>
+              <a:t>A used car lot would know what are the top vehicles sold by region and any suggesting factors found that attribute to the sales.  </a:t>
+            </a:r>
+          </a:p>
+        </p:txBody>
+      </p:sp>
+      <p:sp>
+        <p:nvSpPr>
+          <p:cNvPr id="14" name="Text Placeholder 13"/>
+          <p:cNvSpPr>
+            <a:spLocks noGrp="1"/>
+          </p:cNvSpPr>
+          <p:nvPr>
+            <p:ph type="body" sz="quarter" idx="3"/>
+          </p:nvPr>
+        </p:nvSpPr>
+        <p:spPr>
+          <a:xfrm>
+            <a:off x="6343597" y="332656"/>
+            <a:ext cx="5257949" cy="990600"/>
+          </a:xfrm>
+        </p:spPr>
+        <p:txBody>
+          <a:bodyPr>
+            <a:normAutofit/>
+          </a:bodyPr>
+          <a:lstStyle/>
+          <a:p>
+            <a:r>
+              <a:rPr lang="en-US" dirty="0">
+                <a:solidFill>
+                  <a:schemeClr val="accent1"/>
+                </a:solidFill>
+              </a:rPr>
+              <a:t>Results </a:t>
+            </a:r>
+          </a:p>
+          <a:p>
+            <a:endParaRPr lang="en-US" b="1" dirty="0"/>
+          </a:p>
+        </p:txBody>
+      </p:sp>
+      <p:sp>
+        <p:nvSpPr>
+          <p:cNvPr id="16" name="Content Placeholder 15"/>
+          <p:cNvSpPr>
+            <a:spLocks noGrp="1"/>
+          </p:cNvSpPr>
+          <p:nvPr>
+            <p:ph sz="quarter" idx="4"/>
+          </p:nvPr>
+        </p:nvSpPr>
+        <p:spPr>
+          <a:xfrm>
+            <a:off x="6300225" y="1248308"/>
+            <a:ext cx="5604195" cy="5112568"/>
+          </a:xfrm>
+        </p:spPr>
+        <p:txBody>
+          <a:bodyPr>
+            <a:normAutofit/>
+          </a:bodyPr>
+          <a:lstStyle/>
+          <a:p>
+            <a:r>
+              <a:rPr lang="en-US" dirty="0"/>
+              <a:t>Electric Fuel Price &amp; Diesel scored the highest based on the data set directly affecting the cost of the car. Petrol, LPG, and CNG vehicles were sold for less. </a:t>
+            </a:r>
+          </a:p>
+          <a:p>
+            <a:r>
+              <a:rPr lang="en-US" dirty="0"/>
+              <a:t>Region, year, kilometers driven, mileage, engine, seats and price were the chosen variables to price correlation. </a:t>
+            </a:r>
+          </a:p>
+          <a:p>
+            <a:r>
+              <a:rPr lang="en-US" dirty="0"/>
+              <a:t>Electric car impact was noted to directly align with price  with slight multicollinearity to fuel consumption biases.</a:t>
+            </a:r>
+          </a:p>
+          <a:p>
+            <a:r>
+              <a:rPr lang="en-US" dirty="0"/>
+              <a:t>Model fit perfectly – without over or under fitting based on the variables </a:t>
+            </a:r>
+          </a:p>
+          <a:p>
+            <a:pPr marL="0" indent="0">
+              <a:buNone/>
+            </a:pPr>
+            <a:endParaRPr lang="en-US" dirty="0"/>
+          </a:p>
+        </p:txBody>
+      </p:sp>
+    </p:spTree>
+    <p:extLst>
+      <p:ext uri="{BB962C8B-B14F-4D97-AF65-F5344CB8AC3E}">
+        <p14:creationId xmlns:p14="http://schemas.microsoft.com/office/powerpoint/2010/main" val="2741717345"/>
+      </p:ext>
+    </p:extLst>
+  </p:cSld>
+  <p:clrMapOvr>
+    <a:masterClrMapping/>
+  </p:clrMapOvr>
+  <mc:AlternateContent xmlns:mc="http://schemas.openxmlformats.org/markup-compatibility/2006" xmlns:p14="http://schemas.microsoft.com/office/powerpoint/2010/main">
+    <mc:Choice Requires="p14">
+      <p:transition spd="med" p14:dur="700">
+        <p:fade/>
+      </p:transition>
+    </mc:Choice>
+    <mc:Fallback xmlns="">
+      <p:transition spd="med">
+        <p:fade/>
+      </p:transition>
+    </mc:Fallback>
+  </mc:AlternateContent>
+</p:sld>
+</file>
+
+<file path=ppt/slides/slide7.xml><?xml version="1.0" encoding="utf-8"?>
+<p:sld xmlns:a="http://schemas.openxmlformats.org/drawingml/2006/main" xmlns:r="http://schemas.openxmlformats.org/officeDocument/2006/relationships" xmlns:p="http://schemas.openxmlformats.org/presentationml/2006/main">
+  <p:cSld>
+    <p:spTree>
+      <p:nvGrpSpPr>
+        <p:cNvPr id="1" name=""/>
+        <p:cNvGrpSpPr/>
+        <p:nvPr/>
+      </p:nvGrpSpPr>
+      <p:grpSpPr>
+        <a:xfrm>
+          <a:off x="0" y="0"/>
+          <a:ext cx="0" cy="0"/>
+          <a:chOff x="0" y="0"/>
+          <a:chExt cx="0" cy="0"/>
+        </a:xfrm>
+      </p:grpSpPr>
+      <p:sp>
+        <p:nvSpPr>
           <p:cNvPr id="2" name="Title 1"/>
           <p:cNvSpPr>
             <a:spLocks noGrp="1"/>
@@ -9547,7 +5686,7 @@
           <p:nvPr/>
         </p:nvPicPr>
         <p:blipFill>
-          <a:blip r:embed="rId2">
+          <a:blip r:embed="rId3">
             <a:extLst>
               <a:ext uri="{28A0092B-C50C-407E-A947-70E740481C1C}">
                 <a14:useLocalDpi xmlns:a14="http://schemas.microsoft.com/office/drawing/2010/main" val="0"/>
@@ -9579,13 +5718,14 @@
           </p:cNvPr>
           <p:cNvCxnSpPr>
             <a:cxnSpLocks/>
+            <a:endCxn id="36" idx="2"/>
           </p:cNvCxnSpPr>
           <p:nvPr/>
         </p:nvCxnSpPr>
         <p:spPr>
           <a:xfrm flipV="1">
-            <a:off x="5675441" y="1628800"/>
-            <a:ext cx="0" cy="648072"/>
+            <a:off x="5675441" y="1475266"/>
+            <a:ext cx="0" cy="805780"/>
           </a:xfrm>
           <a:prstGeom prst="straightConnector1">
             <a:avLst/>
@@ -9750,8 +5890,8 @@
         </p:nvCxnSpPr>
         <p:spPr>
           <a:xfrm>
-            <a:off x="7241608" y="3970041"/>
-            <a:ext cx="980350" cy="805781"/>
+            <a:off x="7202294" y="4012078"/>
+            <a:ext cx="1196374" cy="601321"/>
           </a:xfrm>
           <a:prstGeom prst="straightConnector1">
             <a:avLst/>
@@ -9864,13 +6004,15 @@
               </a:ext>
             </a:extLst>
           </p:cNvPr>
-          <p:cNvCxnSpPr/>
+          <p:cNvCxnSpPr>
+            <a:cxnSpLocks/>
+          </p:cNvCxnSpPr>
           <p:nvPr/>
         </p:nvCxnSpPr>
         <p:spPr>
           <a:xfrm flipH="1">
-            <a:off x="2854052" y="3991372"/>
-            <a:ext cx="1294537" cy="805780"/>
+            <a:off x="2581514" y="3956695"/>
+            <a:ext cx="1510561" cy="805781"/>
           </a:xfrm>
           <a:prstGeom prst="straightConnector1">
             <a:avLst/>
@@ -9908,8 +6050,8 @@
         </p:nvSpPr>
         <p:spPr>
           <a:xfrm>
-            <a:off x="8182644" y="1196752"/>
-            <a:ext cx="3456384" cy="576064"/>
+            <a:off x="8199029" y="1117491"/>
+            <a:ext cx="3456384" cy="646331"/>
           </a:xfrm>
           <a:prstGeom prst="rect">
             <a:avLst/>
@@ -9927,6 +6069,11 @@
           </a:bodyPr>
           <a:lstStyle/>
           <a:p>
+            <a:pPr algn="ctr"/>
+            <a:r>
+              <a:rPr lang="en-US" dirty="0"/>
+              <a:t>8. Manual Cars sold for less than automatic</a:t>
+            </a:r>
             <a:endParaRPr lang="en-AU" dirty="0"/>
           </a:p>
         </p:txBody>
@@ -9945,7 +6092,216 @@
         </p:nvSpPr>
         <p:spPr>
           <a:xfrm>
-            <a:off x="8195283" y="2852936"/>
+            <a:off x="3862165" y="5177898"/>
+            <a:ext cx="4464491" cy="646331"/>
+          </a:xfrm>
+          <a:prstGeom prst="rect">
+            <a:avLst/>
+          </a:prstGeom>
+          <a:noFill/>
+          <a:ln>
+            <a:solidFill>
+              <a:schemeClr val="accent1"/>
+            </a:solidFill>
+          </a:ln>
+        </p:spPr>
+        <p:txBody>
+          <a:bodyPr wrap="square" rtlCol="0">
+            <a:spAutoFit/>
+          </a:bodyPr>
+          <a:lstStyle/>
+          <a:p>
+            <a:pPr algn="ctr"/>
+            <a:r>
+              <a:rPr lang="en-AU" dirty="0"/>
+              <a:t>5. Top 5 Used Cars sold in India were: Maruti, Hyundai, Honda, Toyota, Mercedes Benz</a:t>
+            </a:r>
+          </a:p>
+        </p:txBody>
+      </p:sp>
+      <p:sp>
+        <p:nvSpPr>
+          <p:cNvPr id="30" name="TextBox 29">
+            <a:extLst>
+              <a:ext uri="{FF2B5EF4-FFF2-40B4-BE49-F238E27FC236}">
+                <a16:creationId xmlns:a16="http://schemas.microsoft.com/office/drawing/2014/main" id="{60EB4746-2D8C-4F44-7927-323C6A5AFA19}"/>
+              </a:ext>
+            </a:extLst>
+          </p:cNvPr>
+          <p:cNvSpPr txBox="1"/>
+          <p:nvPr/>
+        </p:nvSpPr>
+        <p:spPr>
+          <a:xfrm>
+            <a:off x="8398668" y="4290233"/>
+            <a:ext cx="3456384" cy="646331"/>
+          </a:xfrm>
+          <a:prstGeom prst="rect">
+            <a:avLst/>
+          </a:prstGeom>
+          <a:noFill/>
+          <a:ln>
+            <a:solidFill>
+              <a:schemeClr val="accent1"/>
+            </a:solidFill>
+          </a:ln>
+        </p:spPr>
+        <p:txBody>
+          <a:bodyPr wrap="square" rtlCol="0">
+            <a:spAutoFit/>
+          </a:bodyPr>
+          <a:lstStyle/>
+          <a:p>
+            <a:pPr algn="ctr"/>
+            <a:r>
+              <a:rPr lang="en-US" dirty="0"/>
+              <a:t>6. Price has a high correlation with Power</a:t>
+            </a:r>
+            <a:endParaRPr lang="en-AU" dirty="0"/>
+          </a:p>
+        </p:txBody>
+      </p:sp>
+      <p:sp>
+        <p:nvSpPr>
+          <p:cNvPr id="32" name="TextBox 31">
+            <a:extLst>
+              <a:ext uri="{FF2B5EF4-FFF2-40B4-BE49-F238E27FC236}">
+                <a16:creationId xmlns:a16="http://schemas.microsoft.com/office/drawing/2014/main" id="{C4B49A4E-30DA-3349-0C52-326FDA32612C}"/>
+              </a:ext>
+            </a:extLst>
+          </p:cNvPr>
+          <p:cNvSpPr txBox="1"/>
+          <p:nvPr/>
+        </p:nvSpPr>
+        <p:spPr>
+          <a:xfrm>
+            <a:off x="170451" y="2679303"/>
+            <a:ext cx="2894830" cy="923330"/>
+          </a:xfrm>
+          <a:prstGeom prst="rect">
+            <a:avLst/>
+          </a:prstGeom>
+          <a:noFill/>
+          <a:ln>
+            <a:solidFill>
+              <a:schemeClr val="accent1"/>
+            </a:solidFill>
+          </a:ln>
+        </p:spPr>
+        <p:txBody>
+          <a:bodyPr wrap="square" rtlCol="0">
+            <a:spAutoFit/>
+          </a:bodyPr>
+          <a:lstStyle/>
+          <a:p>
+            <a:pPr algn="ctr"/>
+            <a:r>
+              <a:rPr lang="en-US" dirty="0"/>
+              <a:t>3. Electric vehicles sold are in similar price range of diesel fueled premium cars</a:t>
+            </a:r>
+            <a:endParaRPr lang="en-AU" dirty="0"/>
+          </a:p>
+        </p:txBody>
+      </p:sp>
+      <p:sp>
+        <p:nvSpPr>
+          <p:cNvPr id="35" name="TextBox 34">
+            <a:extLst>
+              <a:ext uri="{FF2B5EF4-FFF2-40B4-BE49-F238E27FC236}">
+                <a16:creationId xmlns:a16="http://schemas.microsoft.com/office/drawing/2014/main" id="{B3C04CA7-C5FA-F055-F770-751C3AE381D2}"/>
+              </a:ext>
+            </a:extLst>
+          </p:cNvPr>
+          <p:cNvSpPr txBox="1"/>
+          <p:nvPr/>
+        </p:nvSpPr>
+        <p:spPr>
+          <a:xfrm>
+            <a:off x="8221958" y="2782669"/>
+            <a:ext cx="3456384" cy="646331"/>
+          </a:xfrm>
+          <a:prstGeom prst="rect">
+            <a:avLst/>
+          </a:prstGeom>
+          <a:noFill/>
+          <a:ln>
+            <a:solidFill>
+              <a:schemeClr val="accent1"/>
+            </a:solidFill>
+          </a:ln>
+        </p:spPr>
+        <p:txBody>
+          <a:bodyPr wrap="square" rtlCol="0">
+            <a:spAutoFit/>
+          </a:bodyPr>
+          <a:lstStyle/>
+          <a:p>
+            <a:pPr algn="ctr"/>
+            <a:r>
+              <a:rPr lang="en-US" dirty="0"/>
+              <a:t>7. Transmission &amp; Owner type are negatively correlated</a:t>
+            </a:r>
+            <a:endParaRPr lang="en-AU" dirty="0"/>
+          </a:p>
+        </p:txBody>
+      </p:sp>
+      <p:sp>
+        <p:nvSpPr>
+          <p:cNvPr id="36" name="TextBox 35">
+            <a:extLst>
+              <a:ext uri="{FF2B5EF4-FFF2-40B4-BE49-F238E27FC236}">
+                <a16:creationId xmlns:a16="http://schemas.microsoft.com/office/drawing/2014/main" id="{DC62BF93-CC9D-D32B-13C5-60FB4CD2A9C7}"/>
+              </a:ext>
+            </a:extLst>
+          </p:cNvPr>
+          <p:cNvSpPr txBox="1"/>
+          <p:nvPr/>
+        </p:nvSpPr>
+        <p:spPr>
+          <a:xfrm>
+            <a:off x="4263946" y="551936"/>
+            <a:ext cx="2822989" cy="923330"/>
+          </a:xfrm>
+          <a:prstGeom prst="rect">
+            <a:avLst/>
+          </a:prstGeom>
+          <a:noFill/>
+          <a:ln>
+            <a:solidFill>
+              <a:schemeClr val="accent1"/>
+            </a:solidFill>
+          </a:ln>
+        </p:spPr>
+        <p:txBody>
+          <a:bodyPr wrap="square" rtlCol="0">
+            <a:spAutoFit/>
+          </a:bodyPr>
+          <a:lstStyle/>
+          <a:p>
+            <a:pPr algn="ctr"/>
+            <a:r>
+              <a:rPr lang="en-US" dirty="0"/>
+              <a:t>1. Top Region in India that sold the most cars is Mumbai</a:t>
+            </a:r>
+            <a:endParaRPr lang="en-AU" dirty="0"/>
+          </a:p>
+        </p:txBody>
+      </p:sp>
+      <p:sp>
+        <p:nvSpPr>
+          <p:cNvPr id="37" name="TextBox 36">
+            <a:extLst>
+              <a:ext uri="{FF2B5EF4-FFF2-40B4-BE49-F238E27FC236}">
+                <a16:creationId xmlns:a16="http://schemas.microsoft.com/office/drawing/2014/main" id="{8097C3F8-D470-69E3-09E2-F57BAF26E3F5}"/>
+              </a:ext>
+            </a:extLst>
+          </p:cNvPr>
+          <p:cNvSpPr txBox="1"/>
+          <p:nvPr/>
+        </p:nvSpPr>
+        <p:spPr>
+          <a:xfrm>
+            <a:off x="176303" y="4798188"/>
             <a:ext cx="3456384" cy="923330"/>
           </a:xfrm>
           <a:prstGeom prst="rect">
@@ -9966,18 +6322,19 @@
           <a:p>
             <a:pPr algn="ctr"/>
             <a:r>
-              <a:rPr lang="en-AU" dirty="0"/>
-              <a:t>Top 5 Used Cars in India were: Maruti, Hyundai, Honda, Toyota, Mercedes Benz</a:t>
-            </a:r>
-          </a:p>
-        </p:txBody>
-      </p:sp>
-      <p:sp>
-        <p:nvSpPr>
-          <p:cNvPr id="30" name="TextBox 29">
+              <a:rPr lang="en-US" dirty="0"/>
+              <a:t>4.Year, mileage, number of seats and power have a positive correlation with sale price</a:t>
+            </a:r>
+            <a:endParaRPr lang="en-AU" dirty="0"/>
+          </a:p>
+        </p:txBody>
+      </p:sp>
+      <p:sp>
+        <p:nvSpPr>
+          <p:cNvPr id="38" name="TextBox 37">
             <a:extLst>
               <a:ext uri="{FF2B5EF4-FFF2-40B4-BE49-F238E27FC236}">
-                <a16:creationId xmlns:a16="http://schemas.microsoft.com/office/drawing/2014/main" id="{60EB4746-2D8C-4F44-7927-323C6A5AFA19}"/>
+                <a16:creationId xmlns:a16="http://schemas.microsoft.com/office/drawing/2014/main" id="{295139AF-E238-82FF-53A2-DC4386DA4ED1}"/>
               </a:ext>
             </a:extLst>
           </p:cNvPr>
@@ -9986,8 +6343,8 @@
         </p:nvSpPr>
         <p:spPr>
           <a:xfrm>
-            <a:off x="8221958" y="4487790"/>
-            <a:ext cx="3456384" cy="576064"/>
+            <a:off x="170451" y="1302472"/>
+            <a:ext cx="3456384" cy="369332"/>
           </a:xfrm>
           <a:prstGeom prst="rect">
             <a:avLst/>
@@ -10005,16 +6362,21 @@
           </a:bodyPr>
           <a:lstStyle/>
           <a:p>
+            <a:pPr algn="ctr"/>
+            <a:r>
+              <a:rPr lang="en-US" dirty="0"/>
+              <a:t>2. Diesel is the preferred fuel type</a:t>
+            </a:r>
             <a:endParaRPr lang="en-AU" dirty="0"/>
           </a:p>
         </p:txBody>
       </p:sp>
       <p:sp>
         <p:nvSpPr>
-          <p:cNvPr id="32" name="TextBox 31">
+          <p:cNvPr id="3" name="TextBox 2">
             <a:extLst>
               <a:ext uri="{FF2B5EF4-FFF2-40B4-BE49-F238E27FC236}">
-                <a16:creationId xmlns:a16="http://schemas.microsoft.com/office/drawing/2014/main" id="{C4B49A4E-30DA-3349-0C52-326FDA32612C}"/>
+                <a16:creationId xmlns:a16="http://schemas.microsoft.com/office/drawing/2014/main" id="{7BA21274-36A0-7FF9-7045-B381E9BBB859}"/>
               </a:ext>
             </a:extLst>
           </p:cNvPr>
@@ -10023,18 +6385,13 @@
         </p:nvSpPr>
         <p:spPr>
           <a:xfrm>
-            <a:off x="4148589" y="952726"/>
-            <a:ext cx="3456384" cy="576064"/>
+            <a:off x="359828" y="5922201"/>
+            <a:ext cx="5153774" cy="707886"/>
           </a:xfrm>
           <a:prstGeom prst="rect">
             <a:avLst/>
           </a:prstGeom>
           <a:noFill/>
-          <a:ln>
-            <a:solidFill>
-              <a:schemeClr val="accent1"/>
-            </a:solidFill>
-          </a:ln>
         </p:spPr>
         <p:txBody>
           <a:bodyPr wrap="square" rtlCol="0">
@@ -10042,16 +6399,78 @@
           </a:bodyPr>
           <a:lstStyle/>
           <a:p>
-            <a:endParaRPr lang="en-AU" dirty="0"/>
-          </a:p>
-        </p:txBody>
-      </p:sp>
-      <p:sp>
-        <p:nvSpPr>
-          <p:cNvPr id="35" name="TextBox 34">
+            <a:pPr algn="l">
+              <a:buFont typeface="+mj-lt"/>
+              <a:buAutoNum type="arabicPeriod"/>
+            </a:pPr>
+            <a:r>
+              <a:rPr lang="en-US" sz="1000" b="0" i="0" dirty="0">
+                <a:solidFill>
+                  <a:srgbClr val="000000"/>
+                </a:solidFill>
+                <a:effectLst/>
+                <a:latin typeface="Helvetica Neue"/>
+              </a:rPr>
+              <a:t>What regions in India sold the highest number of used cars? : Mumbai </a:t>
+            </a:r>
+          </a:p>
+          <a:p>
+            <a:pPr algn="l">
+              <a:buFont typeface="+mj-lt"/>
+              <a:buAutoNum type="arabicPeriod"/>
+            </a:pPr>
+            <a:r>
+              <a:rPr lang="en-US" sz="1000" b="0" i="0" dirty="0">
+                <a:solidFill>
+                  <a:srgbClr val="000000"/>
+                </a:solidFill>
+                <a:effectLst/>
+                <a:latin typeface="Helvetica Neue"/>
+              </a:rPr>
+              <a:t>Does fuel type affect the car sale price? Data represented Diesel is the preferred fuel</a:t>
+            </a:r>
+          </a:p>
+          <a:p>
+            <a:pPr algn="l">
+              <a:buFont typeface="+mj-lt"/>
+              <a:buAutoNum type="arabicPeriod"/>
+            </a:pPr>
+            <a:r>
+              <a:rPr lang="en-US" sz="1000" b="0" i="0" dirty="0">
+                <a:solidFill>
+                  <a:srgbClr val="000000"/>
+                </a:solidFill>
+                <a:effectLst/>
+                <a:latin typeface="Helvetica Neue"/>
+              </a:rPr>
+              <a:t>Do electric cars make an impact on a sales</a:t>
+            </a:r>
+          </a:p>
+          <a:p>
+            <a:pPr algn="l">
+              <a:buFont typeface="+mj-lt"/>
+              <a:buAutoNum type="arabicPeriod"/>
+            </a:pPr>
+            <a:r>
+              <a:rPr lang="en-US" sz="1000" b="0" i="0" dirty="0">
+                <a:solidFill>
+                  <a:srgbClr val="000000"/>
+                </a:solidFill>
+                <a:effectLst/>
+                <a:latin typeface="Helvetica Neue"/>
+              </a:rPr>
+              <a:t>What are some other factors that share a connection to sales prices </a:t>
+            </a:r>
+            <a:endParaRPr lang="en-AU" sz="1000" dirty="0"/>
+          </a:p>
+        </p:txBody>
+      </p:sp>
+      <p:sp>
+        <p:nvSpPr>
+          <p:cNvPr id="7" name="TextBox 6">
             <a:extLst>
               <a:ext uri="{FF2B5EF4-FFF2-40B4-BE49-F238E27FC236}">
-                <a16:creationId xmlns:a16="http://schemas.microsoft.com/office/drawing/2014/main" id="{B3C04CA7-C5FA-F055-F770-751C3AE381D2}"/>
+                <a16:creationId xmlns:a16="http://schemas.microsoft.com/office/drawing/2014/main" id="{42DD676C-5A49-1C36-C8E8-CEAF21E501C0}"/>
               </a:ext>
             </a:extLst>
           </p:cNvPr>
@@ -10060,18 +6479,13 @@
         </p:nvSpPr>
         <p:spPr>
           <a:xfrm>
-            <a:off x="399480" y="1160748"/>
-            <a:ext cx="3456384" cy="576064"/>
+            <a:off x="7550956" y="5903436"/>
+            <a:ext cx="4104457" cy="861774"/>
           </a:xfrm>
           <a:prstGeom prst="rect">
             <a:avLst/>
           </a:prstGeom>
           <a:noFill/>
-          <a:ln>
-            <a:solidFill>
-              <a:schemeClr val="accent1"/>
-            </a:solidFill>
-          </a:ln>
         </p:spPr>
         <p:txBody>
           <a:bodyPr wrap="square" rtlCol="0">
@@ -10079,118 +6493,65 @@
           </a:bodyPr>
           <a:lstStyle/>
           <a:p>
-            <a:endParaRPr lang="en-AU" dirty="0"/>
-          </a:p>
-        </p:txBody>
-      </p:sp>
-      <p:sp>
-        <p:nvSpPr>
-          <p:cNvPr id="36" name="TextBox 35">
-            <a:extLst>
-              <a:ext uri="{FF2B5EF4-FFF2-40B4-BE49-F238E27FC236}">
-                <a16:creationId xmlns:a16="http://schemas.microsoft.com/office/drawing/2014/main" id="{DC62BF93-CC9D-D32B-13C5-60FB4CD2A9C7}"/>
-              </a:ext>
-            </a:extLst>
-          </p:cNvPr>
-          <p:cNvSpPr txBox="1"/>
-          <p:nvPr/>
-        </p:nvSpPr>
-        <p:spPr>
-          <a:xfrm>
-            <a:off x="247086" y="2918098"/>
-            <a:ext cx="2822989" cy="569218"/>
-          </a:xfrm>
-          <a:prstGeom prst="rect">
-            <a:avLst/>
-          </a:prstGeom>
-          <a:noFill/>
-          <a:ln>
-            <a:solidFill>
-              <a:schemeClr val="accent1"/>
-            </a:solidFill>
-          </a:ln>
-        </p:spPr>
-        <p:txBody>
-          <a:bodyPr wrap="square" rtlCol="0">
-            <a:spAutoFit/>
-          </a:bodyPr>
-          <a:lstStyle/>
-          <a:p>
-            <a:endParaRPr lang="en-AU" dirty="0"/>
-          </a:p>
-        </p:txBody>
-      </p:sp>
-      <p:sp>
-        <p:nvSpPr>
-          <p:cNvPr id="37" name="TextBox 36">
-            <a:extLst>
-              <a:ext uri="{FF2B5EF4-FFF2-40B4-BE49-F238E27FC236}">
-                <a16:creationId xmlns:a16="http://schemas.microsoft.com/office/drawing/2014/main" id="{8097C3F8-D470-69E3-09E2-F57BAF26E3F5}"/>
-              </a:ext>
-            </a:extLst>
-          </p:cNvPr>
-          <p:cNvSpPr txBox="1"/>
-          <p:nvPr/>
-        </p:nvSpPr>
-        <p:spPr>
-          <a:xfrm>
-            <a:off x="247087" y="4797153"/>
-            <a:ext cx="3456384" cy="576064"/>
-          </a:xfrm>
-          <a:prstGeom prst="rect">
-            <a:avLst/>
-          </a:prstGeom>
-          <a:noFill/>
-          <a:ln>
-            <a:solidFill>
-              <a:schemeClr val="accent1"/>
-            </a:solidFill>
-          </a:ln>
-        </p:spPr>
-        <p:txBody>
-          <a:bodyPr wrap="square" rtlCol="0">
-            <a:spAutoFit/>
-          </a:bodyPr>
-          <a:lstStyle/>
-          <a:p>
-            <a:endParaRPr lang="en-AU" dirty="0"/>
-          </a:p>
-        </p:txBody>
-      </p:sp>
-      <p:sp>
-        <p:nvSpPr>
-          <p:cNvPr id="38" name="TextBox 37">
-            <a:extLst>
-              <a:ext uri="{FF2B5EF4-FFF2-40B4-BE49-F238E27FC236}">
-                <a16:creationId xmlns:a16="http://schemas.microsoft.com/office/drawing/2014/main" id="{295139AF-E238-82FF-53A2-DC4386DA4ED1}"/>
-              </a:ext>
-            </a:extLst>
-          </p:cNvPr>
-          <p:cNvSpPr txBox="1"/>
-          <p:nvPr/>
-        </p:nvSpPr>
-        <p:spPr>
-          <a:xfrm>
-            <a:off x="3947249" y="5183975"/>
-            <a:ext cx="3456384" cy="576064"/>
-          </a:xfrm>
-          <a:prstGeom prst="rect">
-            <a:avLst/>
-          </a:prstGeom>
-          <a:noFill/>
-          <a:ln>
-            <a:solidFill>
-              <a:schemeClr val="accent1"/>
-            </a:solidFill>
-          </a:ln>
-        </p:spPr>
-        <p:txBody>
-          <a:bodyPr wrap="square" rtlCol="0">
-            <a:spAutoFit/>
-          </a:bodyPr>
-          <a:lstStyle/>
-          <a:p>
-            <a:endParaRPr lang="en-AU" dirty="0"/>
+            <a:pPr marL="171450" indent="-171450">
+              <a:buFont typeface="Arial" panose="020B0604020202020204" pitchFamily="34" charset="0"/>
+              <a:buChar char="•"/>
+            </a:pPr>
+            <a:r>
+              <a:rPr lang="en-AU" sz="1000" dirty="0">
+                <a:latin typeface="Helvetica Neue"/>
+              </a:rPr>
+              <a:t>Best Sellers Maruti, Hyundai, Honda, Toyota, Mercedes Benz</a:t>
+            </a:r>
+          </a:p>
+          <a:p>
+            <a:pPr marL="171450" indent="-171450">
+              <a:buFont typeface="Arial" panose="020B0604020202020204" pitchFamily="34" charset="0"/>
+              <a:buChar char="•"/>
+            </a:pPr>
+            <a:r>
+              <a:rPr lang="en-AU" sz="1000" dirty="0">
+                <a:latin typeface="Helvetica Neue"/>
+              </a:rPr>
+              <a:t> </a:t>
+            </a:r>
+            <a:r>
+              <a:rPr lang="en-US" sz="1000" dirty="0">
+                <a:latin typeface="Helvetica Neue"/>
+              </a:rPr>
+              <a:t>Price has a high correlation with Power</a:t>
+            </a:r>
+          </a:p>
+          <a:p>
+            <a:pPr marL="171450" indent="-171450">
+              <a:buFont typeface="Arial" panose="020B0604020202020204" pitchFamily="34" charset="0"/>
+              <a:buChar char="•"/>
+            </a:pPr>
+            <a:r>
+              <a:rPr lang="en-US" sz="1000" dirty="0">
+                <a:latin typeface="Helvetica Neue"/>
+              </a:rPr>
+              <a:t>Transmission &amp; Owner type are negatively correlated</a:t>
+            </a:r>
+          </a:p>
+          <a:p>
+            <a:pPr marL="171450" indent="-171450">
+              <a:buFont typeface="Arial" panose="020B0604020202020204" pitchFamily="34" charset="0"/>
+              <a:buChar char="•"/>
+            </a:pPr>
+            <a:r>
+              <a:rPr lang="en-US" sz="1000" dirty="0">
+                <a:latin typeface="Helvetica Neue"/>
+              </a:rPr>
+              <a:t>Manual Cars sold for less than automatic</a:t>
+            </a:r>
+          </a:p>
+          <a:p>
+            <a:pPr marL="171450" indent="-171450">
+              <a:buFont typeface="Arial" panose="020B0604020202020204" pitchFamily="34" charset="0"/>
+              <a:buChar char="•"/>
+            </a:pPr>
+            <a:endParaRPr lang="en-AU" sz="1000" dirty="0"/>
           </a:p>
         </p:txBody>
       </p:sp>
@@ -10198,378 +6559,6 @@
     <p:extLst>
       <p:ext uri="{BB962C8B-B14F-4D97-AF65-F5344CB8AC3E}">
         <p14:creationId xmlns:p14="http://schemas.microsoft.com/office/powerpoint/2010/main" val="4244490377"/>
-      </p:ext>
-    </p:extLst>
-  </p:cSld>
-  <p:clrMapOvr>
-    <a:masterClrMapping/>
-  </p:clrMapOvr>
-  <mc:AlternateContent xmlns:mc="http://schemas.openxmlformats.org/markup-compatibility/2006" xmlns:p14="http://schemas.microsoft.com/office/powerpoint/2010/main">
-    <mc:Choice Requires="p14">
-      <p:transition spd="med" p14:dur="700">
-        <p:fade/>
-      </p:transition>
-    </mc:Choice>
-    <mc:Fallback xmlns="">
-      <p:transition spd="med">
-        <p:fade/>
-      </p:transition>
-    </mc:Fallback>
-  </mc:AlternateContent>
-</p:sld>
-</file>
-
-<file path=ppt/slides/slide7.xml><?xml version="1.0" encoding="utf-8"?>
-<p:sld xmlns:a="http://schemas.openxmlformats.org/drawingml/2006/main" xmlns:r="http://schemas.openxmlformats.org/officeDocument/2006/relationships" xmlns:p="http://schemas.openxmlformats.org/presentationml/2006/main">
-  <p:cSld>
-    <p:spTree>
-      <p:nvGrpSpPr>
-        <p:cNvPr id="1" name=""/>
-        <p:cNvGrpSpPr/>
-        <p:nvPr/>
-      </p:nvGrpSpPr>
-      <p:grpSpPr>
-        <a:xfrm>
-          <a:off x="0" y="0"/>
-          <a:ext cx="0" cy="0"/>
-          <a:chOff x="0" y="0"/>
-          <a:chExt cx="0" cy="0"/>
-        </a:xfrm>
-      </p:grpSpPr>
-      <p:sp>
-        <p:nvSpPr>
-          <p:cNvPr id="2" name="Title 1"/>
-          <p:cNvSpPr>
-            <a:spLocks noGrp="1"/>
-          </p:cNvSpPr>
-          <p:nvPr>
-            <p:ph type="title"/>
-          </p:nvPr>
-        </p:nvSpPr>
-        <p:spPr/>
-        <p:txBody>
-          <a:bodyPr/>
-          <a:lstStyle/>
-          <a:p>
-            <a:r>
-              <a:rPr lang="en-US" dirty="0"/>
-              <a:t>Two Content Layout with Table</a:t>
-            </a:r>
-          </a:p>
-        </p:txBody>
-      </p:sp>
-      <p:sp>
-        <p:nvSpPr>
-          <p:cNvPr id="5" name="Content Placeholder 4"/>
-          <p:cNvSpPr>
-            <a:spLocks noGrp="1"/>
-          </p:cNvSpPr>
-          <p:nvPr>
-            <p:ph sz="half" idx="1"/>
-          </p:nvPr>
-        </p:nvSpPr>
-        <p:spPr/>
-        <p:txBody>
-          <a:bodyPr/>
-          <a:lstStyle/>
-          <a:p>
-            <a:r>
-              <a:rPr lang="en-US" dirty="0"/>
-              <a:t>First bullet point here</a:t>
-            </a:r>
-          </a:p>
-          <a:p>
-            <a:r>
-              <a:rPr lang="en-US" dirty="0"/>
-              <a:t>Second bullet point here</a:t>
-            </a:r>
-          </a:p>
-          <a:p>
-            <a:r>
-              <a:rPr lang="en-US" dirty="0"/>
-              <a:t>Third bullet point here</a:t>
-            </a:r>
-          </a:p>
-        </p:txBody>
-      </p:sp>
-      <p:graphicFrame>
-        <p:nvGraphicFramePr>
-          <p:cNvPr id="6" name="Content Placeholder 5"/>
-          <p:cNvGraphicFramePr>
-            <a:graphicFrameLocks noGrp="1"/>
-          </p:cNvGraphicFramePr>
-          <p:nvPr>
-            <p:ph sz="half" idx="2"/>
-            <p:extLst>
-              <p:ext uri="{D42A27DB-BD31-4B8C-83A1-F6EECF244321}">
-                <p14:modId xmlns:p14="http://schemas.microsoft.com/office/powerpoint/2010/main" val="3598439756"/>
-              </p:ext>
-            </p:extLst>
-          </p:nvPr>
-        </p:nvGraphicFramePr>
-        <p:xfrm>
-          <a:off x="6551613" y="685800"/>
-          <a:ext cx="5029200" cy="1905000"/>
-        </p:xfrm>
-        <a:graphic>
-          <a:graphicData uri="http://schemas.openxmlformats.org/drawingml/2006/table">
-            <a:tbl>
-              <a:tblPr firstRow="1" bandRow="1">
-                <a:tableStyleId>{5C22544A-7EE6-4342-B048-85BDC9FD1C3A}</a:tableStyleId>
-              </a:tblPr>
-              <a:tblGrid>
-                <a:gridCol w="1676400">
-                  <a:extLst>
-                    <a:ext uri="{9D8B030D-6E8A-4147-A177-3AD203B41FA5}">
-                      <a16:colId xmlns:a16="http://schemas.microsoft.com/office/drawing/2014/main" val="20000"/>
-                    </a:ext>
-                  </a:extLst>
-                </a:gridCol>
-                <a:gridCol w="1676400">
-                  <a:extLst>
-                    <a:ext uri="{9D8B030D-6E8A-4147-A177-3AD203B41FA5}">
-                      <a16:colId xmlns:a16="http://schemas.microsoft.com/office/drawing/2014/main" val="20001"/>
-                    </a:ext>
-                  </a:extLst>
-                </a:gridCol>
-                <a:gridCol w="1676400">
-                  <a:extLst>
-                    <a:ext uri="{9D8B030D-6E8A-4147-A177-3AD203B41FA5}">
-                      <a16:colId xmlns:a16="http://schemas.microsoft.com/office/drawing/2014/main" val="20002"/>
-                    </a:ext>
-                  </a:extLst>
-                </a:gridCol>
-              </a:tblGrid>
-              <a:tr h="476250">
-                <a:tc>
-                  <a:txBody>
-                    <a:bodyPr/>
-                    <a:lstStyle/>
-                    <a:p>
-                      <a:r>
-                        <a:rPr lang="en-US" dirty="0"/>
-                        <a:t>Class</a:t>
-                      </a:r>
-                    </a:p>
-                  </a:txBody>
-                  <a:tcPr anchor="ctr"/>
-                </a:tc>
-                <a:tc>
-                  <a:txBody>
-                    <a:bodyPr/>
-                    <a:lstStyle/>
-                    <a:p>
-                      <a:pPr algn="ctr"/>
-                      <a:r>
-                        <a:rPr lang="en-US" dirty="0"/>
-                        <a:t>Group A</a:t>
-                      </a:r>
-                    </a:p>
-                  </a:txBody>
-                  <a:tcPr anchor="ctr"/>
-                </a:tc>
-                <a:tc>
-                  <a:txBody>
-                    <a:bodyPr/>
-                    <a:lstStyle/>
-                    <a:p>
-                      <a:pPr algn="ctr"/>
-                      <a:r>
-                        <a:rPr lang="en-US" dirty="0"/>
-                        <a:t>Group B</a:t>
-                      </a:r>
-                    </a:p>
-                  </a:txBody>
-                  <a:tcPr anchor="ctr"/>
-                </a:tc>
-                <a:extLst>
-                  <a:ext uri="{0D108BD9-81ED-4DB2-BD59-A6C34878D82A}">
-                    <a16:rowId xmlns:a16="http://schemas.microsoft.com/office/drawing/2014/main" val="10000"/>
-                  </a:ext>
-                </a:extLst>
-              </a:tr>
-              <a:tr h="476250">
-                <a:tc>
-                  <a:txBody>
-                    <a:bodyPr/>
-                    <a:lstStyle/>
-                    <a:p>
-                      <a:r>
-                        <a:rPr lang="en-US" dirty="0"/>
-                        <a:t>Class 1</a:t>
-                      </a:r>
-                    </a:p>
-                  </a:txBody>
-                  <a:tcPr anchor="ctr"/>
-                </a:tc>
-                <a:tc>
-                  <a:txBody>
-                    <a:bodyPr/>
-                    <a:lstStyle/>
-                    <a:p>
-                      <a:pPr algn="ctr"/>
-                      <a:r>
-                        <a:rPr lang="en-US" dirty="0"/>
-                        <a:t>82</a:t>
-                      </a:r>
-                    </a:p>
-                  </a:txBody>
-                  <a:tcPr anchor="ctr"/>
-                </a:tc>
-                <a:tc>
-                  <a:txBody>
-                    <a:bodyPr/>
-                    <a:lstStyle/>
-                    <a:p>
-                      <a:pPr algn="ctr"/>
-                      <a:r>
-                        <a:rPr lang="en-US" dirty="0"/>
-                        <a:t>95</a:t>
-                      </a:r>
-                    </a:p>
-                  </a:txBody>
-                  <a:tcPr anchor="ctr"/>
-                </a:tc>
-                <a:extLst>
-                  <a:ext uri="{0D108BD9-81ED-4DB2-BD59-A6C34878D82A}">
-                    <a16:rowId xmlns:a16="http://schemas.microsoft.com/office/drawing/2014/main" val="10001"/>
-                  </a:ext>
-                </a:extLst>
-              </a:tr>
-              <a:tr h="476250">
-                <a:tc>
-                  <a:txBody>
-                    <a:bodyPr/>
-                    <a:lstStyle/>
-                    <a:p>
-                      <a:r>
-                        <a:rPr lang="en-US" dirty="0"/>
-                        <a:t>Class 2</a:t>
-                      </a:r>
-                    </a:p>
-                  </a:txBody>
-                  <a:tcPr anchor="ctr"/>
-                </a:tc>
-                <a:tc>
-                  <a:txBody>
-                    <a:bodyPr/>
-                    <a:lstStyle/>
-                    <a:p>
-                      <a:pPr algn="ctr"/>
-                      <a:r>
-                        <a:rPr lang="en-US" dirty="0"/>
-                        <a:t>76</a:t>
-                      </a:r>
-                    </a:p>
-                  </a:txBody>
-                  <a:tcPr anchor="ctr"/>
-                </a:tc>
-                <a:tc>
-                  <a:txBody>
-                    <a:bodyPr/>
-                    <a:lstStyle/>
-                    <a:p>
-                      <a:pPr algn="ctr"/>
-                      <a:r>
-                        <a:rPr lang="en-US" dirty="0"/>
-                        <a:t>88</a:t>
-                      </a:r>
-                    </a:p>
-                  </a:txBody>
-                  <a:tcPr anchor="ctr"/>
-                </a:tc>
-                <a:extLst>
-                  <a:ext uri="{0D108BD9-81ED-4DB2-BD59-A6C34878D82A}">
-                    <a16:rowId xmlns:a16="http://schemas.microsoft.com/office/drawing/2014/main" val="10002"/>
-                  </a:ext>
-                </a:extLst>
-              </a:tr>
-              <a:tr h="476250">
-                <a:tc>
-                  <a:txBody>
-                    <a:bodyPr/>
-                    <a:lstStyle/>
-                    <a:p>
-                      <a:r>
-                        <a:rPr lang="en-US" dirty="0"/>
-                        <a:t>Class 3</a:t>
-                      </a:r>
-                    </a:p>
-                  </a:txBody>
-                  <a:tcPr anchor="ctr"/>
-                </a:tc>
-                <a:tc>
-                  <a:txBody>
-                    <a:bodyPr/>
-                    <a:lstStyle/>
-                    <a:p>
-                      <a:pPr algn="ctr"/>
-                      <a:r>
-                        <a:rPr lang="en-US" dirty="0"/>
-                        <a:t>84</a:t>
-                      </a:r>
-                    </a:p>
-                  </a:txBody>
-                  <a:tcPr anchor="ctr"/>
-                </a:tc>
-                <a:tc>
-                  <a:txBody>
-                    <a:bodyPr/>
-                    <a:lstStyle/>
-                    <a:p>
-                      <a:pPr algn="ctr"/>
-                      <a:r>
-                        <a:rPr lang="en-US" dirty="0"/>
-                        <a:t>90</a:t>
-                      </a:r>
-                    </a:p>
-                  </a:txBody>
-                  <a:tcPr anchor="ctr"/>
-                </a:tc>
-                <a:extLst>
-                  <a:ext uri="{0D108BD9-81ED-4DB2-BD59-A6C34878D82A}">
-                    <a16:rowId xmlns:a16="http://schemas.microsoft.com/office/drawing/2014/main" val="10003"/>
-                  </a:ext>
-                </a:extLst>
-              </a:tr>
-            </a:tbl>
-          </a:graphicData>
-        </a:graphic>
-      </p:graphicFrame>
-      <p:pic>
-        <p:nvPicPr>
-          <p:cNvPr id="4" name="Picture 3">
-            <a:extLst>
-              <a:ext uri="{FF2B5EF4-FFF2-40B4-BE49-F238E27FC236}">
-                <a16:creationId xmlns:a16="http://schemas.microsoft.com/office/drawing/2014/main" id="{AEB531EE-AB4A-6E57-682C-EFD0C1656544}"/>
-              </a:ext>
-            </a:extLst>
-          </p:cNvPr>
-          <p:cNvPicPr>
-            <a:picLocks noChangeAspect="1"/>
-          </p:cNvPicPr>
-          <p:nvPr/>
-        </p:nvPicPr>
-        <p:blipFill>
-          <a:blip r:embed="rId2"/>
-          <a:stretch>
-            <a:fillRect/>
-          </a:stretch>
-        </p:blipFill>
-        <p:spPr>
-          <a:xfrm>
-            <a:off x="6814492" y="4077072"/>
-            <a:ext cx="4198984" cy="1303133"/>
-          </a:xfrm>
-          <a:prstGeom prst="rect">
-            <a:avLst/>
-          </a:prstGeom>
-        </p:spPr>
-      </p:pic>
-    </p:spTree>
-    <p:extLst>
-      <p:ext uri="{BB962C8B-B14F-4D97-AF65-F5344CB8AC3E}">
-        <p14:creationId xmlns:p14="http://schemas.microsoft.com/office/powerpoint/2010/main" val="981825283"/>
       </p:ext>
     </p:extLst>
   </p:cSld>
@@ -10608,180 +6597,331 @@
           <a:chExt cx="0" cy="0"/>
         </a:xfrm>
       </p:grpSpPr>
-      <p:sp>
-        <p:nvSpPr>
-          <p:cNvPr id="2" name="Title 1"/>
-          <p:cNvSpPr>
-            <a:spLocks noGrp="1"/>
-          </p:cNvSpPr>
-          <p:nvPr>
-            <p:ph type="title"/>
-          </p:nvPr>
-        </p:nvSpPr>
-        <p:spPr/>
-        <p:txBody>
-          <a:bodyPr/>
+      <p:pic>
+        <p:nvPicPr>
+          <p:cNvPr id="3" name="Picture 2">
+            <a:extLst>
+              <a:ext uri="{FF2B5EF4-FFF2-40B4-BE49-F238E27FC236}">
+                <a16:creationId xmlns:a16="http://schemas.microsoft.com/office/drawing/2014/main" id="{8CEBC6B6-B89D-B79B-FED5-062446F4A306}"/>
+              </a:ext>
+            </a:extLst>
+          </p:cNvPr>
+          <p:cNvPicPr>
+            <a:picLocks noChangeAspect="1"/>
+          </p:cNvPicPr>
+          <p:nvPr/>
+        </p:nvPicPr>
+        <p:blipFill rotWithShape="1">
+          <a:blip r:embed="rId2"/>
+          <a:srcRect l="13402" t="8318" r="12372" b="5393"/>
+          <a:stretch/>
+        </p:blipFill>
+        <p:spPr>
+          <a:xfrm>
+            <a:off x="151065" y="116632"/>
+            <a:ext cx="5184576" cy="4608512"/>
+          </a:xfrm>
+          <a:prstGeom prst="ellipse">
+            <a:avLst/>
+          </a:prstGeom>
+          <a:ln w="63500" cap="rnd">
+            <a:solidFill>
+              <a:srgbClr val="333333"/>
+            </a:solidFill>
+          </a:ln>
+          <a:effectLst>
+            <a:outerShdw blurRad="381000" dist="292100" dir="5400000" sx="-80000" sy="-18000" rotWithShape="0">
+              <a:srgbClr val="000000">
+                <a:alpha val="22000"/>
+              </a:srgbClr>
+            </a:outerShdw>
+          </a:effectLst>
+          <a:scene3d>
+            <a:camera prst="orthographicFront"/>
+            <a:lightRig rig="contrasting" dir="t">
+              <a:rot lat="0" lon="0" rev="3000000"/>
+            </a:lightRig>
+          </a:scene3d>
+          <a:sp3d contourW="7620">
+            <a:bevelT w="95250" h="31750"/>
+            <a:contourClr>
+              <a:srgbClr val="333333"/>
+            </a:contourClr>
+          </a:sp3d>
+        </p:spPr>
+      </p:pic>
+      <p:sp>
+        <p:nvSpPr>
+          <p:cNvPr id="6" name="TextBox 5">
+            <a:extLst>
+              <a:ext uri="{FF2B5EF4-FFF2-40B4-BE49-F238E27FC236}">
+                <a16:creationId xmlns:a16="http://schemas.microsoft.com/office/drawing/2014/main" id="{220CD59F-6F23-168F-DAC8-9B29E9559D65}"/>
+              </a:ext>
+            </a:extLst>
+          </p:cNvPr>
+          <p:cNvSpPr txBox="1"/>
+          <p:nvPr/>
+        </p:nvSpPr>
+        <p:spPr>
+          <a:xfrm>
+            <a:off x="5198763" y="404371"/>
+            <a:ext cx="6408712" cy="1200329"/>
+          </a:xfrm>
+          <a:prstGeom prst="rect">
+            <a:avLst/>
+          </a:prstGeom>
+          <a:noFill/>
+        </p:spPr>
+        <p:txBody>
+          <a:bodyPr wrap="square" rtlCol="0">
+            <a:spAutoFit/>
+          </a:bodyPr>
           <a:lstStyle/>
           <a:p>
             <a:r>
               <a:rPr lang="en-US" dirty="0"/>
-              <a:t>Two Content Layout with SmartArt</a:t>
-            </a:r>
-          </a:p>
-        </p:txBody>
-      </p:sp>
+              <a:t>Facts &amp; Stats: </a:t>
+            </a:r>
+          </a:p>
+          <a:p>
+            <a:endParaRPr lang="en-US" dirty="0"/>
+          </a:p>
+          <a:p>
+            <a:endParaRPr lang="en-US" dirty="0"/>
+          </a:p>
+          <a:p>
+            <a:r>
+              <a:rPr lang="en-US" dirty="0"/>
+              <a:t> </a:t>
+            </a:r>
+            <a:endParaRPr lang="en-AU" dirty="0"/>
+          </a:p>
+        </p:txBody>
+      </p:sp>
+      <p:pic>
+        <p:nvPicPr>
+          <p:cNvPr id="8" name="Picture 7">
+            <a:extLst>
+              <a:ext uri="{FF2B5EF4-FFF2-40B4-BE49-F238E27FC236}">
+                <a16:creationId xmlns:a16="http://schemas.microsoft.com/office/drawing/2014/main" id="{1736CB2B-47C1-1C07-2C88-D8B4D3E1CD45}"/>
+              </a:ext>
+            </a:extLst>
+          </p:cNvPr>
+          <p:cNvPicPr>
+            <a:picLocks noChangeAspect="1"/>
+          </p:cNvPicPr>
+          <p:nvPr/>
+        </p:nvPicPr>
+        <p:blipFill>
+          <a:blip r:embed="rId3"/>
+          <a:stretch>
+            <a:fillRect/>
+          </a:stretch>
+        </p:blipFill>
+        <p:spPr>
+          <a:xfrm>
+            <a:off x="5478343" y="3165364"/>
+            <a:ext cx="5992254" cy="2276793"/>
+          </a:xfrm>
+          <a:prstGeom prst="rect">
+            <a:avLst/>
+          </a:prstGeom>
+        </p:spPr>
+      </p:pic>
       <p:graphicFrame>
         <p:nvGraphicFramePr>
-          <p:cNvPr id="4" name="Content Placeholder 3" descr="Vertical Bullet List showing 3 groups arranged one below the other and bullet points are present under each group"/>
+          <p:cNvPr id="9" name="Table 9">
+            <a:extLst>
+              <a:ext uri="{FF2B5EF4-FFF2-40B4-BE49-F238E27FC236}">
+                <a16:creationId xmlns:a16="http://schemas.microsoft.com/office/drawing/2014/main" id="{50846A7D-1B05-1123-2AA2-17D3DDD7D0F9}"/>
+              </a:ext>
+            </a:extLst>
+          </p:cNvPr>
           <p:cNvGraphicFramePr>
             <a:graphicFrameLocks noGrp="1"/>
           </p:cNvGraphicFramePr>
           <p:nvPr>
-            <p:ph sz="half" idx="1"/>
             <p:extLst>
               <p:ext uri="{D42A27DB-BD31-4B8C-83A1-F6EECF244321}">
-                <p14:modId xmlns:p14="http://schemas.microsoft.com/office/powerpoint/2010/main" val="3922947962"/>
+                <p14:modId xmlns:p14="http://schemas.microsoft.com/office/powerpoint/2010/main" val="3836703356"/>
               </p:ext>
             </p:extLst>
           </p:nvPr>
         </p:nvGraphicFramePr>
         <p:xfrm>
-          <a:off x="1293813" y="685800"/>
-          <a:ext cx="5029200" cy="4191000"/>
+          <a:off x="5511210" y="764704"/>
+          <a:ext cx="5959387" cy="2400660"/>
         </p:xfrm>
         <a:graphic>
-          <a:graphicData uri="http://schemas.openxmlformats.org/drawingml/2006/diagram">
-            <dgm:relIds xmlns:dgm="http://schemas.openxmlformats.org/drawingml/2006/diagram" xmlns:r="http://schemas.openxmlformats.org/officeDocument/2006/relationships" r:dm="rId2" r:lo="rId3" r:qs="rId4" r:cs="rId5"/>
-          </a:graphicData>
-        </a:graphic>
-      </p:graphicFrame>
-      <p:sp>
-        <p:nvSpPr>
-          <p:cNvPr id="6" name="Content Placeholder 5"/>
-          <p:cNvSpPr>
-            <a:spLocks noGrp="1"/>
-          </p:cNvSpPr>
-          <p:nvPr>
-            <p:ph sz="half" idx="2"/>
-          </p:nvPr>
-        </p:nvSpPr>
-        <p:spPr/>
-        <p:txBody>
-          <a:bodyPr/>
-          <a:lstStyle/>
-          <a:p>
-            <a:r>
-              <a:rPr lang="en-US" dirty="0"/>
-              <a:t>First bullet point here</a:t>
-            </a:r>
-          </a:p>
-          <a:p>
-            <a:r>
-              <a:rPr lang="en-US" dirty="0"/>
-              <a:t>Second bullet point here</a:t>
-            </a:r>
-          </a:p>
-          <a:p>
-            <a:r>
-              <a:rPr lang="en-US" dirty="0"/>
-              <a:t>Third bullet point here</a:t>
-            </a:r>
-          </a:p>
-        </p:txBody>
-      </p:sp>
-    </p:spTree>
-    <p:extLst>
-      <p:ext uri="{BB962C8B-B14F-4D97-AF65-F5344CB8AC3E}">
-        <p14:creationId xmlns:p14="http://schemas.microsoft.com/office/powerpoint/2010/main" val="3488869952"/>
-      </p:ext>
-    </p:extLst>
-  </p:cSld>
-  <p:clrMapOvr>
-    <a:masterClrMapping/>
-  </p:clrMapOvr>
-  <mc:AlternateContent xmlns:mc="http://schemas.openxmlformats.org/markup-compatibility/2006" xmlns:p14="http://schemas.microsoft.com/office/powerpoint/2010/main">
-    <mc:Choice Requires="p14">
-      <p:transition spd="med" p14:dur="700">
-        <p:fade/>
-      </p:transition>
-    </mc:Choice>
-    <mc:Fallback xmlns="">
-      <p:transition spd="med">
-        <p:fade/>
-      </p:transition>
-    </mc:Fallback>
-  </mc:AlternateContent>
-</p:sld>
-</file>
-
-<file path=ppt/slides/slide9.xml><?xml version="1.0" encoding="utf-8"?>
-<p:sld xmlns:a="http://schemas.openxmlformats.org/drawingml/2006/main" xmlns:r="http://schemas.openxmlformats.org/officeDocument/2006/relationships" xmlns:p="http://schemas.openxmlformats.org/presentationml/2006/main">
-  <p:cSld>
-    <p:spTree>
-      <p:nvGrpSpPr>
-        <p:cNvPr id="1" name=""/>
-        <p:cNvGrpSpPr/>
-        <p:nvPr/>
-      </p:nvGrpSpPr>
-      <p:grpSpPr>
-        <a:xfrm>
-          <a:off x="0" y="0"/>
-          <a:ext cx="0" cy="0"/>
-          <a:chOff x="0" y="0"/>
-          <a:chExt cx="0" cy="0"/>
-        </a:xfrm>
-      </p:grpSpPr>
-      <p:sp>
-        <p:nvSpPr>
-          <p:cNvPr id="2" name="Title 1"/>
-          <p:cNvSpPr>
-            <a:spLocks noGrp="1"/>
-          </p:cNvSpPr>
-          <p:nvPr>
-            <p:ph type="title"/>
-          </p:nvPr>
-        </p:nvSpPr>
-        <p:spPr/>
-        <p:txBody>
-          <a:bodyPr/>
-          <a:lstStyle/>
-          <a:p>
-            <a:r>
-              <a:rPr lang="en-US" dirty="0"/>
-              <a:t>Title and Content Layout with Chart</a:t>
-            </a:r>
-          </a:p>
-        </p:txBody>
-      </p:sp>
-      <p:graphicFrame>
-        <p:nvGraphicFramePr>
-          <p:cNvPr id="7" name="Content Placeholder 6" descr="Clustered column chart representing&#10;2 series and 1 line combination chart for 4 categories"/>
-          <p:cNvGraphicFramePr>
-            <a:graphicFrameLocks noGrp="1"/>
-          </p:cNvGraphicFramePr>
-          <p:nvPr>
-            <p:ph idx="1"/>
-            <p:extLst>
-              <p:ext uri="{D42A27DB-BD31-4B8C-83A1-F6EECF244321}">
-                <p14:modId xmlns:p14="http://schemas.microsoft.com/office/powerpoint/2010/main" val="4068632819"/>
-              </p:ext>
-            </p:extLst>
-          </p:nvPr>
-        </p:nvGraphicFramePr>
-        <p:xfrm>
-          <a:off x="1293813" y="685800"/>
-          <a:ext cx="10287000" cy="4191000"/>
-        </p:xfrm>
-        <a:graphic>
-          <a:graphicData uri="http://schemas.openxmlformats.org/drawingml/2006/chart">
-            <c:chart xmlns:c="http://schemas.openxmlformats.org/drawingml/2006/chart" xmlns:r="http://schemas.openxmlformats.org/officeDocument/2006/relationships" r:id="rId2"/>
+          <a:graphicData uri="http://schemas.openxmlformats.org/drawingml/2006/table">
+            <a:tbl>
+              <a:tblPr firstRow="1" bandRow="1">
+                <a:tableStyleId>{21E4AEA4-8DFA-4A89-87EB-49C32662AFE0}</a:tableStyleId>
+              </a:tblPr>
+              <a:tblGrid>
+                <a:gridCol w="2905439">
+                  <a:extLst>
+                    <a:ext uri="{9D8B030D-6E8A-4147-A177-3AD203B41FA5}">
+                      <a16:colId xmlns:a16="http://schemas.microsoft.com/office/drawing/2014/main" val="219638525"/>
+                    </a:ext>
+                  </a:extLst>
+                </a:gridCol>
+                <a:gridCol w="3053948">
+                  <a:extLst>
+                    <a:ext uri="{9D8B030D-6E8A-4147-A177-3AD203B41FA5}">
+                      <a16:colId xmlns:a16="http://schemas.microsoft.com/office/drawing/2014/main" val="2028128845"/>
+                    </a:ext>
+                  </a:extLst>
+                </a:gridCol>
+              </a:tblGrid>
+              <a:tr h="600165">
+                <a:tc>
+                  <a:txBody>
+                    <a:bodyPr/>
+                    <a:lstStyle/>
+                    <a:p>
+                      <a:r>
+                        <a:rPr lang="en-US" dirty="0"/>
+                        <a:t>Statistic</a:t>
+                      </a:r>
+                      <a:endParaRPr lang="en-AU" dirty="0"/>
+                    </a:p>
+                  </a:txBody>
+                  <a:tcPr/>
+                </a:tc>
+                <a:tc>
+                  <a:txBody>
+                    <a:bodyPr/>
+                    <a:lstStyle/>
+                    <a:p>
+                      <a:r>
+                        <a:rPr lang="en-US" dirty="0"/>
+                        <a:t>Value</a:t>
+                      </a:r>
+                      <a:endParaRPr lang="en-AU" dirty="0"/>
+                    </a:p>
+                  </a:txBody>
+                  <a:tcPr/>
+                </a:tc>
+                <a:extLst>
+                  <a:ext uri="{0D108BD9-81ED-4DB2-BD59-A6C34878D82A}">
+                    <a16:rowId xmlns:a16="http://schemas.microsoft.com/office/drawing/2014/main" val="3243644883"/>
+                  </a:ext>
+                </a:extLst>
+              </a:tr>
+              <a:tr h="600165">
+                <a:tc>
+                  <a:txBody>
+                    <a:bodyPr/>
+                    <a:lstStyle/>
+                    <a:p>
+                      <a:r>
+                        <a:rPr lang="en-US" dirty="0"/>
+                        <a:t>Adj R Squared Value</a:t>
+                      </a:r>
+                      <a:endParaRPr lang="en-AU" dirty="0"/>
+                    </a:p>
+                  </a:txBody>
+                  <a:tcPr/>
+                </a:tc>
+                <a:tc>
+                  <a:txBody>
+                    <a:bodyPr/>
+                    <a:lstStyle/>
+                    <a:p>
+                      <a:r>
+                        <a:rPr lang="en-US" dirty="0"/>
+                        <a:t>.953</a:t>
+                      </a:r>
+                      <a:endParaRPr lang="en-AU" dirty="0"/>
+                    </a:p>
+                  </a:txBody>
+                  <a:tcPr/>
+                </a:tc>
+                <a:extLst>
+                  <a:ext uri="{0D108BD9-81ED-4DB2-BD59-A6C34878D82A}">
+                    <a16:rowId xmlns:a16="http://schemas.microsoft.com/office/drawing/2014/main" val="3296189787"/>
+                  </a:ext>
+                </a:extLst>
+              </a:tr>
+              <a:tr h="600165">
+                <a:tc>
+                  <a:txBody>
+                    <a:bodyPr/>
+                    <a:lstStyle/>
+                    <a:p>
+                      <a:r>
+                        <a:rPr lang="en-US" dirty="0"/>
+                        <a:t>F Statistic </a:t>
+                      </a:r>
+                      <a:endParaRPr lang="en-AU" dirty="0"/>
+                    </a:p>
+                  </a:txBody>
+                  <a:tcPr/>
+                </a:tc>
+                <a:tc>
+                  <a:txBody>
+                    <a:bodyPr/>
+                    <a:lstStyle/>
+                    <a:p>
+                      <a:r>
+                        <a:rPr lang="en-US" dirty="0"/>
+                        <a:t>1.033</a:t>
+                      </a:r>
+                      <a:endParaRPr lang="en-AU" dirty="0"/>
+                    </a:p>
+                  </a:txBody>
+                  <a:tcPr/>
+                </a:tc>
+                <a:extLst>
+                  <a:ext uri="{0D108BD9-81ED-4DB2-BD59-A6C34878D82A}">
+                    <a16:rowId xmlns:a16="http://schemas.microsoft.com/office/drawing/2014/main" val="634883149"/>
+                  </a:ext>
+                </a:extLst>
+              </a:tr>
+              <a:tr h="600165">
+                <a:tc>
+                  <a:txBody>
+                    <a:bodyPr/>
+                    <a:lstStyle/>
+                    <a:p>
+                      <a:r>
+                        <a:rPr lang="en-US" dirty="0"/>
+                        <a:t>P-Value</a:t>
+                      </a:r>
+                      <a:endParaRPr lang="en-AU" dirty="0"/>
+                    </a:p>
+                  </a:txBody>
+                  <a:tcPr/>
+                </a:tc>
+                <a:tc>
+                  <a:txBody>
+                    <a:bodyPr/>
+                    <a:lstStyle/>
+                    <a:p>
+                      <a:r>
+                        <a:rPr lang="en-US" dirty="0"/>
+                        <a:t>.201</a:t>
+                      </a:r>
+                      <a:endParaRPr lang="en-AU" dirty="0"/>
+                    </a:p>
+                  </a:txBody>
+                  <a:tcPr/>
+                </a:tc>
+                <a:extLst>
+                  <a:ext uri="{0D108BD9-81ED-4DB2-BD59-A6C34878D82A}">
+                    <a16:rowId xmlns:a16="http://schemas.microsoft.com/office/drawing/2014/main" val="4276520115"/>
+                  </a:ext>
+                </a:extLst>
+              </a:tr>
+            </a:tbl>
           </a:graphicData>
         </a:graphic>
       </p:graphicFrame>
     </p:spTree>
     <p:extLst>
       <p:ext uri="{BB962C8B-B14F-4D97-AF65-F5344CB8AC3E}">
-        <p14:creationId xmlns:p14="http://schemas.microsoft.com/office/powerpoint/2010/main" val="2655166946"/>
+        <p14:creationId xmlns:p14="http://schemas.microsoft.com/office/powerpoint/2010/main" val="3033507961"/>
       </p:ext>
     </p:extLst>
   </p:cSld>

--- a/Capstone.pptx
+++ b/Capstone.pptx
@@ -12,13 +12,13 @@
   </p:handoutMasterIdLst>
   <p:sldIdLst>
     <p:sldId id="256" r:id="rId2"/>
-    <p:sldId id="270" r:id="rId3"/>
+    <p:sldId id="258" r:id="rId3"/>
     <p:sldId id="277" r:id="rId4"/>
-    <p:sldId id="258" r:id="rId5"/>
-    <p:sldId id="261" r:id="rId6"/>
-    <p:sldId id="275" r:id="rId7"/>
-    <p:sldId id="266" r:id="rId8"/>
-    <p:sldId id="276" r:id="rId9"/>
+    <p:sldId id="278" r:id="rId5"/>
+    <p:sldId id="279" r:id="rId6"/>
+    <p:sldId id="266" r:id="rId7"/>
+    <p:sldId id="275" r:id="rId8"/>
+    <p:sldId id="280" r:id="rId9"/>
   </p:sldIdLst>
   <p:sldSz cx="12188825" cy="6858000"/>
   <p:notesSz cx="6858000" cy="9144000"/>
@@ -199,7 +199,7 @@
             </a:lvl1pPr>
           </a:lstStyle>
           <a:p>
-            <a:endParaRPr/>
+            <a:endParaRPr dirty="0"/>
           </a:p>
         </p:txBody>
       </p:sp>
@@ -232,9 +232,9 @@
           <a:p>
             <a:fld id="{AC8CEC3D-96F7-401F-9673-3EE7F75C9C5B}" type="datetimeFigureOut">
               <a:rPr lang="en-US"/>
-              <a:t>6/11/2022</a:t>
+              <a:t>6/12/2022</a:t>
             </a:fld>
-            <a:endParaRPr/>
+            <a:endParaRPr dirty="0"/>
           </a:p>
         </p:txBody>
       </p:sp>
@@ -265,7 +265,7 @@
             </a:lvl1pPr>
           </a:lstStyle>
           <a:p>
-            <a:endParaRPr/>
+            <a:endParaRPr dirty="0"/>
           </a:p>
         </p:txBody>
       </p:sp>
@@ -300,7 +300,7 @@
               <a:rPr/>
               <a:t>‹#›</a:t>
             </a:fld>
-            <a:endParaRPr/>
+            <a:endParaRPr dirty="0"/>
           </a:p>
         </p:txBody>
       </p:sp>
@@ -364,7 +364,7 @@
             </a:lvl1pPr>
           </a:lstStyle>
           <a:p>
-            <a:endParaRPr/>
+            <a:endParaRPr dirty="0"/>
           </a:p>
         </p:txBody>
       </p:sp>
@@ -397,9 +397,9 @@
           <a:p>
             <a:fld id="{F032BCF4-D26D-4DAF-9F57-FE1E61FE7935}" type="datetimeFigureOut">
               <a:rPr lang="en-US"/>
-              <a:t>6/11/2022</a:t>
+              <a:t>6/12/2022</a:t>
             </a:fld>
-            <a:endParaRPr/>
+            <a:endParaRPr dirty="0"/>
           </a:p>
         </p:txBody>
       </p:sp>
@@ -432,7 +432,7 @@
           <a:bodyPr vert="horz" lIns="91440" tIns="45720" rIns="91440" bIns="45720" rtlCol="0" anchor="ctr"/>
           <a:lstStyle/>
           <a:p>
-            <a:endParaRPr/>
+            <a:endParaRPr dirty="0"/>
           </a:p>
         </p:txBody>
       </p:sp>
@@ -517,7 +517,7 @@
             </a:lvl1pPr>
           </a:lstStyle>
           <a:p>
-            <a:endParaRPr/>
+            <a:endParaRPr dirty="0"/>
           </a:p>
         </p:txBody>
       </p:sp>
@@ -552,7 +552,7 @@
               <a:rPr/>
               <a:t>‹#›</a:t>
             </a:fld>
-            <a:endParaRPr/>
+            <a:endParaRPr dirty="0"/>
           </a:p>
         </p:txBody>
       </p:sp>
@@ -726,7 +726,7 @@
               <a:rPr lang="en-AU" smtClean="0"/>
               <a:t>3</a:t>
             </a:fld>
-            <a:endParaRPr lang="en-AU"/>
+            <a:endParaRPr lang="en-AU" dirty="0"/>
           </a:p>
         </p:txBody>
       </p:sp>
@@ -787,119 +787,6 @@
           <a:bodyPr/>
           <a:lstStyle/>
           <a:p>
-            <a:r>
-              <a:rPr lang="en-AU" dirty="0"/>
-              <a:t>#Import the necessary libraries.</a:t>
-            </a:r>
-          </a:p>
-          <a:p>
-            <a:r>
-              <a:rPr lang="en-AU" dirty="0"/>
-              <a:t>import warnings</a:t>
-            </a:r>
-          </a:p>
-          <a:p>
-            <a:r>
-              <a:rPr lang="en-AU" dirty="0" err="1"/>
-              <a:t>warnings.filterwarnings</a:t>
-            </a:r>
-            <a:r>
-              <a:rPr lang="en-AU" dirty="0"/>
-              <a:t>("ignore")</a:t>
-            </a:r>
-          </a:p>
-          <a:p>
-            <a:r>
-              <a:rPr lang="en-AU" dirty="0"/>
-              <a:t>%matplotlib inline</a:t>
-            </a:r>
-          </a:p>
-          <a:p>
-            <a:r>
-              <a:rPr lang="en-AU" dirty="0"/>
-              <a:t>import </a:t>
-            </a:r>
-            <a:r>
-              <a:rPr lang="en-AU" dirty="0" err="1"/>
-              <a:t>numpy</a:t>
-            </a:r>
-            <a:r>
-              <a:rPr lang="en-AU" dirty="0"/>
-              <a:t> as np</a:t>
-            </a:r>
-          </a:p>
-          <a:p>
-            <a:r>
-              <a:rPr lang="en-AU" dirty="0"/>
-              <a:t>import pandas as p</a:t>
-            </a:r>
-          </a:p>
-          <a:p>
-            <a:r>
-              <a:rPr lang="en-AU" dirty="0"/>
-              <a:t>from matplotlib import </a:t>
-            </a:r>
-            <a:r>
-              <a:rPr lang="en-AU" dirty="0" err="1"/>
-              <a:t>pyplot</a:t>
-            </a:r>
-            <a:r>
-              <a:rPr lang="en-AU" dirty="0"/>
-              <a:t> as </a:t>
-            </a:r>
-            <a:r>
-              <a:rPr lang="en-AU" dirty="0" err="1"/>
-              <a:t>plt</a:t>
-            </a:r>
-            <a:endParaRPr lang="en-AU" dirty="0"/>
-          </a:p>
-          <a:p>
-            <a:r>
-              <a:rPr lang="en-AU" dirty="0"/>
-              <a:t>import seaborn as </a:t>
-            </a:r>
-            <a:r>
-              <a:rPr lang="en-AU" dirty="0" err="1"/>
-              <a:t>sns</a:t>
-            </a:r>
-            <a:endParaRPr lang="en-AU" dirty="0"/>
-          </a:p>
-          <a:p>
-            <a:r>
-              <a:rPr lang="en-AU" dirty="0"/>
-              <a:t>#from </a:t>
-            </a:r>
-            <a:r>
-              <a:rPr lang="en-AU" dirty="0" err="1"/>
-              <a:t>sklearn.model_selection</a:t>
-            </a:r>
-            <a:r>
-              <a:rPr lang="en-AU" dirty="0"/>
-              <a:t> import </a:t>
-            </a:r>
-            <a:r>
-              <a:rPr lang="en-AU" dirty="0" err="1"/>
-              <a:t>train_test_split</a:t>
-            </a:r>
-            <a:endParaRPr lang="en-AU" dirty="0"/>
-          </a:p>
-          <a:p>
-            <a:r>
-              <a:rPr lang="en-AU" dirty="0"/>
-              <a:t>#from </a:t>
-            </a:r>
-            <a:r>
-              <a:rPr lang="en-AU" dirty="0" err="1"/>
-              <a:t>sklearn.linear_model</a:t>
-            </a:r>
-            <a:r>
-              <a:rPr lang="en-AU" dirty="0"/>
-              <a:t> import </a:t>
-            </a:r>
-            <a:r>
-              <a:rPr lang="en-AU" dirty="0" err="1"/>
-              <a:t>LinearRegression</a:t>
-            </a:r>
             <a:endParaRPr lang="en-AU" dirty="0"/>
           </a:p>
         </p:txBody>
@@ -921,9 +808,9 @@
           <a:p>
             <a:fld id="{5FB91549-43BF-425A-AF25-75262019208C}" type="slidenum">
               <a:rPr lang="en-AU" smtClean="0"/>
-              <a:t>7</a:t>
+              <a:t>6</a:t>
             </a:fld>
-            <a:endParaRPr lang="en-AU"/>
+            <a:endParaRPr lang="en-AU" dirty="0"/>
           </a:p>
         </p:txBody>
       </p:sp>
@@ -1165,9 +1052,9 @@
             <a:fld id="{81C93FC7-9D1A-468B-98DB-D1E8D74418D9}" type="datetimeFigureOut">
               <a:rPr lang="en-US"/>
               <a:pPr/>
-              <a:t>6/11/2022</a:t>
+              <a:t>6/12/2022</a:t>
             </a:fld>
-            <a:endParaRPr/>
+            <a:endParaRPr dirty="0"/>
           </a:p>
         </p:txBody>
       </p:sp>
@@ -1213,7 +1100,7 @@
               <a:pPr/>
               <a:t>‹#›</a:t>
             </a:fld>
-            <a:endParaRPr/>
+            <a:endParaRPr dirty="0"/>
           </a:p>
         </p:txBody>
       </p:sp>
@@ -1367,9 +1254,9 @@
           <a:p>
             <a:fld id="{81C93FC7-9D1A-468B-98DB-D1E8D74418D9}" type="datetimeFigureOut">
               <a:rPr lang="en-US"/>
-              <a:t>6/11/2022</a:t>
+              <a:t>6/12/2022</a:t>
             </a:fld>
-            <a:endParaRPr/>
+            <a:endParaRPr dirty="0"/>
           </a:p>
         </p:txBody>
       </p:sp>
@@ -1415,7 +1302,7 @@
               <a:rPr/>
               <a:t>‹#›</a:t>
             </a:fld>
-            <a:endParaRPr/>
+            <a:endParaRPr dirty="0"/>
           </a:p>
         </p:txBody>
       </p:sp>
@@ -1579,9 +1466,9 @@
           <a:p>
             <a:fld id="{81C93FC7-9D1A-468B-98DB-D1E8D74418D9}" type="datetimeFigureOut">
               <a:rPr lang="en-US"/>
-              <a:t>6/11/2022</a:t>
+              <a:t>6/12/2022</a:t>
             </a:fld>
-            <a:endParaRPr/>
+            <a:endParaRPr dirty="0"/>
           </a:p>
         </p:txBody>
       </p:sp>
@@ -1627,7 +1514,7 @@
               <a:rPr/>
               <a:t>‹#›</a:t>
             </a:fld>
-            <a:endParaRPr/>
+            <a:endParaRPr dirty="0"/>
           </a:p>
         </p:txBody>
       </p:sp>
@@ -1781,9 +1668,9 @@
           <a:p>
             <a:fld id="{81C93FC7-9D1A-468B-98DB-D1E8D74418D9}" type="datetimeFigureOut">
               <a:rPr lang="en-US"/>
-              <a:t>6/11/2022</a:t>
+              <a:t>6/12/2022</a:t>
             </a:fld>
-            <a:endParaRPr/>
+            <a:endParaRPr dirty="0"/>
           </a:p>
         </p:txBody>
       </p:sp>
@@ -1828,7 +1715,7 @@
               <a:rPr/>
               <a:t>‹#›</a:t>
             </a:fld>
-            <a:endParaRPr/>
+            <a:endParaRPr dirty="0"/>
           </a:p>
         </p:txBody>
       </p:sp>
@@ -2048,9 +1935,9 @@
             <a:fld id="{81C93FC7-9D1A-468B-98DB-D1E8D74418D9}" type="datetimeFigureOut">
               <a:rPr lang="en-US"/>
               <a:pPr/>
-              <a:t>6/11/2022</a:t>
+              <a:t>6/12/2022</a:t>
             </a:fld>
-            <a:endParaRPr/>
+            <a:endParaRPr dirty="0"/>
           </a:p>
         </p:txBody>
       </p:sp>
@@ -2097,7 +1984,7 @@
               <a:pPr/>
               <a:t>‹#›</a:t>
             </a:fld>
-            <a:endParaRPr/>
+            <a:endParaRPr dirty="0"/>
           </a:p>
         </p:txBody>
       </p:sp>
@@ -2353,9 +2240,9 @@
           <a:p>
             <a:fld id="{81C93FC7-9D1A-468B-98DB-D1E8D74418D9}" type="datetimeFigureOut">
               <a:rPr lang="en-US"/>
-              <a:t>6/11/2022</a:t>
+              <a:t>6/12/2022</a:t>
             </a:fld>
-            <a:endParaRPr/>
+            <a:endParaRPr dirty="0"/>
           </a:p>
         </p:txBody>
       </p:sp>
@@ -2401,7 +2288,7 @@
               <a:rPr/>
               <a:t>‹#›</a:t>
             </a:fld>
-            <a:endParaRPr/>
+            <a:endParaRPr dirty="0"/>
           </a:p>
         </p:txBody>
       </p:sp>
@@ -2801,9 +2688,9 @@
           <a:p>
             <a:fld id="{81C93FC7-9D1A-468B-98DB-D1E8D74418D9}" type="datetimeFigureOut">
               <a:rPr lang="en-US"/>
-              <a:t>6/11/2022</a:t>
+              <a:t>6/12/2022</a:t>
             </a:fld>
-            <a:endParaRPr/>
+            <a:endParaRPr dirty="0"/>
           </a:p>
         </p:txBody>
       </p:sp>
@@ -2849,7 +2736,7 @@
               <a:rPr/>
               <a:t>‹#›</a:t>
             </a:fld>
-            <a:endParaRPr/>
+            <a:endParaRPr dirty="0"/>
           </a:p>
         </p:txBody>
       </p:sp>
@@ -2935,9 +2822,9 @@
           <a:p>
             <a:fld id="{81C93FC7-9D1A-468B-98DB-D1E8D74418D9}" type="datetimeFigureOut">
               <a:rPr lang="en-US"/>
-              <a:t>6/11/2022</a:t>
+              <a:t>6/12/2022</a:t>
             </a:fld>
-            <a:endParaRPr/>
+            <a:endParaRPr dirty="0"/>
           </a:p>
         </p:txBody>
       </p:sp>
@@ -2983,7 +2870,7 @@
               <a:rPr/>
               <a:t>‹#›</a:t>
             </a:fld>
-            <a:endParaRPr/>
+            <a:endParaRPr dirty="0"/>
           </a:p>
         </p:txBody>
       </p:sp>
@@ -3046,9 +2933,9 @@
           <a:p>
             <a:fld id="{81C93FC7-9D1A-468B-98DB-D1E8D74418D9}" type="datetimeFigureOut">
               <a:rPr lang="en-US"/>
-              <a:t>6/11/2022</a:t>
+              <a:t>6/12/2022</a:t>
             </a:fld>
-            <a:endParaRPr/>
+            <a:endParaRPr dirty="0"/>
           </a:p>
         </p:txBody>
       </p:sp>
@@ -3094,7 +2981,7 @@
               <a:rPr/>
               <a:t>‹#›</a:t>
             </a:fld>
-            <a:endParaRPr/>
+            <a:endParaRPr dirty="0"/>
           </a:p>
         </p:txBody>
       </p:sp>
@@ -3348,9 +3235,9 @@
           <a:p>
             <a:fld id="{81C93FC7-9D1A-468B-98DB-D1E8D74418D9}" type="datetimeFigureOut">
               <a:rPr lang="en-US"/>
-              <a:t>6/11/2022</a:t>
+              <a:t>6/12/2022</a:t>
             </a:fld>
-            <a:endParaRPr/>
+            <a:endParaRPr dirty="0"/>
           </a:p>
         </p:txBody>
       </p:sp>
@@ -3396,7 +3283,7 @@
               <a:rPr/>
               <a:t>‹#›</a:t>
             </a:fld>
-            <a:endParaRPr/>
+            <a:endParaRPr dirty="0"/>
           </a:p>
         </p:txBody>
       </p:sp>
@@ -3540,10 +3427,10 @@
           </a:lstStyle>
           <a:p>
             <a:r>
-              <a:rPr lang="en-US"/>
+              <a:rPr lang="en-US" dirty="0"/>
               <a:t>Click icon to add picture</a:t>
             </a:r>
-            <a:endParaRPr/>
+            <a:endParaRPr dirty="0"/>
           </a:p>
         </p:txBody>
       </p:sp>
@@ -3638,9 +3525,9 @@
           <a:p>
             <a:fld id="{81C93FC7-9D1A-468B-98DB-D1E8D74418D9}" type="datetimeFigureOut">
               <a:rPr lang="en-US"/>
-              <a:t>6/11/2022</a:t>
+              <a:t>6/12/2022</a:t>
             </a:fld>
-            <a:endParaRPr/>
+            <a:endParaRPr dirty="0"/>
           </a:p>
         </p:txBody>
       </p:sp>
@@ -3686,7 +3573,7 @@
               <a:rPr/>
               <a:t>‹#›</a:t>
             </a:fld>
-            <a:endParaRPr/>
+            <a:endParaRPr dirty="0"/>
           </a:p>
         </p:txBody>
       </p:sp>
@@ -3869,7 +3756,7 @@
             <a:fld id="{81C93FC7-9D1A-468B-98DB-D1E8D74418D9}" type="datetimeFigureOut">
               <a:rPr lang="en-US" smtClean="0"/>
               <a:pPr/>
-              <a:t>6/11/2022</a:t>
+              <a:t>6/12/2022</a:t>
             </a:fld>
             <a:endParaRPr lang="en-US" dirty="0"/>
           </a:p>
@@ -3955,7 +3842,7 @@
               <a:pPr/>
               <a:t>‹#›</a:t>
             </a:fld>
-            <a:endParaRPr lang="en-US"/>
+            <a:endParaRPr lang="en-US" dirty="0"/>
           </a:p>
         </p:txBody>
       </p:sp>
@@ -4335,7 +4222,7 @@
         </p:nvSpPr>
         <p:spPr>
           <a:xfrm>
-            <a:off x="-242292" y="116632"/>
+            <a:off x="37356" y="133337"/>
             <a:ext cx="4466456" cy="1584176"/>
           </a:xfrm>
         </p:spPr>
@@ -4363,7 +4250,7 @@
         </p:nvSpPr>
         <p:spPr>
           <a:xfrm>
-            <a:off x="693812" y="1988840"/>
+            <a:off x="802804" y="2600199"/>
             <a:ext cx="2736304" cy="762000"/>
           </a:xfrm>
         </p:spPr>
@@ -4398,7 +4285,7 @@
         </p:nvSpPr>
         <p:spPr>
           <a:xfrm>
-            <a:off x="802804" y="1527175"/>
+            <a:off x="982824" y="1996536"/>
             <a:ext cx="2376264" cy="461665"/>
           </a:xfrm>
           <a:prstGeom prst="rect">
@@ -4491,22 +4378,22 @@
           <a:lstStyle/>
           <a:p>
             <a:r>
-              <a:rPr lang="en-AU" sz="900">
+              <a:rPr lang="en-AU" sz="900" dirty="0">
                 <a:hlinkClick r:id="rId3" tooltip="https://www.pngall.com/lotus-car-png"/>
               </a:rPr>
               <a:t>This Photo</a:t>
             </a:r>
             <a:r>
-              <a:rPr lang="en-AU" sz="900"/>
+              <a:rPr lang="en-AU" sz="900" dirty="0"/>
               <a:t> by Unknown Author is licensed under </a:t>
             </a:r>
             <a:r>
-              <a:rPr lang="en-AU" sz="900">
+              <a:rPr lang="en-AU" sz="900" dirty="0">
                 <a:hlinkClick r:id="rId4" tooltip="https://creativecommons.org/licenses/by-nc/3.0/"/>
               </a:rPr>
               <a:t>CC BY-NC</a:t>
             </a:r>
-            <a:endParaRPr lang="en-AU" sz="900"/>
+            <a:endParaRPr lang="en-AU" sz="900" dirty="0"/>
           </a:p>
         </p:txBody>
       </p:sp>
@@ -4554,7 +4441,7 @@
       </p:grpSpPr>
       <p:sp>
         <p:nvSpPr>
-          <p:cNvPr id="13" name="Title 12"/>
+          <p:cNvPr id="2" name="Title 1"/>
           <p:cNvSpPr>
             <a:spLocks noGrp="1"/>
           </p:cNvSpPr>
@@ -4564,8 +4451,8 @@
         </p:nvSpPr>
         <p:spPr>
           <a:xfrm>
-            <a:off x="477788" y="260648"/>
-            <a:ext cx="10971372" cy="1066800"/>
+            <a:off x="405780" y="332656"/>
+            <a:ext cx="10225136" cy="864096"/>
           </a:xfrm>
         </p:spPr>
         <p:txBody>
@@ -4574,80 +4461,194 @@
           <a:p>
             <a:r>
               <a:rPr lang="en-US" dirty="0"/>
-              <a:t>Overview</a:t>
-            </a:r>
-          </a:p>
-        </p:txBody>
-      </p:sp>
-      <p:sp>
-        <p:nvSpPr>
-          <p:cNvPr id="14" name="Content Placeholder 13"/>
-          <p:cNvSpPr>
-            <a:spLocks noGrp="1"/>
-          </p:cNvSpPr>
-          <p:nvPr>
-            <p:ph idx="1"/>
+              <a:t>Discussion Points </a:t>
+            </a:r>
+          </a:p>
+        </p:txBody>
+      </p:sp>
+      <p:sp>
+        <p:nvSpPr>
+          <p:cNvPr id="3" name="Text Placeholder 2"/>
+          <p:cNvSpPr>
+            <a:spLocks noGrp="1"/>
+          </p:cNvSpPr>
+          <p:nvPr>
+            <p:ph type="body" idx="1"/>
           </p:nvPr>
         </p:nvSpPr>
         <p:spPr>
           <a:xfrm>
-            <a:off x="477788" y="1484784"/>
-            <a:ext cx="10971372" cy="4623047"/>
+            <a:off x="333772" y="1628800"/>
+            <a:ext cx="5400600" cy="3600400"/>
           </a:xfrm>
         </p:spPr>
         <p:txBody>
           <a:bodyPr>
-            <a:normAutofit/>
+            <a:normAutofit fontScale="25000" lnSpcReduction="20000"/>
           </a:bodyPr>
           <a:lstStyle/>
           <a:p>
-            <a:pPr marL="0" indent="0">
-              <a:buNone/>
+            <a:pPr marL="342900" indent="-342900">
+              <a:buFont typeface="Arial" panose="020B0604020202020204" pitchFamily="34" charset="0"/>
+              <a:buChar char="•"/>
             </a:pPr>
-            <a:r>
-              <a:rPr lang="en-US" dirty="0"/>
-              <a:t>In this multiple linear regression project we will review a used car data set. </a:t>
-            </a:r>
-          </a:p>
-          <a:p>
-            <a:pPr marL="0" indent="0">
-              <a:buNone/>
+            <a:endParaRPr lang="en-US" dirty="0">
+              <a:solidFill>
+                <a:schemeClr val="accent1"/>
+              </a:solidFill>
+            </a:endParaRPr>
+          </a:p>
+          <a:p>
+            <a:pPr marL="342900" indent="-342900">
+              <a:lnSpc>
+                <a:spcPct val="170000"/>
+              </a:lnSpc>
+              <a:buFont typeface="Arial" panose="020B0604020202020204" pitchFamily="34" charset="0"/>
+              <a:buChar char="•"/>
             </a:pPr>
             <a:r>
-              <a:rPr lang="en-US" dirty="0"/>
-              <a:t>The insights gathered will be used to address the following questions: </a:t>
-            </a:r>
-          </a:p>
-          <a:p>
-            <a:r>
-              <a:rPr lang="en-US" dirty="0"/>
-              <a:t>fuel type affect car price?  dependent variable</a:t>
-            </a:r>
-          </a:p>
-          <a:p>
-            <a:r>
-              <a:rPr lang="en-US" dirty="0"/>
-              <a:t>Define the variables which share high correlation to the sale price based on region. </a:t>
-            </a:r>
-          </a:p>
-          <a:p>
-            <a:r>
-              <a:rPr lang="en-US" dirty="0"/>
-              <a:t>Are there any Electric cars in the dataset, and do they make an impact on overall result?</a:t>
-            </a:r>
-          </a:p>
-          <a:p>
-            <a:r>
-              <a:rPr lang="en-US" dirty="0"/>
-              <a:t>Any additional insights will be used to train and educate the staff </a:t>
-            </a:r>
-          </a:p>
-        </p:txBody>
-      </p:sp>
+              <a:rPr lang="en-US" sz="9800" dirty="0">
+                <a:solidFill>
+                  <a:schemeClr val="accent1"/>
+                </a:solidFill>
+              </a:rPr>
+              <a:t>Business Problems data aims to solve</a:t>
+            </a:r>
+          </a:p>
+          <a:p>
+            <a:pPr marL="342900" indent="-342900">
+              <a:lnSpc>
+                <a:spcPct val="170000"/>
+              </a:lnSpc>
+              <a:buFont typeface="Arial" panose="020B0604020202020204" pitchFamily="34" charset="0"/>
+              <a:buChar char="•"/>
+            </a:pPr>
+            <a:r>
+              <a:rPr lang="en-US" sz="9800" dirty="0">
+                <a:solidFill>
+                  <a:schemeClr val="accent1"/>
+                </a:solidFill>
+              </a:rPr>
+              <a:t>Data </a:t>
+            </a:r>
+          </a:p>
+          <a:p>
+            <a:pPr marL="342900" indent="-342900">
+              <a:lnSpc>
+                <a:spcPct val="170000"/>
+              </a:lnSpc>
+              <a:buFont typeface="Arial" panose="020B0604020202020204" pitchFamily="34" charset="0"/>
+              <a:buChar char="•"/>
+            </a:pPr>
+            <a:r>
+              <a:rPr lang="en-US" sz="9800" dirty="0">
+                <a:solidFill>
+                  <a:schemeClr val="accent1"/>
+                </a:solidFill>
+              </a:rPr>
+              <a:t>Process Methods Used</a:t>
+            </a:r>
+          </a:p>
+          <a:p>
+            <a:pPr marL="342900" indent="-342900">
+              <a:lnSpc>
+                <a:spcPct val="170000"/>
+              </a:lnSpc>
+              <a:buFont typeface="Arial" panose="020B0604020202020204" pitchFamily="34" charset="0"/>
+              <a:buChar char="•"/>
+            </a:pPr>
+            <a:r>
+              <a:rPr lang="en-US" sz="9800" dirty="0">
+                <a:solidFill>
+                  <a:schemeClr val="accent1"/>
+                </a:solidFill>
+              </a:rPr>
+              <a:t>Visualizations</a:t>
+            </a:r>
+          </a:p>
+          <a:p>
+            <a:pPr marL="342900" indent="-342900">
+              <a:lnSpc>
+                <a:spcPct val="170000"/>
+              </a:lnSpc>
+              <a:buFont typeface="Arial" panose="020B0604020202020204" pitchFamily="34" charset="0"/>
+              <a:buChar char="•"/>
+            </a:pPr>
+            <a:r>
+              <a:rPr lang="en-US" sz="9800" dirty="0">
+                <a:solidFill>
+                  <a:schemeClr val="accent1"/>
+                </a:solidFill>
+              </a:rPr>
+              <a:t>Results </a:t>
+            </a:r>
+          </a:p>
+          <a:p>
+            <a:pPr marL="342900" indent="-342900">
+              <a:lnSpc>
+                <a:spcPct val="170000"/>
+              </a:lnSpc>
+              <a:buFont typeface="Arial" panose="020B0604020202020204" pitchFamily="34" charset="0"/>
+              <a:buChar char="•"/>
+            </a:pPr>
+            <a:r>
+              <a:rPr lang="en-US" sz="9800" dirty="0">
+                <a:solidFill>
+                  <a:schemeClr val="accent1"/>
+                </a:solidFill>
+              </a:rPr>
+              <a:t>Summarize Conclusions</a:t>
+            </a:r>
+          </a:p>
+          <a:p>
+            <a:pPr marL="342900" indent="-342900">
+              <a:buFont typeface="Arial" panose="020B0604020202020204" pitchFamily="34" charset="0"/>
+              <a:buChar char="•"/>
+            </a:pPr>
+            <a:endParaRPr lang="en-US" dirty="0"/>
+          </a:p>
+        </p:txBody>
+      </p:sp>
+      <p:pic>
+        <p:nvPicPr>
+          <p:cNvPr id="5" name="Picture 4">
+            <a:extLst>
+              <a:ext uri="{FF2B5EF4-FFF2-40B4-BE49-F238E27FC236}">
+                <a16:creationId xmlns:a16="http://schemas.microsoft.com/office/drawing/2014/main" id="{C762DD0C-AF74-AB1E-DC3C-25D5C675AFBE}"/>
+              </a:ext>
+            </a:extLst>
+          </p:cNvPr>
+          <p:cNvPicPr>
+            <a:picLocks noChangeAspect="1"/>
+          </p:cNvPicPr>
+          <p:nvPr/>
+        </p:nvPicPr>
+        <p:blipFill>
+          <a:blip r:embed="rId2">
+            <a:extLst>
+              <a:ext uri="{28A0092B-C50C-407E-A947-70E740481C1C}">
+                <a14:useLocalDpi xmlns:a14="http://schemas.microsoft.com/office/drawing/2010/main" val="0"/>
+              </a:ext>
+            </a:extLst>
+          </a:blip>
+          <a:stretch>
+            <a:fillRect/>
+          </a:stretch>
+        </p:blipFill>
+        <p:spPr>
+          <a:xfrm>
+            <a:off x="5878388" y="49306"/>
+            <a:ext cx="6233371" cy="4938464"/>
+          </a:xfrm>
+          <a:prstGeom prst="rect">
+            <a:avLst/>
+          </a:prstGeom>
+        </p:spPr>
+      </p:pic>
     </p:spTree>
     <p:extLst>
       <p:ext uri="{BB962C8B-B14F-4D97-AF65-F5344CB8AC3E}">
-        <p14:creationId xmlns:p14="http://schemas.microsoft.com/office/powerpoint/2010/main" val="1126723429"/>
+        <p14:creationId xmlns:p14="http://schemas.microsoft.com/office/powerpoint/2010/main" val="423498839"/>
       </p:ext>
     </p:extLst>
   </p:cSld>
@@ -4704,8 +4705,8 @@
         </p:nvSpPr>
         <p:spPr>
           <a:xfrm>
-            <a:off x="531861" y="260648"/>
-            <a:ext cx="10971372" cy="1066800"/>
+            <a:off x="383713" y="249430"/>
+            <a:ext cx="10971372" cy="634752"/>
           </a:xfrm>
         </p:spPr>
         <p:txBody>
@@ -4720,132 +4721,432 @@
           </a:p>
         </p:txBody>
       </p:sp>
-      <p:sp>
-        <p:nvSpPr>
-          <p:cNvPr id="3" name="Content Placeholder 2">
+      <mc:AlternateContent xmlns:mc="http://schemas.openxmlformats.org/markup-compatibility/2006" xmlns:a14="http://schemas.microsoft.com/office/drawing/2010/main">
+        <mc:Choice Requires="a14">
+          <p:sp>
+            <p:nvSpPr>
+              <p:cNvPr id="3" name="Content Placeholder 2">
+                <a:extLst>
+                  <a:ext uri="{FF2B5EF4-FFF2-40B4-BE49-F238E27FC236}">
+                    <a16:creationId xmlns:a16="http://schemas.microsoft.com/office/drawing/2014/main" id="{8FD888A8-FD0A-45AE-B181-13AB20C74FF2}"/>
+                  </a:ext>
+                </a:extLst>
+              </p:cNvPr>
+              <p:cNvSpPr>
+                <a:spLocks noGrp="1"/>
+              </p:cNvSpPr>
+              <p:nvPr>
+                <p:ph idx="1"/>
+              </p:nvPr>
+            </p:nvSpPr>
+            <p:spPr>
+              <a:xfrm>
+                <a:off x="477788" y="1196752"/>
+                <a:ext cx="11113867" cy="5411818"/>
+              </a:xfrm>
+            </p:spPr>
+            <p:txBody>
+              <a:bodyPr>
+                <a:normAutofit fontScale="55000" lnSpcReduction="20000"/>
+              </a:bodyPr>
+              <a:lstStyle/>
+              <a:p>
+                <a:pPr marL="0" indent="0" algn="l">
+                  <a:buNone/>
+                </a:pPr>
+                <a:r>
+                  <a:rPr lang="en-US" b="0" i="0" dirty="0">
+                    <a:solidFill>
+                      <a:srgbClr val="000000"/>
+                    </a:solidFill>
+                    <a:effectLst/>
+                    <a:latin typeface="Helvetica Neue"/>
+                  </a:rPr>
+                  <a:t>Used Car Lot</a:t>
+                </a:r>
+                <a14:m>
+                  <m:oMath xmlns:m="http://schemas.openxmlformats.org/officeDocument/2006/math">
+                    <m:r>
+                      <a:rPr lang="en-US" b="0" i="1" smtClean="0">
+                        <a:solidFill>
+                          <a:srgbClr val="000000"/>
+                        </a:solidFill>
+                        <a:effectLst/>
+                        <a:latin typeface="Cambria Math" panose="02040503050406030204" pitchFamily="18" charset="0"/>
+                      </a:rPr>
+                      <m:t>™</m:t>
+                    </m:r>
+                  </m:oMath>
+                </a14:m>
+                <a:r>
+                  <a:rPr lang="en-US" b="0" i="0" dirty="0">
+                    <a:solidFill>
+                      <a:srgbClr val="000000"/>
+                    </a:solidFill>
+                    <a:effectLst/>
+                    <a:latin typeface="Helvetica Neue"/>
+                  </a:rPr>
+                  <a:t> is a car sales company running for 2 years as a local business in India. The General Manager has requested some information about second hand car sales in the </a:t>
+                </a:r>
+                <a:r>
+                  <a:rPr lang="en-US" dirty="0">
+                    <a:solidFill>
+                      <a:srgbClr val="000000"/>
+                    </a:solidFill>
+                    <a:latin typeface="Helvetica Neue"/>
+                  </a:rPr>
+                  <a:t>local </a:t>
+                </a:r>
+                <a:r>
+                  <a:rPr lang="en-US" b="0" i="0" dirty="0">
+                    <a:solidFill>
+                      <a:srgbClr val="000000"/>
+                    </a:solidFill>
+                    <a:effectLst/>
+                    <a:latin typeface="Helvetica Neue"/>
+                  </a:rPr>
+                  <a:t>regions. With fuel prices increasing and economic uncertainty important questions were asked so that business can maintain profitability. </a:t>
+                </a:r>
+              </a:p>
+              <a:p>
+                <a:pPr algn="l">
+                  <a:buFont typeface="+mj-lt"/>
+                  <a:buAutoNum type="arabicPeriod"/>
+                </a:pPr>
+                <a:r>
+                  <a:rPr lang="en-US" b="0" i="0" dirty="0">
+                    <a:solidFill>
+                      <a:srgbClr val="000000"/>
+                    </a:solidFill>
+                    <a:effectLst/>
+                    <a:latin typeface="Helvetica Neue"/>
+                  </a:rPr>
+                  <a:t>What regions in India sold the highest number of used cars?</a:t>
+                </a:r>
+              </a:p>
+              <a:p>
+                <a:pPr algn="l">
+                  <a:buFont typeface="+mj-lt"/>
+                  <a:buAutoNum type="arabicPeriod"/>
+                </a:pPr>
+                <a:r>
+                  <a:rPr lang="en-US" b="0" i="0" dirty="0">
+                    <a:solidFill>
+                      <a:srgbClr val="000000"/>
+                    </a:solidFill>
+                    <a:effectLst/>
+                    <a:latin typeface="Helvetica Neue"/>
+                  </a:rPr>
+                  <a:t>Does fuel type affect the car sale price?</a:t>
+                </a:r>
+              </a:p>
+              <a:p>
+                <a:pPr algn="l">
+                  <a:buFont typeface="+mj-lt"/>
+                  <a:buAutoNum type="arabicPeriod"/>
+                </a:pPr>
+                <a:r>
+                  <a:rPr lang="en-US" b="0" i="0" dirty="0">
+                    <a:solidFill>
+                      <a:srgbClr val="000000"/>
+                    </a:solidFill>
+                    <a:effectLst/>
+                    <a:latin typeface="Helvetica Neue"/>
+                  </a:rPr>
+                  <a:t>Do electric cars make an impact on a sales? </a:t>
+                </a:r>
+              </a:p>
+              <a:p>
+                <a:pPr algn="l">
+                  <a:buFont typeface="+mj-lt"/>
+                  <a:buAutoNum type="arabicPeriod"/>
+                </a:pPr>
+                <a:r>
+                  <a:rPr lang="en-US" b="0" i="0" dirty="0">
+                    <a:solidFill>
+                      <a:srgbClr val="000000"/>
+                    </a:solidFill>
+                    <a:effectLst/>
+                    <a:latin typeface="Helvetica Neue"/>
+                  </a:rPr>
+                  <a:t>What type of transmission sold the most? </a:t>
+                </a:r>
+              </a:p>
+              <a:p>
+                <a:pPr algn="l">
+                  <a:buFont typeface="+mj-lt"/>
+                  <a:buAutoNum type="arabicPeriod"/>
+                </a:pPr>
+                <a:r>
+                  <a:rPr lang="en-US" b="0" i="0" dirty="0">
+                    <a:solidFill>
+                      <a:srgbClr val="000000"/>
+                    </a:solidFill>
+                    <a:effectLst/>
+                    <a:latin typeface="Helvetica Neue"/>
+                  </a:rPr>
+                  <a:t>What are some other factors that share a connection to sales prices?</a:t>
+                </a:r>
+              </a:p>
+              <a:p>
+                <a:pPr marL="0" indent="0" algn="l">
+                  <a:buNone/>
+                </a:pPr>
+                <a:r>
+                  <a:rPr lang="en-US" b="0" i="0" dirty="0">
+                    <a:solidFill>
+                      <a:srgbClr val="000000"/>
+                    </a:solidFill>
+                    <a:effectLst/>
+                    <a:latin typeface="Helvetica Neue"/>
+                  </a:rPr>
+                  <a:t>From this analysis we intend on building a multiple linear regression </a:t>
+                </a:r>
+                <a:r>
+                  <a:rPr lang="en-US" dirty="0">
+                    <a:solidFill>
+                      <a:srgbClr val="000000"/>
+                    </a:solidFill>
+                    <a:latin typeface="Helvetica Neue"/>
+                  </a:rPr>
+                  <a:t>model to understand </a:t>
+                </a:r>
+                <a:r>
+                  <a:rPr lang="en-US" b="0" i="0" dirty="0">
+                    <a:solidFill>
+                      <a:srgbClr val="000000"/>
+                    </a:solidFill>
+                    <a:effectLst/>
+                    <a:latin typeface="Helvetica Neue"/>
+                  </a:rPr>
+                  <a:t>the relationships of the variables to the sale price. </a:t>
+                </a:r>
+              </a:p>
+              <a:p>
+                <a:pPr marL="0" indent="0" algn="l">
+                  <a:buNone/>
+                </a:pPr>
+                <a:r>
+                  <a:rPr lang="en-US" dirty="0">
+                    <a:solidFill>
+                      <a:srgbClr val="000000"/>
+                    </a:solidFill>
+                    <a:latin typeface="Helvetica Neue"/>
+                  </a:rPr>
+                  <a:t>What leads to higher used car sales? 1. Fuel type or 2. Transmission? </a:t>
+                </a:r>
+              </a:p>
+              <a:p>
+                <a:pPr marL="0" indent="0" algn="l">
+                  <a:buNone/>
+                </a:pPr>
+                <a:r>
+                  <a:rPr lang="en-US" b="0" i="0" dirty="0">
+                    <a:solidFill>
+                      <a:srgbClr val="000000"/>
+                    </a:solidFill>
+                    <a:effectLst/>
+                    <a:latin typeface="Helvetica Neue"/>
+                  </a:rPr>
+                  <a:t>	 	        Used Car </a:t>
+                </a:r>
+              </a:p>
+              <a:p>
+                <a:pPr marL="0" indent="0" algn="l">
+                  <a:buNone/>
+                </a:pPr>
+                <a:r>
+                  <a:rPr lang="en-US" b="0" i="0" dirty="0">
+                    <a:solidFill>
+                      <a:srgbClr val="000000"/>
+                    </a:solidFill>
+                    <a:effectLst/>
+                    <a:latin typeface="Helvetica Neue"/>
+                  </a:rPr>
+                  <a:t>.		          Sales 				</a:t>
+                </a:r>
+              </a:p>
+              <a:p>
+                <a:pPr marL="0" indent="0" algn="l">
+                  <a:buNone/>
+                </a:pPr>
+                <a:endParaRPr lang="en-US" dirty="0">
+                  <a:solidFill>
+                    <a:srgbClr val="000000"/>
+                  </a:solidFill>
+                  <a:latin typeface="Helvetica Neue"/>
+                </a:endParaRPr>
+              </a:p>
+              <a:p>
+                <a:pPr marL="0" indent="0" algn="l">
+                  <a:buNone/>
+                </a:pPr>
+                <a:r>
+                  <a:rPr lang="en-US" dirty="0">
+                    <a:solidFill>
+                      <a:srgbClr val="000000"/>
+                    </a:solidFill>
+                    <a:latin typeface="Helvetica Neue"/>
+                  </a:rPr>
+                  <a:t>             Fuel Type? 	                           Transmission? 		</a:t>
+                </a:r>
+              </a:p>
+              <a:p>
+                <a:pPr marL="0" indent="0" algn="l">
+                  <a:buNone/>
+                </a:pPr>
+                <a:endParaRPr lang="en-US" b="0" i="0" dirty="0">
+                  <a:solidFill>
+                    <a:srgbClr val="000000"/>
+                  </a:solidFill>
+                  <a:effectLst/>
+                  <a:latin typeface="Helvetica Neue"/>
+                </a:endParaRPr>
+              </a:p>
+              <a:p>
+                <a:pPr marL="0" indent="0" algn="l">
+                  <a:buNone/>
+                </a:pPr>
+                <a:endParaRPr lang="en-US" b="0" i="0" dirty="0">
+                  <a:solidFill>
+                    <a:srgbClr val="000000"/>
+                  </a:solidFill>
+                  <a:effectLst/>
+                  <a:latin typeface="Helvetica Neue"/>
+                </a:endParaRPr>
+              </a:p>
+              <a:p>
+                <a:endParaRPr lang="en-AU" dirty="0"/>
+              </a:p>
+            </p:txBody>
+          </p:sp>
+        </mc:Choice>
+        <mc:Fallback xmlns="">
+          <p:sp>
+            <p:nvSpPr>
+              <p:cNvPr id="3" name="Content Placeholder 2">
+                <a:extLst>
+                  <a:ext uri="{FF2B5EF4-FFF2-40B4-BE49-F238E27FC236}">
+                    <a16:creationId xmlns:a16="http://schemas.microsoft.com/office/drawing/2014/main" id="{8FD888A8-FD0A-45AE-B181-13AB20C74FF2}"/>
+                  </a:ext>
+                </a:extLst>
+              </p:cNvPr>
+              <p:cNvSpPr>
+                <a:spLocks noGrp="1" noRot="1" noChangeAspect="1" noMove="1" noResize="1" noEditPoints="1" noAdjustHandles="1" noChangeArrowheads="1" noChangeShapeType="1" noTextEdit="1"/>
+              </p:cNvSpPr>
+              <p:nvPr>
+                <p:ph idx="1"/>
+              </p:nvPr>
+            </p:nvSpPr>
+            <p:spPr>
+              <a:xfrm>
+                <a:off x="477788" y="1196752"/>
+                <a:ext cx="11113867" cy="5411818"/>
+              </a:xfrm>
+              <a:blipFill>
+                <a:blip r:embed="rId3"/>
+                <a:stretch>
+                  <a:fillRect l="-219" t="-1351"/>
+                </a:stretch>
+              </a:blipFill>
+            </p:spPr>
+            <p:txBody>
+              <a:bodyPr/>
+              <a:lstStyle/>
+              <a:p>
+                <a:r>
+                  <a:rPr lang="en-AU">
+                    <a:noFill/>
+                  </a:rPr>
+                  <a:t> </a:t>
+                </a:r>
+              </a:p>
+            </p:txBody>
+          </p:sp>
+        </mc:Fallback>
+      </mc:AlternateContent>
+      <p:cxnSp>
+        <p:nvCxnSpPr>
+          <p:cNvPr id="5" name="Straight Arrow Connector 4">
             <a:extLst>
               <a:ext uri="{FF2B5EF4-FFF2-40B4-BE49-F238E27FC236}">
-                <a16:creationId xmlns:a16="http://schemas.microsoft.com/office/drawing/2014/main" id="{8FD888A8-FD0A-45AE-B181-13AB20C74FF2}"/>
+                <a16:creationId xmlns:a16="http://schemas.microsoft.com/office/drawing/2014/main" id="{0A51A8BA-860A-57D7-590D-D4EC8B7773F7}"/>
               </a:ext>
             </a:extLst>
           </p:cNvPr>
-          <p:cNvSpPr>
-            <a:spLocks noGrp="1"/>
-          </p:cNvSpPr>
-          <p:nvPr>
-            <p:ph idx="1"/>
-          </p:nvPr>
-        </p:nvSpPr>
+          <p:cNvCxnSpPr>
+            <a:cxnSpLocks/>
+          </p:cNvCxnSpPr>
+          <p:nvPr/>
+        </p:nvCxnSpPr>
+        <p:spPr>
+          <a:xfrm flipH="1">
+            <a:off x="1629916" y="5361348"/>
+            <a:ext cx="1224136" cy="599799"/>
+          </a:xfrm>
+          <a:prstGeom prst="straightConnector1">
+            <a:avLst/>
+          </a:prstGeom>
+          <a:ln>
+            <a:tailEnd type="triangle"/>
+          </a:ln>
+        </p:spPr>
+        <p:style>
+          <a:lnRef idx="1">
+            <a:schemeClr val="accent1"/>
+          </a:lnRef>
+          <a:fillRef idx="0">
+            <a:schemeClr val="accent1"/>
+          </a:fillRef>
+          <a:effectRef idx="0">
+            <a:schemeClr val="accent1"/>
+          </a:effectRef>
+          <a:fontRef idx="minor">
+            <a:schemeClr val="tx1"/>
+          </a:fontRef>
+        </p:style>
+      </p:cxnSp>
+      <p:cxnSp>
+        <p:nvCxnSpPr>
+          <p:cNvPr id="7" name="Straight Arrow Connector 6">
+            <a:extLst>
+              <a:ext uri="{FF2B5EF4-FFF2-40B4-BE49-F238E27FC236}">
+                <a16:creationId xmlns:a16="http://schemas.microsoft.com/office/drawing/2014/main" id="{FB5B2836-6DC0-FC95-E16B-E3DD94ECE42F}"/>
+              </a:ext>
+            </a:extLst>
+          </p:cNvPr>
+          <p:cNvCxnSpPr>
+            <a:cxnSpLocks/>
+          </p:cNvCxnSpPr>
+          <p:nvPr/>
+        </p:nvCxnSpPr>
         <p:spPr>
           <a:xfrm>
-            <a:off x="537478" y="1628800"/>
-            <a:ext cx="11113867" cy="4695055"/>
-          </a:xfrm>
-        </p:spPr>
-        <p:txBody>
-          <a:bodyPr>
-            <a:normAutofit fontScale="77500" lnSpcReduction="20000"/>
-          </a:bodyPr>
-          <a:lstStyle/>
-          <a:p>
-            <a:pPr marL="0" indent="0" algn="l">
-              <a:buNone/>
-            </a:pPr>
-            <a:r>
-              <a:rPr lang="en-US" b="0" i="0" dirty="0">
-                <a:solidFill>
-                  <a:srgbClr val="000000"/>
-                </a:solidFill>
-                <a:effectLst/>
-                <a:latin typeface="Helvetica Neue"/>
-              </a:rPr>
-              <a:t>Used Car Lot TM is a car sales company running for 2 years as a local business in India. The General Manager has requested some information about second hand car sales in the various North, South, East and West regions. With fuel prices increasing and transport a dominant necessity, some important business questions were asked.</a:t>
-            </a:r>
-          </a:p>
-          <a:p>
-            <a:pPr algn="l">
-              <a:buFont typeface="+mj-lt"/>
-              <a:buAutoNum type="arabicPeriod"/>
-            </a:pPr>
-            <a:r>
-              <a:rPr lang="en-US" b="0" i="0" dirty="0">
-                <a:solidFill>
-                  <a:srgbClr val="000000"/>
-                </a:solidFill>
-                <a:effectLst/>
-                <a:latin typeface="Helvetica Neue"/>
-              </a:rPr>
-              <a:t>What regions in India sold the highest number of used cars?</a:t>
-            </a:r>
-          </a:p>
-          <a:p>
-            <a:pPr algn="l">
-              <a:buFont typeface="+mj-lt"/>
-              <a:buAutoNum type="arabicPeriod"/>
-            </a:pPr>
-            <a:r>
-              <a:rPr lang="en-US" b="0" i="0" dirty="0">
-                <a:solidFill>
-                  <a:srgbClr val="000000"/>
-                </a:solidFill>
-                <a:effectLst/>
-                <a:latin typeface="Helvetica Neue"/>
-              </a:rPr>
-              <a:t>Does fuel type affect the car sale price?</a:t>
-            </a:r>
-          </a:p>
-          <a:p>
-            <a:pPr algn="l">
-              <a:buFont typeface="+mj-lt"/>
-              <a:buAutoNum type="arabicPeriod"/>
-            </a:pPr>
-            <a:r>
-              <a:rPr lang="en-US" b="0" i="0" dirty="0">
-                <a:solidFill>
-                  <a:srgbClr val="000000"/>
-                </a:solidFill>
-                <a:effectLst/>
-                <a:latin typeface="Helvetica Neue"/>
-              </a:rPr>
-              <a:t>Do electric cars make an impact on a sales? (Elaborate from a business perspective).</a:t>
-            </a:r>
-          </a:p>
-          <a:p>
-            <a:pPr algn="l">
-              <a:buFont typeface="+mj-lt"/>
-              <a:buAutoNum type="arabicPeriod"/>
-            </a:pPr>
-            <a:r>
-              <a:rPr lang="en-US" b="0" i="0" dirty="0">
-                <a:solidFill>
-                  <a:srgbClr val="000000"/>
-                </a:solidFill>
-                <a:effectLst/>
-                <a:latin typeface="Helvetica Neue"/>
-              </a:rPr>
-              <a:t>What are some other factors that share a connection to sales prices?</a:t>
-            </a:r>
-          </a:p>
-          <a:p>
-            <a:pPr marL="0" indent="0" algn="l">
-              <a:buNone/>
-            </a:pPr>
-            <a:r>
-              <a:rPr lang="en-US" b="0" i="0" dirty="0">
-                <a:solidFill>
-                  <a:srgbClr val="000000"/>
-                </a:solidFill>
-                <a:effectLst/>
-                <a:latin typeface="Helvetica Neue"/>
-              </a:rPr>
-              <a:t>From this analysis we intend on building a multiple linear regression (OLS) to model the relationships amongst the sale price. The Used Car Lot intends on using the insights extracted to ensure their business prosperity and overall sales objectives are met proportionally. The information obtained will also be used to educate their sales team and help the business thrive.</a:t>
-            </a:r>
-          </a:p>
-          <a:p>
-            <a:endParaRPr lang="en-AU" dirty="0"/>
-          </a:p>
-        </p:txBody>
-      </p:sp>
+            <a:off x="3358108" y="5355221"/>
+            <a:ext cx="792088" cy="599799"/>
+          </a:xfrm>
+          <a:prstGeom prst="straightConnector1">
+            <a:avLst/>
+          </a:prstGeom>
+          <a:ln>
+            <a:tailEnd type="triangle"/>
+          </a:ln>
+        </p:spPr>
+        <p:style>
+          <a:lnRef idx="1">
+            <a:schemeClr val="accent1"/>
+          </a:lnRef>
+          <a:fillRef idx="0">
+            <a:schemeClr val="accent1"/>
+          </a:fillRef>
+          <a:effectRef idx="0">
+            <a:schemeClr val="accent1"/>
+          </a:effectRef>
+          <a:fontRef idx="minor">
+            <a:schemeClr val="tx1"/>
+          </a:fontRef>
+        </p:style>
+      </p:cxnSp>
     </p:spTree>
     <p:extLst>
       <p:ext uri="{BB962C8B-B14F-4D97-AF65-F5344CB8AC3E}">
@@ -4890,196 +5191,135 @@
       </p:grpSpPr>
       <p:sp>
         <p:nvSpPr>
-          <p:cNvPr id="2" name="Title 1"/>
-          <p:cNvSpPr>
-            <a:spLocks noGrp="1"/>
-          </p:cNvSpPr>
-          <p:nvPr>
-            <p:ph type="title"/>
-          </p:nvPr>
-        </p:nvSpPr>
-        <p:spPr>
-          <a:xfrm>
-            <a:off x="405780" y="332656"/>
-            <a:ext cx="10225136" cy="864096"/>
-          </a:xfrm>
-        </p:spPr>
-        <p:txBody>
-          <a:bodyPr/>
-          <a:lstStyle/>
-          <a:p>
-            <a:r>
-              <a:rPr lang="en-US" dirty="0"/>
-              <a:t>Discussion Points </a:t>
-            </a:r>
-          </a:p>
-        </p:txBody>
-      </p:sp>
-      <p:sp>
-        <p:nvSpPr>
-          <p:cNvPr id="3" name="Text Placeholder 2"/>
-          <p:cNvSpPr>
-            <a:spLocks noGrp="1"/>
-          </p:cNvSpPr>
-          <p:nvPr>
-            <p:ph type="body" idx="1"/>
-          </p:nvPr>
-        </p:nvSpPr>
-        <p:spPr>
-          <a:xfrm>
-            <a:off x="333772" y="2348880"/>
-            <a:ext cx="5184576" cy="2287651"/>
-          </a:xfrm>
-        </p:spPr>
-        <p:txBody>
-          <a:bodyPr>
-            <a:normAutofit fontScale="92500"/>
-          </a:bodyPr>
-          <a:lstStyle/>
-          <a:p>
-            <a:pPr marL="342900" indent="-342900">
-              <a:buFont typeface="Arial" panose="020B0604020202020204" pitchFamily="34" charset="0"/>
-              <a:buChar char="•"/>
-            </a:pPr>
-            <a:endParaRPr lang="en-US" dirty="0">
-              <a:solidFill>
-                <a:schemeClr val="accent1"/>
-              </a:solidFill>
-            </a:endParaRPr>
-          </a:p>
-          <a:p>
-            <a:pPr marL="342900" indent="-342900">
-              <a:buFont typeface="Arial" panose="020B0604020202020204" pitchFamily="34" charset="0"/>
-              <a:buChar char="•"/>
-            </a:pPr>
-            <a:r>
-              <a:rPr lang="en-US" dirty="0">
-                <a:solidFill>
-                  <a:schemeClr val="accent1"/>
-                </a:solidFill>
-              </a:rPr>
-              <a:t>Data </a:t>
-            </a:r>
-          </a:p>
-          <a:p>
-            <a:pPr marL="342900" indent="-342900">
-              <a:buFont typeface="Arial" panose="020B0604020202020204" pitchFamily="34" charset="0"/>
-              <a:buChar char="•"/>
-            </a:pPr>
-            <a:r>
-              <a:rPr lang="en-US" dirty="0">
-                <a:solidFill>
-                  <a:schemeClr val="accent1"/>
-                </a:solidFill>
-              </a:rPr>
-              <a:t>Model used to investigate CRISP –DM </a:t>
-            </a:r>
-          </a:p>
-          <a:p>
-            <a:pPr marL="342900" indent="-342900">
-              <a:buFont typeface="Arial" panose="020B0604020202020204" pitchFamily="34" charset="0"/>
-              <a:buChar char="•"/>
-            </a:pPr>
-            <a:r>
-              <a:rPr lang="en-US" dirty="0">
-                <a:solidFill>
-                  <a:schemeClr val="accent1"/>
-                </a:solidFill>
-              </a:rPr>
-              <a:t>Discuss common Business Problems </a:t>
-            </a:r>
-          </a:p>
-          <a:p>
-            <a:pPr marL="342900" indent="-342900">
-              <a:buFont typeface="Arial" panose="020B0604020202020204" pitchFamily="34" charset="0"/>
-              <a:buChar char="•"/>
-            </a:pPr>
-            <a:r>
-              <a:rPr lang="en-US" dirty="0">
-                <a:solidFill>
-                  <a:schemeClr val="accent1"/>
-                </a:solidFill>
-              </a:rPr>
-              <a:t>Process methods used</a:t>
-            </a:r>
-          </a:p>
-          <a:p>
-            <a:pPr marL="342900" indent="-342900">
-              <a:buFont typeface="Arial" panose="020B0604020202020204" pitchFamily="34" charset="0"/>
-              <a:buChar char="•"/>
-            </a:pPr>
-            <a:r>
-              <a:rPr lang="en-US" dirty="0">
-                <a:solidFill>
-                  <a:schemeClr val="accent1"/>
-                </a:solidFill>
-              </a:rPr>
-              <a:t>Results </a:t>
-            </a:r>
-          </a:p>
-          <a:p>
-            <a:pPr marL="342900" indent="-342900">
-              <a:buFont typeface="Arial" panose="020B0604020202020204" pitchFamily="34" charset="0"/>
-              <a:buChar char="•"/>
-            </a:pPr>
-            <a:r>
-              <a:rPr lang="en-US" dirty="0">
-                <a:solidFill>
-                  <a:schemeClr val="accent1"/>
-                </a:solidFill>
-              </a:rPr>
-              <a:t>Conclusions</a:t>
-            </a:r>
-          </a:p>
-          <a:p>
-            <a:pPr marL="342900" indent="-342900">
-              <a:buFont typeface="Arial" panose="020B0604020202020204" pitchFamily="34" charset="0"/>
-              <a:buChar char="•"/>
-            </a:pPr>
-            <a:endParaRPr lang="en-US" dirty="0"/>
-          </a:p>
-        </p:txBody>
-      </p:sp>
-      <p:pic>
-        <p:nvPicPr>
-          <p:cNvPr id="5" name="Picture 4">
+          <p:cNvPr id="2" name="Title 1">
             <a:extLst>
               <a:ext uri="{FF2B5EF4-FFF2-40B4-BE49-F238E27FC236}">
-                <a16:creationId xmlns:a16="http://schemas.microsoft.com/office/drawing/2014/main" id="{C762DD0C-AF74-AB1E-DC3C-25D5C675AFBE}"/>
+                <a16:creationId xmlns:a16="http://schemas.microsoft.com/office/drawing/2014/main" id="{E17BCB62-895E-D8E1-F29E-D593DADC39F8}"/>
               </a:ext>
             </a:extLst>
           </p:cNvPr>
-          <p:cNvPicPr>
-            <a:picLocks noChangeAspect="1"/>
-          </p:cNvPicPr>
-          <p:nvPr/>
-        </p:nvPicPr>
-        <p:blipFill>
-          <a:blip r:embed="rId2">
+          <p:cNvSpPr>
+            <a:spLocks noGrp="1"/>
+          </p:cNvSpPr>
+          <p:nvPr>
+            <p:ph type="title"/>
+          </p:nvPr>
+        </p:nvSpPr>
+        <p:spPr>
+          <a:xfrm>
+            <a:off x="405780" y="764704"/>
+            <a:ext cx="10369151" cy="4320480"/>
+          </a:xfrm>
+        </p:spPr>
+        <p:txBody>
+          <a:bodyPr>
+            <a:normAutofit/>
+          </a:bodyPr>
+          <a:lstStyle/>
+          <a:p>
+            <a:r>
+              <a:rPr lang="en-US" sz="2200" dirty="0"/>
+              <a:t>Large Dataset  size is over 7200 line - Source of used cars sold in India. </a:t>
+            </a:r>
+            <a:br>
+              <a:rPr lang="en-US" sz="2200" dirty="0"/>
+            </a:br>
+            <a:br>
+              <a:rPr lang="en-US" sz="2200" dirty="0"/>
+            </a:br>
+            <a:r>
+              <a:rPr lang="en-US" sz="2200" dirty="0"/>
+              <a:t>The dataset is comprised of values such as mileage, year built, power, seats, engine type, kilometers driven and the price.</a:t>
+            </a:r>
+            <a:br>
+              <a:rPr lang="en-US" sz="2200" dirty="0"/>
+            </a:br>
+            <a:br>
+              <a:rPr lang="en-US" sz="2200" dirty="0"/>
+            </a:br>
+            <a:r>
+              <a:rPr lang="en-US" sz="2200" dirty="0"/>
+              <a:t>Sourced from data.gov, a reliable data source online. </a:t>
+            </a:r>
+            <a:br>
+              <a:rPr lang="en-US" sz="2200" dirty="0"/>
+            </a:br>
+            <a:br>
+              <a:rPr lang="en-US" sz="2200" dirty="0"/>
+            </a:br>
+            <a:r>
+              <a:rPr lang="en-US" sz="2200" dirty="0"/>
+              <a:t>Dataset required much categorical refinement in order to prepare for exploratory analysis. </a:t>
+            </a:r>
+            <a:br>
+              <a:rPr lang="en-US" sz="2200" dirty="0"/>
+            </a:br>
+            <a:br>
+              <a:rPr lang="en-US" sz="2200" dirty="0"/>
+            </a:br>
+            <a:r>
+              <a:rPr lang="en-US" sz="2200" dirty="0"/>
+              <a:t>Data analysis packages consisted of matplot lib, numPy, pandas, statsmodels, and scikitlearn.</a:t>
+            </a:r>
+            <a:br>
+              <a:rPr lang="en-US" dirty="0"/>
+            </a:br>
+            <a:endParaRPr lang="en-AU" dirty="0"/>
+          </a:p>
+        </p:txBody>
+      </p:sp>
+      <p:sp>
+        <p:nvSpPr>
+          <p:cNvPr id="3" name="Text Placeholder 2">
             <a:extLst>
-              <a:ext uri="{28A0092B-C50C-407E-A947-70E740481C1C}">
-                <a14:useLocalDpi xmlns:a14="http://schemas.microsoft.com/office/drawing/2010/main" val="0"/>
+              <a:ext uri="{FF2B5EF4-FFF2-40B4-BE49-F238E27FC236}">
+                <a16:creationId xmlns:a16="http://schemas.microsoft.com/office/drawing/2014/main" id="{67BB95E0-D197-4B74-80A1-3CB9A511F4D8}"/>
               </a:ext>
             </a:extLst>
-          </a:blip>
-          <a:stretch>
-            <a:fillRect/>
-          </a:stretch>
-        </p:blipFill>
+          </p:cNvPr>
+          <p:cNvSpPr>
+            <a:spLocks noGrp="1"/>
+          </p:cNvSpPr>
+          <p:nvPr>
+            <p:ph type="body" idx="1"/>
+          </p:nvPr>
+        </p:nvSpPr>
         <p:spPr>
           <a:xfrm>
-            <a:off x="5784686" y="1514872"/>
-            <a:ext cx="6233371" cy="4938464"/>
-          </a:xfrm>
-          <a:prstGeom prst="rect">
-            <a:avLst/>
-          </a:prstGeom>
-        </p:spPr>
-      </p:pic>
+            <a:off x="261764" y="116632"/>
+            <a:ext cx="8231187" cy="762000"/>
+          </a:xfrm>
+        </p:spPr>
+        <p:txBody>
+          <a:bodyPr>
+            <a:normAutofit/>
+          </a:bodyPr>
+          <a:lstStyle/>
+          <a:p>
+            <a:r>
+              <a:rPr lang="en-US" sz="3600" dirty="0">
+                <a:solidFill>
+                  <a:schemeClr val="accent2">
+                    <a:lumMod val="75000"/>
+                  </a:schemeClr>
+                </a:solidFill>
+              </a:rPr>
+              <a:t>Data</a:t>
+            </a:r>
+            <a:endParaRPr lang="en-AU" sz="3600" dirty="0">
+              <a:solidFill>
+                <a:schemeClr val="accent2">
+                  <a:lumMod val="75000"/>
+                </a:schemeClr>
+              </a:solidFill>
+            </a:endParaRPr>
+          </a:p>
+        </p:txBody>
+      </p:sp>
     </p:spTree>
     <p:extLst>
       <p:ext uri="{BB962C8B-B14F-4D97-AF65-F5344CB8AC3E}">
-        <p14:creationId xmlns:p14="http://schemas.microsoft.com/office/powerpoint/2010/main" val="423498839"/>
+        <p14:creationId xmlns:p14="http://schemas.microsoft.com/office/powerpoint/2010/main" val="737876730"/>
       </p:ext>
     </p:extLst>
   </p:cSld>
@@ -5118,219 +5358,196 @@
           <a:chExt cx="0" cy="0"/>
         </a:xfrm>
       </p:grpSpPr>
-      <p:sp>
-        <p:nvSpPr>
-          <p:cNvPr id="13" name="Text Placeholder 12"/>
-          <p:cNvSpPr>
-            <a:spLocks noGrp="1"/>
-          </p:cNvSpPr>
-          <p:nvPr>
-            <p:ph type="body" idx="1"/>
-          </p:nvPr>
-        </p:nvSpPr>
+      <p:pic>
+        <p:nvPicPr>
+          <p:cNvPr id="8" name="Content Placeholder 7">
+            <a:extLst>
+              <a:ext uri="{FF2B5EF4-FFF2-40B4-BE49-F238E27FC236}">
+                <a16:creationId xmlns:a16="http://schemas.microsoft.com/office/drawing/2014/main" id="{A74286E0-03D6-21E9-E2E0-D0C268926189}"/>
+              </a:ext>
+            </a:extLst>
+          </p:cNvPr>
+          <p:cNvPicPr>
+            <a:picLocks noGrp="1" noChangeAspect="1"/>
+          </p:cNvPicPr>
+          <p:nvPr>
+            <p:ph sz="half" idx="2"/>
+          </p:nvPr>
+        </p:nvPicPr>
+        <p:blipFill rotWithShape="1">
+          <a:blip r:embed="rId2"/>
+          <a:srcRect l="3255" r="5308"/>
+          <a:stretch/>
+        </p:blipFill>
         <p:spPr>
           <a:xfrm>
-            <a:off x="580837" y="364032"/>
-            <a:ext cx="5773068" cy="990600"/>
-          </a:xfrm>
-        </p:spPr>
-        <p:txBody>
-          <a:bodyPr>
-            <a:normAutofit/>
+            <a:off x="262028" y="1228704"/>
+            <a:ext cx="4320481" cy="1971950"/>
+          </a:xfrm>
+        </p:spPr>
+      </p:pic>
+      <p:pic>
+        <p:nvPicPr>
+          <p:cNvPr id="10" name="Picture 9">
+            <a:extLst>
+              <a:ext uri="{FF2B5EF4-FFF2-40B4-BE49-F238E27FC236}">
+                <a16:creationId xmlns:a16="http://schemas.microsoft.com/office/drawing/2014/main" id="{3CA365AF-6E2B-7090-7699-67369FC9E668}"/>
+              </a:ext>
+            </a:extLst>
+          </p:cNvPr>
+          <p:cNvPicPr>
+            <a:picLocks noChangeAspect="1"/>
+          </p:cNvPicPr>
+          <p:nvPr/>
+        </p:nvPicPr>
+        <p:blipFill rotWithShape="1">
+          <a:blip r:embed="rId3"/>
+          <a:srcRect l="8834" t="-2205" r="1608" b="2205"/>
+          <a:stretch/>
+        </p:blipFill>
+        <p:spPr>
+          <a:xfrm>
+            <a:off x="49690" y="3535085"/>
+            <a:ext cx="4745158" cy="3265852"/>
+          </a:xfrm>
+          <a:prstGeom prst="rect">
+            <a:avLst/>
+          </a:prstGeom>
+        </p:spPr>
+      </p:pic>
+      <p:pic>
+        <p:nvPicPr>
+          <p:cNvPr id="12" name="Picture 11">
+            <a:extLst>
+              <a:ext uri="{FF2B5EF4-FFF2-40B4-BE49-F238E27FC236}">
+                <a16:creationId xmlns:a16="http://schemas.microsoft.com/office/drawing/2014/main" id="{BD12FF65-70F3-3F88-82FA-3A576A8B9F22}"/>
+              </a:ext>
+            </a:extLst>
+          </p:cNvPr>
+          <p:cNvPicPr>
+            <a:picLocks noChangeAspect="1"/>
+          </p:cNvPicPr>
+          <p:nvPr/>
+        </p:nvPicPr>
+        <p:blipFill>
+          <a:blip r:embed="rId4"/>
+          <a:stretch>
+            <a:fillRect/>
+          </a:stretch>
+        </p:blipFill>
+        <p:spPr>
+          <a:xfrm>
+            <a:off x="4941239" y="262495"/>
+            <a:ext cx="6612043" cy="3286584"/>
+          </a:xfrm>
+          <a:prstGeom prst="rect">
+            <a:avLst/>
+          </a:prstGeom>
+        </p:spPr>
+      </p:pic>
+      <p:pic>
+        <p:nvPicPr>
+          <p:cNvPr id="14" name="Picture 13">
+            <a:extLst>
+              <a:ext uri="{FF2B5EF4-FFF2-40B4-BE49-F238E27FC236}">
+                <a16:creationId xmlns:a16="http://schemas.microsoft.com/office/drawing/2014/main" id="{6C720BBA-9A16-195D-0B8F-A44173A0EBCD}"/>
+              </a:ext>
+            </a:extLst>
+          </p:cNvPr>
+          <p:cNvPicPr>
+            <a:picLocks noChangeAspect="1"/>
+          </p:cNvPicPr>
+          <p:nvPr/>
+        </p:nvPicPr>
+        <p:blipFill rotWithShape="1">
+          <a:blip r:embed="rId5"/>
+          <a:srcRect t="-302"/>
+          <a:stretch/>
+        </p:blipFill>
+        <p:spPr>
+          <a:xfrm>
+            <a:off x="4930142" y="3746600"/>
+            <a:ext cx="3751808" cy="2631230"/>
+          </a:xfrm>
+          <a:prstGeom prst="rect">
+            <a:avLst/>
+          </a:prstGeom>
+        </p:spPr>
+      </p:pic>
+      <p:pic>
+        <p:nvPicPr>
+          <p:cNvPr id="16" name="Picture 15">
+            <a:extLst>
+              <a:ext uri="{FF2B5EF4-FFF2-40B4-BE49-F238E27FC236}">
+                <a16:creationId xmlns:a16="http://schemas.microsoft.com/office/drawing/2014/main" id="{9DBF51C7-0FFC-065F-CF79-5C98611F7467}"/>
+              </a:ext>
+            </a:extLst>
+          </p:cNvPr>
+          <p:cNvPicPr>
+            <a:picLocks noChangeAspect="1"/>
+          </p:cNvPicPr>
+          <p:nvPr/>
+        </p:nvPicPr>
+        <p:blipFill>
+          <a:blip r:embed="rId6"/>
+          <a:stretch>
+            <a:fillRect/>
+          </a:stretch>
+        </p:blipFill>
+        <p:spPr>
+          <a:xfrm>
+            <a:off x="8974732" y="3746600"/>
+            <a:ext cx="3037932" cy="2842822"/>
+          </a:xfrm>
+          <a:prstGeom prst="rect">
+            <a:avLst/>
+          </a:prstGeom>
+        </p:spPr>
+      </p:pic>
+      <p:sp>
+        <p:nvSpPr>
+          <p:cNvPr id="18" name="TextBox 17">
+            <a:extLst>
+              <a:ext uri="{FF2B5EF4-FFF2-40B4-BE49-F238E27FC236}">
+                <a16:creationId xmlns:a16="http://schemas.microsoft.com/office/drawing/2014/main" id="{E1F23997-4814-E9E6-C00B-72A8D56356F8}"/>
+              </a:ext>
+            </a:extLst>
+          </p:cNvPr>
+          <p:cNvSpPr txBox="1"/>
+          <p:nvPr/>
+        </p:nvSpPr>
+        <p:spPr>
+          <a:xfrm>
+            <a:off x="81084" y="295504"/>
+            <a:ext cx="6096000" cy="584775"/>
+          </a:xfrm>
+          <a:prstGeom prst="rect">
+            <a:avLst/>
+          </a:prstGeom>
+          <a:noFill/>
+        </p:spPr>
+        <p:txBody>
+          <a:bodyPr wrap="square">
+            <a:spAutoFit/>
           </a:bodyPr>
           <a:lstStyle/>
           <a:p>
             <a:r>
-              <a:rPr lang="en-US" dirty="0">
-                <a:solidFill>
-                  <a:schemeClr val="accent1"/>
-                </a:solidFill>
-              </a:rPr>
-              <a:t>Data </a:t>
-            </a:r>
-          </a:p>
-        </p:txBody>
-      </p:sp>
-      <p:sp>
-        <p:nvSpPr>
-          <p:cNvPr id="15" name="Content Placeholder 14"/>
-          <p:cNvSpPr>
-            <a:spLocks noGrp="1"/>
-          </p:cNvSpPr>
-          <p:nvPr>
-            <p:ph sz="half" idx="2"/>
-          </p:nvPr>
-        </p:nvSpPr>
-        <p:spPr>
-          <a:xfrm>
-            <a:off x="405780" y="1676400"/>
-            <a:ext cx="5917084" cy="4560912"/>
-          </a:xfrm>
-        </p:spPr>
-        <p:txBody>
-          <a:bodyPr>
-            <a:normAutofit fontScale="92500" lnSpcReduction="20000"/>
-          </a:bodyPr>
-          <a:lstStyle/>
-          <a:p>
-            <a:r>
-              <a:rPr lang="en-US" dirty="0"/>
-              <a:t>Dataset  size is over 7000  </a:t>
-            </a:r>
-          </a:p>
-          <a:p>
-            <a:r>
-              <a:rPr lang="en-US" dirty="0"/>
-              <a:t>Source of used cars in India. Regions span across Mumbai, Pune, Chennai, Hyderabad, Jaipur, Delhi, Bangalore, Delhi and more.</a:t>
-            </a:r>
-          </a:p>
-          <a:p>
-            <a:r>
-              <a:rPr lang="en-US" dirty="0"/>
-              <a:t>The dataset is comprised of values such as mileage, year built, power, seats, engine type, kilometers driven and the price.</a:t>
-            </a:r>
-          </a:p>
-          <a:p>
-            <a:r>
-              <a:rPr lang="en-US" dirty="0"/>
-              <a:t>Sourced from data.gov, a reliable data source online. </a:t>
-            </a:r>
-          </a:p>
-          <a:p>
-            <a:r>
-              <a:rPr lang="en-US" dirty="0"/>
-              <a:t>Dataset required much categorical refinement in order to wrangle and manipulate for exploratory analysis, in conjunction with basic data analysis functions using matplot lib, numPy, pandas, statsmodels, and scikitlearn.</a:t>
-            </a:r>
-          </a:p>
-        </p:txBody>
-      </p:sp>
-      <p:sp>
-        <p:nvSpPr>
-          <p:cNvPr id="14" name="Text Placeholder 13"/>
-          <p:cNvSpPr>
-            <a:spLocks noGrp="1"/>
-          </p:cNvSpPr>
-          <p:nvPr>
-            <p:ph type="body" sz="quarter" idx="3"/>
-          </p:nvPr>
-        </p:nvSpPr>
-        <p:spPr>
-          <a:xfrm>
-            <a:off x="6723941" y="364032"/>
-            <a:ext cx="5029200" cy="990600"/>
-          </a:xfrm>
-        </p:spPr>
-        <p:txBody>
-          <a:bodyPr>
-            <a:normAutofit/>
-          </a:bodyPr>
-          <a:lstStyle/>
-          <a:p>
-            <a:r>
-              <a:rPr lang="en-US" dirty="0">
+              <a:rPr lang="en-US" sz="3200" dirty="0">
                 <a:solidFill>
                   <a:schemeClr val="accent1"/>
                 </a:solidFill>
               </a:rPr>
               <a:t>Models &amp; Visualizations</a:t>
             </a:r>
-            <a:endParaRPr lang="en-US" b="1" dirty="0"/>
-          </a:p>
-        </p:txBody>
-      </p:sp>
-      <p:sp>
-        <p:nvSpPr>
-          <p:cNvPr id="16" name="Content Placeholder 15"/>
-          <p:cNvSpPr>
-            <a:spLocks noGrp="1"/>
-          </p:cNvSpPr>
-          <p:nvPr>
-            <p:ph sz="quarter" idx="4"/>
-          </p:nvPr>
-        </p:nvSpPr>
-        <p:spPr>
-          <a:xfrm>
-            <a:off x="6550024" y="1676400"/>
-            <a:ext cx="5377035" cy="4848944"/>
-          </a:xfrm>
-        </p:spPr>
-        <p:txBody>
-          <a:bodyPr>
-            <a:normAutofit fontScale="92500" lnSpcReduction="20000"/>
-          </a:bodyPr>
-          <a:lstStyle/>
-          <a:p>
-            <a:r>
-              <a:rPr lang="en-US" dirty="0"/>
-              <a:t>OLS – Ordinary Least Square in statsmodels</a:t>
-            </a:r>
-          </a:p>
-          <a:p>
-            <a:r>
-              <a:rPr lang="en-US" dirty="0"/>
-              <a:t>Box plots </a:t>
-            </a:r>
-          </a:p>
-          <a:p>
-            <a:r>
-              <a:rPr lang="en-US" dirty="0"/>
-              <a:t>Histograms </a:t>
-            </a:r>
-          </a:p>
-          <a:p>
-            <a:r>
-              <a:rPr lang="en-US" dirty="0"/>
-              <a:t>Heat Maps</a:t>
-            </a:r>
-          </a:p>
-          <a:p>
-            <a:r>
-              <a:rPr lang="en-US" dirty="0"/>
-              <a:t>Bell Graphs </a:t>
-            </a:r>
-          </a:p>
-          <a:p>
-            <a:r>
-              <a:rPr lang="en-US" dirty="0"/>
-              <a:t>QQ Plot </a:t>
-            </a:r>
-          </a:p>
-          <a:p>
-            <a:r>
-              <a:rPr lang="en-US" dirty="0"/>
-              <a:t>Created fata frames to tabulate the data </a:t>
-            </a:r>
-          </a:p>
-          <a:p>
-            <a:r>
-              <a:rPr lang="en-US" dirty="0"/>
-              <a:t>Created test data </a:t>
-            </a:r>
-          </a:p>
-          <a:p>
-            <a:r>
-              <a:rPr lang="en-US" dirty="0"/>
-              <a:t>Trained the model to predict </a:t>
-            </a:r>
-          </a:p>
-          <a:p>
-            <a:r>
-              <a:rPr lang="en-US" dirty="0"/>
-              <a:t>MSE – Mean Squared Error using </a:t>
-            </a:r>
-          </a:p>
-          <a:p>
-            <a:pPr marL="0" indent="0">
-              <a:buNone/>
-            </a:pPr>
-            <a:endParaRPr lang="en-US" dirty="0"/>
+            <a:endParaRPr lang="en-US" sz="3200" b="1" dirty="0"/>
           </a:p>
         </p:txBody>
       </p:sp>
     </p:spTree>
     <p:extLst>
       <p:ext uri="{BB962C8B-B14F-4D97-AF65-F5344CB8AC3E}">
-        <p14:creationId xmlns:p14="http://schemas.microsoft.com/office/powerpoint/2010/main" val="2979636628"/>
+        <p14:creationId xmlns:p14="http://schemas.microsoft.com/office/powerpoint/2010/main" val="2042964479"/>
       </p:ext>
     </p:extLst>
   </p:cSld>
@@ -5371,190 +5588,970 @@
       </p:grpSpPr>
       <p:sp>
         <p:nvSpPr>
-          <p:cNvPr id="13" name="Text Placeholder 12"/>
-          <p:cNvSpPr>
-            <a:spLocks noGrp="1"/>
-          </p:cNvSpPr>
-          <p:nvPr>
-            <p:ph type="body" idx="1"/>
+          <p:cNvPr id="2" name="Title 1"/>
+          <p:cNvSpPr>
+            <a:spLocks noGrp="1"/>
+          </p:cNvSpPr>
+          <p:nvPr>
+            <p:ph type="title"/>
           </p:nvPr>
         </p:nvSpPr>
         <p:spPr>
           <a:xfrm>
-            <a:off x="405780" y="355068"/>
-            <a:ext cx="5917084" cy="990600"/>
-          </a:xfrm>
-        </p:spPr>
-        <p:txBody>
-          <a:bodyPr>
+            <a:off x="364574" y="153453"/>
+            <a:ext cx="2880319" cy="720080"/>
+          </a:xfrm>
+        </p:spPr>
+        <p:txBody>
+          <a:bodyPr/>
+          <a:lstStyle/>
+          <a:p>
+            <a:r>
+              <a:rPr lang="en-US" dirty="0"/>
+              <a:t>Results</a:t>
+            </a:r>
+          </a:p>
+        </p:txBody>
+      </p:sp>
+      <p:sp>
+        <p:nvSpPr>
+          <p:cNvPr id="4" name="Title 1">
+            <a:extLst>
+              <a:ext uri="{FF2B5EF4-FFF2-40B4-BE49-F238E27FC236}">
+                <a16:creationId xmlns:a16="http://schemas.microsoft.com/office/drawing/2014/main" id="{07C86E67-B4D0-E4C0-9F43-FFC3D9C05B2D}"/>
+              </a:ext>
+            </a:extLst>
+          </p:cNvPr>
+          <p:cNvSpPr txBox="1">
+            <a:spLocks/>
+          </p:cNvSpPr>
+          <p:nvPr/>
+        </p:nvSpPr>
+        <p:spPr>
+          <a:xfrm>
+            <a:off x="247087" y="764704"/>
+            <a:ext cx="11694649" cy="5904656"/>
+          </a:xfrm>
+          <a:prstGeom prst="rect">
+            <a:avLst/>
+          </a:prstGeom>
+        </p:spPr>
+        <p:txBody>
+          <a:bodyPr vert="horz" lIns="91440" tIns="45720" rIns="91440" bIns="45720" rtlCol="0" anchor="b">
             <a:normAutofit/>
           </a:bodyPr>
-          <a:lstStyle/>
-          <a:p>
-            <a:r>
-              <a:rPr lang="en-US" dirty="0">
+          <a:lstStyle>
+            <a:lvl1pPr algn="l" defTabSz="914400" rtl="0" eaLnBrk="1" latinLnBrk="0" hangingPunct="1">
+              <a:lnSpc>
+                <a:spcPct val="80000"/>
+              </a:lnSpc>
+              <a:spcBef>
+                <a:spcPct val="0"/>
+              </a:spcBef>
+              <a:buNone/>
+              <a:defRPr sz="3600" kern="1200">
                 <a:solidFill>
                   <a:schemeClr val="accent1"/>
                 </a:solidFill>
-              </a:rPr>
-              <a:t>Business Questions </a:t>
-            </a:r>
-          </a:p>
-          <a:p>
-            <a:endParaRPr lang="en-US" dirty="0">
-              <a:solidFill>
-                <a:schemeClr val="accent1"/>
-              </a:solidFill>
-            </a:endParaRPr>
-          </a:p>
-        </p:txBody>
-      </p:sp>
-      <p:sp>
-        <p:nvSpPr>
-          <p:cNvPr id="15" name="Content Placeholder 14"/>
-          <p:cNvSpPr>
-            <a:spLocks noGrp="1"/>
-          </p:cNvSpPr>
-          <p:nvPr>
-            <p:ph sz="half" idx="2"/>
-          </p:nvPr>
-        </p:nvSpPr>
+                <a:latin typeface="+mj-lt"/>
+                <a:ea typeface="+mj-ea"/>
+                <a:cs typeface="+mj-cs"/>
+              </a:defRPr>
+            </a:lvl1pPr>
+          </a:lstStyle>
+          <a:p>
+            <a:endParaRPr lang="en-US" dirty="0"/>
+          </a:p>
+        </p:txBody>
+      </p:sp>
+      <p:pic>
+        <p:nvPicPr>
+          <p:cNvPr id="6" name="Picture 5">
+            <a:extLst>
+              <a:ext uri="{FF2B5EF4-FFF2-40B4-BE49-F238E27FC236}">
+                <a16:creationId xmlns:a16="http://schemas.microsoft.com/office/drawing/2014/main" id="{7613C855-2575-D650-CFD9-8D3AA99480C4}"/>
+              </a:ext>
+            </a:extLst>
+          </p:cNvPr>
+          <p:cNvPicPr>
+            <a:picLocks noChangeAspect="1"/>
+          </p:cNvPicPr>
+          <p:nvPr/>
+        </p:nvPicPr>
+        <p:blipFill>
+          <a:blip r:embed="rId3">
+            <a:extLst>
+              <a:ext uri="{28A0092B-C50C-407E-A947-70E740481C1C}">
+                <a14:useLocalDpi xmlns:a14="http://schemas.microsoft.com/office/drawing/2010/main" val="0"/>
+              </a:ext>
+            </a:extLst>
+          </a:blip>
+          <a:stretch>
+            <a:fillRect/>
+          </a:stretch>
+        </p:blipFill>
         <p:spPr>
           <a:xfrm>
-            <a:off x="180023" y="1302260"/>
-            <a:ext cx="5917084" cy="4968552"/>
-          </a:xfrm>
-        </p:spPr>
-        <p:txBody>
-          <a:bodyPr>
-            <a:normAutofit/>
+            <a:off x="4148589" y="2276872"/>
+            <a:ext cx="3053705" cy="1714500"/>
+          </a:xfrm>
+          <a:prstGeom prst="rect">
+            <a:avLst/>
+          </a:prstGeom>
+        </p:spPr>
+      </p:pic>
+      <p:cxnSp>
+        <p:nvCxnSpPr>
+          <p:cNvPr id="8" name="Straight Arrow Connector 7">
+            <a:extLst>
+              <a:ext uri="{FF2B5EF4-FFF2-40B4-BE49-F238E27FC236}">
+                <a16:creationId xmlns:a16="http://schemas.microsoft.com/office/drawing/2014/main" id="{29BA07C0-8C4D-239A-F430-675D219913D4}"/>
+              </a:ext>
+            </a:extLst>
+          </p:cNvPr>
+          <p:cNvCxnSpPr>
+            <a:cxnSpLocks/>
+            <a:endCxn id="36" idx="2"/>
+          </p:cNvCxnSpPr>
+          <p:nvPr/>
+        </p:nvCxnSpPr>
+        <p:spPr>
+          <a:xfrm flipV="1">
+            <a:off x="5675441" y="1475266"/>
+            <a:ext cx="0" cy="805780"/>
+          </a:xfrm>
+          <a:prstGeom prst="straightConnector1">
+            <a:avLst/>
+          </a:prstGeom>
+          <a:ln>
+            <a:tailEnd type="triangle"/>
+          </a:ln>
+        </p:spPr>
+        <p:style>
+          <a:lnRef idx="1">
+            <a:schemeClr val="accent1"/>
+          </a:lnRef>
+          <a:fillRef idx="0">
+            <a:schemeClr val="accent1"/>
+          </a:fillRef>
+          <a:effectRef idx="0">
+            <a:schemeClr val="accent1"/>
+          </a:effectRef>
+          <a:fontRef idx="minor">
+            <a:schemeClr val="tx1"/>
+          </a:fontRef>
+        </p:style>
+      </p:cxnSp>
+      <p:cxnSp>
+        <p:nvCxnSpPr>
+          <p:cNvPr id="10" name="Straight Arrow Connector 9">
+            <a:extLst>
+              <a:ext uri="{FF2B5EF4-FFF2-40B4-BE49-F238E27FC236}">
+                <a16:creationId xmlns:a16="http://schemas.microsoft.com/office/drawing/2014/main" id="{6A51CE8A-4ED8-89F6-2CAB-B47FDE191338}"/>
+              </a:ext>
+            </a:extLst>
+          </p:cNvPr>
+          <p:cNvCxnSpPr>
+            <a:stCxn id="6" idx="3"/>
+          </p:cNvCxnSpPr>
+          <p:nvPr/>
+        </p:nvCxnSpPr>
+        <p:spPr>
+          <a:xfrm>
+            <a:off x="7202294" y="3134122"/>
+            <a:ext cx="980350" cy="6846"/>
+          </a:xfrm>
+          <a:prstGeom prst="straightConnector1">
+            <a:avLst/>
+          </a:prstGeom>
+          <a:ln>
+            <a:tailEnd type="triangle"/>
+          </a:ln>
+        </p:spPr>
+        <p:style>
+          <a:lnRef idx="1">
+            <a:schemeClr val="accent1"/>
+          </a:lnRef>
+          <a:fillRef idx="0">
+            <a:schemeClr val="accent1"/>
+          </a:fillRef>
+          <a:effectRef idx="0">
+            <a:schemeClr val="accent1"/>
+          </a:effectRef>
+          <a:fontRef idx="minor">
+            <a:schemeClr val="tx1"/>
+          </a:fontRef>
+        </p:style>
+      </p:cxnSp>
+      <p:cxnSp>
+        <p:nvCxnSpPr>
+          <p:cNvPr id="12" name="Straight Arrow Connector 11">
+            <a:extLst>
+              <a:ext uri="{FF2B5EF4-FFF2-40B4-BE49-F238E27FC236}">
+                <a16:creationId xmlns:a16="http://schemas.microsoft.com/office/drawing/2014/main" id="{FDF9145B-5DCB-C5C8-9D27-956094DEDE86}"/>
+              </a:ext>
+            </a:extLst>
+          </p:cNvPr>
+          <p:cNvCxnSpPr>
+            <a:cxnSpLocks/>
+            <a:stCxn id="6" idx="2"/>
+          </p:cNvCxnSpPr>
+          <p:nvPr/>
+        </p:nvCxnSpPr>
+        <p:spPr>
+          <a:xfrm flipH="1">
+            <a:off x="5675441" y="3991372"/>
+            <a:ext cx="1" cy="1165820"/>
+          </a:xfrm>
+          <a:prstGeom prst="straightConnector1">
+            <a:avLst/>
+          </a:prstGeom>
+          <a:ln>
+            <a:tailEnd type="triangle"/>
+          </a:ln>
+        </p:spPr>
+        <p:style>
+          <a:lnRef idx="1">
+            <a:schemeClr val="accent1"/>
+          </a:lnRef>
+          <a:fillRef idx="0">
+            <a:schemeClr val="accent1"/>
+          </a:fillRef>
+          <a:effectRef idx="0">
+            <a:schemeClr val="accent1"/>
+          </a:effectRef>
+          <a:fontRef idx="minor">
+            <a:schemeClr val="tx1"/>
+          </a:fontRef>
+        </p:style>
+      </p:cxnSp>
+      <p:cxnSp>
+        <p:nvCxnSpPr>
+          <p:cNvPr id="14" name="Straight Arrow Connector 13">
+            <a:extLst>
+              <a:ext uri="{FF2B5EF4-FFF2-40B4-BE49-F238E27FC236}">
+                <a16:creationId xmlns:a16="http://schemas.microsoft.com/office/drawing/2014/main" id="{3443D037-921E-D280-CC03-05CF0938A395}"/>
+              </a:ext>
+            </a:extLst>
+          </p:cNvPr>
+          <p:cNvCxnSpPr>
+            <a:stCxn id="6" idx="1"/>
+          </p:cNvCxnSpPr>
+          <p:nvPr/>
+        </p:nvCxnSpPr>
+        <p:spPr>
+          <a:xfrm flipH="1">
+            <a:off x="3070076" y="3134122"/>
+            <a:ext cx="1078513" cy="6846"/>
+          </a:xfrm>
+          <a:prstGeom prst="straightConnector1">
+            <a:avLst/>
+          </a:prstGeom>
+          <a:ln>
+            <a:tailEnd type="triangle"/>
+          </a:ln>
+        </p:spPr>
+        <p:style>
+          <a:lnRef idx="1">
+            <a:schemeClr val="accent1"/>
+          </a:lnRef>
+          <a:fillRef idx="0">
+            <a:schemeClr val="accent1"/>
+          </a:fillRef>
+          <a:effectRef idx="0">
+            <a:schemeClr val="accent1"/>
+          </a:effectRef>
+          <a:fontRef idx="minor">
+            <a:schemeClr val="tx1"/>
+          </a:fontRef>
+        </p:style>
+      </p:cxnSp>
+      <p:cxnSp>
+        <p:nvCxnSpPr>
+          <p:cNvPr id="19" name="Straight Arrow Connector 18">
+            <a:extLst>
+              <a:ext uri="{FF2B5EF4-FFF2-40B4-BE49-F238E27FC236}">
+                <a16:creationId xmlns:a16="http://schemas.microsoft.com/office/drawing/2014/main" id="{33A05A6E-DAD2-1D46-E96F-BAC8D5044BEA}"/>
+              </a:ext>
+            </a:extLst>
+          </p:cNvPr>
+          <p:cNvCxnSpPr>
+            <a:cxnSpLocks/>
+            <a:endCxn id="30" idx="1"/>
+          </p:cNvCxnSpPr>
+          <p:nvPr/>
+        </p:nvCxnSpPr>
+        <p:spPr>
+          <a:xfrm>
+            <a:off x="7202294" y="4012078"/>
+            <a:ext cx="1196374" cy="601321"/>
+          </a:xfrm>
+          <a:prstGeom prst="straightConnector1">
+            <a:avLst/>
+          </a:prstGeom>
+          <a:ln>
+            <a:tailEnd type="triangle"/>
+          </a:ln>
+        </p:spPr>
+        <p:style>
+          <a:lnRef idx="1">
+            <a:schemeClr val="accent1"/>
+          </a:lnRef>
+          <a:fillRef idx="0">
+            <a:schemeClr val="accent1"/>
+          </a:fillRef>
+          <a:effectRef idx="0">
+            <a:schemeClr val="accent1"/>
+          </a:effectRef>
+          <a:fontRef idx="minor">
+            <a:schemeClr val="tx1"/>
+          </a:fontRef>
+        </p:style>
+      </p:cxnSp>
+      <p:cxnSp>
+        <p:nvCxnSpPr>
+          <p:cNvPr id="21" name="Straight Arrow Connector 20">
+            <a:extLst>
+              <a:ext uri="{FF2B5EF4-FFF2-40B4-BE49-F238E27FC236}">
+                <a16:creationId xmlns:a16="http://schemas.microsoft.com/office/drawing/2014/main" id="{AEF17522-5436-449F-3563-EDE6D86DB88F}"/>
+              </a:ext>
+            </a:extLst>
+          </p:cNvPr>
+          <p:cNvCxnSpPr>
+            <a:cxnSpLocks/>
+          </p:cNvCxnSpPr>
+          <p:nvPr/>
+        </p:nvCxnSpPr>
+        <p:spPr>
+          <a:xfrm flipV="1">
+            <a:off x="7202294" y="1520788"/>
+            <a:ext cx="980350" cy="770366"/>
+          </a:xfrm>
+          <a:prstGeom prst="straightConnector1">
+            <a:avLst/>
+          </a:prstGeom>
+          <a:ln>
+            <a:tailEnd type="triangle"/>
+          </a:ln>
+        </p:spPr>
+        <p:style>
+          <a:lnRef idx="1">
+            <a:schemeClr val="accent1"/>
+          </a:lnRef>
+          <a:fillRef idx="0">
+            <a:schemeClr val="accent1"/>
+          </a:fillRef>
+          <a:effectRef idx="0">
+            <a:schemeClr val="accent1"/>
+          </a:effectRef>
+          <a:fontRef idx="minor">
+            <a:schemeClr val="tx1"/>
+          </a:fontRef>
+        </p:style>
+      </p:cxnSp>
+      <p:cxnSp>
+        <p:nvCxnSpPr>
+          <p:cNvPr id="25" name="Straight Arrow Connector 24">
+            <a:extLst>
+              <a:ext uri="{FF2B5EF4-FFF2-40B4-BE49-F238E27FC236}">
+                <a16:creationId xmlns:a16="http://schemas.microsoft.com/office/drawing/2014/main" id="{4DE8728B-643D-0E78-0425-A6457B2CF9B5}"/>
+              </a:ext>
+            </a:extLst>
+          </p:cNvPr>
+          <p:cNvCxnSpPr/>
+          <p:nvPr/>
+        </p:nvCxnSpPr>
+        <p:spPr>
+          <a:xfrm flipH="1" flipV="1">
+            <a:off x="3502124" y="1772816"/>
+            <a:ext cx="646465" cy="504056"/>
+          </a:xfrm>
+          <a:prstGeom prst="straightConnector1">
+            <a:avLst/>
+          </a:prstGeom>
+          <a:ln>
+            <a:tailEnd type="triangle"/>
+          </a:ln>
+        </p:spPr>
+        <p:style>
+          <a:lnRef idx="1">
+            <a:schemeClr val="accent1"/>
+          </a:lnRef>
+          <a:fillRef idx="0">
+            <a:schemeClr val="accent1"/>
+          </a:fillRef>
+          <a:effectRef idx="0">
+            <a:schemeClr val="accent1"/>
+          </a:effectRef>
+          <a:fontRef idx="minor">
+            <a:schemeClr val="tx1"/>
+          </a:fontRef>
+        </p:style>
+      </p:cxnSp>
+      <p:cxnSp>
+        <p:nvCxnSpPr>
+          <p:cNvPr id="27" name="Straight Arrow Connector 26">
+            <a:extLst>
+              <a:ext uri="{FF2B5EF4-FFF2-40B4-BE49-F238E27FC236}">
+                <a16:creationId xmlns:a16="http://schemas.microsoft.com/office/drawing/2014/main" id="{53D79088-BDE0-CA40-48B7-2A992C0B108D}"/>
+              </a:ext>
+            </a:extLst>
+          </p:cNvPr>
+          <p:cNvCxnSpPr>
+            <a:cxnSpLocks/>
+          </p:cNvCxnSpPr>
+          <p:nvPr/>
+        </p:nvCxnSpPr>
+        <p:spPr>
+          <a:xfrm flipH="1">
+            <a:off x="2581514" y="3956695"/>
+            <a:ext cx="1510561" cy="805781"/>
+          </a:xfrm>
+          <a:prstGeom prst="straightConnector1">
+            <a:avLst/>
+          </a:prstGeom>
+          <a:ln>
+            <a:tailEnd type="triangle"/>
+          </a:ln>
+        </p:spPr>
+        <p:style>
+          <a:lnRef idx="1">
+            <a:schemeClr val="accent1"/>
+          </a:lnRef>
+          <a:fillRef idx="0">
+            <a:schemeClr val="accent1"/>
+          </a:fillRef>
+          <a:effectRef idx="0">
+            <a:schemeClr val="accent1"/>
+          </a:effectRef>
+          <a:fontRef idx="minor">
+            <a:schemeClr val="tx1"/>
+          </a:fontRef>
+        </p:style>
+      </p:cxnSp>
+      <p:sp>
+        <p:nvSpPr>
+          <p:cNvPr id="28" name="TextBox 27">
+            <a:extLst>
+              <a:ext uri="{FF2B5EF4-FFF2-40B4-BE49-F238E27FC236}">
+                <a16:creationId xmlns:a16="http://schemas.microsoft.com/office/drawing/2014/main" id="{4B802994-F421-02B3-81C3-07ECB962C954}"/>
+              </a:ext>
+            </a:extLst>
+          </p:cNvPr>
+          <p:cNvSpPr txBox="1"/>
+          <p:nvPr/>
+        </p:nvSpPr>
+        <p:spPr>
+          <a:xfrm>
+            <a:off x="8199029" y="1117491"/>
+            <a:ext cx="3456384" cy="646331"/>
+          </a:xfrm>
+          <a:prstGeom prst="rect">
+            <a:avLst/>
+          </a:prstGeom>
+          <a:noFill/>
+          <a:ln>
+            <a:solidFill>
+              <a:schemeClr val="accent1"/>
+            </a:solidFill>
+          </a:ln>
+        </p:spPr>
+        <p:txBody>
+          <a:bodyPr wrap="square" rtlCol="0">
+            <a:spAutoFit/>
           </a:bodyPr>
           <a:lstStyle/>
           <a:p>
+            <a:pPr algn="ctr"/>
             <a:r>
               <a:rPr lang="en-US" dirty="0"/>
-              <a:t>Does fuel type affect car price?</a:t>
-            </a:r>
-          </a:p>
-          <a:p>
-            <a:r>
-              <a:rPr lang="en-US" dirty="0"/>
-              <a:t>Define variables that possess a high  correlation to price via region?</a:t>
-            </a:r>
-          </a:p>
-          <a:p>
-            <a:r>
-              <a:rPr lang="en-US" dirty="0"/>
-              <a:t>Discover variables that share the strongest correlations to price overall?</a:t>
-            </a:r>
-          </a:p>
-          <a:p>
-            <a:r>
-              <a:rPr lang="en-US" dirty="0"/>
-              <a:t>Are there any Electric cars in the dataset, and do they make an impact on overall result?</a:t>
-            </a:r>
-          </a:p>
-          <a:p>
-            <a:r>
-              <a:rPr lang="en-US" dirty="0"/>
-              <a:t>A used car lot would know what are the top vehicles sold by region and any suggesting factors found that attribute to the sales.  </a:t>
-            </a:r>
-          </a:p>
-        </p:txBody>
-      </p:sp>
-      <p:sp>
-        <p:nvSpPr>
-          <p:cNvPr id="14" name="Text Placeholder 13"/>
-          <p:cNvSpPr>
-            <a:spLocks noGrp="1"/>
-          </p:cNvSpPr>
-          <p:nvPr>
-            <p:ph type="body" sz="quarter" idx="3"/>
-          </p:nvPr>
+              <a:t>8. Manual Cars sold for less than automatic</a:t>
+            </a:r>
+            <a:endParaRPr lang="en-AU" dirty="0"/>
+          </a:p>
+        </p:txBody>
+      </p:sp>
+      <p:sp>
+        <p:nvSpPr>
+          <p:cNvPr id="29" name="TextBox 28">
+            <a:extLst>
+              <a:ext uri="{FF2B5EF4-FFF2-40B4-BE49-F238E27FC236}">
+                <a16:creationId xmlns:a16="http://schemas.microsoft.com/office/drawing/2014/main" id="{ABD4FB30-BAAE-0555-9AE5-D7F538EB0186}"/>
+              </a:ext>
+            </a:extLst>
+          </p:cNvPr>
+          <p:cNvSpPr txBox="1"/>
+          <p:nvPr/>
         </p:nvSpPr>
         <p:spPr>
           <a:xfrm>
-            <a:off x="6343597" y="332656"/>
-            <a:ext cx="5257949" cy="990600"/>
-          </a:xfrm>
-        </p:spPr>
-        <p:txBody>
-          <a:bodyPr>
-            <a:normAutofit/>
+            <a:off x="3862165" y="5177898"/>
+            <a:ext cx="4464491" cy="646331"/>
+          </a:xfrm>
+          <a:prstGeom prst="rect">
+            <a:avLst/>
+          </a:prstGeom>
+          <a:noFill/>
+          <a:ln>
+            <a:solidFill>
+              <a:schemeClr val="accent1"/>
+            </a:solidFill>
+          </a:ln>
+        </p:spPr>
+        <p:txBody>
+          <a:bodyPr wrap="square" rtlCol="0">
+            <a:spAutoFit/>
           </a:bodyPr>
           <a:lstStyle/>
           <a:p>
-            <a:r>
-              <a:rPr lang="en-US" dirty="0">
-                <a:solidFill>
-                  <a:schemeClr val="accent1"/>
-                </a:solidFill>
-              </a:rPr>
-              <a:t>Results </a:t>
-            </a:r>
-          </a:p>
-          <a:p>
-            <a:endParaRPr lang="en-US" b="1" dirty="0"/>
-          </a:p>
-        </p:txBody>
-      </p:sp>
-      <p:sp>
-        <p:nvSpPr>
-          <p:cNvPr id="16" name="Content Placeholder 15"/>
-          <p:cNvSpPr>
-            <a:spLocks noGrp="1"/>
-          </p:cNvSpPr>
-          <p:nvPr>
-            <p:ph sz="quarter" idx="4"/>
-          </p:nvPr>
+            <a:pPr algn="ctr"/>
+            <a:r>
+              <a:rPr lang="en-AU" dirty="0"/>
+              <a:t>5. Top 5 Used Cars sold in India were: Maruti, Hyundai, Honda, Toyota, Mercedes Benz</a:t>
+            </a:r>
+          </a:p>
+        </p:txBody>
+      </p:sp>
+      <p:sp>
+        <p:nvSpPr>
+          <p:cNvPr id="30" name="TextBox 29">
+            <a:extLst>
+              <a:ext uri="{FF2B5EF4-FFF2-40B4-BE49-F238E27FC236}">
+                <a16:creationId xmlns:a16="http://schemas.microsoft.com/office/drawing/2014/main" id="{60EB4746-2D8C-4F44-7927-323C6A5AFA19}"/>
+              </a:ext>
+            </a:extLst>
+          </p:cNvPr>
+          <p:cNvSpPr txBox="1"/>
+          <p:nvPr/>
         </p:nvSpPr>
         <p:spPr>
           <a:xfrm>
-            <a:off x="6300225" y="1248308"/>
-            <a:ext cx="5604195" cy="5112568"/>
-          </a:xfrm>
-        </p:spPr>
-        <p:txBody>
-          <a:bodyPr>
-            <a:normAutofit/>
+            <a:off x="8398668" y="4290233"/>
+            <a:ext cx="3456384" cy="646331"/>
+          </a:xfrm>
+          <a:prstGeom prst="rect">
+            <a:avLst/>
+          </a:prstGeom>
+          <a:noFill/>
+          <a:ln>
+            <a:solidFill>
+              <a:schemeClr val="accent1"/>
+            </a:solidFill>
+          </a:ln>
+        </p:spPr>
+        <p:txBody>
+          <a:bodyPr wrap="square" rtlCol="0">
+            <a:spAutoFit/>
           </a:bodyPr>
           <a:lstStyle/>
           <a:p>
+            <a:pPr algn="ctr"/>
             <a:r>
               <a:rPr lang="en-US" dirty="0"/>
-              <a:t>Electric Fuel Price &amp; Diesel scored the highest based on the data set directly affecting the cost of the car. Petrol, LPG, and CNG vehicles were sold for less. </a:t>
-            </a:r>
-          </a:p>
-          <a:p>
+              <a:t>6. Price has a high correlation with Power</a:t>
+            </a:r>
+            <a:endParaRPr lang="en-AU" dirty="0"/>
+          </a:p>
+        </p:txBody>
+      </p:sp>
+      <p:sp>
+        <p:nvSpPr>
+          <p:cNvPr id="32" name="TextBox 31">
+            <a:extLst>
+              <a:ext uri="{FF2B5EF4-FFF2-40B4-BE49-F238E27FC236}">
+                <a16:creationId xmlns:a16="http://schemas.microsoft.com/office/drawing/2014/main" id="{C4B49A4E-30DA-3349-0C52-326FDA32612C}"/>
+              </a:ext>
+            </a:extLst>
+          </p:cNvPr>
+          <p:cNvSpPr txBox="1"/>
+          <p:nvPr/>
+        </p:nvSpPr>
+        <p:spPr>
+          <a:xfrm>
+            <a:off x="170451" y="2679303"/>
+            <a:ext cx="2894830" cy="923330"/>
+          </a:xfrm>
+          <a:prstGeom prst="rect">
+            <a:avLst/>
+          </a:prstGeom>
+          <a:noFill/>
+          <a:ln>
+            <a:solidFill>
+              <a:schemeClr val="accent1"/>
+            </a:solidFill>
+          </a:ln>
+        </p:spPr>
+        <p:txBody>
+          <a:bodyPr wrap="square" rtlCol="0">
+            <a:spAutoFit/>
+          </a:bodyPr>
+          <a:lstStyle/>
+          <a:p>
+            <a:pPr algn="ctr"/>
             <a:r>
               <a:rPr lang="en-US" dirty="0"/>
-              <a:t>Region, year, kilometers driven, mileage, engine, seats and price were the chosen variables to price correlation. </a:t>
-            </a:r>
-          </a:p>
-          <a:p>
+              <a:t>3. Electric vehicles sold are in similar price range of diesel fueled premium cars</a:t>
+            </a:r>
+            <a:endParaRPr lang="en-AU" dirty="0"/>
+          </a:p>
+        </p:txBody>
+      </p:sp>
+      <p:sp>
+        <p:nvSpPr>
+          <p:cNvPr id="35" name="TextBox 34">
+            <a:extLst>
+              <a:ext uri="{FF2B5EF4-FFF2-40B4-BE49-F238E27FC236}">
+                <a16:creationId xmlns:a16="http://schemas.microsoft.com/office/drawing/2014/main" id="{B3C04CA7-C5FA-F055-F770-751C3AE381D2}"/>
+              </a:ext>
+            </a:extLst>
+          </p:cNvPr>
+          <p:cNvSpPr txBox="1"/>
+          <p:nvPr/>
+        </p:nvSpPr>
+        <p:spPr>
+          <a:xfrm>
+            <a:off x="8221958" y="2782669"/>
+            <a:ext cx="3456384" cy="646331"/>
+          </a:xfrm>
+          <a:prstGeom prst="rect">
+            <a:avLst/>
+          </a:prstGeom>
+          <a:noFill/>
+          <a:ln>
+            <a:solidFill>
+              <a:schemeClr val="accent1"/>
+            </a:solidFill>
+          </a:ln>
+        </p:spPr>
+        <p:txBody>
+          <a:bodyPr wrap="square" rtlCol="0">
+            <a:spAutoFit/>
+          </a:bodyPr>
+          <a:lstStyle/>
+          <a:p>
+            <a:pPr algn="ctr"/>
             <a:r>
               <a:rPr lang="en-US" dirty="0"/>
-              <a:t>Electric car impact was noted to directly align with price  with slight multicollinearity to fuel consumption biases.</a:t>
-            </a:r>
-          </a:p>
-          <a:p>
+              <a:t>7. Transmission &amp; Owner type are negatively correlated</a:t>
+            </a:r>
+            <a:endParaRPr lang="en-AU" dirty="0"/>
+          </a:p>
+        </p:txBody>
+      </p:sp>
+      <p:sp>
+        <p:nvSpPr>
+          <p:cNvPr id="36" name="TextBox 35">
+            <a:extLst>
+              <a:ext uri="{FF2B5EF4-FFF2-40B4-BE49-F238E27FC236}">
+                <a16:creationId xmlns:a16="http://schemas.microsoft.com/office/drawing/2014/main" id="{DC62BF93-CC9D-D32B-13C5-60FB4CD2A9C7}"/>
+              </a:ext>
+            </a:extLst>
+          </p:cNvPr>
+          <p:cNvSpPr txBox="1"/>
+          <p:nvPr/>
+        </p:nvSpPr>
+        <p:spPr>
+          <a:xfrm>
+            <a:off x="4263946" y="551936"/>
+            <a:ext cx="2822989" cy="923330"/>
+          </a:xfrm>
+          <a:prstGeom prst="rect">
+            <a:avLst/>
+          </a:prstGeom>
+          <a:noFill/>
+          <a:ln>
+            <a:solidFill>
+              <a:schemeClr val="accent1"/>
+            </a:solidFill>
+          </a:ln>
+        </p:spPr>
+        <p:txBody>
+          <a:bodyPr wrap="square" rtlCol="0">
+            <a:spAutoFit/>
+          </a:bodyPr>
+          <a:lstStyle/>
+          <a:p>
+            <a:pPr algn="ctr"/>
             <a:r>
               <a:rPr lang="en-US" dirty="0"/>
-              <a:t>Model fit perfectly – without over or under fitting based on the variables </a:t>
-            </a:r>
-          </a:p>
-          <a:p>
-            <a:pPr marL="0" indent="0">
-              <a:buNone/>
+              <a:t>1. Top Region in India that sold the most cars is Mumbai</a:t>
+            </a:r>
+            <a:endParaRPr lang="en-AU" dirty="0"/>
+          </a:p>
+        </p:txBody>
+      </p:sp>
+      <p:sp>
+        <p:nvSpPr>
+          <p:cNvPr id="37" name="TextBox 36">
+            <a:extLst>
+              <a:ext uri="{FF2B5EF4-FFF2-40B4-BE49-F238E27FC236}">
+                <a16:creationId xmlns:a16="http://schemas.microsoft.com/office/drawing/2014/main" id="{8097C3F8-D470-69E3-09E2-F57BAF26E3F5}"/>
+              </a:ext>
+            </a:extLst>
+          </p:cNvPr>
+          <p:cNvSpPr txBox="1"/>
+          <p:nvPr/>
+        </p:nvSpPr>
+        <p:spPr>
+          <a:xfrm>
+            <a:off x="176303" y="4798188"/>
+            <a:ext cx="3456384" cy="923330"/>
+          </a:xfrm>
+          <a:prstGeom prst="rect">
+            <a:avLst/>
+          </a:prstGeom>
+          <a:noFill/>
+          <a:ln>
+            <a:solidFill>
+              <a:schemeClr val="accent1"/>
+            </a:solidFill>
+          </a:ln>
+        </p:spPr>
+        <p:txBody>
+          <a:bodyPr wrap="square" rtlCol="0">
+            <a:spAutoFit/>
+          </a:bodyPr>
+          <a:lstStyle/>
+          <a:p>
+            <a:pPr algn="ctr"/>
+            <a:r>
+              <a:rPr lang="en-US" dirty="0"/>
+              <a:t>4.Year, mileage, number of seats and power have a positive correlation with sale price</a:t>
+            </a:r>
+            <a:endParaRPr lang="en-AU" dirty="0"/>
+          </a:p>
+        </p:txBody>
+      </p:sp>
+      <p:sp>
+        <p:nvSpPr>
+          <p:cNvPr id="38" name="TextBox 37">
+            <a:extLst>
+              <a:ext uri="{FF2B5EF4-FFF2-40B4-BE49-F238E27FC236}">
+                <a16:creationId xmlns:a16="http://schemas.microsoft.com/office/drawing/2014/main" id="{295139AF-E238-82FF-53A2-DC4386DA4ED1}"/>
+              </a:ext>
+            </a:extLst>
+          </p:cNvPr>
+          <p:cNvSpPr txBox="1"/>
+          <p:nvPr/>
+        </p:nvSpPr>
+        <p:spPr>
+          <a:xfrm>
+            <a:off x="170451" y="1302472"/>
+            <a:ext cx="3456384" cy="369332"/>
+          </a:xfrm>
+          <a:prstGeom prst="rect">
+            <a:avLst/>
+          </a:prstGeom>
+          <a:noFill/>
+          <a:ln>
+            <a:solidFill>
+              <a:schemeClr val="accent1"/>
+            </a:solidFill>
+          </a:ln>
+        </p:spPr>
+        <p:txBody>
+          <a:bodyPr wrap="square" rtlCol="0">
+            <a:spAutoFit/>
+          </a:bodyPr>
+          <a:lstStyle/>
+          <a:p>
+            <a:pPr algn="ctr"/>
+            <a:r>
+              <a:rPr lang="en-US" dirty="0"/>
+              <a:t>2. Diesel is the preferred fuel type</a:t>
+            </a:r>
+            <a:endParaRPr lang="en-AU" dirty="0"/>
+          </a:p>
+        </p:txBody>
+      </p:sp>
+      <p:sp>
+        <p:nvSpPr>
+          <p:cNvPr id="3" name="TextBox 2">
+            <a:extLst>
+              <a:ext uri="{FF2B5EF4-FFF2-40B4-BE49-F238E27FC236}">
+                <a16:creationId xmlns:a16="http://schemas.microsoft.com/office/drawing/2014/main" id="{7BA21274-36A0-7FF9-7045-B381E9BBB859}"/>
+              </a:ext>
+            </a:extLst>
+          </p:cNvPr>
+          <p:cNvSpPr txBox="1"/>
+          <p:nvPr/>
+        </p:nvSpPr>
+        <p:spPr>
+          <a:xfrm>
+            <a:off x="359828" y="5922201"/>
+            <a:ext cx="5153774" cy="707886"/>
+          </a:xfrm>
+          <a:prstGeom prst="rect">
+            <a:avLst/>
+          </a:prstGeom>
+          <a:noFill/>
+        </p:spPr>
+        <p:txBody>
+          <a:bodyPr wrap="square" rtlCol="0">
+            <a:spAutoFit/>
+          </a:bodyPr>
+          <a:lstStyle/>
+          <a:p>
+            <a:pPr algn="l">
+              <a:buFont typeface="+mj-lt"/>
+              <a:buAutoNum type="arabicPeriod"/>
             </a:pPr>
-            <a:endParaRPr lang="en-US" dirty="0"/>
+            <a:r>
+              <a:rPr lang="en-US" sz="1000" b="0" i="0" dirty="0">
+                <a:solidFill>
+                  <a:srgbClr val="000000"/>
+                </a:solidFill>
+                <a:effectLst/>
+                <a:latin typeface="Helvetica Neue"/>
+              </a:rPr>
+              <a:t>What regions in India sold the highest number of used cars? :</a:t>
+            </a:r>
+          </a:p>
+          <a:p>
+            <a:pPr algn="l">
+              <a:buFont typeface="+mj-lt"/>
+              <a:buAutoNum type="arabicPeriod"/>
+            </a:pPr>
+            <a:r>
+              <a:rPr lang="en-US" sz="1000" b="0" i="0" dirty="0">
+                <a:solidFill>
+                  <a:srgbClr val="000000"/>
+                </a:solidFill>
+                <a:effectLst/>
+                <a:latin typeface="Helvetica Neue"/>
+              </a:rPr>
+              <a:t>Does fuel type affect the car sale price? </a:t>
+            </a:r>
+          </a:p>
+          <a:p>
+            <a:pPr algn="l">
+              <a:buFont typeface="+mj-lt"/>
+              <a:buAutoNum type="arabicPeriod"/>
+            </a:pPr>
+            <a:r>
+              <a:rPr lang="en-US" sz="1000" b="0" i="0" dirty="0">
+                <a:solidFill>
+                  <a:srgbClr val="000000"/>
+                </a:solidFill>
+                <a:effectLst/>
+                <a:latin typeface="Helvetica Neue"/>
+              </a:rPr>
+              <a:t>Do electric cars make an impact on a sales</a:t>
+            </a:r>
+          </a:p>
+          <a:p>
+            <a:pPr algn="l">
+              <a:buFont typeface="+mj-lt"/>
+              <a:buAutoNum type="arabicPeriod"/>
+            </a:pPr>
+            <a:r>
+              <a:rPr lang="en-US" sz="1000" b="0" i="0" dirty="0">
+                <a:solidFill>
+                  <a:srgbClr val="000000"/>
+                </a:solidFill>
+                <a:effectLst/>
+                <a:latin typeface="Helvetica Neue"/>
+              </a:rPr>
+              <a:t>What are some other factors that share a connection to sales prices </a:t>
+            </a:r>
+            <a:endParaRPr lang="en-AU" sz="1000" dirty="0"/>
+          </a:p>
+        </p:txBody>
+      </p:sp>
+      <p:sp>
+        <p:nvSpPr>
+          <p:cNvPr id="7" name="TextBox 6">
+            <a:extLst>
+              <a:ext uri="{FF2B5EF4-FFF2-40B4-BE49-F238E27FC236}">
+                <a16:creationId xmlns:a16="http://schemas.microsoft.com/office/drawing/2014/main" id="{42DD676C-5A49-1C36-C8E8-CEAF21E501C0}"/>
+              </a:ext>
+            </a:extLst>
+          </p:cNvPr>
+          <p:cNvSpPr txBox="1"/>
+          <p:nvPr/>
+        </p:nvSpPr>
+        <p:spPr>
+          <a:xfrm>
+            <a:off x="5374332" y="5922201"/>
+            <a:ext cx="4104457" cy="861774"/>
+          </a:xfrm>
+          <a:prstGeom prst="rect">
+            <a:avLst/>
+          </a:prstGeom>
+          <a:noFill/>
+        </p:spPr>
+        <p:txBody>
+          <a:bodyPr wrap="square" rtlCol="0">
+            <a:spAutoFit/>
+          </a:bodyPr>
+          <a:lstStyle/>
+          <a:p>
+            <a:pPr marL="171450" indent="-171450">
+              <a:buFont typeface="Arial" panose="020B0604020202020204" pitchFamily="34" charset="0"/>
+              <a:buChar char="•"/>
+            </a:pPr>
+            <a:r>
+              <a:rPr lang="en-AU" sz="1000" dirty="0">
+                <a:latin typeface="Helvetica Neue"/>
+              </a:rPr>
+              <a:t>Best Sellers Maruti, Hyundai, Honda, Toyota, Mercedes Benz</a:t>
+            </a:r>
+          </a:p>
+          <a:p>
+            <a:pPr marL="171450" indent="-171450">
+              <a:buFont typeface="Arial" panose="020B0604020202020204" pitchFamily="34" charset="0"/>
+              <a:buChar char="•"/>
+            </a:pPr>
+            <a:r>
+              <a:rPr lang="en-AU" sz="1000" dirty="0">
+                <a:latin typeface="Helvetica Neue"/>
+              </a:rPr>
+              <a:t> </a:t>
+            </a:r>
+            <a:r>
+              <a:rPr lang="en-US" sz="1000" dirty="0">
+                <a:latin typeface="Helvetica Neue"/>
+              </a:rPr>
+              <a:t>Price has a high correlation with Power</a:t>
+            </a:r>
+          </a:p>
+          <a:p>
+            <a:pPr marL="171450" indent="-171450">
+              <a:buFont typeface="Arial" panose="020B0604020202020204" pitchFamily="34" charset="0"/>
+              <a:buChar char="•"/>
+            </a:pPr>
+            <a:r>
+              <a:rPr lang="en-US" sz="1000" dirty="0">
+                <a:latin typeface="Helvetica Neue"/>
+              </a:rPr>
+              <a:t>Transmission &amp; Owner type are negatively correlated</a:t>
+            </a:r>
+          </a:p>
+          <a:p>
+            <a:pPr marL="171450" indent="-171450">
+              <a:buFont typeface="Arial" panose="020B0604020202020204" pitchFamily="34" charset="0"/>
+              <a:buChar char="•"/>
+            </a:pPr>
+            <a:r>
+              <a:rPr lang="en-US" sz="1000" dirty="0">
+                <a:latin typeface="Helvetica Neue"/>
+              </a:rPr>
+              <a:t>Manual Cars sold for less than automatic</a:t>
+            </a:r>
+          </a:p>
+          <a:p>
+            <a:pPr marL="171450" indent="-171450">
+              <a:buFont typeface="Arial" panose="020B0604020202020204" pitchFamily="34" charset="0"/>
+              <a:buChar char="•"/>
+            </a:pPr>
+            <a:endParaRPr lang="en-AU" sz="1000" dirty="0"/>
           </a:p>
         </p:txBody>
       </p:sp>
     </p:spTree>
     <p:extLst>
       <p:ext uri="{BB962C8B-B14F-4D97-AF65-F5344CB8AC3E}">
-        <p14:creationId xmlns:p14="http://schemas.microsoft.com/office/powerpoint/2010/main" val="2741717345"/>
+        <p14:creationId xmlns:p14="http://schemas.microsoft.com/office/powerpoint/2010/main" val="4244490377"/>
       </p:ext>
     </p:extLst>
   </p:cSld>
@@ -5595,970 +6592,98 @@
       </p:grpSpPr>
       <p:sp>
         <p:nvSpPr>
-          <p:cNvPr id="2" name="Title 1"/>
-          <p:cNvSpPr>
-            <a:spLocks noGrp="1"/>
-          </p:cNvSpPr>
-          <p:nvPr>
-            <p:ph type="title"/>
+          <p:cNvPr id="15" name="Content Placeholder 14"/>
+          <p:cNvSpPr>
+            <a:spLocks noGrp="1"/>
+          </p:cNvSpPr>
+          <p:nvPr>
+            <p:ph sz="half" idx="2"/>
           </p:nvPr>
         </p:nvSpPr>
         <p:spPr>
           <a:xfrm>
-            <a:off x="364574" y="153453"/>
-            <a:ext cx="2880319" cy="720080"/>
-          </a:xfrm>
-        </p:spPr>
-        <p:txBody>
-          <a:bodyPr/>
+            <a:off x="374748" y="1542147"/>
+            <a:ext cx="10127568" cy="2678941"/>
+          </a:xfrm>
+        </p:spPr>
+        <p:txBody>
+          <a:bodyPr>
+            <a:normAutofit fontScale="92500" lnSpcReduction="10000"/>
+          </a:bodyPr>
           <a:lstStyle/>
           <a:p>
             <a:r>
               <a:rPr lang="en-US" dirty="0"/>
-              <a:t>Conclusions</a:t>
-            </a:r>
-          </a:p>
-        </p:txBody>
-      </p:sp>
-      <p:sp>
-        <p:nvSpPr>
-          <p:cNvPr id="4" name="Title 1">
-            <a:extLst>
-              <a:ext uri="{FF2B5EF4-FFF2-40B4-BE49-F238E27FC236}">
-                <a16:creationId xmlns:a16="http://schemas.microsoft.com/office/drawing/2014/main" id="{07C86E67-B4D0-E4C0-9F43-FFC3D9C05B2D}"/>
-              </a:ext>
-            </a:extLst>
-          </p:cNvPr>
-          <p:cNvSpPr txBox="1">
-            <a:spLocks/>
-          </p:cNvSpPr>
-          <p:nvPr/>
+              <a:t>Electric Fuel Price &amp; Diesel scored the highest based on the data set directly affecting the cost of the car. Petrol, LPG, and CNG vehicles were sold for less.</a:t>
+            </a:r>
+          </a:p>
+          <a:p>
+            <a:r>
+              <a:rPr lang="en-US" b="0" i="0" dirty="0">
+                <a:effectLst/>
+                <a:latin typeface="Inter"/>
+              </a:rPr>
+              <a:t>Transmission and owner type have a negative correlation to Price</a:t>
+            </a:r>
+            <a:endParaRPr lang="en-US" dirty="0"/>
+          </a:p>
+          <a:p>
+            <a:r>
+              <a:rPr lang="en-US" dirty="0"/>
+              <a:t>Conclude that the OLS3 is a good model for inference and prediction with an adjusted R2 value of 95.1% - refer to Jupyter notebook</a:t>
+            </a:r>
+          </a:p>
+          <a:p>
+            <a:r>
+              <a:rPr lang="en-US" dirty="0"/>
+              <a:t>Electric car impact directly aligns with price with slight multicollinearity to fuel consumption biases.</a:t>
+            </a:r>
+          </a:p>
+          <a:p>
+            <a:endParaRPr lang="en-US" dirty="0"/>
+          </a:p>
+        </p:txBody>
+      </p:sp>
+      <p:sp>
+        <p:nvSpPr>
+          <p:cNvPr id="14" name="Text Placeholder 13"/>
+          <p:cNvSpPr>
+            <a:spLocks noGrp="1"/>
+          </p:cNvSpPr>
+          <p:nvPr>
+            <p:ph type="body" sz="quarter" idx="3"/>
+          </p:nvPr>
         </p:nvSpPr>
         <p:spPr>
           <a:xfrm>
-            <a:off x="247087" y="764704"/>
-            <a:ext cx="11694649" cy="5904656"/>
-          </a:xfrm>
-          <a:prstGeom prst="rect">
-            <a:avLst/>
-          </a:prstGeom>
-        </p:spPr>
-        <p:txBody>
-          <a:bodyPr vert="horz" lIns="91440" tIns="45720" rIns="91440" bIns="45720" rtlCol="0" anchor="b">
+            <a:off x="376082" y="332656"/>
+            <a:ext cx="5257949" cy="990600"/>
+          </a:xfrm>
+        </p:spPr>
+        <p:txBody>
+          <a:bodyPr>
             <a:normAutofit/>
           </a:bodyPr>
-          <a:lstStyle>
-            <a:lvl1pPr algn="l" defTabSz="914400" rtl="0" eaLnBrk="1" latinLnBrk="0" hangingPunct="1">
-              <a:lnSpc>
-                <a:spcPct val="80000"/>
-              </a:lnSpc>
-              <a:spcBef>
-                <a:spcPct val="0"/>
-              </a:spcBef>
-              <a:buNone/>
-              <a:defRPr sz="3600" kern="1200">
+          <a:lstStyle/>
+          <a:p>
+            <a:r>
+              <a:rPr lang="en-US" dirty="0">
                 <a:solidFill>
                   <a:schemeClr val="accent1"/>
                 </a:solidFill>
-                <a:latin typeface="+mj-lt"/>
-                <a:ea typeface="+mj-ea"/>
-                <a:cs typeface="+mj-cs"/>
-              </a:defRPr>
-            </a:lvl1pPr>
-          </a:lstStyle>
-          <a:p>
-            <a:endParaRPr lang="en-US" dirty="0"/>
-          </a:p>
-        </p:txBody>
-      </p:sp>
-      <p:pic>
-        <p:nvPicPr>
-          <p:cNvPr id="6" name="Picture 5">
-            <a:extLst>
-              <a:ext uri="{FF2B5EF4-FFF2-40B4-BE49-F238E27FC236}">
-                <a16:creationId xmlns:a16="http://schemas.microsoft.com/office/drawing/2014/main" id="{7613C855-2575-D650-CFD9-8D3AA99480C4}"/>
-              </a:ext>
-            </a:extLst>
-          </p:cNvPr>
-          <p:cNvPicPr>
-            <a:picLocks noChangeAspect="1"/>
-          </p:cNvPicPr>
-          <p:nvPr/>
-        </p:nvPicPr>
-        <p:blipFill>
-          <a:blip r:embed="rId3">
-            <a:extLst>
-              <a:ext uri="{28A0092B-C50C-407E-A947-70E740481C1C}">
-                <a14:useLocalDpi xmlns:a14="http://schemas.microsoft.com/office/drawing/2010/main" val="0"/>
-              </a:ext>
-            </a:extLst>
-          </a:blip>
-          <a:stretch>
-            <a:fillRect/>
-          </a:stretch>
-        </p:blipFill>
-        <p:spPr>
-          <a:xfrm>
-            <a:off x="4148589" y="2276872"/>
-            <a:ext cx="3053705" cy="1714500"/>
-          </a:xfrm>
-          <a:prstGeom prst="rect">
-            <a:avLst/>
-          </a:prstGeom>
-        </p:spPr>
-      </p:pic>
-      <p:cxnSp>
-        <p:nvCxnSpPr>
-          <p:cNvPr id="8" name="Straight Arrow Connector 7">
-            <a:extLst>
-              <a:ext uri="{FF2B5EF4-FFF2-40B4-BE49-F238E27FC236}">
-                <a16:creationId xmlns:a16="http://schemas.microsoft.com/office/drawing/2014/main" id="{29BA07C0-8C4D-239A-F430-675D219913D4}"/>
-              </a:ext>
-            </a:extLst>
-          </p:cNvPr>
-          <p:cNvCxnSpPr>
-            <a:cxnSpLocks/>
-            <a:endCxn id="36" idx="2"/>
-          </p:cNvCxnSpPr>
-          <p:nvPr/>
-        </p:nvCxnSpPr>
-        <p:spPr>
-          <a:xfrm flipV="1">
-            <a:off x="5675441" y="1475266"/>
-            <a:ext cx="0" cy="805780"/>
-          </a:xfrm>
-          <a:prstGeom prst="straightConnector1">
-            <a:avLst/>
-          </a:prstGeom>
-          <a:ln>
-            <a:tailEnd type="triangle"/>
-          </a:ln>
-        </p:spPr>
-        <p:style>
-          <a:lnRef idx="1">
-            <a:schemeClr val="accent1"/>
-          </a:lnRef>
-          <a:fillRef idx="0">
-            <a:schemeClr val="accent1"/>
-          </a:fillRef>
-          <a:effectRef idx="0">
-            <a:schemeClr val="accent1"/>
-          </a:effectRef>
-          <a:fontRef idx="minor">
-            <a:schemeClr val="tx1"/>
-          </a:fontRef>
-        </p:style>
-      </p:cxnSp>
-      <p:cxnSp>
-        <p:nvCxnSpPr>
-          <p:cNvPr id="10" name="Straight Arrow Connector 9">
-            <a:extLst>
-              <a:ext uri="{FF2B5EF4-FFF2-40B4-BE49-F238E27FC236}">
-                <a16:creationId xmlns:a16="http://schemas.microsoft.com/office/drawing/2014/main" id="{6A51CE8A-4ED8-89F6-2CAB-B47FDE191338}"/>
-              </a:ext>
-            </a:extLst>
-          </p:cNvPr>
-          <p:cNvCxnSpPr>
-            <a:stCxn id="6" idx="3"/>
-          </p:cNvCxnSpPr>
-          <p:nvPr/>
-        </p:nvCxnSpPr>
-        <p:spPr>
-          <a:xfrm>
-            <a:off x="7202294" y="3134122"/>
-            <a:ext cx="980350" cy="6846"/>
-          </a:xfrm>
-          <a:prstGeom prst="straightConnector1">
-            <a:avLst/>
-          </a:prstGeom>
-          <a:ln>
-            <a:tailEnd type="triangle"/>
-          </a:ln>
-        </p:spPr>
-        <p:style>
-          <a:lnRef idx="1">
-            <a:schemeClr val="accent1"/>
-          </a:lnRef>
-          <a:fillRef idx="0">
-            <a:schemeClr val="accent1"/>
-          </a:fillRef>
-          <a:effectRef idx="0">
-            <a:schemeClr val="accent1"/>
-          </a:effectRef>
-          <a:fontRef idx="minor">
-            <a:schemeClr val="tx1"/>
-          </a:fontRef>
-        </p:style>
-      </p:cxnSp>
-      <p:cxnSp>
-        <p:nvCxnSpPr>
-          <p:cNvPr id="12" name="Straight Arrow Connector 11">
-            <a:extLst>
-              <a:ext uri="{FF2B5EF4-FFF2-40B4-BE49-F238E27FC236}">
-                <a16:creationId xmlns:a16="http://schemas.microsoft.com/office/drawing/2014/main" id="{FDF9145B-5DCB-C5C8-9D27-956094DEDE86}"/>
-              </a:ext>
-            </a:extLst>
-          </p:cNvPr>
-          <p:cNvCxnSpPr>
-            <a:cxnSpLocks/>
-            <a:stCxn id="6" idx="2"/>
-          </p:cNvCxnSpPr>
-          <p:nvPr/>
-        </p:nvCxnSpPr>
-        <p:spPr>
-          <a:xfrm flipH="1">
-            <a:off x="5675441" y="3991372"/>
-            <a:ext cx="1" cy="1165820"/>
-          </a:xfrm>
-          <a:prstGeom prst="straightConnector1">
-            <a:avLst/>
-          </a:prstGeom>
-          <a:ln>
-            <a:tailEnd type="triangle"/>
-          </a:ln>
-        </p:spPr>
-        <p:style>
-          <a:lnRef idx="1">
-            <a:schemeClr val="accent1"/>
-          </a:lnRef>
-          <a:fillRef idx="0">
-            <a:schemeClr val="accent1"/>
-          </a:fillRef>
-          <a:effectRef idx="0">
-            <a:schemeClr val="accent1"/>
-          </a:effectRef>
-          <a:fontRef idx="minor">
-            <a:schemeClr val="tx1"/>
-          </a:fontRef>
-        </p:style>
-      </p:cxnSp>
-      <p:cxnSp>
-        <p:nvCxnSpPr>
-          <p:cNvPr id="14" name="Straight Arrow Connector 13">
-            <a:extLst>
-              <a:ext uri="{FF2B5EF4-FFF2-40B4-BE49-F238E27FC236}">
-                <a16:creationId xmlns:a16="http://schemas.microsoft.com/office/drawing/2014/main" id="{3443D037-921E-D280-CC03-05CF0938A395}"/>
-              </a:ext>
-            </a:extLst>
-          </p:cNvPr>
-          <p:cNvCxnSpPr>
-            <a:stCxn id="6" idx="1"/>
-          </p:cNvCxnSpPr>
-          <p:nvPr/>
-        </p:nvCxnSpPr>
-        <p:spPr>
-          <a:xfrm flipH="1">
-            <a:off x="3070076" y="3134122"/>
-            <a:ext cx="1078513" cy="6846"/>
-          </a:xfrm>
-          <a:prstGeom prst="straightConnector1">
-            <a:avLst/>
-          </a:prstGeom>
-          <a:ln>
-            <a:tailEnd type="triangle"/>
-          </a:ln>
-        </p:spPr>
-        <p:style>
-          <a:lnRef idx="1">
-            <a:schemeClr val="accent1"/>
-          </a:lnRef>
-          <a:fillRef idx="0">
-            <a:schemeClr val="accent1"/>
-          </a:fillRef>
-          <a:effectRef idx="0">
-            <a:schemeClr val="accent1"/>
-          </a:effectRef>
-          <a:fontRef idx="minor">
-            <a:schemeClr val="tx1"/>
-          </a:fontRef>
-        </p:style>
-      </p:cxnSp>
-      <p:cxnSp>
-        <p:nvCxnSpPr>
-          <p:cNvPr id="19" name="Straight Arrow Connector 18">
-            <a:extLst>
-              <a:ext uri="{FF2B5EF4-FFF2-40B4-BE49-F238E27FC236}">
-                <a16:creationId xmlns:a16="http://schemas.microsoft.com/office/drawing/2014/main" id="{33A05A6E-DAD2-1D46-E96F-BAC8D5044BEA}"/>
-              </a:ext>
-            </a:extLst>
-          </p:cNvPr>
-          <p:cNvCxnSpPr>
-            <a:cxnSpLocks/>
-            <a:endCxn id="30" idx="1"/>
-          </p:cNvCxnSpPr>
-          <p:nvPr/>
-        </p:nvCxnSpPr>
-        <p:spPr>
-          <a:xfrm>
-            <a:off x="7202294" y="4012078"/>
-            <a:ext cx="1196374" cy="601321"/>
-          </a:xfrm>
-          <a:prstGeom prst="straightConnector1">
-            <a:avLst/>
-          </a:prstGeom>
-          <a:ln>
-            <a:tailEnd type="triangle"/>
-          </a:ln>
-        </p:spPr>
-        <p:style>
-          <a:lnRef idx="1">
-            <a:schemeClr val="accent1"/>
-          </a:lnRef>
-          <a:fillRef idx="0">
-            <a:schemeClr val="accent1"/>
-          </a:fillRef>
-          <a:effectRef idx="0">
-            <a:schemeClr val="accent1"/>
-          </a:effectRef>
-          <a:fontRef idx="minor">
-            <a:schemeClr val="tx1"/>
-          </a:fontRef>
-        </p:style>
-      </p:cxnSp>
-      <p:cxnSp>
-        <p:nvCxnSpPr>
-          <p:cNvPr id="21" name="Straight Arrow Connector 20">
-            <a:extLst>
-              <a:ext uri="{FF2B5EF4-FFF2-40B4-BE49-F238E27FC236}">
-                <a16:creationId xmlns:a16="http://schemas.microsoft.com/office/drawing/2014/main" id="{AEF17522-5436-449F-3563-EDE6D86DB88F}"/>
-              </a:ext>
-            </a:extLst>
-          </p:cNvPr>
-          <p:cNvCxnSpPr>
-            <a:cxnSpLocks/>
-          </p:cNvCxnSpPr>
-          <p:nvPr/>
-        </p:nvCxnSpPr>
-        <p:spPr>
-          <a:xfrm flipV="1">
-            <a:off x="7202294" y="1520788"/>
-            <a:ext cx="980350" cy="770366"/>
-          </a:xfrm>
-          <a:prstGeom prst="straightConnector1">
-            <a:avLst/>
-          </a:prstGeom>
-          <a:ln>
-            <a:tailEnd type="triangle"/>
-          </a:ln>
-        </p:spPr>
-        <p:style>
-          <a:lnRef idx="1">
-            <a:schemeClr val="accent1"/>
-          </a:lnRef>
-          <a:fillRef idx="0">
-            <a:schemeClr val="accent1"/>
-          </a:fillRef>
-          <a:effectRef idx="0">
-            <a:schemeClr val="accent1"/>
-          </a:effectRef>
-          <a:fontRef idx="minor">
-            <a:schemeClr val="tx1"/>
-          </a:fontRef>
-        </p:style>
-      </p:cxnSp>
-      <p:cxnSp>
-        <p:nvCxnSpPr>
-          <p:cNvPr id="25" name="Straight Arrow Connector 24">
-            <a:extLst>
-              <a:ext uri="{FF2B5EF4-FFF2-40B4-BE49-F238E27FC236}">
-                <a16:creationId xmlns:a16="http://schemas.microsoft.com/office/drawing/2014/main" id="{4DE8728B-643D-0E78-0425-A6457B2CF9B5}"/>
-              </a:ext>
-            </a:extLst>
-          </p:cNvPr>
-          <p:cNvCxnSpPr/>
-          <p:nvPr/>
-        </p:nvCxnSpPr>
-        <p:spPr>
-          <a:xfrm flipH="1" flipV="1">
-            <a:off x="3502124" y="1772816"/>
-            <a:ext cx="646465" cy="504056"/>
-          </a:xfrm>
-          <a:prstGeom prst="straightConnector1">
-            <a:avLst/>
-          </a:prstGeom>
-          <a:ln>
-            <a:tailEnd type="triangle"/>
-          </a:ln>
-        </p:spPr>
-        <p:style>
-          <a:lnRef idx="1">
-            <a:schemeClr val="accent1"/>
-          </a:lnRef>
-          <a:fillRef idx="0">
-            <a:schemeClr val="accent1"/>
-          </a:fillRef>
-          <a:effectRef idx="0">
-            <a:schemeClr val="accent1"/>
-          </a:effectRef>
-          <a:fontRef idx="minor">
-            <a:schemeClr val="tx1"/>
-          </a:fontRef>
-        </p:style>
-      </p:cxnSp>
-      <p:cxnSp>
-        <p:nvCxnSpPr>
-          <p:cNvPr id="27" name="Straight Arrow Connector 26">
-            <a:extLst>
-              <a:ext uri="{FF2B5EF4-FFF2-40B4-BE49-F238E27FC236}">
-                <a16:creationId xmlns:a16="http://schemas.microsoft.com/office/drawing/2014/main" id="{53D79088-BDE0-CA40-48B7-2A992C0B108D}"/>
-              </a:ext>
-            </a:extLst>
-          </p:cNvPr>
-          <p:cNvCxnSpPr>
-            <a:cxnSpLocks/>
-          </p:cNvCxnSpPr>
-          <p:nvPr/>
-        </p:nvCxnSpPr>
-        <p:spPr>
-          <a:xfrm flipH="1">
-            <a:off x="2581514" y="3956695"/>
-            <a:ext cx="1510561" cy="805781"/>
-          </a:xfrm>
-          <a:prstGeom prst="straightConnector1">
-            <a:avLst/>
-          </a:prstGeom>
-          <a:ln>
-            <a:tailEnd type="triangle"/>
-          </a:ln>
-        </p:spPr>
-        <p:style>
-          <a:lnRef idx="1">
-            <a:schemeClr val="accent1"/>
-          </a:lnRef>
-          <a:fillRef idx="0">
-            <a:schemeClr val="accent1"/>
-          </a:fillRef>
-          <a:effectRef idx="0">
-            <a:schemeClr val="accent1"/>
-          </a:effectRef>
-          <a:fontRef idx="minor">
-            <a:schemeClr val="tx1"/>
-          </a:fontRef>
-        </p:style>
-      </p:cxnSp>
-      <p:sp>
-        <p:nvSpPr>
-          <p:cNvPr id="28" name="TextBox 27">
-            <a:extLst>
-              <a:ext uri="{FF2B5EF4-FFF2-40B4-BE49-F238E27FC236}">
-                <a16:creationId xmlns:a16="http://schemas.microsoft.com/office/drawing/2014/main" id="{4B802994-F421-02B3-81C3-07ECB962C954}"/>
-              </a:ext>
-            </a:extLst>
-          </p:cNvPr>
-          <p:cNvSpPr txBox="1"/>
-          <p:nvPr/>
-        </p:nvSpPr>
-        <p:spPr>
-          <a:xfrm>
-            <a:off x="8199029" y="1117491"/>
-            <a:ext cx="3456384" cy="646331"/>
-          </a:xfrm>
-          <a:prstGeom prst="rect">
-            <a:avLst/>
-          </a:prstGeom>
-          <a:noFill/>
-          <a:ln>
-            <a:solidFill>
-              <a:schemeClr val="accent1"/>
-            </a:solidFill>
-          </a:ln>
-        </p:spPr>
-        <p:txBody>
-          <a:bodyPr wrap="square" rtlCol="0">
-            <a:spAutoFit/>
-          </a:bodyPr>
-          <a:lstStyle/>
-          <a:p>
-            <a:pPr algn="ctr"/>
-            <a:r>
-              <a:rPr lang="en-US" dirty="0"/>
-              <a:t>8. Manual Cars sold for less than automatic</a:t>
-            </a:r>
-            <a:endParaRPr lang="en-AU" dirty="0"/>
-          </a:p>
-        </p:txBody>
-      </p:sp>
-      <p:sp>
-        <p:nvSpPr>
-          <p:cNvPr id="29" name="TextBox 28">
-            <a:extLst>
-              <a:ext uri="{FF2B5EF4-FFF2-40B4-BE49-F238E27FC236}">
-                <a16:creationId xmlns:a16="http://schemas.microsoft.com/office/drawing/2014/main" id="{ABD4FB30-BAAE-0555-9AE5-D7F538EB0186}"/>
-              </a:ext>
-            </a:extLst>
-          </p:cNvPr>
-          <p:cNvSpPr txBox="1"/>
-          <p:nvPr/>
-        </p:nvSpPr>
-        <p:spPr>
-          <a:xfrm>
-            <a:off x="3862165" y="5177898"/>
-            <a:ext cx="4464491" cy="646331"/>
-          </a:xfrm>
-          <a:prstGeom prst="rect">
-            <a:avLst/>
-          </a:prstGeom>
-          <a:noFill/>
-          <a:ln>
-            <a:solidFill>
-              <a:schemeClr val="accent1"/>
-            </a:solidFill>
-          </a:ln>
-        </p:spPr>
-        <p:txBody>
-          <a:bodyPr wrap="square" rtlCol="0">
-            <a:spAutoFit/>
-          </a:bodyPr>
-          <a:lstStyle/>
-          <a:p>
-            <a:pPr algn="ctr"/>
-            <a:r>
-              <a:rPr lang="en-AU" dirty="0"/>
-              <a:t>5. Top 5 Used Cars sold in India were: Maruti, Hyundai, Honda, Toyota, Mercedes Benz</a:t>
-            </a:r>
-          </a:p>
-        </p:txBody>
-      </p:sp>
-      <p:sp>
-        <p:nvSpPr>
-          <p:cNvPr id="30" name="TextBox 29">
-            <a:extLst>
-              <a:ext uri="{FF2B5EF4-FFF2-40B4-BE49-F238E27FC236}">
-                <a16:creationId xmlns:a16="http://schemas.microsoft.com/office/drawing/2014/main" id="{60EB4746-2D8C-4F44-7927-323C6A5AFA19}"/>
-              </a:ext>
-            </a:extLst>
-          </p:cNvPr>
-          <p:cNvSpPr txBox="1"/>
-          <p:nvPr/>
-        </p:nvSpPr>
-        <p:spPr>
-          <a:xfrm>
-            <a:off x="8398668" y="4290233"/>
-            <a:ext cx="3456384" cy="646331"/>
-          </a:xfrm>
-          <a:prstGeom prst="rect">
-            <a:avLst/>
-          </a:prstGeom>
-          <a:noFill/>
-          <a:ln>
-            <a:solidFill>
-              <a:schemeClr val="accent1"/>
-            </a:solidFill>
-          </a:ln>
-        </p:spPr>
-        <p:txBody>
-          <a:bodyPr wrap="square" rtlCol="0">
-            <a:spAutoFit/>
-          </a:bodyPr>
-          <a:lstStyle/>
-          <a:p>
-            <a:pPr algn="ctr"/>
-            <a:r>
-              <a:rPr lang="en-US" dirty="0"/>
-              <a:t>6. Price has a high correlation with Power</a:t>
-            </a:r>
-            <a:endParaRPr lang="en-AU" dirty="0"/>
-          </a:p>
-        </p:txBody>
-      </p:sp>
-      <p:sp>
-        <p:nvSpPr>
-          <p:cNvPr id="32" name="TextBox 31">
-            <a:extLst>
-              <a:ext uri="{FF2B5EF4-FFF2-40B4-BE49-F238E27FC236}">
-                <a16:creationId xmlns:a16="http://schemas.microsoft.com/office/drawing/2014/main" id="{C4B49A4E-30DA-3349-0C52-326FDA32612C}"/>
-              </a:ext>
-            </a:extLst>
-          </p:cNvPr>
-          <p:cNvSpPr txBox="1"/>
-          <p:nvPr/>
-        </p:nvSpPr>
-        <p:spPr>
-          <a:xfrm>
-            <a:off x="170451" y="2679303"/>
-            <a:ext cx="2894830" cy="923330"/>
-          </a:xfrm>
-          <a:prstGeom prst="rect">
-            <a:avLst/>
-          </a:prstGeom>
-          <a:noFill/>
-          <a:ln>
-            <a:solidFill>
-              <a:schemeClr val="accent1"/>
-            </a:solidFill>
-          </a:ln>
-        </p:spPr>
-        <p:txBody>
-          <a:bodyPr wrap="square" rtlCol="0">
-            <a:spAutoFit/>
-          </a:bodyPr>
-          <a:lstStyle/>
-          <a:p>
-            <a:pPr algn="ctr"/>
-            <a:r>
-              <a:rPr lang="en-US" dirty="0"/>
-              <a:t>3. Electric vehicles sold are in similar price range of diesel fueled premium cars</a:t>
-            </a:r>
-            <a:endParaRPr lang="en-AU" dirty="0"/>
-          </a:p>
-        </p:txBody>
-      </p:sp>
-      <p:sp>
-        <p:nvSpPr>
-          <p:cNvPr id="35" name="TextBox 34">
-            <a:extLst>
-              <a:ext uri="{FF2B5EF4-FFF2-40B4-BE49-F238E27FC236}">
-                <a16:creationId xmlns:a16="http://schemas.microsoft.com/office/drawing/2014/main" id="{B3C04CA7-C5FA-F055-F770-751C3AE381D2}"/>
-              </a:ext>
-            </a:extLst>
-          </p:cNvPr>
-          <p:cNvSpPr txBox="1"/>
-          <p:nvPr/>
-        </p:nvSpPr>
-        <p:spPr>
-          <a:xfrm>
-            <a:off x="8221958" y="2782669"/>
-            <a:ext cx="3456384" cy="646331"/>
-          </a:xfrm>
-          <a:prstGeom prst="rect">
-            <a:avLst/>
-          </a:prstGeom>
-          <a:noFill/>
-          <a:ln>
-            <a:solidFill>
-              <a:schemeClr val="accent1"/>
-            </a:solidFill>
-          </a:ln>
-        </p:spPr>
-        <p:txBody>
-          <a:bodyPr wrap="square" rtlCol="0">
-            <a:spAutoFit/>
-          </a:bodyPr>
-          <a:lstStyle/>
-          <a:p>
-            <a:pPr algn="ctr"/>
-            <a:r>
-              <a:rPr lang="en-US" dirty="0"/>
-              <a:t>7. Transmission &amp; Owner type are negatively correlated</a:t>
-            </a:r>
-            <a:endParaRPr lang="en-AU" dirty="0"/>
-          </a:p>
-        </p:txBody>
-      </p:sp>
-      <p:sp>
-        <p:nvSpPr>
-          <p:cNvPr id="36" name="TextBox 35">
-            <a:extLst>
-              <a:ext uri="{FF2B5EF4-FFF2-40B4-BE49-F238E27FC236}">
-                <a16:creationId xmlns:a16="http://schemas.microsoft.com/office/drawing/2014/main" id="{DC62BF93-CC9D-D32B-13C5-60FB4CD2A9C7}"/>
-              </a:ext>
-            </a:extLst>
-          </p:cNvPr>
-          <p:cNvSpPr txBox="1"/>
-          <p:nvPr/>
-        </p:nvSpPr>
-        <p:spPr>
-          <a:xfrm>
-            <a:off x="4263946" y="551936"/>
-            <a:ext cx="2822989" cy="923330"/>
-          </a:xfrm>
-          <a:prstGeom prst="rect">
-            <a:avLst/>
-          </a:prstGeom>
-          <a:noFill/>
-          <a:ln>
-            <a:solidFill>
-              <a:schemeClr val="accent1"/>
-            </a:solidFill>
-          </a:ln>
-        </p:spPr>
-        <p:txBody>
-          <a:bodyPr wrap="square" rtlCol="0">
-            <a:spAutoFit/>
-          </a:bodyPr>
-          <a:lstStyle/>
-          <a:p>
-            <a:pPr algn="ctr"/>
-            <a:r>
-              <a:rPr lang="en-US" dirty="0"/>
-              <a:t>1. Top Region in India that sold the most cars is Mumbai</a:t>
-            </a:r>
-            <a:endParaRPr lang="en-AU" dirty="0"/>
-          </a:p>
-        </p:txBody>
-      </p:sp>
-      <p:sp>
-        <p:nvSpPr>
-          <p:cNvPr id="37" name="TextBox 36">
-            <a:extLst>
-              <a:ext uri="{FF2B5EF4-FFF2-40B4-BE49-F238E27FC236}">
-                <a16:creationId xmlns:a16="http://schemas.microsoft.com/office/drawing/2014/main" id="{8097C3F8-D470-69E3-09E2-F57BAF26E3F5}"/>
-              </a:ext>
-            </a:extLst>
-          </p:cNvPr>
-          <p:cNvSpPr txBox="1"/>
-          <p:nvPr/>
-        </p:nvSpPr>
-        <p:spPr>
-          <a:xfrm>
-            <a:off x="176303" y="4798188"/>
-            <a:ext cx="3456384" cy="923330"/>
-          </a:xfrm>
-          <a:prstGeom prst="rect">
-            <a:avLst/>
-          </a:prstGeom>
-          <a:noFill/>
-          <a:ln>
-            <a:solidFill>
-              <a:schemeClr val="accent1"/>
-            </a:solidFill>
-          </a:ln>
-        </p:spPr>
-        <p:txBody>
-          <a:bodyPr wrap="square" rtlCol="0">
-            <a:spAutoFit/>
-          </a:bodyPr>
-          <a:lstStyle/>
-          <a:p>
-            <a:pPr algn="ctr"/>
-            <a:r>
-              <a:rPr lang="en-US" dirty="0"/>
-              <a:t>4.Year, mileage, number of seats and power have a positive correlation with sale price</a:t>
-            </a:r>
-            <a:endParaRPr lang="en-AU" dirty="0"/>
-          </a:p>
-        </p:txBody>
-      </p:sp>
-      <p:sp>
-        <p:nvSpPr>
-          <p:cNvPr id="38" name="TextBox 37">
-            <a:extLst>
-              <a:ext uri="{FF2B5EF4-FFF2-40B4-BE49-F238E27FC236}">
-                <a16:creationId xmlns:a16="http://schemas.microsoft.com/office/drawing/2014/main" id="{295139AF-E238-82FF-53A2-DC4386DA4ED1}"/>
-              </a:ext>
-            </a:extLst>
-          </p:cNvPr>
-          <p:cNvSpPr txBox="1"/>
-          <p:nvPr/>
-        </p:nvSpPr>
-        <p:spPr>
-          <a:xfrm>
-            <a:off x="170451" y="1302472"/>
-            <a:ext cx="3456384" cy="369332"/>
-          </a:xfrm>
-          <a:prstGeom prst="rect">
-            <a:avLst/>
-          </a:prstGeom>
-          <a:noFill/>
-          <a:ln>
-            <a:solidFill>
-              <a:schemeClr val="accent1"/>
-            </a:solidFill>
-          </a:ln>
-        </p:spPr>
-        <p:txBody>
-          <a:bodyPr wrap="square" rtlCol="0">
-            <a:spAutoFit/>
-          </a:bodyPr>
-          <a:lstStyle/>
-          <a:p>
-            <a:pPr algn="ctr"/>
-            <a:r>
-              <a:rPr lang="en-US" dirty="0"/>
-              <a:t>2. Diesel is the preferred fuel type</a:t>
-            </a:r>
-            <a:endParaRPr lang="en-AU" dirty="0"/>
-          </a:p>
-        </p:txBody>
-      </p:sp>
-      <p:sp>
-        <p:nvSpPr>
-          <p:cNvPr id="3" name="TextBox 2">
-            <a:extLst>
-              <a:ext uri="{FF2B5EF4-FFF2-40B4-BE49-F238E27FC236}">
-                <a16:creationId xmlns:a16="http://schemas.microsoft.com/office/drawing/2014/main" id="{7BA21274-36A0-7FF9-7045-B381E9BBB859}"/>
-              </a:ext>
-            </a:extLst>
-          </p:cNvPr>
-          <p:cNvSpPr txBox="1"/>
-          <p:nvPr/>
-        </p:nvSpPr>
-        <p:spPr>
-          <a:xfrm>
-            <a:off x="359828" y="5922201"/>
-            <a:ext cx="5153774" cy="707886"/>
-          </a:xfrm>
-          <a:prstGeom prst="rect">
-            <a:avLst/>
-          </a:prstGeom>
-          <a:noFill/>
-        </p:spPr>
-        <p:txBody>
-          <a:bodyPr wrap="square" rtlCol="0">
-            <a:spAutoFit/>
-          </a:bodyPr>
-          <a:lstStyle/>
-          <a:p>
-            <a:pPr algn="l">
-              <a:buFont typeface="+mj-lt"/>
-              <a:buAutoNum type="arabicPeriod"/>
-            </a:pPr>
-            <a:r>
-              <a:rPr lang="en-US" sz="1000" b="0" i="0" dirty="0">
-                <a:solidFill>
-                  <a:srgbClr val="000000"/>
-                </a:solidFill>
-                <a:effectLst/>
-                <a:latin typeface="Helvetica Neue"/>
               </a:rPr>
-              <a:t>What regions in India sold the highest number of used cars? : Mumbai </a:t>
-            </a:r>
-          </a:p>
-          <a:p>
-            <a:pPr algn="l">
-              <a:buFont typeface="+mj-lt"/>
-              <a:buAutoNum type="arabicPeriod"/>
-            </a:pPr>
-            <a:r>
-              <a:rPr lang="en-US" sz="1000" b="0" i="0" dirty="0">
-                <a:solidFill>
-                  <a:srgbClr val="000000"/>
-                </a:solidFill>
-                <a:effectLst/>
-                <a:latin typeface="Helvetica Neue"/>
-              </a:rPr>
-              <a:t>Does fuel type affect the car sale price? Data represented Diesel is the preferred fuel</a:t>
-            </a:r>
-          </a:p>
-          <a:p>
-            <a:pPr algn="l">
-              <a:buFont typeface="+mj-lt"/>
-              <a:buAutoNum type="arabicPeriod"/>
-            </a:pPr>
-            <a:r>
-              <a:rPr lang="en-US" sz="1000" b="0" i="0" dirty="0">
-                <a:solidFill>
-                  <a:srgbClr val="000000"/>
-                </a:solidFill>
-                <a:effectLst/>
-                <a:latin typeface="Helvetica Neue"/>
-              </a:rPr>
-              <a:t>Do electric cars make an impact on a sales</a:t>
-            </a:r>
-          </a:p>
-          <a:p>
-            <a:pPr algn="l">
-              <a:buFont typeface="+mj-lt"/>
-              <a:buAutoNum type="arabicPeriod"/>
-            </a:pPr>
-            <a:r>
-              <a:rPr lang="en-US" sz="1000" b="0" i="0" dirty="0">
-                <a:solidFill>
-                  <a:srgbClr val="000000"/>
-                </a:solidFill>
-                <a:effectLst/>
-                <a:latin typeface="Helvetica Neue"/>
-              </a:rPr>
-              <a:t>What are some other factors that share a connection to sales prices </a:t>
-            </a:r>
-            <a:endParaRPr lang="en-AU" sz="1000" dirty="0"/>
-          </a:p>
-        </p:txBody>
-      </p:sp>
-      <p:sp>
-        <p:nvSpPr>
-          <p:cNvPr id="7" name="TextBox 6">
-            <a:extLst>
-              <a:ext uri="{FF2B5EF4-FFF2-40B4-BE49-F238E27FC236}">
-                <a16:creationId xmlns:a16="http://schemas.microsoft.com/office/drawing/2014/main" id="{42DD676C-5A49-1C36-C8E8-CEAF21E501C0}"/>
-              </a:ext>
-            </a:extLst>
-          </p:cNvPr>
-          <p:cNvSpPr txBox="1"/>
-          <p:nvPr/>
-        </p:nvSpPr>
-        <p:spPr>
-          <a:xfrm>
-            <a:off x="7550956" y="5903436"/>
-            <a:ext cx="4104457" cy="861774"/>
-          </a:xfrm>
-          <a:prstGeom prst="rect">
-            <a:avLst/>
-          </a:prstGeom>
-          <a:noFill/>
-        </p:spPr>
-        <p:txBody>
-          <a:bodyPr wrap="square" rtlCol="0">
-            <a:spAutoFit/>
-          </a:bodyPr>
-          <a:lstStyle/>
-          <a:p>
-            <a:pPr marL="171450" indent="-171450">
-              <a:buFont typeface="Arial" panose="020B0604020202020204" pitchFamily="34" charset="0"/>
-              <a:buChar char="•"/>
-            </a:pPr>
-            <a:r>
-              <a:rPr lang="en-AU" sz="1000" dirty="0">
-                <a:latin typeface="Helvetica Neue"/>
-              </a:rPr>
-              <a:t>Best Sellers Maruti, Hyundai, Honda, Toyota, Mercedes Benz</a:t>
-            </a:r>
-          </a:p>
-          <a:p>
-            <a:pPr marL="171450" indent="-171450">
-              <a:buFont typeface="Arial" panose="020B0604020202020204" pitchFamily="34" charset="0"/>
-              <a:buChar char="•"/>
-            </a:pPr>
-            <a:r>
-              <a:rPr lang="en-AU" sz="1000" dirty="0">
-                <a:latin typeface="Helvetica Neue"/>
-              </a:rPr>
-              <a:t> </a:t>
-            </a:r>
-            <a:r>
-              <a:rPr lang="en-US" sz="1000" dirty="0">
-                <a:latin typeface="Helvetica Neue"/>
-              </a:rPr>
-              <a:t>Price has a high correlation with Power</a:t>
-            </a:r>
-          </a:p>
-          <a:p>
-            <a:pPr marL="171450" indent="-171450">
-              <a:buFont typeface="Arial" panose="020B0604020202020204" pitchFamily="34" charset="0"/>
-              <a:buChar char="•"/>
-            </a:pPr>
-            <a:r>
-              <a:rPr lang="en-US" sz="1000" dirty="0">
-                <a:latin typeface="Helvetica Neue"/>
-              </a:rPr>
-              <a:t>Transmission &amp; Owner type are negatively correlated</a:t>
-            </a:r>
-          </a:p>
-          <a:p>
-            <a:pPr marL="171450" indent="-171450">
-              <a:buFont typeface="Arial" panose="020B0604020202020204" pitchFamily="34" charset="0"/>
-              <a:buChar char="•"/>
-            </a:pPr>
-            <a:r>
-              <a:rPr lang="en-US" sz="1000" dirty="0">
-                <a:latin typeface="Helvetica Neue"/>
-              </a:rPr>
-              <a:t>Manual Cars sold for less than automatic</a:t>
-            </a:r>
-          </a:p>
-          <a:p>
-            <a:pPr marL="171450" indent="-171450">
-              <a:buFont typeface="Arial" panose="020B0604020202020204" pitchFamily="34" charset="0"/>
-              <a:buChar char="•"/>
-            </a:pPr>
-            <a:endParaRPr lang="en-AU" sz="1000" dirty="0"/>
+              <a:t>Conclusions</a:t>
+            </a:r>
+          </a:p>
+          <a:p>
+            <a:endParaRPr lang="en-US" b="1" dirty="0"/>
           </a:p>
         </p:txBody>
       </p:sp>
     </p:spTree>
     <p:extLst>
       <p:ext uri="{BB962C8B-B14F-4D97-AF65-F5344CB8AC3E}">
-        <p14:creationId xmlns:p14="http://schemas.microsoft.com/office/powerpoint/2010/main" val="4244490377"/>
+        <p14:creationId xmlns:p14="http://schemas.microsoft.com/office/powerpoint/2010/main" val="2741717345"/>
       </p:ext>
     </p:extLst>
   </p:cSld>
@@ -6597,12 +6722,46 @@
           <a:chExt cx="0" cy="0"/>
         </a:xfrm>
       </p:grpSpPr>
+      <p:sp>
+        <p:nvSpPr>
+          <p:cNvPr id="2" name="Title 1">
+            <a:extLst>
+              <a:ext uri="{FF2B5EF4-FFF2-40B4-BE49-F238E27FC236}">
+                <a16:creationId xmlns:a16="http://schemas.microsoft.com/office/drawing/2014/main" id="{69DF11F2-E7D8-9FB2-E0A2-5EB933CCC074}"/>
+              </a:ext>
+            </a:extLst>
+          </p:cNvPr>
+          <p:cNvSpPr>
+            <a:spLocks noGrp="1"/>
+          </p:cNvSpPr>
+          <p:nvPr>
+            <p:ph type="title"/>
+          </p:nvPr>
+        </p:nvSpPr>
+        <p:spPr>
+          <a:xfrm>
+            <a:off x="333772" y="548680"/>
+            <a:ext cx="11089232" cy="4464496"/>
+          </a:xfrm>
+        </p:spPr>
+        <p:txBody>
+          <a:bodyPr/>
+          <a:lstStyle/>
+          <a:p>
+            <a:r>
+              <a:rPr lang="en-US" dirty="0"/>
+              <a:t>Questions? </a:t>
+            </a:r>
+            <a:endParaRPr lang="en-AU" dirty="0"/>
+          </a:p>
+        </p:txBody>
+      </p:sp>
       <p:pic>
         <p:nvPicPr>
-          <p:cNvPr id="3" name="Picture 2">
+          <p:cNvPr id="7" name="Picture 6">
             <a:extLst>
               <a:ext uri="{FF2B5EF4-FFF2-40B4-BE49-F238E27FC236}">
-                <a16:creationId xmlns:a16="http://schemas.microsoft.com/office/drawing/2014/main" id="{8CEBC6B6-B89D-B79B-FED5-062446F4A306}"/>
+                <a16:creationId xmlns:a16="http://schemas.microsoft.com/office/drawing/2014/main" id="{B7D4405D-CAA2-33BE-D08B-97CF79FCCB9F}"/>
               </a:ext>
             </a:extLst>
           </p:cNvPr>
@@ -6618,7 +6777,7 @@
         </p:blipFill>
         <p:spPr>
           <a:xfrm>
-            <a:off x="151065" y="116632"/>
+            <a:off x="3502124" y="1628800"/>
             <a:ext cx="5184576" cy="4608512"/>
           </a:xfrm>
           <a:prstGeom prst="ellipse">
@@ -6650,278 +6809,10 @@
           </a:sp3d>
         </p:spPr>
       </p:pic>
-      <p:sp>
-        <p:nvSpPr>
-          <p:cNvPr id="6" name="TextBox 5">
-            <a:extLst>
-              <a:ext uri="{FF2B5EF4-FFF2-40B4-BE49-F238E27FC236}">
-                <a16:creationId xmlns:a16="http://schemas.microsoft.com/office/drawing/2014/main" id="{220CD59F-6F23-168F-DAC8-9B29E9559D65}"/>
-              </a:ext>
-            </a:extLst>
-          </p:cNvPr>
-          <p:cNvSpPr txBox="1"/>
-          <p:nvPr/>
-        </p:nvSpPr>
-        <p:spPr>
-          <a:xfrm>
-            <a:off x="5198763" y="404371"/>
-            <a:ext cx="6408712" cy="1200329"/>
-          </a:xfrm>
-          <a:prstGeom prst="rect">
-            <a:avLst/>
-          </a:prstGeom>
-          <a:noFill/>
-        </p:spPr>
-        <p:txBody>
-          <a:bodyPr wrap="square" rtlCol="0">
-            <a:spAutoFit/>
-          </a:bodyPr>
-          <a:lstStyle/>
-          <a:p>
-            <a:r>
-              <a:rPr lang="en-US" dirty="0"/>
-              <a:t>Facts &amp; Stats: </a:t>
-            </a:r>
-          </a:p>
-          <a:p>
-            <a:endParaRPr lang="en-US" dirty="0"/>
-          </a:p>
-          <a:p>
-            <a:endParaRPr lang="en-US" dirty="0"/>
-          </a:p>
-          <a:p>
-            <a:r>
-              <a:rPr lang="en-US" dirty="0"/>
-              <a:t> </a:t>
-            </a:r>
-            <a:endParaRPr lang="en-AU" dirty="0"/>
-          </a:p>
-        </p:txBody>
-      </p:sp>
-      <p:pic>
-        <p:nvPicPr>
-          <p:cNvPr id="8" name="Picture 7">
-            <a:extLst>
-              <a:ext uri="{FF2B5EF4-FFF2-40B4-BE49-F238E27FC236}">
-                <a16:creationId xmlns:a16="http://schemas.microsoft.com/office/drawing/2014/main" id="{1736CB2B-47C1-1C07-2C88-D8B4D3E1CD45}"/>
-              </a:ext>
-            </a:extLst>
-          </p:cNvPr>
-          <p:cNvPicPr>
-            <a:picLocks noChangeAspect="1"/>
-          </p:cNvPicPr>
-          <p:nvPr/>
-        </p:nvPicPr>
-        <p:blipFill>
-          <a:blip r:embed="rId3"/>
-          <a:stretch>
-            <a:fillRect/>
-          </a:stretch>
-        </p:blipFill>
-        <p:spPr>
-          <a:xfrm>
-            <a:off x="5478343" y="3165364"/>
-            <a:ext cx="5992254" cy="2276793"/>
-          </a:xfrm>
-          <a:prstGeom prst="rect">
-            <a:avLst/>
-          </a:prstGeom>
-        </p:spPr>
-      </p:pic>
-      <p:graphicFrame>
-        <p:nvGraphicFramePr>
-          <p:cNvPr id="9" name="Table 9">
-            <a:extLst>
-              <a:ext uri="{FF2B5EF4-FFF2-40B4-BE49-F238E27FC236}">
-                <a16:creationId xmlns:a16="http://schemas.microsoft.com/office/drawing/2014/main" id="{50846A7D-1B05-1123-2AA2-17D3DDD7D0F9}"/>
-              </a:ext>
-            </a:extLst>
-          </p:cNvPr>
-          <p:cNvGraphicFramePr>
-            <a:graphicFrameLocks noGrp="1"/>
-          </p:cNvGraphicFramePr>
-          <p:nvPr>
-            <p:extLst>
-              <p:ext uri="{D42A27DB-BD31-4B8C-83A1-F6EECF244321}">
-                <p14:modId xmlns:p14="http://schemas.microsoft.com/office/powerpoint/2010/main" val="3836703356"/>
-              </p:ext>
-            </p:extLst>
-          </p:nvPr>
-        </p:nvGraphicFramePr>
-        <p:xfrm>
-          <a:off x="5511210" y="764704"/>
-          <a:ext cx="5959387" cy="2400660"/>
-        </p:xfrm>
-        <a:graphic>
-          <a:graphicData uri="http://schemas.openxmlformats.org/drawingml/2006/table">
-            <a:tbl>
-              <a:tblPr firstRow="1" bandRow="1">
-                <a:tableStyleId>{21E4AEA4-8DFA-4A89-87EB-49C32662AFE0}</a:tableStyleId>
-              </a:tblPr>
-              <a:tblGrid>
-                <a:gridCol w="2905439">
-                  <a:extLst>
-                    <a:ext uri="{9D8B030D-6E8A-4147-A177-3AD203B41FA5}">
-                      <a16:colId xmlns:a16="http://schemas.microsoft.com/office/drawing/2014/main" val="219638525"/>
-                    </a:ext>
-                  </a:extLst>
-                </a:gridCol>
-                <a:gridCol w="3053948">
-                  <a:extLst>
-                    <a:ext uri="{9D8B030D-6E8A-4147-A177-3AD203B41FA5}">
-                      <a16:colId xmlns:a16="http://schemas.microsoft.com/office/drawing/2014/main" val="2028128845"/>
-                    </a:ext>
-                  </a:extLst>
-                </a:gridCol>
-              </a:tblGrid>
-              <a:tr h="600165">
-                <a:tc>
-                  <a:txBody>
-                    <a:bodyPr/>
-                    <a:lstStyle/>
-                    <a:p>
-                      <a:r>
-                        <a:rPr lang="en-US" dirty="0"/>
-                        <a:t>Statistic</a:t>
-                      </a:r>
-                      <a:endParaRPr lang="en-AU" dirty="0"/>
-                    </a:p>
-                  </a:txBody>
-                  <a:tcPr/>
-                </a:tc>
-                <a:tc>
-                  <a:txBody>
-                    <a:bodyPr/>
-                    <a:lstStyle/>
-                    <a:p>
-                      <a:r>
-                        <a:rPr lang="en-US" dirty="0"/>
-                        <a:t>Value</a:t>
-                      </a:r>
-                      <a:endParaRPr lang="en-AU" dirty="0"/>
-                    </a:p>
-                  </a:txBody>
-                  <a:tcPr/>
-                </a:tc>
-                <a:extLst>
-                  <a:ext uri="{0D108BD9-81ED-4DB2-BD59-A6C34878D82A}">
-                    <a16:rowId xmlns:a16="http://schemas.microsoft.com/office/drawing/2014/main" val="3243644883"/>
-                  </a:ext>
-                </a:extLst>
-              </a:tr>
-              <a:tr h="600165">
-                <a:tc>
-                  <a:txBody>
-                    <a:bodyPr/>
-                    <a:lstStyle/>
-                    <a:p>
-                      <a:r>
-                        <a:rPr lang="en-US" dirty="0"/>
-                        <a:t>Adj R Squared Value</a:t>
-                      </a:r>
-                      <a:endParaRPr lang="en-AU" dirty="0"/>
-                    </a:p>
-                  </a:txBody>
-                  <a:tcPr/>
-                </a:tc>
-                <a:tc>
-                  <a:txBody>
-                    <a:bodyPr/>
-                    <a:lstStyle/>
-                    <a:p>
-                      <a:r>
-                        <a:rPr lang="en-US" dirty="0"/>
-                        <a:t>.953</a:t>
-                      </a:r>
-                      <a:endParaRPr lang="en-AU" dirty="0"/>
-                    </a:p>
-                  </a:txBody>
-                  <a:tcPr/>
-                </a:tc>
-                <a:extLst>
-                  <a:ext uri="{0D108BD9-81ED-4DB2-BD59-A6C34878D82A}">
-                    <a16:rowId xmlns:a16="http://schemas.microsoft.com/office/drawing/2014/main" val="3296189787"/>
-                  </a:ext>
-                </a:extLst>
-              </a:tr>
-              <a:tr h="600165">
-                <a:tc>
-                  <a:txBody>
-                    <a:bodyPr/>
-                    <a:lstStyle/>
-                    <a:p>
-                      <a:r>
-                        <a:rPr lang="en-US" dirty="0"/>
-                        <a:t>F Statistic </a:t>
-                      </a:r>
-                      <a:endParaRPr lang="en-AU" dirty="0"/>
-                    </a:p>
-                  </a:txBody>
-                  <a:tcPr/>
-                </a:tc>
-                <a:tc>
-                  <a:txBody>
-                    <a:bodyPr/>
-                    <a:lstStyle/>
-                    <a:p>
-                      <a:r>
-                        <a:rPr lang="en-US" dirty="0"/>
-                        <a:t>1.033</a:t>
-                      </a:r>
-                      <a:endParaRPr lang="en-AU" dirty="0"/>
-                    </a:p>
-                  </a:txBody>
-                  <a:tcPr/>
-                </a:tc>
-                <a:extLst>
-                  <a:ext uri="{0D108BD9-81ED-4DB2-BD59-A6C34878D82A}">
-                    <a16:rowId xmlns:a16="http://schemas.microsoft.com/office/drawing/2014/main" val="634883149"/>
-                  </a:ext>
-                </a:extLst>
-              </a:tr>
-              <a:tr h="600165">
-                <a:tc>
-                  <a:txBody>
-                    <a:bodyPr/>
-                    <a:lstStyle/>
-                    <a:p>
-                      <a:r>
-                        <a:rPr lang="en-US" dirty="0"/>
-                        <a:t>P-Value</a:t>
-                      </a:r>
-                      <a:endParaRPr lang="en-AU" dirty="0"/>
-                    </a:p>
-                  </a:txBody>
-                  <a:tcPr/>
-                </a:tc>
-                <a:tc>
-                  <a:txBody>
-                    <a:bodyPr/>
-                    <a:lstStyle/>
-                    <a:p>
-                      <a:r>
-                        <a:rPr lang="en-US" dirty="0"/>
-                        <a:t>.201</a:t>
-                      </a:r>
-                      <a:endParaRPr lang="en-AU" dirty="0"/>
-                    </a:p>
-                  </a:txBody>
-                  <a:tcPr/>
-                </a:tc>
-                <a:extLst>
-                  <a:ext uri="{0D108BD9-81ED-4DB2-BD59-A6C34878D82A}">
-                    <a16:rowId xmlns:a16="http://schemas.microsoft.com/office/drawing/2014/main" val="4276520115"/>
-                  </a:ext>
-                </a:extLst>
-              </a:tr>
-            </a:tbl>
-          </a:graphicData>
-        </a:graphic>
-      </p:graphicFrame>
     </p:spTree>
     <p:extLst>
       <p:ext uri="{BB962C8B-B14F-4D97-AF65-F5344CB8AC3E}">
-        <p14:creationId xmlns:p14="http://schemas.microsoft.com/office/powerpoint/2010/main" val="3033507961"/>
+        <p14:creationId xmlns:p14="http://schemas.microsoft.com/office/powerpoint/2010/main" val="3615439582"/>
       </p:ext>
     </p:extLst>
   </p:cSld>
